--- a/seminar.pptx
+++ b/seminar.pptx
@@ -19,17 +19,19 @@
     <p:sldId id="269" r:id="rId13"/>
     <p:sldId id="280" r:id="rId14"/>
     <p:sldId id="260" r:id="rId15"/>
-    <p:sldId id="281" r:id="rId16"/>
-    <p:sldId id="261" r:id="rId17"/>
-    <p:sldId id="262" r:id="rId18"/>
-    <p:sldId id="263" r:id="rId19"/>
-    <p:sldId id="264" r:id="rId20"/>
-    <p:sldId id="265" r:id="rId21"/>
-    <p:sldId id="266" r:id="rId22"/>
-    <p:sldId id="267" r:id="rId23"/>
-    <p:sldId id="268" r:id="rId24"/>
-    <p:sldId id="270" r:id="rId25"/>
-    <p:sldId id="282" r:id="rId26"/>
+    <p:sldId id="283" r:id="rId16"/>
+    <p:sldId id="284" r:id="rId17"/>
+    <p:sldId id="281" r:id="rId18"/>
+    <p:sldId id="261" r:id="rId19"/>
+    <p:sldId id="262" r:id="rId20"/>
+    <p:sldId id="263" r:id="rId21"/>
+    <p:sldId id="264" r:id="rId22"/>
+    <p:sldId id="265" r:id="rId23"/>
+    <p:sldId id="266" r:id="rId24"/>
+    <p:sldId id="267" r:id="rId25"/>
+    <p:sldId id="268" r:id="rId26"/>
+    <p:sldId id="270" r:id="rId27"/>
+    <p:sldId id="282" r:id="rId28"/>
   </p:sldIdLst>
   <p:sldSz cx="12192000" cy="6858000"/>
   <p:notesSz cx="6858000" cy="9144000"/>
@@ -141,7 +143,7 @@
   <pc:docChgLst>
     <pc:chgData name="Rubix Stars" userId="b9854b8040c94f5b" providerId="LiveId" clId="{E0B69063-9390-45FD-8A19-D41AAEEEFE15}"/>
     <pc:docChg chg="undo custSel addSld delSld modSld sldOrd">
-      <pc:chgData name="Rubix Stars" userId="b9854b8040c94f5b" providerId="LiveId" clId="{E0B69063-9390-45FD-8A19-D41AAEEEFE15}" dt="2024-11-27T18:54:36.493" v="687" actId="404"/>
+      <pc:chgData name="Rubix Stars" userId="b9854b8040c94f5b" providerId="LiveId" clId="{E0B69063-9390-45FD-8A19-D41AAEEEFE15}" dt="2024-11-27T20:21:49.921" v="1775" actId="113"/>
       <pc:docMkLst>
         <pc:docMk/>
       </pc:docMkLst>
@@ -342,7 +344,7 @@
         </pc:spChg>
       </pc:sldChg>
       <pc:sldChg chg="addSp delSp modSp mod delDesignElem">
-        <pc:chgData name="Rubix Stars" userId="b9854b8040c94f5b" providerId="LiveId" clId="{E0B69063-9390-45FD-8A19-D41AAEEEFE15}" dt="2024-11-27T18:53:25.001" v="605" actId="1076"/>
+        <pc:chgData name="Rubix Stars" userId="b9854b8040c94f5b" providerId="LiveId" clId="{E0B69063-9390-45FD-8A19-D41AAEEEFE15}" dt="2024-11-27T20:16:37.897" v="1674" actId="14100"/>
         <pc:sldMkLst>
           <pc:docMk/>
           <pc:sldMk cId="3288412538" sldId="260"/>
@@ -356,7 +358,7 @@
           </ac:spMkLst>
         </pc:spChg>
         <pc:spChg chg="mod">
-          <ac:chgData name="Rubix Stars" userId="b9854b8040c94f5b" providerId="LiveId" clId="{E0B69063-9390-45FD-8A19-D41AAEEEFE15}" dt="2024-11-27T18:53:25.001" v="605" actId="1076"/>
+          <ac:chgData name="Rubix Stars" userId="b9854b8040c94f5b" providerId="LiveId" clId="{E0B69063-9390-45FD-8A19-D41AAEEEFE15}" dt="2024-11-27T20:16:37.897" v="1674" actId="14100"/>
           <ac:spMkLst>
             <pc:docMk/>
             <pc:sldMk cId="3288412538" sldId="260"/>
@@ -1276,13 +1278,13 @@
         </pc:spChg>
       </pc:sldChg>
       <pc:sldChg chg="addSp delSp modSp add mod ord">
-        <pc:chgData name="Rubix Stars" userId="b9854b8040c94f5b" providerId="LiveId" clId="{E0B69063-9390-45FD-8A19-D41AAEEEFE15}" dt="2024-11-27T18:45:06.064" v="534"/>
+        <pc:chgData name="Rubix Stars" userId="b9854b8040c94f5b" providerId="LiveId" clId="{E0B69063-9390-45FD-8A19-D41AAEEEFE15}" dt="2024-11-27T20:21:49.921" v="1775" actId="113"/>
         <pc:sldMkLst>
           <pc:docMk/>
           <pc:sldMk cId="1714827718" sldId="280"/>
         </pc:sldMkLst>
         <pc:spChg chg="mod">
-          <ac:chgData name="Rubix Stars" userId="b9854b8040c94f5b" providerId="LiveId" clId="{E0B69063-9390-45FD-8A19-D41AAEEEFE15}" dt="2024-11-27T18:44:45.722" v="529" actId="1076"/>
+          <ac:chgData name="Rubix Stars" userId="b9854b8040c94f5b" providerId="LiveId" clId="{E0B69063-9390-45FD-8A19-D41AAEEEFE15}" dt="2024-11-27T20:18:36.429" v="1755" actId="20577"/>
           <ac:spMkLst>
             <pc:docMk/>
             <pc:sldMk cId="1714827718" sldId="280"/>
@@ -1290,7 +1292,7 @@
           </ac:spMkLst>
         </pc:spChg>
         <pc:spChg chg="mod">
-          <ac:chgData name="Rubix Stars" userId="b9854b8040c94f5b" providerId="LiveId" clId="{E0B69063-9390-45FD-8A19-D41AAEEEFE15}" dt="2024-11-27T18:44:45.722" v="529" actId="1076"/>
+          <ac:chgData name="Rubix Stars" userId="b9854b8040c94f5b" providerId="LiveId" clId="{E0B69063-9390-45FD-8A19-D41AAEEEFE15}" dt="2024-11-27T20:21:49.921" v="1775" actId="113"/>
           <ac:spMkLst>
             <pc:docMk/>
             <pc:sldMk cId="1714827718" sldId="280"/>
@@ -1325,6 +1327,52 @@
             <pc:docMk/>
             <pc:sldMk cId="2793378809" sldId="282"/>
             <ac:spMk id="2" creationId="{4B3C796E-04E8-29FF-C870-56C7DEEB94D7}"/>
+          </ac:spMkLst>
+        </pc:spChg>
+      </pc:sldChg>
+      <pc:sldChg chg="addSp modSp add mod">
+        <pc:chgData name="Rubix Stars" userId="b9854b8040c94f5b" providerId="LiveId" clId="{E0B69063-9390-45FD-8A19-D41AAEEEFE15}" dt="2024-11-27T20:21:06.260" v="1770" actId="1076"/>
+        <pc:sldMkLst>
+          <pc:docMk/>
+          <pc:sldMk cId="3033254415" sldId="283"/>
+        </pc:sldMkLst>
+        <pc:spChg chg="mod">
+          <ac:chgData name="Rubix Stars" userId="b9854b8040c94f5b" providerId="LiveId" clId="{E0B69063-9390-45FD-8A19-D41AAEEEFE15}" dt="2024-11-27T20:20:49.412" v="1765" actId="21"/>
+          <ac:spMkLst>
+            <pc:docMk/>
+            <pc:sldMk cId="3033254415" sldId="283"/>
+            <ac:spMk id="3" creationId="{65186477-E97B-C933-64F6-721001B05BEC}"/>
+          </ac:spMkLst>
+        </pc:spChg>
+        <pc:spChg chg="add mod">
+          <ac:chgData name="Rubix Stars" userId="b9854b8040c94f5b" providerId="LiveId" clId="{E0B69063-9390-45FD-8A19-D41AAEEEFE15}" dt="2024-11-27T20:21:02.404" v="1769" actId="1076"/>
+          <ac:spMkLst>
+            <pc:docMk/>
+            <pc:sldMk cId="3033254415" sldId="283"/>
+            <ac:spMk id="7" creationId="{E3447BAD-CF17-7B4F-6DFB-81F83B55BB23}"/>
+          </ac:spMkLst>
+        </pc:spChg>
+        <pc:picChg chg="add mod">
+          <ac:chgData name="Rubix Stars" userId="b9854b8040c94f5b" providerId="LiveId" clId="{E0B69063-9390-45FD-8A19-D41AAEEEFE15}" dt="2024-11-27T20:21:06.260" v="1770" actId="1076"/>
+          <ac:picMkLst>
+            <pc:docMk/>
+            <pc:sldMk cId="3033254415" sldId="283"/>
+            <ac:picMk id="5" creationId="{AFBD50F8-AC12-91A7-C1CF-C309D5D8AFCD}"/>
+          </ac:picMkLst>
+        </pc:picChg>
+      </pc:sldChg>
+      <pc:sldChg chg="modSp add mod">
+        <pc:chgData name="Rubix Stars" userId="b9854b8040c94f5b" providerId="LiveId" clId="{E0B69063-9390-45FD-8A19-D41AAEEEFE15}" dt="2024-11-27T20:21:18.999" v="1772" actId="1076"/>
+        <pc:sldMkLst>
+          <pc:docMk/>
+          <pc:sldMk cId="117381413" sldId="284"/>
+        </pc:sldMkLst>
+        <pc:spChg chg="mod">
+          <ac:chgData name="Rubix Stars" userId="b9854b8040c94f5b" providerId="LiveId" clId="{E0B69063-9390-45FD-8A19-D41AAEEEFE15}" dt="2024-11-27T20:21:18.999" v="1772" actId="1076"/>
+          <ac:spMkLst>
+            <pc:docMk/>
+            <pc:sldMk cId="117381413" sldId="284"/>
+            <ac:spMk id="3" creationId="{DBCFC699-2981-8037-FA18-C387753F1A34}"/>
           </ac:spMkLst>
         </pc:spChg>
       </pc:sldChg>
@@ -6842,7 +6890,7 @@
         </p:spPr>
         <p:txBody>
           <a:bodyPr anchor="ctr">
-            <a:normAutofit fontScale="92500" lnSpcReduction="20000"/>
+            <a:normAutofit/>
           </a:bodyPr>
           <a:lstStyle/>
           <a:p>
@@ -6850,11 +6898,11 @@
               <a:buNone/>
             </a:pPr>
             <a:r>
-              <a:rPr lang="en-US" sz="2000" b="1" dirty="0"/>
+              <a:rPr lang="en-US" sz="1800" b="1" dirty="0"/>
               <a:t>Anticoagulants</a:t>
             </a:r>
             <a:r>
-              <a:rPr lang="en-US" sz="2000" dirty="0"/>
+              <a:rPr lang="en-US" sz="1800" dirty="0"/>
               <a:t> prevent blood from clotting. They are mainly used: </a:t>
             </a:r>
           </a:p>
@@ -6863,24 +6911,8 @@
               <a:buAutoNum type="arabicPeriod"/>
             </a:pPr>
             <a:r>
-              <a:rPr lang="en-US" sz="2000" dirty="0"/>
-              <a:t>For collection of blood sample for laboratory </a:t>
-            </a:r>
-            <a:r>
-              <a:rPr lang="en-US" sz="2000" dirty="0" err="1"/>
-              <a:t>investiga</a:t>
-            </a:r>
-            <a:r>
-              <a:rPr lang="en-US" sz="2000" dirty="0"/>
-              <a:t> </a:t>
-            </a:r>
-            <a:r>
-              <a:rPr lang="en-US" sz="2000" dirty="0" err="1"/>
-              <a:t>tions</a:t>
-            </a:r>
-            <a:r>
-              <a:rPr lang="en-US" sz="2000" dirty="0"/>
-              <a:t> </a:t>
+              <a:rPr lang="en-US" sz="1800" dirty="0"/>
+              <a:t>For collection of blood sample for laboratory investigations </a:t>
             </a:r>
           </a:p>
           <a:p>
@@ -6888,7 +6920,7 @@
               <a:buAutoNum type="arabicPeriod"/>
             </a:pPr>
             <a:r>
-              <a:rPr lang="en-US" sz="2000" dirty="0"/>
+              <a:rPr lang="en-US" sz="1800" dirty="0"/>
               <a:t>For preserving blood for transfusion</a:t>
             </a:r>
           </a:p>
@@ -6897,10 +6929,10 @@
               <a:buAutoNum type="arabicPeriod"/>
             </a:pPr>
             <a:r>
-              <a:rPr lang="en-US" sz="2000" dirty="0"/>
+              <a:rPr lang="en-US" sz="1800" dirty="0"/>
               <a:t>For anticoagulation therapy</a:t>
             </a:r>
-            <a:endParaRPr lang="en-IN" sz="3200" dirty="0"/>
+            <a:endParaRPr lang="en-IN" sz="1800" dirty="0"/>
           </a:p>
         </p:txBody>
       </p:sp>
@@ -6918,8 +6950,8 @@
         </p:nvSpPr>
         <p:spPr>
           <a:xfrm>
-            <a:off x="4438628" y="1894922"/>
-            <a:ext cx="7075808" cy="4801314"/>
+            <a:off x="4438628" y="2027520"/>
+            <a:ext cx="7075808" cy="4524315"/>
           </a:xfrm>
           <a:prstGeom prst="rect">
             <a:avLst/>
@@ -6933,7 +6965,7 @@
           <a:lstStyle/>
           <a:p>
             <a:r>
-              <a:rPr lang="en-IN" dirty="0"/>
+              <a:rPr lang="en-IN" b="1" dirty="0"/>
               <a:t>Anticoagulants for Blood Collection</a:t>
             </a:r>
           </a:p>
@@ -6966,7 +6998,7 @@
             </a:pPr>
             <a:r>
               <a:rPr lang="en-IN" dirty="0"/>
-              <a:t>Double Oxalate</a:t>
+              <a:t>Oxalates</a:t>
             </a:r>
           </a:p>
           <a:p>
@@ -6976,26 +7008,6 @@
             </a:pPr>
             <a:r>
               <a:rPr lang="en-IN" dirty="0"/>
-              <a:t>Sodium Fluoride</a:t>
-            </a:r>
-          </a:p>
-          <a:p>
-            <a:pPr marL="342900" indent="-342900">
-              <a:buFont typeface="+mj-lt"/>
-              <a:buAutoNum type="arabicPeriod"/>
-            </a:pPr>
-            <a:r>
-              <a:rPr lang="en-IN" dirty="0"/>
-              <a:t>Oxalates</a:t>
-            </a:r>
-          </a:p>
-          <a:p>
-            <a:pPr marL="342900" indent="-342900">
-              <a:buFont typeface="+mj-lt"/>
-              <a:buAutoNum type="arabicPeriod"/>
-            </a:pPr>
-            <a:r>
-              <a:rPr lang="en-IN" dirty="0"/>
               <a:t>Heparin</a:t>
             </a:r>
           </a:p>
@@ -7004,7 +7016,7 @@
           </a:p>
           <a:p>
             <a:r>
-              <a:rPr lang="en-IN" dirty="0"/>
+              <a:rPr lang="en-IN" b="1" dirty="0"/>
               <a:t>Anticoagulants for Anticoagulation Therapy</a:t>
             </a:r>
           </a:p>
@@ -7024,6 +7036,15 @@
             <a:r>
               <a:rPr lang="en-IN" dirty="0"/>
               <a:t>Warfarin</a:t>
+            </a:r>
+          </a:p>
+          <a:p>
+            <a:pPr marL="342900" indent="-342900">
+              <a:buAutoNum type="arabicPeriod"/>
+            </a:pPr>
+            <a:r>
+              <a:rPr lang="en-IN" dirty="0"/>
+              <a:t>Dicoumarol</a:t>
             </a:r>
           </a:p>
           <a:p>
@@ -7052,7 +7073,7 @@
           </a:p>
           <a:p>
             <a:r>
-              <a:rPr lang="en-IN" dirty="0"/>
+              <a:rPr lang="en-IN" b="1" dirty="0"/>
               <a:t>Intravenous or Subcutaneous Anticoagulants</a:t>
             </a:r>
           </a:p>
@@ -7801,8 +7822,8 @@
         </p:nvSpPr>
         <p:spPr>
           <a:xfrm>
-            <a:off x="4432830" y="320633"/>
-            <a:ext cx="6555347" cy="5477128"/>
+            <a:off x="4563458" y="868525"/>
+            <a:ext cx="7277089" cy="5477128"/>
           </a:xfrm>
         </p:spPr>
         <p:txBody>
@@ -7815,15 +7836,45 @@
               <a:buNone/>
             </a:pPr>
             <a:r>
+              <a:rPr lang="en-US" sz="2000" b="1" u="sng" dirty="0"/>
+              <a:t>A] Anticoagulants for Blood Collection </a:t>
+            </a:r>
+          </a:p>
+          <a:p>
+            <a:pPr marL="0" indent="0">
+              <a:buNone/>
+            </a:pPr>
+            <a:r>
               <a:rPr lang="en-US" sz="2000" b="1" dirty="0"/>
-              <a:t>EDTA (Ethylenediamine Tetra-acetic Acid)</a:t>
+              <a:t>1. EDTA (Ethylenediamine Tetra-acetic Acid)</a:t>
             </a:r>
             <a:br>
               <a:rPr lang="en-US" sz="2000" b="1" dirty="0"/>
             </a:br>
             <a:r>
               <a:rPr lang="en-US" sz="2000" dirty="0"/>
-              <a:t>It acts by its chelating effect on the blood calcium. It inactivates calcium by forming insoluble complex with it. As calcium is an important cofactor for blood coagulation, chelation of calcium prevents blood to clot. </a:t>
+              <a:t>Na &amp; K salts of EDTA are used </a:t>
+            </a:r>
+            <a:br>
+              <a:rPr lang="en-US" sz="2000" dirty="0"/>
+            </a:br>
+            <a:r>
+              <a:rPr lang="en-US" sz="2000" dirty="0"/>
+              <a:t>Most powerful anticoagulant</a:t>
+            </a:r>
+            <a:br>
+              <a:rPr lang="en-US" sz="2000" dirty="0"/>
+            </a:br>
+            <a:r>
+              <a:rPr lang="en-US" sz="2000" dirty="0"/>
+              <a:t>Acts by chelating effect on blood Calcium</a:t>
+            </a:r>
+            <a:br>
+              <a:rPr lang="en-US" sz="2000" dirty="0"/>
+            </a:br>
+            <a:r>
+              <a:rPr lang="en-US" sz="2000" dirty="0"/>
+              <a:t>Inactivates calcium by forming insoluble complex with it</a:t>
             </a:r>
           </a:p>
           <a:p>
@@ -7832,14 +7883,30 @@
             </a:pPr>
             <a:r>
               <a:rPr lang="en-US" sz="2000" b="1" dirty="0"/>
-              <a:t>Sodium Citrate</a:t>
+              <a:t>2. Sodium Citrate (Trisodium Citrate)</a:t>
+            </a:r>
+            <a:br>
+              <a:rPr lang="en-US" sz="2000" dirty="0"/>
+            </a:br>
+            <a:r>
+              <a:rPr lang="en-US" sz="2000" dirty="0"/>
+              <a:t>Inactivates Calcium ions</a:t>
+            </a:r>
+          </a:p>
+          <a:p>
+            <a:pPr marL="0" indent="0">
+              <a:buNone/>
+            </a:pPr>
+            <a:r>
+              <a:rPr lang="en-US" sz="2000" b="1" dirty="0"/>
+              <a:t>3. Oxalates</a:t>
             </a:r>
             <a:br>
               <a:rPr lang="en-US" sz="2000" b="1" dirty="0"/>
             </a:br>
             <a:r>
               <a:rPr lang="en-US" sz="2000" dirty="0"/>
-              <a:t>Prevents coagulation by inactivating calcium ions. </a:t>
+              <a:t>The oxalates (Na, K, Li, NH4) form an insoluble complex with the calcium in the blood, and thereby prevent coagulation.</a:t>
             </a:r>
           </a:p>
           <a:p>
@@ -7848,67 +7915,37 @@
             </a:pPr>
             <a:r>
               <a:rPr lang="en-US" sz="2000" b="1" dirty="0"/>
-              <a:t>Oxalate</a:t>
+              <a:t>4. Heparin</a:t>
             </a:r>
             <a:br>
               <a:rPr lang="en-US" sz="2000" b="1" dirty="0"/>
             </a:br>
             <a:r>
               <a:rPr lang="en-US" sz="2000" dirty="0"/>
-              <a:t>The oxalates form an insoluble complex with the calcium in the blood, and thereby prevent coagulation.</a:t>
-            </a:r>
-          </a:p>
-          <a:p>
-            <a:pPr marL="0" indent="0">
-              <a:buNone/>
-            </a:pPr>
-            <a:r>
-              <a:rPr lang="en-US" sz="2000" b="1" dirty="0"/>
-              <a:t>Heparin</a:t>
-            </a:r>
-            <a:br>
-              <a:rPr lang="en-US" sz="2000" b="1" dirty="0"/>
-            </a:br>
-            <a:r>
-              <a:rPr lang="en-US" sz="2000" dirty="0" err="1"/>
-              <a:t>Heparin</a:t>
-            </a:r>
-            <a:r>
-              <a:rPr lang="en-US" sz="2000" dirty="0"/>
-              <a:t> is a natural constituent of blood. It prevents coagulation for approximately 24 hours by neutralizing thrombin. It facilitates action of anti thrombin III. Thus, it prevents formation of fibrin from fibrinogen. </a:t>
-            </a:r>
-          </a:p>
-          <a:p>
-            <a:pPr marL="0" indent="0">
-              <a:buNone/>
-            </a:pPr>
-            <a:r>
-              <a:rPr lang="en-US" sz="2000" b="1" dirty="0"/>
-              <a:t>Vitamin K Antagonists </a:t>
+              <a:t>Heparin is a natural constituent of blood. </a:t>
             </a:r>
             <a:br>
               <a:rPr lang="en-US" sz="2000" dirty="0"/>
             </a:br>
             <a:r>
               <a:rPr lang="en-US" sz="2000" dirty="0"/>
-              <a:t>The commonly used vitamin K antagonist is warfarin. This is a coumarin derivative. </a:t>
-            </a:r>
-          </a:p>
-          <a:p>
-            <a:pPr marL="0" indent="0">
-              <a:buNone/>
-            </a:pPr>
-            <a:r>
-              <a:rPr lang="en-US" sz="2000" b="1" dirty="0"/>
-              <a:t>Hirudin</a:t>
+              <a:t>Prevents coagulation for 24 hours by neutralizing thrombin. </a:t>
             </a:r>
             <a:br>
               <a:rPr lang="en-US" sz="2000" dirty="0"/>
             </a:br>
             <a:r>
               <a:rPr lang="en-US" sz="2000" dirty="0"/>
-              <a:t>It is a naturally occurring most specific inhibitor of thrombin. </a:t>
-            </a:r>
+              <a:t>Facilitates action of anti-thrombin III.</a:t>
+            </a:r>
+            <a:br>
+              <a:rPr lang="en-US" sz="2000" dirty="0"/>
+            </a:br>
+            <a:r>
+              <a:rPr lang="en-US" sz="2000" dirty="0"/>
+              <a:t>Prevents formation of fibrin from fibrinogen. </a:t>
+            </a:r>
+            <a:endParaRPr lang="en-US" sz="2000" b="1" dirty="0"/>
           </a:p>
         </p:txBody>
       </p:sp>
@@ -7941,7 +7978,7 @@
         <p:cNvPr id="1" name="">
           <a:extLst>
             <a:ext uri="{FF2B5EF4-FFF2-40B4-BE49-F238E27FC236}">
-              <a16:creationId xmlns:a16="http://schemas.microsoft.com/office/drawing/2014/main" id="{AA2455D5-DD89-F82C-67FB-8334965315D5}"/>
+              <a16:creationId xmlns:a16="http://schemas.microsoft.com/office/drawing/2014/main" id="{B89FFE73-B4D7-5A34-B62C-8348E00E19BB}"/>
             </a:ext>
           </a:extLst>
         </p:cNvPr>
@@ -7961,7 +7998,7 @@
           <p:cNvPr id="8" name="Rectangle 7">
             <a:extLst>
               <a:ext uri="{FF2B5EF4-FFF2-40B4-BE49-F238E27FC236}">
-                <a16:creationId xmlns:a16="http://schemas.microsoft.com/office/drawing/2014/main" id="{CD9AA918-66F1-070B-F46E-CA7B8C198D6A}"/>
+                <a16:creationId xmlns:a16="http://schemas.microsoft.com/office/drawing/2014/main" id="{866992F5-F178-B494-D95B-9A46779A2F3F}"/>
               </a:ext>
               <a:ext uri="{C183D7F6-B498-43B3-948B-1728B52AA6E4}">
                 <adec:decorative xmlns:adec="http://schemas.microsoft.com/office/drawing/2017/decorative" val="1"/>
@@ -8037,7 +8074,7 @@
           <p:cNvPr id="10" name="Rectangle 9">
             <a:extLst>
               <a:ext uri="{FF2B5EF4-FFF2-40B4-BE49-F238E27FC236}">
-                <a16:creationId xmlns:a16="http://schemas.microsoft.com/office/drawing/2014/main" id="{72F78BC1-2BA3-BABC-5B0D-3F67DF31099B}"/>
+                <a16:creationId xmlns:a16="http://schemas.microsoft.com/office/drawing/2014/main" id="{F9A04C53-D555-4991-E6D1-A2945986719C}"/>
               </a:ext>
               <a:ext uri="{C183D7F6-B498-43B3-948B-1728B52AA6E4}">
                 <adec:decorative xmlns:adec="http://schemas.microsoft.com/office/drawing/2017/decorative" val="1"/>
@@ -8113,7 +8150,7 @@
           <p:cNvPr id="12" name="Rectangle 11">
             <a:extLst>
               <a:ext uri="{FF2B5EF4-FFF2-40B4-BE49-F238E27FC236}">
-                <a16:creationId xmlns:a16="http://schemas.microsoft.com/office/drawing/2014/main" id="{52B304D8-F444-C6BB-DAE5-03BF95DE5E87}"/>
+                <a16:creationId xmlns:a16="http://schemas.microsoft.com/office/drawing/2014/main" id="{C6254056-F3C6-5289-C20D-4FE18CC6F777}"/>
               </a:ext>
               <a:ext uri="{C183D7F6-B498-43B3-948B-1728B52AA6E4}">
                 <adec:decorative xmlns:adec="http://schemas.microsoft.com/office/drawing/2017/decorative" val="1"/>
@@ -8186,7 +8223,7 @@
           <p:cNvPr id="14" name="Rectangle 13">
             <a:extLst>
               <a:ext uri="{FF2B5EF4-FFF2-40B4-BE49-F238E27FC236}">
-                <a16:creationId xmlns:a16="http://schemas.microsoft.com/office/drawing/2014/main" id="{7633069B-9C77-7E3D-371A-31FBCA8C7D4A}"/>
+                <a16:creationId xmlns:a16="http://schemas.microsoft.com/office/drawing/2014/main" id="{EE227BA0-718C-0062-D8DF-D7C2C2D4EFAA}"/>
               </a:ext>
               <a:ext uri="{C183D7F6-B498-43B3-948B-1728B52AA6E4}">
                 <adec:decorative xmlns:adec="http://schemas.microsoft.com/office/drawing/2017/decorative" val="1"/>
@@ -8261,7 +8298,7 @@
           <p:cNvPr id="16" name="Rectangle 15">
             <a:extLst>
               <a:ext uri="{FF2B5EF4-FFF2-40B4-BE49-F238E27FC236}">
-                <a16:creationId xmlns:a16="http://schemas.microsoft.com/office/drawing/2014/main" id="{4DD67877-5577-F20E-CA2B-867EDC26C1A0}"/>
+                <a16:creationId xmlns:a16="http://schemas.microsoft.com/office/drawing/2014/main" id="{6F94B752-A4A3-D658-B293-6A58879AD95C}"/>
               </a:ext>
               <a:ext uri="{C183D7F6-B498-43B3-948B-1728B52AA6E4}">
                 <adec:decorative xmlns:adec="http://schemas.microsoft.com/office/drawing/2017/decorative" val="1"/>
@@ -8336,7 +8373,7 @@
           <p:cNvPr id="18" name="Freeform: Shape 17">
             <a:extLst>
               <a:ext uri="{FF2B5EF4-FFF2-40B4-BE49-F238E27FC236}">
-                <a16:creationId xmlns:a16="http://schemas.microsoft.com/office/drawing/2014/main" id="{191F3E19-EB2B-7880-8499-AD51C56BE29F}"/>
+                <a16:creationId xmlns:a16="http://schemas.microsoft.com/office/drawing/2014/main" id="{E1FAC46C-AB5F-F63E-A894-9BD7CC95EE1A}"/>
               </a:ext>
               <a:ext uri="{C183D7F6-B498-43B3-948B-1728B52AA6E4}">
                 <adec:decorative xmlns:adec="http://schemas.microsoft.com/office/drawing/2017/decorative" val="1"/>
@@ -8506,7 +8543,7 @@
           <p:cNvPr id="20" name="Rectangle 19">
             <a:extLst>
               <a:ext uri="{FF2B5EF4-FFF2-40B4-BE49-F238E27FC236}">
-                <a16:creationId xmlns:a16="http://schemas.microsoft.com/office/drawing/2014/main" id="{7C07ECB6-E406-5D39-27D8-A13A53F7FF8F}"/>
+                <a16:creationId xmlns:a16="http://schemas.microsoft.com/office/drawing/2014/main" id="{8B678D47-E1CE-56A4-40BB-DCBBB60E0A33}"/>
               </a:ext>
               <a:ext uri="{C183D7F6-B498-43B3-948B-1728B52AA6E4}">
                 <adec:decorative xmlns:adec="http://schemas.microsoft.com/office/drawing/2017/decorative" val="1"/>
@@ -8583,7 +8620,7 @@
           <p:cNvPr id="2" name="Title 1">
             <a:extLst>
               <a:ext uri="{FF2B5EF4-FFF2-40B4-BE49-F238E27FC236}">
-                <a16:creationId xmlns:a16="http://schemas.microsoft.com/office/drawing/2014/main" id="{BA6A34FF-F560-9567-E172-43A64609BC3B}"/>
+                <a16:creationId xmlns:a16="http://schemas.microsoft.com/office/drawing/2014/main" id="{F9448D7F-664C-57A1-71BE-222BB5BFCFE2}"/>
               </a:ext>
             </a:extLst>
           </p:cNvPr>
@@ -8630,7 +8667,7 @@
           <p:cNvPr id="3" name="Content Placeholder 2">
             <a:extLst>
               <a:ext uri="{FF2B5EF4-FFF2-40B4-BE49-F238E27FC236}">
-                <a16:creationId xmlns:a16="http://schemas.microsoft.com/office/drawing/2014/main" id="{2877B28C-AAA5-A71C-F3B0-9813F7438518}"/>
+                <a16:creationId xmlns:a16="http://schemas.microsoft.com/office/drawing/2014/main" id="{65186477-E97B-C933-64F6-721001B05BEC}"/>
               </a:ext>
             </a:extLst>
           </p:cNvPr>
@@ -8643,13 +8680,13 @@
         </p:nvSpPr>
         <p:spPr>
           <a:xfrm>
-            <a:off x="4504548" y="1479592"/>
-            <a:ext cx="6555347" cy="1602022"/>
-          </a:xfrm>
-        </p:spPr>
-        <p:txBody>
-          <a:bodyPr anchor="ctr">
-            <a:normAutofit/>
+            <a:off x="4432830" y="320633"/>
+            <a:ext cx="7648965" cy="5477128"/>
+          </a:xfrm>
+        </p:spPr>
+        <p:txBody>
+          <a:bodyPr anchor="t">
+            <a:noAutofit/>
           </a:bodyPr>
           <a:lstStyle/>
           <a:p>
@@ -8657,23 +8694,79 @@
               <a:buNone/>
             </a:pPr>
             <a:r>
+              <a:rPr lang="en-US" sz="2000" b="1" u="sng" dirty="0"/>
+              <a:t>B] Oral Anticoagulants </a:t>
+            </a:r>
+          </a:p>
+          <a:p>
+            <a:pPr marL="0" indent="0">
+              <a:buNone/>
+            </a:pPr>
+            <a:r>
               <a:rPr lang="en-US" sz="2000" b="1" dirty="0"/>
-              <a:t>Anticoagulants</a:t>
-            </a:r>
-            <a:r>
+              <a:t>1. Vitamin K Antagonists </a:t>
+            </a:r>
+            <a:br>
               <a:rPr lang="en-US" sz="2000" dirty="0"/>
-              <a:t> are agents that inhibit the coagulation cascade to prevent excessive clot formation. These agents target various steps of the coagulation process, including the extrinsic pathway. Anticoagulants are categorized based on their mechanism of action:</a:t>
-            </a:r>
-            <a:endParaRPr lang="en-IN" sz="2000" dirty="0"/>
-          </a:p>
-        </p:txBody>
-      </p:sp>
+            </a:br>
+            <a:r>
+              <a:rPr lang="en-US" sz="2000" dirty="0"/>
+              <a:t>Vitamin K dependent factors: 2, 7, 9 &amp; 10</a:t>
+            </a:r>
+            <a:br>
+              <a:rPr lang="en-US" sz="2000" dirty="0"/>
+            </a:br>
+            <a:r>
+              <a:rPr lang="en-US" sz="2000" dirty="0"/>
+              <a:t>Undergo post translational ɣ-carboxylation that help them bind to calcium (appx. 10 glutamic acid residues added)</a:t>
+            </a:r>
+            <a:br>
+              <a:rPr lang="en-US" sz="2000" dirty="0"/>
+            </a:br>
+            <a:r>
+              <a:rPr lang="en-US" sz="2000" dirty="0"/>
+              <a:t>These antagonists cause reduction in ɣ-carboxylation to 1-6 glutamic acid residues – cause their activity to be impaired</a:t>
+            </a:r>
+            <a:endParaRPr lang="en-US" sz="2000" b="1" dirty="0"/>
+          </a:p>
+        </p:txBody>
+      </p:sp>
+      <p:pic>
+        <p:nvPicPr>
+          <p:cNvPr id="5" name="Picture 4">
+            <a:extLst>
+              <a:ext uri="{FF2B5EF4-FFF2-40B4-BE49-F238E27FC236}">
+                <a16:creationId xmlns:a16="http://schemas.microsoft.com/office/drawing/2014/main" id="{AFBD50F8-AC12-91A7-C1CF-C309D5D8AFCD}"/>
+              </a:ext>
+            </a:extLst>
+          </p:cNvPr>
+          <p:cNvPicPr>
+            <a:picLocks noChangeAspect="1"/>
+          </p:cNvPicPr>
+          <p:nvPr/>
+        </p:nvPicPr>
+        <p:blipFill>
+          <a:blip r:embed="rId2"/>
+          <a:stretch>
+            <a:fillRect/>
+          </a:stretch>
+        </p:blipFill>
+        <p:spPr>
+          <a:xfrm>
+            <a:off x="7310036" y="2542638"/>
+            <a:ext cx="4648608" cy="4211663"/>
+          </a:xfrm>
+          <a:prstGeom prst="rect">
+            <a:avLst/>
+          </a:prstGeom>
+        </p:spPr>
+      </p:pic>
       <p:sp>
         <p:nvSpPr>
-          <p:cNvPr id="4" name="TextBox 3">
-            <a:extLst>
-              <a:ext uri="{FF2B5EF4-FFF2-40B4-BE49-F238E27FC236}">
-                <a16:creationId xmlns:a16="http://schemas.microsoft.com/office/drawing/2014/main" id="{5CD1C816-2ADA-7D60-F931-7F0B13A4F72D}"/>
+          <p:cNvPr id="7" name="TextBox 6">
+            <a:extLst>
+              <a:ext uri="{FF2B5EF4-FFF2-40B4-BE49-F238E27FC236}">
+                <a16:creationId xmlns:a16="http://schemas.microsoft.com/office/drawing/2014/main" id="{E3447BAD-CF17-7B4F-6DFB-81F83B55BB23}"/>
               </a:ext>
             </a:extLst>
           </p:cNvPr>
@@ -8682,8 +8775,8 @@
         </p:nvSpPr>
         <p:spPr>
           <a:xfrm>
-            <a:off x="4504548" y="3195587"/>
-            <a:ext cx="7075808" cy="2862322"/>
+            <a:off x="4429782" y="2786355"/>
+            <a:ext cx="2770031" cy="3139321"/>
           </a:xfrm>
           <a:prstGeom prst="rect">
             <a:avLst/>
@@ -8691,94 +8784,58 @@
           <a:noFill/>
         </p:spPr>
         <p:txBody>
-          <a:bodyPr wrap="square" rtlCol="0">
+          <a:bodyPr wrap="square">
             <a:spAutoFit/>
           </a:bodyPr>
           <a:lstStyle/>
           <a:p>
-            <a:pPr marL="342900" indent="-342900">
-              <a:buFont typeface="+mj-lt"/>
-              <a:buAutoNum type="arabicPeriod"/>
+            <a:pPr marL="0" indent="0">
+              <a:buNone/>
             </a:pPr>
-            <a:endParaRPr lang="en-IN" sz="2000" dirty="0"/>
-          </a:p>
-          <a:p>
-            <a:pPr marL="342900" indent="-342900">
-              <a:buFont typeface="+mj-lt"/>
-              <a:buAutoNum type="arabicPeriod"/>
+            <a:r>
+              <a:rPr lang="en-US" sz="1800" b="1" dirty="0"/>
+              <a:t>a. Warfarin: </a:t>
+            </a:r>
+            <a:br>
+              <a:rPr lang="en-US" sz="1800" b="1" dirty="0"/>
+            </a:br>
+            <a:r>
+              <a:rPr lang="en-US" sz="1800" dirty="0"/>
+              <a:t>Common Vit-K Antagonist. Inhibits Vit-K2 formation by inhibiting Vit-K reductase enzyme (required for ɣ-carboxylation)</a:t>
+            </a:r>
+            <a:endParaRPr lang="en-US" sz="1800" b="1" dirty="0"/>
+          </a:p>
+          <a:p>
+            <a:pPr marL="0" indent="0">
+              <a:buNone/>
             </a:pPr>
             <a:r>
-              <a:rPr lang="en-IN" sz="2000" dirty="0"/>
-              <a:t>Direct Oral Anticoagulants (DOACs)</a:t>
-            </a:r>
-          </a:p>
-          <a:p>
-            <a:pPr marL="342900" indent="-342900">
-              <a:buFont typeface="+mj-lt"/>
-              <a:buAutoNum type="arabicPeriod"/>
-            </a:pPr>
-            <a:r>
-              <a:rPr lang="en-IN" sz="2000" dirty="0"/>
-              <a:t>Vitamin K Antagonists (VKAs)</a:t>
-            </a:r>
-          </a:p>
-          <a:p>
-            <a:pPr marL="342900" indent="-342900">
-              <a:buFont typeface="+mj-lt"/>
-              <a:buAutoNum type="arabicPeriod"/>
-            </a:pPr>
-            <a:r>
-              <a:rPr lang="en-IN" sz="2000" dirty="0"/>
-              <a:t>Heparins</a:t>
-            </a:r>
-          </a:p>
-          <a:p>
-            <a:pPr marL="342900" indent="-342900">
-              <a:buFont typeface="+mj-lt"/>
-              <a:buAutoNum type="arabicPeriod"/>
-            </a:pPr>
-            <a:r>
-              <a:rPr lang="en-US" sz="2000" dirty="0"/>
-              <a:t>Tissue Factor Pathway Inhibitors (TFPIs)</a:t>
-            </a:r>
-            <a:endParaRPr lang="en-IN" sz="2000" dirty="0"/>
-          </a:p>
-          <a:p>
-            <a:pPr marL="342900" indent="-342900">
-              <a:buFont typeface="+mj-lt"/>
-              <a:buAutoNum type="arabicPeriod"/>
-            </a:pPr>
-            <a:r>
-              <a:rPr lang="en-IN" sz="2000" dirty="0"/>
-              <a:t>Thrombin Inhibitors</a:t>
-            </a:r>
-          </a:p>
-          <a:p>
-            <a:pPr marL="342900" indent="-342900">
-              <a:buFont typeface="+mj-lt"/>
-              <a:buAutoNum type="arabicPeriod"/>
-            </a:pPr>
-            <a:r>
-              <a:rPr lang="en-IN" sz="2000" dirty="0"/>
-              <a:t>Novel Agents</a:t>
-            </a:r>
-          </a:p>
-          <a:p>
-            <a:endParaRPr lang="en-IN" sz="2000" dirty="0"/>
-          </a:p>
-          <a:p>
-            <a:pPr marL="342900" indent="-342900">
-              <a:buFont typeface="+mj-lt"/>
-              <a:buAutoNum type="arabicPeriod"/>
-            </a:pPr>
-            <a:endParaRPr lang="en-IN" sz="2000" dirty="0"/>
+              <a:rPr lang="en-US" sz="1800" b="1" dirty="0"/>
+              <a:t>b. Dicoumarol:</a:t>
+            </a:r>
+            <a:br>
+              <a:rPr lang="en-US" sz="1800" b="1" dirty="0"/>
+            </a:br>
+            <a:r>
+              <a:rPr lang="en-US" sz="1800" dirty="0"/>
+              <a:t>Similarly inhibits Vit-K </a:t>
+            </a:r>
+            <a:r>
+              <a:rPr lang="en-US" sz="1800" dirty="0" err="1"/>
+              <a:t>epioxide</a:t>
+            </a:r>
+            <a:r>
+              <a:rPr lang="en-US" sz="1800" dirty="0"/>
+              <a:t> reductase enzyme (required for ɣ-carboxylation)</a:t>
+            </a:r>
+            <a:endParaRPr lang="en-US" sz="1800" b="1" dirty="0"/>
           </a:p>
         </p:txBody>
       </p:sp>
     </p:spTree>
     <p:extLst>
       <p:ext uri="{BB962C8B-B14F-4D97-AF65-F5344CB8AC3E}">
-        <p14:creationId xmlns:p14="http://schemas.microsoft.com/office/powerpoint/2010/main" val="3036499906"/>
+        <p14:creationId xmlns:p14="http://schemas.microsoft.com/office/powerpoint/2010/main" val="3033254415"/>
       </p:ext>
     </p:extLst>
   </p:cSld>
@@ -8801,7 +8858,13 @@
     </p:bg>
     <p:spTree>
       <p:nvGrpSpPr>
-        <p:cNvPr id="1" name=""/>
+        <p:cNvPr id="1" name="">
+          <a:extLst>
+            <a:ext uri="{FF2B5EF4-FFF2-40B4-BE49-F238E27FC236}">
+              <a16:creationId xmlns:a16="http://schemas.microsoft.com/office/drawing/2014/main" id="{56FFD2EF-0D99-986F-67CC-1FF2B3B04469}"/>
+            </a:ext>
+          </a:extLst>
+        </p:cNvPr>
         <p:cNvGrpSpPr/>
         <p:nvPr/>
       </p:nvGrpSpPr>
@@ -8818,7 +8881,7 @@
           <p:cNvPr id="8" name="Rectangle 7">
             <a:extLst>
               <a:ext uri="{FF2B5EF4-FFF2-40B4-BE49-F238E27FC236}">
-                <a16:creationId xmlns:a16="http://schemas.microsoft.com/office/drawing/2014/main" id="{09588DA8-065E-4F6F-8EFD-43104AB2E0CF}"/>
+                <a16:creationId xmlns:a16="http://schemas.microsoft.com/office/drawing/2014/main" id="{719F9269-E97E-8053-A333-BC5C6458961F}"/>
               </a:ext>
               <a:ext uri="{C183D7F6-B498-43B3-948B-1728B52AA6E4}">
                 <adec:decorative xmlns:adec="http://schemas.microsoft.com/office/drawing/2017/decorative" val="1"/>
@@ -8894,7 +8957,7 @@
           <p:cNvPr id="10" name="Rectangle 9">
             <a:extLst>
               <a:ext uri="{FF2B5EF4-FFF2-40B4-BE49-F238E27FC236}">
-                <a16:creationId xmlns:a16="http://schemas.microsoft.com/office/drawing/2014/main" id="{C4285719-470E-454C-AF62-8323075F1F5B}"/>
+                <a16:creationId xmlns:a16="http://schemas.microsoft.com/office/drawing/2014/main" id="{76C05C84-CAF7-35F9-663D-8D85DA569A7F}"/>
               </a:ext>
               <a:ext uri="{C183D7F6-B498-43B3-948B-1728B52AA6E4}">
                 <adec:decorative xmlns:adec="http://schemas.microsoft.com/office/drawing/2017/decorative" val="1"/>
@@ -8970,7 +9033,7 @@
           <p:cNvPr id="12" name="Rectangle 11">
             <a:extLst>
               <a:ext uri="{FF2B5EF4-FFF2-40B4-BE49-F238E27FC236}">
-                <a16:creationId xmlns:a16="http://schemas.microsoft.com/office/drawing/2014/main" id="{CD9FE4EF-C4D8-49A0-B2FF-81D8DB7D8A24}"/>
+                <a16:creationId xmlns:a16="http://schemas.microsoft.com/office/drawing/2014/main" id="{11808FB4-0558-ED76-5EDE-27A2E4A192CB}"/>
               </a:ext>
               <a:ext uri="{C183D7F6-B498-43B3-948B-1728B52AA6E4}">
                 <adec:decorative xmlns:adec="http://schemas.microsoft.com/office/drawing/2017/decorative" val="1"/>
@@ -9043,7 +9106,7 @@
           <p:cNvPr id="14" name="Rectangle 13">
             <a:extLst>
               <a:ext uri="{FF2B5EF4-FFF2-40B4-BE49-F238E27FC236}">
-                <a16:creationId xmlns:a16="http://schemas.microsoft.com/office/drawing/2014/main" id="{4300840D-0A0B-4512-BACA-B439D5B9C57C}"/>
+                <a16:creationId xmlns:a16="http://schemas.microsoft.com/office/drawing/2014/main" id="{765EEDE9-1E53-D693-2DAE-5B0A852C97B6}"/>
               </a:ext>
               <a:ext uri="{C183D7F6-B498-43B3-948B-1728B52AA6E4}">
                 <adec:decorative xmlns:adec="http://schemas.microsoft.com/office/drawing/2017/decorative" val="1"/>
@@ -9118,7 +9181,7 @@
           <p:cNvPr id="16" name="Rectangle 15">
             <a:extLst>
               <a:ext uri="{FF2B5EF4-FFF2-40B4-BE49-F238E27FC236}">
-                <a16:creationId xmlns:a16="http://schemas.microsoft.com/office/drawing/2014/main" id="{D2B78728-A580-49A7-84F9-6EF6F583ADE0}"/>
+                <a16:creationId xmlns:a16="http://schemas.microsoft.com/office/drawing/2014/main" id="{4346A8CD-4B06-1987-4A48-72C75ECA56E9}"/>
               </a:ext>
               <a:ext uri="{C183D7F6-B498-43B3-948B-1728B52AA6E4}">
                 <adec:decorative xmlns:adec="http://schemas.microsoft.com/office/drawing/2017/decorative" val="1"/>
@@ -9193,7 +9256,7 @@
           <p:cNvPr id="18" name="Freeform: Shape 17">
             <a:extLst>
               <a:ext uri="{FF2B5EF4-FFF2-40B4-BE49-F238E27FC236}">
-                <a16:creationId xmlns:a16="http://schemas.microsoft.com/office/drawing/2014/main" id="{38FAA1A1-D861-433F-88FA-1E9D6FD31D11}"/>
+                <a16:creationId xmlns:a16="http://schemas.microsoft.com/office/drawing/2014/main" id="{89DFD72A-F77B-4B13-799C-5E714B5D666B}"/>
               </a:ext>
               <a:ext uri="{C183D7F6-B498-43B3-948B-1728B52AA6E4}">
                 <adec:decorative xmlns:adec="http://schemas.microsoft.com/office/drawing/2017/decorative" val="1"/>
@@ -9363,7 +9426,7 @@
           <p:cNvPr id="20" name="Rectangle 19">
             <a:extLst>
               <a:ext uri="{FF2B5EF4-FFF2-40B4-BE49-F238E27FC236}">
-                <a16:creationId xmlns:a16="http://schemas.microsoft.com/office/drawing/2014/main" id="{8D71EDA1-87BF-4D5D-AB79-F346FD19278A}"/>
+                <a16:creationId xmlns:a16="http://schemas.microsoft.com/office/drawing/2014/main" id="{70B20D29-A71C-CD89-83F7-444987FFB6C0}"/>
               </a:ext>
               <a:ext uri="{C183D7F6-B498-43B3-948B-1728B52AA6E4}">
                 <adec:decorative xmlns:adec="http://schemas.microsoft.com/office/drawing/2017/decorative" val="1"/>
@@ -9440,7 +9503,7 @@
           <p:cNvPr id="2" name="Title 1">
             <a:extLst>
               <a:ext uri="{FF2B5EF4-FFF2-40B4-BE49-F238E27FC236}">
-                <a16:creationId xmlns:a16="http://schemas.microsoft.com/office/drawing/2014/main" id="{18B9575E-8B03-4172-8170-996985F86B44}"/>
+                <a16:creationId xmlns:a16="http://schemas.microsoft.com/office/drawing/2014/main" id="{C89D811E-ED79-B85D-A2C4-72E886F8C848}"/>
               </a:ext>
             </a:extLst>
           </p:cNvPr>
@@ -9453,33 +9516,31 @@
         </p:nvSpPr>
         <p:spPr>
           <a:xfrm>
-            <a:off x="418225" y="1462754"/>
-            <a:ext cx="3201366" cy="3387497"/>
-          </a:xfrm>
-        </p:spPr>
-        <p:txBody>
-          <a:bodyPr anchor="b">
+            <a:off x="233356" y="2077459"/>
+            <a:ext cx="3571104" cy="2723358"/>
+          </a:xfrm>
+        </p:spPr>
+        <p:txBody>
+          <a:bodyPr anchor="ctr">
             <a:normAutofit/>
           </a:bodyPr>
           <a:lstStyle/>
           <a:p>
-            <a:r>
-              <a:rPr lang="en-IN" sz="3600" dirty="0">
+            <a:pPr algn="ctr"/>
+            <a:r>
+              <a:rPr lang="en-US" sz="4000" dirty="0">
                 <a:solidFill>
-                  <a:schemeClr val="bg1">
-                    <a:lumMod val="95000"/>
-                  </a:schemeClr>
+                  <a:srgbClr val="FFFFFF"/>
                 </a:solidFill>
+                <a:latin typeface="+mn-lt"/>
               </a:rPr>
-              <a:t>Direct Oral Anticoagulants (DOACs)</a:t>
-            </a:r>
-            <a:br>
-              <a:rPr lang="en-IN" sz="3600" dirty="0"/>
-            </a:br>
-            <a:endParaRPr lang="en-IN" sz="7200" dirty="0">
+              <a:t>Anticoagulants</a:t>
+            </a:r>
+            <a:endParaRPr lang="en-IN" sz="3600" dirty="0">
               <a:solidFill>
                 <a:srgbClr val="FFFFFF"/>
               </a:solidFill>
+              <a:latin typeface="+mn-lt"/>
             </a:endParaRPr>
           </a:p>
         </p:txBody>
@@ -9489,7 +9550,7 @@
           <p:cNvPr id="3" name="Content Placeholder 2">
             <a:extLst>
               <a:ext uri="{FF2B5EF4-FFF2-40B4-BE49-F238E27FC236}">
-                <a16:creationId xmlns:a16="http://schemas.microsoft.com/office/drawing/2014/main" id="{DD924335-0A47-4D99-BA26-D3714BA4CF00}"/>
+                <a16:creationId xmlns:a16="http://schemas.microsoft.com/office/drawing/2014/main" id="{DBCFC699-2981-8037-FA18-C387753F1A34}"/>
               </a:ext>
             </a:extLst>
           </p:cNvPr>
@@ -9502,50 +9563,22 @@
         </p:nvSpPr>
         <p:spPr>
           <a:xfrm>
-            <a:off x="4810259" y="649480"/>
-            <a:ext cx="6555347" cy="5546047"/>
-          </a:xfrm>
-        </p:spPr>
-        <p:txBody>
-          <a:bodyPr anchor="ctr">
-            <a:normAutofit/>
+            <a:off x="4544820" y="2316581"/>
+            <a:ext cx="7137129" cy="5477128"/>
+          </a:xfrm>
+        </p:spPr>
+        <p:txBody>
+          <a:bodyPr anchor="t">
+            <a:noAutofit/>
           </a:bodyPr>
           <a:lstStyle/>
-          <a:p>
-            <a:r>
-              <a:rPr lang="en-US" sz="2000" dirty="0"/>
-              <a:t>MODE OF ACTION : Direct inhibition of Factor </a:t>
-            </a:r>
-            <a:r>
-              <a:rPr lang="en-US" sz="2000" dirty="0" err="1"/>
-              <a:t>Xa</a:t>
-            </a:r>
-            <a:r>
-              <a:rPr lang="en-US" sz="2000" dirty="0"/>
-              <a:t> or thrombin</a:t>
-            </a:r>
-          </a:p>
-          <a:p>
-            <a:r>
-              <a:rPr lang="en-IN" sz="2000" dirty="0"/>
-              <a:t>Examples: </a:t>
-            </a:r>
-          </a:p>
           <a:p>
             <a:pPr marL="0" indent="0">
               <a:buNone/>
             </a:pPr>
             <a:r>
-              <a:rPr lang="en-IN" sz="2000" dirty="0"/>
-              <a:t>    Rivaroxaban and Apixaban (Factor </a:t>
-            </a:r>
-            <a:r>
-              <a:rPr lang="en-IN" sz="2000" dirty="0" err="1"/>
-              <a:t>Xa</a:t>
-            </a:r>
-            <a:r>
-              <a:rPr lang="en-IN" sz="2000" dirty="0"/>
-              <a:t> inhibitors).</a:t>
+              <a:rPr lang="en-US" sz="2000" b="1" u="sng" dirty="0"/>
+              <a:t>C] Intravenous/Subcutaneous Anticoagulants</a:t>
             </a:r>
           </a:p>
           <a:p>
@@ -9553,31 +9586,46 @@
               <a:buNone/>
             </a:pPr>
             <a:r>
-              <a:rPr lang="en-IN" sz="2000" dirty="0"/>
-              <a:t>    Dabigatran (direct thrombin inhibitor).</a:t>
-            </a:r>
-          </a:p>
-          <a:p>
+              <a:rPr lang="en-US" sz="2000" b="1" dirty="0"/>
+              <a:t>1. Heparin</a:t>
+            </a:r>
+            <a:br>
+              <a:rPr lang="en-US" sz="2000" b="1" dirty="0"/>
+            </a:br>
             <a:r>
               <a:rPr lang="en-US" sz="2000" dirty="0"/>
-              <a:t>Relevance to the Extrinsic Pathway: Inhibit Factor </a:t>
-            </a:r>
-            <a:r>
-              <a:rPr lang="en-US" sz="2000" dirty="0" err="1"/>
-              <a:t>Xa</a:t>
-            </a:r>
-            <a:r>
+              <a:t>(Discussed above)</a:t>
+            </a:r>
+          </a:p>
+          <a:p>
+            <a:pPr marL="0" indent="0">
+              <a:buNone/>
+            </a:pPr>
+            <a:r>
+              <a:rPr lang="en-US" sz="2000" b="1" dirty="0"/>
+              <a:t>2. Hirudin</a:t>
+            </a:r>
+            <a:br>
               <a:rPr lang="en-US" sz="2000" dirty="0"/>
-              <a:t>, a critical enzyme downstream in the coagulation cascade</a:t>
-            </a:r>
-            <a:endParaRPr lang="en-IN" sz="2000" dirty="0"/>
+            </a:br>
+            <a:r>
+              <a:rPr lang="en-US" sz="2000" dirty="0"/>
+              <a:t>It is a naturally occurring most specific inhibitor of thrombin. </a:t>
+            </a:r>
+            <a:br>
+              <a:rPr lang="en-US" sz="2000" dirty="0"/>
+            </a:br>
+            <a:r>
+              <a:rPr lang="en-US" sz="2000" dirty="0"/>
+              <a:t>Direct inactivation of thrombin by binding to active site.</a:t>
+            </a:r>
           </a:p>
         </p:txBody>
       </p:sp>
     </p:spTree>
     <p:extLst>
       <p:ext uri="{BB962C8B-B14F-4D97-AF65-F5344CB8AC3E}">
-        <p14:creationId xmlns:p14="http://schemas.microsoft.com/office/powerpoint/2010/main" val="2913282989"/>
+        <p14:creationId xmlns:p14="http://schemas.microsoft.com/office/powerpoint/2010/main" val="117381413"/>
       </p:ext>
     </p:extLst>
   </p:cSld>
@@ -9600,7 +9648,13 @@
     </p:bg>
     <p:spTree>
       <p:nvGrpSpPr>
-        <p:cNvPr id="1" name=""/>
+        <p:cNvPr id="1" name="">
+          <a:extLst>
+            <a:ext uri="{FF2B5EF4-FFF2-40B4-BE49-F238E27FC236}">
+              <a16:creationId xmlns:a16="http://schemas.microsoft.com/office/drawing/2014/main" id="{AA2455D5-DD89-F82C-67FB-8334965315D5}"/>
+            </a:ext>
+          </a:extLst>
+        </p:cNvPr>
         <p:cNvGrpSpPr/>
         <p:nvPr/>
       </p:nvGrpSpPr>
@@ -9617,7 +9671,7 @@
           <p:cNvPr id="8" name="Rectangle 7">
             <a:extLst>
               <a:ext uri="{FF2B5EF4-FFF2-40B4-BE49-F238E27FC236}">
-                <a16:creationId xmlns:a16="http://schemas.microsoft.com/office/drawing/2014/main" id="{09588DA8-065E-4F6F-8EFD-43104AB2E0CF}"/>
+                <a16:creationId xmlns:a16="http://schemas.microsoft.com/office/drawing/2014/main" id="{CD9AA918-66F1-070B-F46E-CA7B8C198D6A}"/>
               </a:ext>
               <a:ext uri="{C183D7F6-B498-43B3-948B-1728B52AA6E4}">
                 <adec:decorative xmlns:adec="http://schemas.microsoft.com/office/drawing/2017/decorative" val="1"/>
@@ -9693,7 +9747,7 @@
           <p:cNvPr id="10" name="Rectangle 9">
             <a:extLst>
               <a:ext uri="{FF2B5EF4-FFF2-40B4-BE49-F238E27FC236}">
-                <a16:creationId xmlns:a16="http://schemas.microsoft.com/office/drawing/2014/main" id="{C4285719-470E-454C-AF62-8323075F1F5B}"/>
+                <a16:creationId xmlns:a16="http://schemas.microsoft.com/office/drawing/2014/main" id="{72F78BC1-2BA3-BABC-5B0D-3F67DF31099B}"/>
               </a:ext>
               <a:ext uri="{C183D7F6-B498-43B3-948B-1728B52AA6E4}">
                 <adec:decorative xmlns:adec="http://schemas.microsoft.com/office/drawing/2017/decorative" val="1"/>
@@ -9769,7 +9823,7 @@
           <p:cNvPr id="12" name="Rectangle 11">
             <a:extLst>
               <a:ext uri="{FF2B5EF4-FFF2-40B4-BE49-F238E27FC236}">
-                <a16:creationId xmlns:a16="http://schemas.microsoft.com/office/drawing/2014/main" id="{CD9FE4EF-C4D8-49A0-B2FF-81D8DB7D8A24}"/>
+                <a16:creationId xmlns:a16="http://schemas.microsoft.com/office/drawing/2014/main" id="{52B304D8-F444-C6BB-DAE5-03BF95DE5E87}"/>
               </a:ext>
               <a:ext uri="{C183D7F6-B498-43B3-948B-1728B52AA6E4}">
                 <adec:decorative xmlns:adec="http://schemas.microsoft.com/office/drawing/2017/decorative" val="1"/>
@@ -9842,7 +9896,7 @@
           <p:cNvPr id="14" name="Rectangle 13">
             <a:extLst>
               <a:ext uri="{FF2B5EF4-FFF2-40B4-BE49-F238E27FC236}">
-                <a16:creationId xmlns:a16="http://schemas.microsoft.com/office/drawing/2014/main" id="{4300840D-0A0B-4512-BACA-B439D5B9C57C}"/>
+                <a16:creationId xmlns:a16="http://schemas.microsoft.com/office/drawing/2014/main" id="{7633069B-9C77-7E3D-371A-31FBCA8C7D4A}"/>
               </a:ext>
               <a:ext uri="{C183D7F6-B498-43B3-948B-1728B52AA6E4}">
                 <adec:decorative xmlns:adec="http://schemas.microsoft.com/office/drawing/2017/decorative" val="1"/>
@@ -9917,7 +9971,7 @@
           <p:cNvPr id="16" name="Rectangle 15">
             <a:extLst>
               <a:ext uri="{FF2B5EF4-FFF2-40B4-BE49-F238E27FC236}">
-                <a16:creationId xmlns:a16="http://schemas.microsoft.com/office/drawing/2014/main" id="{D2B78728-A580-49A7-84F9-6EF6F583ADE0}"/>
+                <a16:creationId xmlns:a16="http://schemas.microsoft.com/office/drawing/2014/main" id="{4DD67877-5577-F20E-CA2B-867EDC26C1A0}"/>
               </a:ext>
               <a:ext uri="{C183D7F6-B498-43B3-948B-1728B52AA6E4}">
                 <adec:decorative xmlns:adec="http://schemas.microsoft.com/office/drawing/2017/decorative" val="1"/>
@@ -9992,7 +10046,7 @@
           <p:cNvPr id="18" name="Freeform: Shape 17">
             <a:extLst>
               <a:ext uri="{FF2B5EF4-FFF2-40B4-BE49-F238E27FC236}">
-                <a16:creationId xmlns:a16="http://schemas.microsoft.com/office/drawing/2014/main" id="{38FAA1A1-D861-433F-88FA-1E9D6FD31D11}"/>
+                <a16:creationId xmlns:a16="http://schemas.microsoft.com/office/drawing/2014/main" id="{191F3E19-EB2B-7880-8499-AD51C56BE29F}"/>
               </a:ext>
               <a:ext uri="{C183D7F6-B498-43B3-948B-1728B52AA6E4}">
                 <adec:decorative xmlns:adec="http://schemas.microsoft.com/office/drawing/2017/decorative" val="1"/>
@@ -10162,7 +10216,7 @@
           <p:cNvPr id="20" name="Rectangle 19">
             <a:extLst>
               <a:ext uri="{FF2B5EF4-FFF2-40B4-BE49-F238E27FC236}">
-                <a16:creationId xmlns:a16="http://schemas.microsoft.com/office/drawing/2014/main" id="{8D71EDA1-87BF-4D5D-AB79-F346FD19278A}"/>
+                <a16:creationId xmlns:a16="http://schemas.microsoft.com/office/drawing/2014/main" id="{7C07ECB6-E406-5D39-27D8-A13A53F7FF8F}"/>
               </a:ext>
               <a:ext uri="{C183D7F6-B498-43B3-948B-1728B52AA6E4}">
                 <adec:decorative xmlns:adec="http://schemas.microsoft.com/office/drawing/2017/decorative" val="1"/>
@@ -10239,7 +10293,7 @@
           <p:cNvPr id="2" name="Title 1">
             <a:extLst>
               <a:ext uri="{FF2B5EF4-FFF2-40B4-BE49-F238E27FC236}">
-                <a16:creationId xmlns:a16="http://schemas.microsoft.com/office/drawing/2014/main" id="{A8CC2FC0-D6C5-42D5-AE75-6B39A9C796AA}"/>
+                <a16:creationId xmlns:a16="http://schemas.microsoft.com/office/drawing/2014/main" id="{BA6A34FF-F560-9567-E172-43A64609BC3B}"/>
               </a:ext>
             </a:extLst>
           </p:cNvPr>
@@ -10252,24 +10306,32 @@
         </p:nvSpPr>
         <p:spPr>
           <a:xfrm>
-            <a:off x="534099" y="403975"/>
-            <a:ext cx="3201366" cy="3387497"/>
-          </a:xfrm>
-        </p:spPr>
-        <p:txBody>
-          <a:bodyPr anchor="b">
+            <a:off x="233356" y="2077459"/>
+            <a:ext cx="3571104" cy="2723358"/>
+          </a:xfrm>
+        </p:spPr>
+        <p:txBody>
+          <a:bodyPr anchor="ctr">
             <a:normAutofit/>
           </a:bodyPr>
           <a:lstStyle/>
           <a:p>
-            <a:r>
-              <a:rPr lang="en-IN" sz="4000" dirty="0">
+            <a:pPr algn="ctr"/>
+            <a:r>
+              <a:rPr lang="en-US" sz="4000" dirty="0">
                 <a:solidFill>
                   <a:srgbClr val="FFFFFF"/>
                 </a:solidFill>
+                <a:latin typeface="+mn-lt"/>
               </a:rPr>
-              <a:t>Vitamin K Antagonists (VKAs)</a:t>
-            </a:r>
+              <a:t>Anticoagulants</a:t>
+            </a:r>
+            <a:endParaRPr lang="en-IN" sz="3600" dirty="0">
+              <a:solidFill>
+                <a:srgbClr val="FFFFFF"/>
+              </a:solidFill>
+              <a:latin typeface="+mn-lt"/>
+            </a:endParaRPr>
           </a:p>
         </p:txBody>
       </p:sp>
@@ -10278,7 +10340,7 @@
           <p:cNvPr id="3" name="Content Placeholder 2">
             <a:extLst>
               <a:ext uri="{FF2B5EF4-FFF2-40B4-BE49-F238E27FC236}">
-                <a16:creationId xmlns:a16="http://schemas.microsoft.com/office/drawing/2014/main" id="{3A14B647-B672-4218-A533-D35E221AF29C}"/>
+                <a16:creationId xmlns:a16="http://schemas.microsoft.com/office/drawing/2014/main" id="{2877B28C-AAA5-A71C-F3B0-9813F7438518}"/>
               </a:ext>
             </a:extLst>
           </p:cNvPr>
@@ -10291,8 +10353,8 @@
         </p:nvSpPr>
         <p:spPr>
           <a:xfrm>
-            <a:off x="4810259" y="649480"/>
-            <a:ext cx="6555347" cy="5546047"/>
+            <a:off x="4504548" y="1479592"/>
+            <a:ext cx="6555347" cy="1602022"/>
           </a:xfrm>
         </p:spPr>
         <p:txBody>
@@ -10301,25 +10363,124 @@
           </a:bodyPr>
           <a:lstStyle/>
           <a:p>
+            <a:pPr marL="0" indent="0">
+              <a:buNone/>
+            </a:pPr>
+            <a:r>
+              <a:rPr lang="en-US" sz="2000" b="1" dirty="0"/>
+              <a:t>Anticoagulants</a:t>
+            </a:r>
             <a:r>
               <a:rPr lang="en-US" sz="2000" dirty="0"/>
-              <a:t>MODE OF ACTION: Inhibition of vitamin K-dependent clotting factors (Factors II, VII, IX, X).</a:t>
-            </a:r>
-          </a:p>
-          <a:p>
+              <a:t> are agents that inhibit the coagulation cascade to prevent excessive clot formation. These agents target various steps of the coagulation process, including the extrinsic pathway. Anticoagulants are categorized based on their mechanism of action:</a:t>
+            </a:r>
+            <a:endParaRPr lang="en-IN" sz="2000" dirty="0"/>
+          </a:p>
+        </p:txBody>
+      </p:sp>
+      <p:sp>
+        <p:nvSpPr>
+          <p:cNvPr id="4" name="TextBox 3">
+            <a:extLst>
+              <a:ext uri="{FF2B5EF4-FFF2-40B4-BE49-F238E27FC236}">
+                <a16:creationId xmlns:a16="http://schemas.microsoft.com/office/drawing/2014/main" id="{5CD1C816-2ADA-7D60-F931-7F0B13A4F72D}"/>
+              </a:ext>
+            </a:extLst>
+          </p:cNvPr>
+          <p:cNvSpPr txBox="1"/>
+          <p:nvPr/>
+        </p:nvSpPr>
+        <p:spPr>
+          <a:xfrm>
+            <a:off x="4504548" y="3195587"/>
+            <a:ext cx="7075808" cy="2862322"/>
+          </a:xfrm>
+          <a:prstGeom prst="rect">
+            <a:avLst/>
+          </a:prstGeom>
+          <a:noFill/>
+        </p:spPr>
+        <p:txBody>
+          <a:bodyPr wrap="square" rtlCol="0">
+            <a:spAutoFit/>
+          </a:bodyPr>
+          <a:lstStyle/>
+          <a:p>
+            <a:pPr marL="342900" indent="-342900">
+              <a:buFont typeface="+mj-lt"/>
+              <a:buAutoNum type="arabicPeriod"/>
+            </a:pPr>
+            <a:endParaRPr lang="en-IN" sz="2000" dirty="0"/>
+          </a:p>
+          <a:p>
+            <a:pPr marL="342900" indent="-342900">
+              <a:buFont typeface="+mj-lt"/>
+              <a:buAutoNum type="arabicPeriod"/>
+            </a:pPr>
             <a:r>
               <a:rPr lang="en-IN" sz="2000" dirty="0"/>
-              <a:t>Example: Warfarin, Pindone</a:t>
-            </a:r>
-          </a:p>
-          <a:p>
+              <a:t>Direct Oral Anticoagulants (DOACs)</a:t>
+            </a:r>
+          </a:p>
+          <a:p>
+            <a:pPr marL="342900" indent="-342900">
+              <a:buFont typeface="+mj-lt"/>
+              <a:buAutoNum type="arabicPeriod"/>
+            </a:pPr>
+            <a:r>
+              <a:rPr lang="en-IN" sz="2000" dirty="0"/>
+              <a:t>Vitamin K Antagonists (VKAs)</a:t>
+            </a:r>
+          </a:p>
+          <a:p>
+            <a:pPr marL="342900" indent="-342900">
+              <a:buFont typeface="+mj-lt"/>
+              <a:buAutoNum type="arabicPeriod"/>
+            </a:pPr>
+            <a:r>
+              <a:rPr lang="en-IN" sz="2000" dirty="0"/>
+              <a:t>Heparins</a:t>
+            </a:r>
+          </a:p>
+          <a:p>
+            <a:pPr marL="342900" indent="-342900">
+              <a:buFont typeface="+mj-lt"/>
+              <a:buAutoNum type="arabicPeriod"/>
+            </a:pPr>
             <a:r>
               <a:rPr lang="en-US" sz="2000" dirty="0"/>
-              <a:t>Relevance to the Extrinsic Pathway: Reduces the synthesis of Factor VII, directly impacting the TF-VII complex.</a:t>
+              <a:t>Tissue Factor Pathway Inhibitors (TFPIs)</a:t>
             </a:r>
             <a:endParaRPr lang="en-IN" sz="2000" dirty="0"/>
           </a:p>
           <a:p>
+            <a:pPr marL="342900" indent="-342900">
+              <a:buFont typeface="+mj-lt"/>
+              <a:buAutoNum type="arabicPeriod"/>
+            </a:pPr>
+            <a:r>
+              <a:rPr lang="en-IN" sz="2000" dirty="0"/>
+              <a:t>Thrombin Inhibitors</a:t>
+            </a:r>
+          </a:p>
+          <a:p>
+            <a:pPr marL="342900" indent="-342900">
+              <a:buFont typeface="+mj-lt"/>
+              <a:buAutoNum type="arabicPeriod"/>
+            </a:pPr>
+            <a:r>
+              <a:rPr lang="en-IN" sz="2000" dirty="0"/>
+              <a:t>Novel Agents</a:t>
+            </a:r>
+          </a:p>
+          <a:p>
+            <a:endParaRPr lang="en-IN" sz="2000" dirty="0"/>
+          </a:p>
+          <a:p>
+            <a:pPr marL="342900" indent="-342900">
+              <a:buFont typeface="+mj-lt"/>
+              <a:buAutoNum type="arabicPeriod"/>
+            </a:pPr>
             <a:endParaRPr lang="en-IN" sz="2000" dirty="0"/>
           </a:p>
         </p:txBody>
@@ -10327,7 +10488,7 @@
     </p:spTree>
     <p:extLst>
       <p:ext uri="{BB962C8B-B14F-4D97-AF65-F5344CB8AC3E}">
-        <p14:creationId xmlns:p14="http://schemas.microsoft.com/office/powerpoint/2010/main" val="2992315925"/>
+        <p14:creationId xmlns:p14="http://schemas.microsoft.com/office/powerpoint/2010/main" val="3036499906"/>
       </p:ext>
     </p:extLst>
   </p:cSld>
@@ -10989,7 +11150,7 @@
           <p:cNvPr id="2" name="Title 1">
             <a:extLst>
               <a:ext uri="{FF2B5EF4-FFF2-40B4-BE49-F238E27FC236}">
-                <a16:creationId xmlns:a16="http://schemas.microsoft.com/office/drawing/2014/main" id="{1AC4F3DD-F4A0-49E8-8E18-2C16E1AEEA31}"/>
+                <a16:creationId xmlns:a16="http://schemas.microsoft.com/office/drawing/2014/main" id="{18B9575E-8B03-4172-8170-996985F86B44}"/>
               </a:ext>
             </a:extLst>
           </p:cNvPr>
@@ -11002,8 +11163,8 @@
         </p:nvSpPr>
         <p:spPr>
           <a:xfrm>
-            <a:off x="495599" y="2501984"/>
-            <a:ext cx="3201366" cy="1269653"/>
+            <a:off x="418225" y="1462754"/>
+            <a:ext cx="3201366" cy="3387497"/>
           </a:xfrm>
         </p:spPr>
         <p:txBody>
@@ -11013,13 +11174,23 @@
           <a:lstStyle/>
           <a:p>
             <a:r>
-              <a:rPr lang="en-IN" sz="4000" dirty="0">
+              <a:rPr lang="en-IN" sz="3600" dirty="0">
                 <a:solidFill>
-                  <a:srgbClr val="FFFFFF"/>
+                  <a:schemeClr val="bg1">
+                    <a:lumMod val="95000"/>
+                  </a:schemeClr>
                 </a:solidFill>
               </a:rPr>
-              <a:t>Heparins</a:t>
-            </a:r>
+              <a:t>Direct Oral Anticoagulants (DOACs)</a:t>
+            </a:r>
+            <a:br>
+              <a:rPr lang="en-IN" sz="3600" dirty="0"/>
+            </a:br>
+            <a:endParaRPr lang="en-IN" sz="7200" dirty="0">
+              <a:solidFill>
+                <a:srgbClr val="FFFFFF"/>
+              </a:solidFill>
+            </a:endParaRPr>
           </a:p>
         </p:txBody>
       </p:sp>
@@ -11028,7 +11199,7 @@
           <p:cNvPr id="3" name="Content Placeholder 2">
             <a:extLst>
               <a:ext uri="{FF2B5EF4-FFF2-40B4-BE49-F238E27FC236}">
-                <a16:creationId xmlns:a16="http://schemas.microsoft.com/office/drawing/2014/main" id="{0FDC76D1-E44F-403F-ACCA-4C1E77C86912}"/>
+                <a16:creationId xmlns:a16="http://schemas.microsoft.com/office/drawing/2014/main" id="{DD924335-0A47-4D99-BA26-D3714BA4CF00}"/>
               </a:ext>
             </a:extLst>
           </p:cNvPr>
@@ -11053,7 +11224,7 @@
           <a:p>
             <a:r>
               <a:rPr lang="en-US" sz="2000" dirty="0"/>
-              <a:t>MODE OF ACTION: Indirect inhibition of thrombin and Factor </a:t>
+              <a:t>MODE OF ACTION : Direct inhibition of Factor </a:t>
             </a:r>
             <a:r>
               <a:rPr lang="en-US" sz="2000" dirty="0" err="1"/>
@@ -11061,13 +11232,13 @@
             </a:r>
             <a:r>
               <a:rPr lang="en-US" sz="2000" dirty="0"/>
-              <a:t> via activation of antithrombin.</a:t>
-            </a:r>
-          </a:p>
-          <a:p>
-            <a:r>
-              <a:rPr lang="en-US" sz="2000" dirty="0"/>
-              <a:t>Examples:</a:t>
+              <a:t> or thrombin</a:t>
+            </a:r>
+          </a:p>
+          <a:p>
+            <a:r>
+              <a:rPr lang="en-IN" sz="2000" dirty="0"/>
+              <a:t>Examples: </a:t>
             </a:r>
           </a:p>
           <a:p>
@@ -11075,8 +11246,16 @@
               <a:buNone/>
             </a:pPr>
             <a:r>
-              <a:rPr lang="en-US" sz="2000" dirty="0"/>
-              <a:t>    Unfractionated Heparin (UFH).</a:t>
+              <a:rPr lang="en-IN" sz="2000" dirty="0"/>
+              <a:t>    Rivaroxaban and Apixaban (Factor </a:t>
+            </a:r>
+            <a:r>
+              <a:rPr lang="en-IN" sz="2000" dirty="0" err="1"/>
+              <a:t>Xa</a:t>
+            </a:r>
+            <a:r>
+              <a:rPr lang="en-IN" sz="2000" dirty="0"/>
+              <a:t> inhibitors).</a:t>
             </a:r>
           </a:p>
           <a:p>
@@ -11084,14 +11263,22 @@
               <a:buNone/>
             </a:pPr>
             <a:r>
+              <a:rPr lang="en-IN" sz="2000" dirty="0"/>
+              <a:t>    Dabigatran (direct thrombin inhibitor).</a:t>
+            </a:r>
+          </a:p>
+          <a:p>
+            <a:r>
               <a:rPr lang="en-US" sz="2000" dirty="0"/>
-              <a:t>    Low Molecular Weight Heparin (LMWH) like Enoxaparin.</a:t>
-            </a:r>
-          </a:p>
-          <a:p>
+              <a:t>Relevance to the Extrinsic Pathway: Inhibit Factor </a:t>
+            </a:r>
+            <a:r>
+              <a:rPr lang="en-US" sz="2000" dirty="0" err="1"/>
+              <a:t>Xa</a:t>
+            </a:r>
             <a:r>
               <a:rPr lang="en-US" sz="2000" dirty="0"/>
-              <a:t>Relevance to the Extrinsic Pathway: Prevents activation of thrombin and its downstream effects.</a:t>
+              <a:t>, a critical enzyme downstream in the coagulation cascade</a:t>
             </a:r>
             <a:endParaRPr lang="en-IN" sz="2000" dirty="0"/>
           </a:p>
@@ -11100,7 +11287,7 @@
     </p:spTree>
     <p:extLst>
       <p:ext uri="{BB962C8B-B14F-4D97-AF65-F5344CB8AC3E}">
-        <p14:creationId xmlns:p14="http://schemas.microsoft.com/office/powerpoint/2010/main" val="2824892764"/>
+        <p14:creationId xmlns:p14="http://schemas.microsoft.com/office/powerpoint/2010/main" val="2913282989"/>
       </p:ext>
     </p:extLst>
   </p:cSld>
@@ -11762,7 +11949,7 @@
           <p:cNvPr id="2" name="Title 1">
             <a:extLst>
               <a:ext uri="{FF2B5EF4-FFF2-40B4-BE49-F238E27FC236}">
-                <a16:creationId xmlns:a16="http://schemas.microsoft.com/office/drawing/2014/main" id="{AB4AF896-8F9C-4D44-82C2-3E2D8FAE4147}"/>
+                <a16:creationId xmlns:a16="http://schemas.microsoft.com/office/drawing/2014/main" id="{A8CC2FC0-D6C5-42D5-AE75-6B39A9C796AA}"/>
               </a:ext>
             </a:extLst>
           </p:cNvPr>
@@ -11775,7 +11962,7 @@
         </p:nvSpPr>
         <p:spPr>
           <a:xfrm>
-            <a:off x="466722" y="586855"/>
+            <a:off x="534099" y="403975"/>
             <a:ext cx="3201366" cy="3387497"/>
           </a:xfrm>
         </p:spPr>
@@ -11786,18 +11973,13 @@
           <a:lstStyle/>
           <a:p>
             <a:r>
-              <a:rPr lang="en-US" sz="4000" dirty="0">
+              <a:rPr lang="en-IN" sz="4000" dirty="0">
                 <a:solidFill>
                   <a:srgbClr val="FFFFFF"/>
                 </a:solidFill>
               </a:rPr>
-              <a:t>Tissue Factor Pathway Inhibitor (TFPI)</a:t>
-            </a:r>
-            <a:endParaRPr lang="en-IN" sz="4000" dirty="0">
-              <a:solidFill>
-                <a:srgbClr val="FFFFFF"/>
-              </a:solidFill>
-            </a:endParaRPr>
+              <a:t>Vitamin K Antagonists (VKAs)</a:t>
+            </a:r>
           </a:p>
         </p:txBody>
       </p:sp>
@@ -11806,7 +11988,7 @@
           <p:cNvPr id="3" name="Content Placeholder 2">
             <a:extLst>
               <a:ext uri="{FF2B5EF4-FFF2-40B4-BE49-F238E27FC236}">
-                <a16:creationId xmlns:a16="http://schemas.microsoft.com/office/drawing/2014/main" id="{4602AF0C-1A57-4E01-B2F3-28F8004EFC18}"/>
+                <a16:creationId xmlns:a16="http://schemas.microsoft.com/office/drawing/2014/main" id="{3A14B647-B672-4218-A533-D35E221AF29C}"/>
               </a:ext>
             </a:extLst>
           </p:cNvPr>
@@ -11831,52 +12013,23 @@
           <a:p>
             <a:r>
               <a:rPr lang="en-US" sz="2000" dirty="0"/>
-              <a:t>Tissue factor pathway inhibitor (or TFPI) is a single-chain polypeptide which can reversibly inhibit factor </a:t>
-            </a:r>
-            <a:r>
-              <a:rPr lang="en-US" sz="2000" dirty="0" err="1"/>
-              <a:t>Xa</a:t>
-            </a:r>
+              <a:t>MODE OF ACTION: Inhibition of vitamin K-dependent clotting factors (Factors II, VII, IX, X).</a:t>
+            </a:r>
+          </a:p>
+          <a:p>
+            <a:r>
+              <a:rPr lang="en-IN" sz="2000" dirty="0"/>
+              <a:t>Example: Warfarin, Pindone</a:t>
+            </a:r>
+          </a:p>
+          <a:p>
             <a:r>
               <a:rPr lang="en-US" sz="2000" dirty="0"/>
-              <a:t> (</a:t>
-            </a:r>
-            <a:r>
-              <a:rPr lang="en-US" sz="2000" dirty="0" err="1"/>
-              <a:t>Xa</a:t>
-            </a:r>
-            <a:r>
-              <a:rPr lang="en-US" sz="2000" dirty="0"/>
-              <a:t>)</a:t>
-            </a:r>
-          </a:p>
-          <a:p>
-            <a:r>
-              <a:rPr lang="en-US" sz="2000" dirty="0"/>
-              <a:t>MODE OF ACTION : Direct inhibition of the TF-</a:t>
-            </a:r>
-            <a:r>
-              <a:rPr lang="en-US" sz="2000" dirty="0" err="1"/>
-              <a:t>VIIa</a:t>
-            </a:r>
-            <a:r>
-              <a:rPr lang="en-US" sz="2000" dirty="0"/>
-              <a:t> complex and Factor </a:t>
-            </a:r>
-            <a:r>
-              <a:rPr lang="en-US" sz="2000" dirty="0" err="1"/>
-              <a:t>Xa</a:t>
-            </a:r>
-            <a:r>
-              <a:rPr lang="en-US" sz="2000" dirty="0"/>
-              <a:t>.</a:t>
-            </a:r>
-          </a:p>
-          <a:p>
-            <a:r>
-              <a:rPr lang="en-US" sz="2000" dirty="0"/>
-              <a:t>Relevance: Specifically inhibits the initiation phase of the extrinsic pathway.</a:t>
-            </a:r>
+              <a:t>Relevance to the Extrinsic Pathway: Reduces the synthesis of Factor VII, directly impacting the TF-VII complex.</a:t>
+            </a:r>
+            <a:endParaRPr lang="en-IN" sz="2000" dirty="0"/>
+          </a:p>
+          <a:p>
             <a:endParaRPr lang="en-IN" sz="2000" dirty="0"/>
           </a:p>
         </p:txBody>
@@ -11884,7 +12037,7 @@
     </p:spTree>
     <p:extLst>
       <p:ext uri="{BB962C8B-B14F-4D97-AF65-F5344CB8AC3E}">
-        <p14:creationId xmlns:p14="http://schemas.microsoft.com/office/powerpoint/2010/main" val="167315286"/>
+        <p14:creationId xmlns:p14="http://schemas.microsoft.com/office/powerpoint/2010/main" val="2992315925"/>
       </p:ext>
     </p:extLst>
   </p:cSld>
@@ -12670,7 +12823,7 @@
           <p:cNvPr id="2" name="Title 1">
             <a:extLst>
               <a:ext uri="{FF2B5EF4-FFF2-40B4-BE49-F238E27FC236}">
-                <a16:creationId xmlns:a16="http://schemas.microsoft.com/office/drawing/2014/main" id="{D0E43C39-5917-4B7B-A09F-B1F4935A5B9D}"/>
+                <a16:creationId xmlns:a16="http://schemas.microsoft.com/office/drawing/2014/main" id="{1AC4F3DD-F4A0-49E8-8E18-2C16E1AEEA31}"/>
               </a:ext>
             </a:extLst>
           </p:cNvPr>
@@ -12683,8 +12836,8 @@
         </p:nvSpPr>
         <p:spPr>
           <a:xfrm>
-            <a:off x="466722" y="586855"/>
-            <a:ext cx="3201366" cy="3387497"/>
+            <a:off x="495599" y="2501984"/>
+            <a:ext cx="3201366" cy="1269653"/>
           </a:xfrm>
         </p:spPr>
         <p:txBody>
@@ -12699,7 +12852,7 @@
                   <a:srgbClr val="FFFFFF"/>
                 </a:solidFill>
               </a:rPr>
-              <a:t>Thrombin Inhibitors</a:t>
+              <a:t>Heparins</a:t>
             </a:r>
           </a:p>
         </p:txBody>
@@ -12709,7 +12862,7 @@
           <p:cNvPr id="3" name="Content Placeholder 2">
             <a:extLst>
               <a:ext uri="{FF2B5EF4-FFF2-40B4-BE49-F238E27FC236}">
-                <a16:creationId xmlns:a16="http://schemas.microsoft.com/office/drawing/2014/main" id="{E39895F9-5D53-4781-8622-FC5634731D2D}"/>
+                <a16:creationId xmlns:a16="http://schemas.microsoft.com/office/drawing/2014/main" id="{0FDC76D1-E44F-403F-ACCA-4C1E77C86912}"/>
               </a:ext>
             </a:extLst>
           </p:cNvPr>
@@ -12734,35 +12887,54 @@
           <a:p>
             <a:r>
               <a:rPr lang="en-US" sz="2000" dirty="0"/>
-              <a:t>MODE OF ACTION: Direct inhibition of thrombin.</a:t>
-            </a:r>
-          </a:p>
-          <a:p>
-            <a:r>
-              <a:rPr lang="en-IN" sz="2000" dirty="0"/>
-              <a:t>Examples: Dabigatran, </a:t>
-            </a:r>
-            <a:r>
-              <a:rPr lang="en-IN" sz="2000" dirty="0" err="1"/>
-              <a:t>Argatroban</a:t>
-            </a:r>
-            <a:r>
-              <a:rPr lang="en-IN" sz="2000" dirty="0"/>
-              <a:t>.</a:t>
-            </a:r>
-          </a:p>
-          <a:p>
-            <a:r>
-              <a:rPr lang="en-IN" sz="2000" dirty="0"/>
-              <a:t>Relevance: Suppresses fibrin formation, limiting clot stability.</a:t>
-            </a:r>
+              <a:t>MODE OF ACTION: Indirect inhibition of thrombin and Factor </a:t>
+            </a:r>
+            <a:r>
+              <a:rPr lang="en-US" sz="2000" dirty="0" err="1"/>
+              <a:t>Xa</a:t>
+            </a:r>
+            <a:r>
+              <a:rPr lang="en-US" sz="2000" dirty="0"/>
+              <a:t> via activation of antithrombin.</a:t>
+            </a:r>
+          </a:p>
+          <a:p>
+            <a:r>
+              <a:rPr lang="en-US" sz="2000" dirty="0"/>
+              <a:t>Examples:</a:t>
+            </a:r>
+          </a:p>
+          <a:p>
+            <a:pPr marL="0" indent="0">
+              <a:buNone/>
+            </a:pPr>
+            <a:r>
+              <a:rPr lang="en-US" sz="2000" dirty="0"/>
+              <a:t>    Unfractionated Heparin (UFH).</a:t>
+            </a:r>
+          </a:p>
+          <a:p>
+            <a:pPr marL="0" indent="0">
+              <a:buNone/>
+            </a:pPr>
+            <a:r>
+              <a:rPr lang="en-US" sz="2000" dirty="0"/>
+              <a:t>    Low Molecular Weight Heparin (LMWH) like Enoxaparin.</a:t>
+            </a:r>
+          </a:p>
+          <a:p>
+            <a:r>
+              <a:rPr lang="en-US" sz="2000" dirty="0"/>
+              <a:t>Relevance to the Extrinsic Pathway: Prevents activation of thrombin and its downstream effects.</a:t>
+            </a:r>
+            <a:endParaRPr lang="en-IN" sz="2000" dirty="0"/>
           </a:p>
         </p:txBody>
       </p:sp>
     </p:spTree>
     <p:extLst>
       <p:ext uri="{BB962C8B-B14F-4D97-AF65-F5344CB8AC3E}">
-        <p14:creationId xmlns:p14="http://schemas.microsoft.com/office/powerpoint/2010/main" val="2734579722"/>
+        <p14:creationId xmlns:p14="http://schemas.microsoft.com/office/powerpoint/2010/main" val="2824892764"/>
       </p:ext>
     </p:extLst>
   </p:cSld>
@@ -13424,7 +13596,7 @@
           <p:cNvPr id="2" name="Title 1">
             <a:extLst>
               <a:ext uri="{FF2B5EF4-FFF2-40B4-BE49-F238E27FC236}">
-                <a16:creationId xmlns:a16="http://schemas.microsoft.com/office/drawing/2014/main" id="{E7F3C245-EEFC-45CE-9DE4-1E0F0BEF7401}"/>
+                <a16:creationId xmlns:a16="http://schemas.microsoft.com/office/drawing/2014/main" id="{AB4AF896-8F9C-4D44-82C2-3E2D8FAE4147}"/>
               </a:ext>
             </a:extLst>
           </p:cNvPr>
@@ -13448,13 +13620,18 @@
           <a:lstStyle/>
           <a:p>
             <a:r>
-              <a:rPr lang="en-IN" sz="4000" dirty="0">
+              <a:rPr lang="en-US" sz="4000" dirty="0">
                 <a:solidFill>
                   <a:srgbClr val="FFFFFF"/>
                 </a:solidFill>
               </a:rPr>
-              <a:t>Novel Agents</a:t>
-            </a:r>
+              <a:t>Tissue Factor Pathway Inhibitor (TFPI)</a:t>
+            </a:r>
+            <a:endParaRPr lang="en-IN" sz="4000" dirty="0">
+              <a:solidFill>
+                <a:srgbClr val="FFFFFF"/>
+              </a:solidFill>
+            </a:endParaRPr>
           </a:p>
         </p:txBody>
       </p:sp>
@@ -13463,7 +13640,7 @@
           <p:cNvPr id="3" name="Content Placeholder 2">
             <a:extLst>
               <a:ext uri="{FF2B5EF4-FFF2-40B4-BE49-F238E27FC236}">
-                <a16:creationId xmlns:a16="http://schemas.microsoft.com/office/drawing/2014/main" id="{4C8C37B4-53A6-488E-B924-8165708C66F6}"/>
+                <a16:creationId xmlns:a16="http://schemas.microsoft.com/office/drawing/2014/main" id="{4602AF0C-1A57-4E01-B2F3-28F8004EFC18}"/>
               </a:ext>
             </a:extLst>
           </p:cNvPr>
@@ -13488,13 +13665,51 @@
           <a:p>
             <a:r>
               <a:rPr lang="en-US" sz="2000" dirty="0"/>
-              <a:t>MODE OF ACTION: Inhibition of specific molecules such as TF or other cofactors.</a:t>
-            </a:r>
-          </a:p>
-          <a:p>
+              <a:t>Tissue factor pathway inhibitor (or TFPI) is a single-chain polypeptide which can reversibly inhibit factor </a:t>
+            </a:r>
+            <a:r>
+              <a:rPr lang="en-US" sz="2000" dirty="0" err="1"/>
+              <a:t>Xa</a:t>
+            </a:r>
             <a:r>
               <a:rPr lang="en-US" sz="2000" dirty="0"/>
-              <a:t>Examples: Investigational agents like antibodies targeting TF.</a:t>
+              <a:t> (</a:t>
+            </a:r>
+            <a:r>
+              <a:rPr lang="en-US" sz="2000" dirty="0" err="1"/>
+              <a:t>Xa</a:t>
+            </a:r>
+            <a:r>
+              <a:rPr lang="en-US" sz="2000" dirty="0"/>
+              <a:t>)</a:t>
+            </a:r>
+          </a:p>
+          <a:p>
+            <a:r>
+              <a:rPr lang="en-US" sz="2000" dirty="0"/>
+              <a:t>MODE OF ACTION : Direct inhibition of the TF-</a:t>
+            </a:r>
+            <a:r>
+              <a:rPr lang="en-US" sz="2000" dirty="0" err="1"/>
+              <a:t>VIIa</a:t>
+            </a:r>
+            <a:r>
+              <a:rPr lang="en-US" sz="2000" dirty="0"/>
+              <a:t> complex and Factor </a:t>
+            </a:r>
+            <a:r>
+              <a:rPr lang="en-US" sz="2000" dirty="0" err="1"/>
+              <a:t>Xa</a:t>
+            </a:r>
+            <a:r>
+              <a:rPr lang="en-US" sz="2000" dirty="0"/>
+              <a:t>.</a:t>
+            </a:r>
+          </a:p>
+          <a:p>
+            <a:r>
+              <a:rPr lang="en-US" sz="2000" dirty="0"/>
+              <a:t>Relevance: Specifically inhibits the initiation phase of the extrinsic pathway.</a:t>
             </a:r>
             <a:endParaRPr lang="en-IN" sz="2000" dirty="0"/>
           </a:p>
@@ -13503,7 +13718,7 @@
     </p:spTree>
     <p:extLst>
       <p:ext uri="{BB962C8B-B14F-4D97-AF65-F5344CB8AC3E}">
-        <p14:creationId xmlns:p14="http://schemas.microsoft.com/office/powerpoint/2010/main" val="3007083300"/>
+        <p14:creationId xmlns:p14="http://schemas.microsoft.com/office/powerpoint/2010/main" val="167315286"/>
       </p:ext>
     </p:extLst>
   </p:cSld>
@@ -14165,7 +14380,7 @@
           <p:cNvPr id="2" name="Title 1">
             <a:extLst>
               <a:ext uri="{FF2B5EF4-FFF2-40B4-BE49-F238E27FC236}">
-                <a16:creationId xmlns:a16="http://schemas.microsoft.com/office/drawing/2014/main" id="{3EDA69FB-0503-4447-BE95-8EFF86DCEB8C}"/>
+                <a16:creationId xmlns:a16="http://schemas.microsoft.com/office/drawing/2014/main" id="{D0E43C39-5917-4B7B-A09F-B1F4935A5B9D}"/>
               </a:ext>
             </a:extLst>
           </p:cNvPr>
@@ -14189,18 +14404,13 @@
           <a:lstStyle/>
           <a:p>
             <a:r>
-              <a:rPr lang="en-US" sz="4000" dirty="0">
+              <a:rPr lang="en-IN" sz="4000" dirty="0">
                 <a:solidFill>
                   <a:srgbClr val="FFFFFF"/>
                 </a:solidFill>
               </a:rPr>
-              <a:t>Clinical Significance</a:t>
-            </a:r>
-            <a:endParaRPr lang="en-IN" sz="4000" dirty="0">
-              <a:solidFill>
-                <a:srgbClr val="FFFFFF"/>
-              </a:solidFill>
-            </a:endParaRPr>
+              <a:t>Thrombin Inhibitors</a:t>
+            </a:r>
           </a:p>
         </p:txBody>
       </p:sp>
@@ -14209,7 +14419,7 @@
           <p:cNvPr id="3" name="Content Placeholder 2">
             <a:extLst>
               <a:ext uri="{FF2B5EF4-FFF2-40B4-BE49-F238E27FC236}">
-                <a16:creationId xmlns:a16="http://schemas.microsoft.com/office/drawing/2014/main" id="{1CDE7838-72F3-4CC3-9AFC-365EB727D3CD}"/>
+                <a16:creationId xmlns:a16="http://schemas.microsoft.com/office/drawing/2014/main" id="{E39895F9-5D53-4781-8622-FC5634731D2D}"/>
               </a:ext>
             </a:extLst>
           </p:cNvPr>
@@ -14233,20 +14443,28 @@
           <a:lstStyle/>
           <a:p>
             <a:r>
+              <a:rPr lang="en-US" sz="2000" dirty="0"/>
+              <a:t>MODE OF ACTION: Direct inhibition of thrombin.</a:t>
+            </a:r>
+          </a:p>
+          <a:p>
+            <a:r>
               <a:rPr lang="en-IN" sz="2000" dirty="0"/>
-              <a:t>Prophylaxis and Treatment of Thromboembolic Events: Deep vein thrombosis, pulmonary embolism, and atrial fibrillation.</a:t>
-            </a:r>
-          </a:p>
-          <a:p>
+              <a:t>Examples: Dabigatran, </a:t>
+            </a:r>
+            <a:r>
+              <a:rPr lang="en-IN" sz="2000" dirty="0" err="1"/>
+              <a:t>Argatroban</a:t>
+            </a:r>
             <a:r>
               <a:rPr lang="en-IN" sz="2000" dirty="0"/>
-              <a:t>Cardiovascular Procedures: Prevention of clot formation during surgeries and stent placements using statins.</a:t>
+              <a:t>.</a:t>
             </a:r>
           </a:p>
           <a:p>
             <a:r>
               <a:rPr lang="en-IN" sz="2000" dirty="0"/>
-              <a:t>Management of Hypercoagulable States: Disseminated intravascular coagulation (DIC) and antiphospholipid syndrome.</a:t>
+              <a:t>Relevance: Suppresses fibrin formation, limiting clot stability.</a:t>
             </a:r>
           </a:p>
         </p:txBody>
@@ -14254,7 +14472,7 @@
     </p:spTree>
     <p:extLst>
       <p:ext uri="{BB962C8B-B14F-4D97-AF65-F5344CB8AC3E}">
-        <p14:creationId xmlns:p14="http://schemas.microsoft.com/office/powerpoint/2010/main" val="2887962772"/>
+        <p14:creationId xmlns:p14="http://schemas.microsoft.com/office/powerpoint/2010/main" val="2734579722"/>
       </p:ext>
     </p:extLst>
   </p:cSld>
@@ -14916,7 +15134,7 @@
           <p:cNvPr id="2" name="Title 1">
             <a:extLst>
               <a:ext uri="{FF2B5EF4-FFF2-40B4-BE49-F238E27FC236}">
-                <a16:creationId xmlns:a16="http://schemas.microsoft.com/office/drawing/2014/main" id="{375D33AD-EC85-4396-854F-A88F0DEF32BD}"/>
+                <a16:creationId xmlns:a16="http://schemas.microsoft.com/office/drawing/2014/main" id="{E7F3C245-EEFC-45CE-9DE4-1E0F0BEF7401}"/>
               </a:ext>
             </a:extLst>
           </p:cNvPr>
@@ -14942,12 +15160,10 @@
             <a:r>
               <a:rPr lang="en-IN" sz="4000" dirty="0">
                 <a:solidFill>
-                  <a:schemeClr val="bg1">
-                    <a:lumMod val="95000"/>
-                  </a:schemeClr>
+                  <a:srgbClr val="FFFFFF"/>
                 </a:solidFill>
               </a:rPr>
-              <a:t>Challenges and Risks</a:t>
+              <a:t>Novel Agents</a:t>
             </a:r>
           </a:p>
         </p:txBody>
@@ -14957,7 +15173,7 @@
           <p:cNvPr id="3" name="Content Placeholder 2">
             <a:extLst>
               <a:ext uri="{FF2B5EF4-FFF2-40B4-BE49-F238E27FC236}">
-                <a16:creationId xmlns:a16="http://schemas.microsoft.com/office/drawing/2014/main" id="{B08CA28C-1BF1-4FF4-968C-2093E495B9F5}"/>
+                <a16:creationId xmlns:a16="http://schemas.microsoft.com/office/drawing/2014/main" id="{4C8C37B4-53A6-488E-B924-8165708C66F6}"/>
               </a:ext>
             </a:extLst>
           </p:cNvPr>
@@ -14981,64 +15197,23 @@
           <a:lstStyle/>
           <a:p>
             <a:r>
-              <a:rPr lang="en-IN" sz="2000" dirty="0"/>
-              <a:t>Bleeding Complications: The most significant risk associated with anticoagulant therapy.</a:t>
-            </a:r>
-          </a:p>
-          <a:p>
-            <a:r>
-              <a:rPr lang="en-IN" sz="2000" dirty="0"/>
-              <a:t>Reversal Agents: Specific antidotes are available, such as:</a:t>
-            </a:r>
-          </a:p>
-          <a:p>
-            <a:pPr marL="457200" indent="-457200">
-              <a:buFont typeface="+mj-lt"/>
-              <a:buAutoNum type="arabicPeriod"/>
-            </a:pPr>
-            <a:r>
-              <a:rPr lang="en-IN" sz="2000" dirty="0"/>
-              <a:t>Vitamin K for warfarin.</a:t>
-            </a:r>
-          </a:p>
-          <a:p>
-            <a:pPr marL="457200" indent="-457200">
-              <a:buFont typeface="+mj-lt"/>
-              <a:buAutoNum type="arabicPeriod"/>
-            </a:pPr>
-            <a:r>
-              <a:rPr lang="en-IN" sz="2000" dirty="0" err="1"/>
-              <a:t>Idarucizumab</a:t>
-            </a:r>
-            <a:r>
-              <a:rPr lang="en-IN" sz="2000" dirty="0"/>
-              <a:t> for dabigatran.</a:t>
-            </a:r>
-          </a:p>
-          <a:p>
-            <a:pPr marL="457200" indent="-457200">
-              <a:buFont typeface="+mj-lt"/>
-              <a:buAutoNum type="arabicPeriod"/>
-            </a:pPr>
-            <a:r>
-              <a:rPr lang="en-IN" sz="2000" dirty="0"/>
-              <a:t>Andexanet alfa for Factor </a:t>
-            </a:r>
-            <a:r>
-              <a:rPr lang="en-IN" sz="2000" dirty="0" err="1"/>
-              <a:t>Xa</a:t>
-            </a:r>
-            <a:r>
-              <a:rPr lang="en-IN" sz="2000" dirty="0"/>
-              <a:t> inhibitors.</a:t>
-            </a:r>
+              <a:rPr lang="en-US" sz="2000" dirty="0"/>
+              <a:t>MODE OF ACTION: Inhibition of specific molecules such as TF or other cofactors.</a:t>
+            </a:r>
+          </a:p>
+          <a:p>
+            <a:r>
+              <a:rPr lang="en-US" sz="2000" dirty="0"/>
+              <a:t>Examples: Investigational agents like antibodies targeting TF.</a:t>
+            </a:r>
+            <a:endParaRPr lang="en-IN" sz="2000" dirty="0"/>
           </a:p>
         </p:txBody>
       </p:sp>
     </p:spTree>
     <p:extLst>
       <p:ext uri="{BB962C8B-B14F-4D97-AF65-F5344CB8AC3E}">
-        <p14:creationId xmlns:p14="http://schemas.microsoft.com/office/powerpoint/2010/main" val="194696290"/>
+        <p14:creationId xmlns:p14="http://schemas.microsoft.com/office/powerpoint/2010/main" val="3007083300"/>
       </p:ext>
     </p:extLst>
   </p:cSld>
@@ -15700,6 +15875,1541 @@
           <p:cNvPr id="2" name="Title 1">
             <a:extLst>
               <a:ext uri="{FF2B5EF4-FFF2-40B4-BE49-F238E27FC236}">
+                <a16:creationId xmlns:a16="http://schemas.microsoft.com/office/drawing/2014/main" id="{3EDA69FB-0503-4447-BE95-8EFF86DCEB8C}"/>
+              </a:ext>
+            </a:extLst>
+          </p:cNvPr>
+          <p:cNvSpPr>
+            <a:spLocks noGrp="1"/>
+          </p:cNvSpPr>
+          <p:nvPr>
+            <p:ph type="title"/>
+          </p:nvPr>
+        </p:nvSpPr>
+        <p:spPr>
+          <a:xfrm>
+            <a:off x="466722" y="586855"/>
+            <a:ext cx="3201366" cy="3387497"/>
+          </a:xfrm>
+        </p:spPr>
+        <p:txBody>
+          <a:bodyPr anchor="b">
+            <a:normAutofit/>
+          </a:bodyPr>
+          <a:lstStyle/>
+          <a:p>
+            <a:r>
+              <a:rPr lang="en-US" sz="4000" dirty="0">
+                <a:solidFill>
+                  <a:srgbClr val="FFFFFF"/>
+                </a:solidFill>
+              </a:rPr>
+              <a:t>Clinical Significance</a:t>
+            </a:r>
+            <a:endParaRPr lang="en-IN" sz="4000" dirty="0">
+              <a:solidFill>
+                <a:srgbClr val="FFFFFF"/>
+              </a:solidFill>
+            </a:endParaRPr>
+          </a:p>
+        </p:txBody>
+      </p:sp>
+      <p:sp>
+        <p:nvSpPr>
+          <p:cNvPr id="3" name="Content Placeholder 2">
+            <a:extLst>
+              <a:ext uri="{FF2B5EF4-FFF2-40B4-BE49-F238E27FC236}">
+                <a16:creationId xmlns:a16="http://schemas.microsoft.com/office/drawing/2014/main" id="{1CDE7838-72F3-4CC3-9AFC-365EB727D3CD}"/>
+              </a:ext>
+            </a:extLst>
+          </p:cNvPr>
+          <p:cNvSpPr>
+            <a:spLocks noGrp="1"/>
+          </p:cNvSpPr>
+          <p:nvPr>
+            <p:ph idx="1"/>
+          </p:nvPr>
+        </p:nvSpPr>
+        <p:spPr>
+          <a:xfrm>
+            <a:off x="4810259" y="649480"/>
+            <a:ext cx="6555347" cy="5546047"/>
+          </a:xfrm>
+        </p:spPr>
+        <p:txBody>
+          <a:bodyPr anchor="ctr">
+            <a:normAutofit/>
+          </a:bodyPr>
+          <a:lstStyle/>
+          <a:p>
+            <a:r>
+              <a:rPr lang="en-IN" sz="2000" dirty="0"/>
+              <a:t>Prophylaxis and Treatment of Thromboembolic Events: Deep vein thrombosis, pulmonary embolism, and atrial fibrillation.</a:t>
+            </a:r>
+          </a:p>
+          <a:p>
+            <a:r>
+              <a:rPr lang="en-IN" sz="2000" dirty="0"/>
+              <a:t>Cardiovascular Procedures: Prevention of clot formation during surgeries and stent placements using statins.</a:t>
+            </a:r>
+          </a:p>
+          <a:p>
+            <a:r>
+              <a:rPr lang="en-IN" sz="2000" dirty="0"/>
+              <a:t>Management of Hypercoagulable States: Disseminated intravascular coagulation (DIC) and antiphospholipid syndrome.</a:t>
+            </a:r>
+          </a:p>
+        </p:txBody>
+      </p:sp>
+    </p:spTree>
+    <p:extLst>
+      <p:ext uri="{BB962C8B-B14F-4D97-AF65-F5344CB8AC3E}">
+        <p14:creationId xmlns:p14="http://schemas.microsoft.com/office/powerpoint/2010/main" val="2887962772"/>
+      </p:ext>
+    </p:extLst>
+  </p:cSld>
+  <p:clrMapOvr>
+    <a:masterClrMapping/>
+  </p:clrMapOvr>
+</p:sld>
+</file>
+
+<file path=ppt/slides/slide25.xml><?xml version="1.0" encoding="utf-8"?>
+<p:sld xmlns:a="http://schemas.openxmlformats.org/drawingml/2006/main" xmlns:r="http://schemas.openxmlformats.org/officeDocument/2006/relationships" xmlns:p="http://schemas.openxmlformats.org/presentationml/2006/main">
+  <p:cSld>
+    <p:bg>
+      <p:bgPr>
+        <a:solidFill>
+          <a:schemeClr val="bg1"/>
+        </a:solidFill>
+        <a:effectLst/>
+      </p:bgPr>
+    </p:bg>
+    <p:spTree>
+      <p:nvGrpSpPr>
+        <p:cNvPr id="1" name=""/>
+        <p:cNvGrpSpPr/>
+        <p:nvPr/>
+      </p:nvGrpSpPr>
+      <p:grpSpPr>
+        <a:xfrm>
+          <a:off x="0" y="0"/>
+          <a:ext cx="0" cy="0"/>
+          <a:chOff x="0" y="0"/>
+          <a:chExt cx="0" cy="0"/>
+        </a:xfrm>
+      </p:grpSpPr>
+      <p:sp useBgFill="1">
+        <p:nvSpPr>
+          <p:cNvPr id="8" name="Rectangle 7">
+            <a:extLst>
+              <a:ext uri="{FF2B5EF4-FFF2-40B4-BE49-F238E27FC236}">
+                <a16:creationId xmlns:a16="http://schemas.microsoft.com/office/drawing/2014/main" id="{09588DA8-065E-4F6F-8EFD-43104AB2E0CF}"/>
+              </a:ext>
+              <a:ext uri="{C183D7F6-B498-43B3-948B-1728B52AA6E4}">
+                <adec:decorative xmlns:adec="http://schemas.microsoft.com/office/drawing/2017/decorative" val="1"/>
+              </a:ext>
+            </a:extLst>
+          </p:cNvPr>
+          <p:cNvSpPr>
+            <a:spLocks noGrp="1" noRot="1" noChangeAspect="1" noMove="1" noResize="1" noEditPoints="1" noAdjustHandles="1" noChangeArrowheads="1" noChangeShapeType="1" noTextEdit="1"/>
+          </p:cNvSpPr>
+          <p:nvPr>
+            <p:extLst>
+              <p:ext uri="{386F3935-93C4-4BCD-93E2-E3B085C9AB24}">
+                <p16:designElem xmlns:p16="http://schemas.microsoft.com/office/powerpoint/2015/main" val="1"/>
+              </p:ext>
+            </p:extLst>
+          </p:nvPr>
+        </p:nvSpPr>
+        <p:spPr>
+          <a:xfrm>
+            <a:off x="0" y="0"/>
+            <a:ext cx="12192000" cy="6858000"/>
+          </a:xfrm>
+          <a:prstGeom prst="rect">
+            <a:avLst/>
+          </a:prstGeom>
+          <a:ln w="12700" cap="flat" cmpd="sng" algn="ctr">
+            <a:noFill/>
+            <a:prstDash val="solid"/>
+            <a:miter lim="800000"/>
+          </a:ln>
+          <a:effectLst/>
+          <a:extLst>
+            <a:ext uri="{91240B29-F687-4F45-9708-019B960494DF}">
+              <a14:hiddenLine xmlns:a14="http://schemas.microsoft.com/office/drawing/2010/main" w="12700" cap="flat" cmpd="sng" algn="ctr">
+                <a:solidFill>
+                  <a:schemeClr val="accent1">
+                    <a:shade val="50000"/>
+                  </a:schemeClr>
+                </a:solidFill>
+                <a:prstDash val="solid"/>
+                <a:miter lim="800000"/>
+              </a14:hiddenLine>
+            </a:ext>
+          </a:extLst>
+        </p:spPr>
+        <p:style>
+          <a:lnRef idx="2">
+            <a:schemeClr val="accent1">
+              <a:shade val="50000"/>
+            </a:schemeClr>
+          </a:lnRef>
+          <a:fillRef idx="1">
+            <a:schemeClr val="accent1"/>
+          </a:fillRef>
+          <a:effectRef idx="0">
+            <a:schemeClr val="accent1"/>
+          </a:effectRef>
+          <a:fontRef idx="minor">
+            <a:schemeClr val="lt1"/>
+          </a:fontRef>
+        </p:style>
+        <p:txBody>
+          <a:bodyPr rtlCol="0" anchor="ctr"/>
+          <a:lstStyle/>
+          <a:p>
+            <a:pPr algn="ctr"/>
+            <a:endParaRPr lang="en-US"/>
+          </a:p>
+        </p:txBody>
+      </p:sp>
+      <p:sp useBgFill="1">
+        <p:nvSpPr>
+          <p:cNvPr id="10" name="Rectangle 9">
+            <a:extLst>
+              <a:ext uri="{FF2B5EF4-FFF2-40B4-BE49-F238E27FC236}">
+                <a16:creationId xmlns:a16="http://schemas.microsoft.com/office/drawing/2014/main" id="{C4285719-470E-454C-AF62-8323075F1F5B}"/>
+              </a:ext>
+              <a:ext uri="{C183D7F6-B498-43B3-948B-1728B52AA6E4}">
+                <adec:decorative xmlns:adec="http://schemas.microsoft.com/office/drawing/2017/decorative" val="1"/>
+              </a:ext>
+            </a:extLst>
+          </p:cNvPr>
+          <p:cNvSpPr>
+            <a:spLocks noGrp="1" noRot="1" noChangeAspect="1" noMove="1" noResize="1" noEditPoints="1" noAdjustHandles="1" noChangeArrowheads="1" noChangeShapeType="1" noTextEdit="1"/>
+          </p:cNvSpPr>
+          <p:nvPr>
+            <p:extLst>
+              <p:ext uri="{386F3935-93C4-4BCD-93E2-E3B085C9AB24}">
+                <p16:designElem xmlns:p16="http://schemas.microsoft.com/office/powerpoint/2015/main" val="1"/>
+              </p:ext>
+            </p:extLst>
+          </p:nvPr>
+        </p:nvSpPr>
+        <p:spPr>
+          <a:xfrm>
+            <a:off x="0" y="0"/>
+            <a:ext cx="12188952" cy="6858000"/>
+          </a:xfrm>
+          <a:prstGeom prst="rect">
+            <a:avLst/>
+          </a:prstGeom>
+          <a:ln w="12700" cap="flat" cmpd="sng" algn="ctr">
+            <a:noFill/>
+            <a:prstDash val="solid"/>
+            <a:miter lim="800000"/>
+          </a:ln>
+          <a:effectLst/>
+          <a:extLst>
+            <a:ext uri="{91240B29-F687-4F45-9708-019B960494DF}">
+              <a14:hiddenLine xmlns:a14="http://schemas.microsoft.com/office/drawing/2010/main" w="12700" cap="flat" cmpd="sng" algn="ctr">
+                <a:solidFill>
+                  <a:schemeClr val="accent1">
+                    <a:shade val="50000"/>
+                  </a:schemeClr>
+                </a:solidFill>
+                <a:prstDash val="solid"/>
+                <a:miter lim="800000"/>
+              </a14:hiddenLine>
+            </a:ext>
+          </a:extLst>
+        </p:spPr>
+        <p:style>
+          <a:lnRef idx="2">
+            <a:schemeClr val="accent1">
+              <a:shade val="50000"/>
+            </a:schemeClr>
+          </a:lnRef>
+          <a:fillRef idx="1">
+            <a:schemeClr val="accent1"/>
+          </a:fillRef>
+          <a:effectRef idx="0">
+            <a:schemeClr val="accent1"/>
+          </a:effectRef>
+          <a:fontRef idx="minor">
+            <a:schemeClr val="lt1"/>
+          </a:fontRef>
+        </p:style>
+        <p:txBody>
+          <a:bodyPr rtlCol="0" anchor="ctr"/>
+          <a:lstStyle/>
+          <a:p>
+            <a:pPr algn="ctr"/>
+            <a:endParaRPr lang="en-US"/>
+          </a:p>
+        </p:txBody>
+      </p:sp>
+      <p:sp>
+        <p:nvSpPr>
+          <p:cNvPr id="12" name="Rectangle 11">
+            <a:extLst>
+              <a:ext uri="{FF2B5EF4-FFF2-40B4-BE49-F238E27FC236}">
+                <a16:creationId xmlns:a16="http://schemas.microsoft.com/office/drawing/2014/main" id="{CD9FE4EF-C4D8-49A0-B2FF-81D8DB7D8A24}"/>
+              </a:ext>
+              <a:ext uri="{C183D7F6-B498-43B3-948B-1728B52AA6E4}">
+                <adec:decorative xmlns:adec="http://schemas.microsoft.com/office/drawing/2017/decorative" val="1"/>
+              </a:ext>
+            </a:extLst>
+          </p:cNvPr>
+          <p:cNvSpPr>
+            <a:spLocks noGrp="1" noRot="1" noChangeAspect="1" noMove="1" noResize="1" noEditPoints="1" noAdjustHandles="1" noChangeArrowheads="1" noChangeShapeType="1" noTextEdit="1"/>
+          </p:cNvSpPr>
+          <p:nvPr>
+            <p:extLst>
+              <p:ext uri="{386F3935-93C4-4BCD-93E2-E3B085C9AB24}">
+                <p16:designElem xmlns:p16="http://schemas.microsoft.com/office/powerpoint/2015/main" val="1"/>
+              </p:ext>
+            </p:extLst>
+          </p:nvPr>
+        </p:nvSpPr>
+        <p:spPr>
+          <a:xfrm rot="5400000" flipH="1">
+            <a:off x="-1410084" y="1410082"/>
+            <a:ext cx="6858000" cy="4037836"/>
+          </a:xfrm>
+          <a:prstGeom prst="rect">
+            <a:avLst/>
+          </a:prstGeom>
+          <a:gradFill>
+            <a:gsLst>
+              <a:gs pos="8000">
+                <a:srgbClr val="000000"/>
+              </a:gs>
+              <a:gs pos="100000">
+                <a:schemeClr val="accent1">
+                  <a:lumMod val="75000"/>
+                </a:schemeClr>
+              </a:gs>
+            </a:gsLst>
+            <a:lin ang="3000000" scaled="0"/>
+          </a:gradFill>
+          <a:ln>
+            <a:noFill/>
+          </a:ln>
+        </p:spPr>
+        <p:style>
+          <a:lnRef idx="2">
+            <a:schemeClr val="accent1">
+              <a:shade val="50000"/>
+            </a:schemeClr>
+          </a:lnRef>
+          <a:fillRef idx="1">
+            <a:schemeClr val="accent1"/>
+          </a:fillRef>
+          <a:effectRef idx="0">
+            <a:schemeClr val="accent1"/>
+          </a:effectRef>
+          <a:fontRef idx="minor">
+            <a:schemeClr val="lt1"/>
+          </a:fontRef>
+        </p:style>
+        <p:txBody>
+          <a:bodyPr rtlCol="0" anchor="ctr"/>
+          <a:lstStyle/>
+          <a:p>
+            <a:pPr algn="ctr"/>
+            <a:endParaRPr lang="en-US"/>
+          </a:p>
+        </p:txBody>
+      </p:sp>
+      <p:sp>
+        <p:nvSpPr>
+          <p:cNvPr id="14" name="Rectangle 13">
+            <a:extLst>
+              <a:ext uri="{FF2B5EF4-FFF2-40B4-BE49-F238E27FC236}">
+                <a16:creationId xmlns:a16="http://schemas.microsoft.com/office/drawing/2014/main" id="{4300840D-0A0B-4512-BACA-B439D5B9C57C}"/>
+              </a:ext>
+              <a:ext uri="{C183D7F6-B498-43B3-948B-1728B52AA6E4}">
+                <adec:decorative xmlns:adec="http://schemas.microsoft.com/office/drawing/2017/decorative" val="1"/>
+              </a:ext>
+            </a:extLst>
+          </p:cNvPr>
+          <p:cNvSpPr>
+            <a:spLocks noGrp="1" noRot="1" noChangeAspect="1" noMove="1" noResize="1" noEditPoints="1" noAdjustHandles="1" noChangeArrowheads="1" noChangeShapeType="1" noTextEdit="1"/>
+          </p:cNvSpPr>
+          <p:nvPr>
+            <p:extLst>
+              <p:ext uri="{386F3935-93C4-4BCD-93E2-E3B085C9AB24}">
+                <p16:designElem xmlns:p16="http://schemas.microsoft.com/office/powerpoint/2015/main" val="1"/>
+              </p:ext>
+            </p:extLst>
+          </p:nvPr>
+        </p:nvSpPr>
+        <p:spPr>
+          <a:xfrm rot="5400000" flipH="1">
+            <a:off x="-1410085" y="1420219"/>
+            <a:ext cx="6857999" cy="4037839"/>
+          </a:xfrm>
+          <a:prstGeom prst="rect">
+            <a:avLst/>
+          </a:prstGeom>
+          <a:gradFill>
+            <a:gsLst>
+              <a:gs pos="0">
+                <a:srgbClr val="000000">
+                  <a:alpha val="0"/>
+                </a:srgbClr>
+              </a:gs>
+              <a:gs pos="99000">
+                <a:schemeClr val="accent1">
+                  <a:alpha val="46000"/>
+                </a:schemeClr>
+              </a:gs>
+            </a:gsLst>
+            <a:lin ang="1800000" scaled="0"/>
+          </a:gradFill>
+          <a:ln>
+            <a:noFill/>
+          </a:ln>
+        </p:spPr>
+        <p:style>
+          <a:lnRef idx="2">
+            <a:schemeClr val="accent1">
+              <a:shade val="50000"/>
+            </a:schemeClr>
+          </a:lnRef>
+          <a:fillRef idx="1">
+            <a:schemeClr val="accent1"/>
+          </a:fillRef>
+          <a:effectRef idx="0">
+            <a:schemeClr val="accent1"/>
+          </a:effectRef>
+          <a:fontRef idx="minor">
+            <a:schemeClr val="lt1"/>
+          </a:fontRef>
+        </p:style>
+        <p:txBody>
+          <a:bodyPr rtlCol="0" anchor="ctr"/>
+          <a:lstStyle/>
+          <a:p>
+            <a:pPr algn="ctr"/>
+            <a:endParaRPr lang="en-US"/>
+          </a:p>
+        </p:txBody>
+      </p:sp>
+      <p:sp>
+        <p:nvSpPr>
+          <p:cNvPr id="16" name="Rectangle 15">
+            <a:extLst>
+              <a:ext uri="{FF2B5EF4-FFF2-40B4-BE49-F238E27FC236}">
+                <a16:creationId xmlns:a16="http://schemas.microsoft.com/office/drawing/2014/main" id="{D2B78728-A580-49A7-84F9-6EF6F583ADE0}"/>
+              </a:ext>
+              <a:ext uri="{C183D7F6-B498-43B3-948B-1728B52AA6E4}">
+                <adec:decorative xmlns:adec="http://schemas.microsoft.com/office/drawing/2017/decorative" val="1"/>
+              </a:ext>
+            </a:extLst>
+          </p:cNvPr>
+          <p:cNvSpPr>
+            <a:spLocks noGrp="1" noRot="1" noChangeAspect="1" noMove="1" noResize="1" noEditPoints="1" noAdjustHandles="1" noChangeArrowheads="1" noChangeShapeType="1" noTextEdit="1"/>
+          </p:cNvSpPr>
+          <p:nvPr>
+            <p:extLst>
+              <p:ext uri="{386F3935-93C4-4BCD-93E2-E3B085C9AB24}">
+                <p16:designElem xmlns:p16="http://schemas.microsoft.com/office/powerpoint/2015/main" val="1"/>
+              </p:ext>
+            </p:extLst>
+          </p:nvPr>
+        </p:nvSpPr>
+        <p:spPr>
+          <a:xfrm rot="5400000" flipH="1">
+            <a:off x="767923" y="3588085"/>
+            <a:ext cx="2501979" cy="4037841"/>
+          </a:xfrm>
+          <a:prstGeom prst="rect">
+            <a:avLst/>
+          </a:prstGeom>
+          <a:gradFill>
+            <a:gsLst>
+              <a:gs pos="2000">
+                <a:schemeClr val="accent1">
+                  <a:alpha val="29000"/>
+                </a:schemeClr>
+              </a:gs>
+              <a:gs pos="100000">
+                <a:srgbClr val="000000">
+                  <a:alpha val="30000"/>
+                </a:srgbClr>
+              </a:gs>
+            </a:gsLst>
+            <a:lin ang="7800000" scaled="0"/>
+          </a:gradFill>
+          <a:ln>
+            <a:noFill/>
+          </a:ln>
+        </p:spPr>
+        <p:style>
+          <a:lnRef idx="2">
+            <a:schemeClr val="accent1">
+              <a:shade val="50000"/>
+            </a:schemeClr>
+          </a:lnRef>
+          <a:fillRef idx="1">
+            <a:schemeClr val="accent1"/>
+          </a:fillRef>
+          <a:effectRef idx="0">
+            <a:schemeClr val="accent1"/>
+          </a:effectRef>
+          <a:fontRef idx="minor">
+            <a:schemeClr val="lt1"/>
+          </a:fontRef>
+        </p:style>
+        <p:txBody>
+          <a:bodyPr rtlCol="0" anchor="ctr"/>
+          <a:lstStyle/>
+          <a:p>
+            <a:pPr algn="ctr"/>
+            <a:endParaRPr lang="en-US" dirty="0"/>
+          </a:p>
+        </p:txBody>
+      </p:sp>
+      <p:sp>
+        <p:nvSpPr>
+          <p:cNvPr id="18" name="Freeform: Shape 17">
+            <a:extLst>
+              <a:ext uri="{FF2B5EF4-FFF2-40B4-BE49-F238E27FC236}">
+                <a16:creationId xmlns:a16="http://schemas.microsoft.com/office/drawing/2014/main" id="{38FAA1A1-D861-433F-88FA-1E9D6FD31D11}"/>
+              </a:ext>
+              <a:ext uri="{C183D7F6-B498-43B3-948B-1728B52AA6E4}">
+                <adec:decorative xmlns:adec="http://schemas.microsoft.com/office/drawing/2017/decorative" val="1"/>
+              </a:ext>
+            </a:extLst>
+          </p:cNvPr>
+          <p:cNvSpPr>
+            <a:spLocks noGrp="1" noRot="1" noChangeAspect="1" noMove="1" noResize="1" noEditPoints="1" noAdjustHandles="1" noChangeArrowheads="1" noChangeShapeType="1" noTextEdit="1"/>
+          </p:cNvSpPr>
+          <p:nvPr>
+            <p:extLst>
+              <p:ext uri="{386F3935-93C4-4BCD-93E2-E3B085C9AB24}">
+                <p16:designElem xmlns:p16="http://schemas.microsoft.com/office/powerpoint/2015/main" val="1"/>
+              </p:ext>
+            </p:extLst>
+          </p:nvPr>
+        </p:nvSpPr>
+        <p:spPr>
+          <a:xfrm rot="20635413">
+            <a:off x="-501737" y="969718"/>
+            <a:ext cx="3900357" cy="4178958"/>
+          </a:xfrm>
+          <a:custGeom>
+            <a:avLst/>
+            <a:gdLst>
+              <a:gd name="connsiteX0" fmla="*/ 2432225 w 3900357"/>
+              <a:gd name="connsiteY0" fmla="*/ 93939 h 4178958"/>
+              <a:gd name="connsiteX1" fmla="*/ 3900357 w 3900357"/>
+              <a:gd name="connsiteY1" fmla="*/ 2089479 h 4178958"/>
+              <a:gd name="connsiteX2" fmla="*/ 1810878 w 3900357"/>
+              <a:gd name="connsiteY2" fmla="*/ 4178958 h 4178958"/>
+              <a:gd name="connsiteX3" fmla="*/ 78249 w 3900357"/>
+              <a:gd name="connsiteY3" fmla="*/ 3257727 h 4178958"/>
+              <a:gd name="connsiteX4" fmla="*/ 0 w 3900357"/>
+              <a:gd name="connsiteY4" fmla="*/ 3128923 h 4178958"/>
+              <a:gd name="connsiteX5" fmla="*/ 831324 w 3900357"/>
+              <a:gd name="connsiteY5" fmla="*/ 244281 h 4178958"/>
+              <a:gd name="connsiteX6" fmla="*/ 997559 w 3900357"/>
+              <a:gd name="connsiteY6" fmla="*/ 164202 h 4178958"/>
+              <a:gd name="connsiteX7" fmla="*/ 1810878 w 3900357"/>
+              <a:gd name="connsiteY7" fmla="*/ 0 h 4178958"/>
+              <a:gd name="connsiteX8" fmla="*/ 2432225 w 3900357"/>
+              <a:gd name="connsiteY8" fmla="*/ 93939 h 4178958"/>
+            </a:gdLst>
+            <a:ahLst/>
+            <a:cxnLst>
+              <a:cxn ang="0">
+                <a:pos x="connsiteX0" y="connsiteY0"/>
+              </a:cxn>
+              <a:cxn ang="0">
+                <a:pos x="connsiteX1" y="connsiteY1"/>
+              </a:cxn>
+              <a:cxn ang="0">
+                <a:pos x="connsiteX2" y="connsiteY2"/>
+              </a:cxn>
+              <a:cxn ang="0">
+                <a:pos x="connsiteX3" y="connsiteY3"/>
+              </a:cxn>
+              <a:cxn ang="0">
+                <a:pos x="connsiteX4" y="connsiteY4"/>
+              </a:cxn>
+              <a:cxn ang="0">
+                <a:pos x="connsiteX5" y="connsiteY5"/>
+              </a:cxn>
+              <a:cxn ang="0">
+                <a:pos x="connsiteX6" y="connsiteY6"/>
+              </a:cxn>
+              <a:cxn ang="0">
+                <a:pos x="connsiteX7" y="connsiteY7"/>
+              </a:cxn>
+              <a:cxn ang="0">
+                <a:pos x="connsiteX8" y="connsiteY8"/>
+              </a:cxn>
+            </a:cxnLst>
+            <a:rect l="l" t="t" r="r" b="b"/>
+            <a:pathLst>
+              <a:path w="3900357" h="4178958">
+                <a:moveTo>
+                  <a:pt x="2432225" y="93939"/>
+                </a:moveTo>
+                <a:cubicBezTo>
+                  <a:pt x="3282786" y="358491"/>
+                  <a:pt x="3900357" y="1151865"/>
+                  <a:pt x="3900357" y="2089479"/>
+                </a:cubicBezTo>
+                <a:cubicBezTo>
+                  <a:pt x="3900357" y="3243466"/>
+                  <a:pt x="2964865" y="4178958"/>
+                  <a:pt x="1810878" y="4178958"/>
+                </a:cubicBezTo>
+                <a:cubicBezTo>
+                  <a:pt x="1089636" y="4178958"/>
+                  <a:pt x="453744" y="3813531"/>
+                  <a:pt x="78249" y="3257727"/>
+                </a:cubicBezTo>
+                <a:lnTo>
+                  <a:pt x="0" y="3128923"/>
+                </a:lnTo>
+                <a:lnTo>
+                  <a:pt x="831324" y="244281"/>
+                </a:lnTo>
+                <a:lnTo>
+                  <a:pt x="997559" y="164202"/>
+                </a:lnTo>
+                <a:cubicBezTo>
+                  <a:pt x="1247540" y="58468"/>
+                  <a:pt x="1522381" y="0"/>
+                  <a:pt x="1810878" y="0"/>
+                </a:cubicBezTo>
+                <a:cubicBezTo>
+                  <a:pt x="2027251" y="0"/>
+                  <a:pt x="2235942" y="32888"/>
+                  <a:pt x="2432225" y="93939"/>
+                </a:cubicBezTo>
+                <a:close/>
+              </a:path>
+            </a:pathLst>
+          </a:custGeom>
+          <a:gradFill>
+            <a:gsLst>
+              <a:gs pos="29000">
+                <a:srgbClr val="000000">
+                  <a:alpha val="0"/>
+                </a:srgbClr>
+              </a:gs>
+              <a:gs pos="100000">
+                <a:schemeClr val="accent1">
+                  <a:alpha val="43000"/>
+                </a:schemeClr>
+              </a:gs>
+            </a:gsLst>
+            <a:lin ang="1800000" scaled="0"/>
+          </a:gradFill>
+          <a:ln>
+            <a:noFill/>
+          </a:ln>
+        </p:spPr>
+        <p:style>
+          <a:lnRef idx="2">
+            <a:schemeClr val="accent1">
+              <a:shade val="50000"/>
+            </a:schemeClr>
+          </a:lnRef>
+          <a:fillRef idx="1">
+            <a:schemeClr val="accent1"/>
+          </a:fillRef>
+          <a:effectRef idx="0">
+            <a:schemeClr val="accent1"/>
+          </a:effectRef>
+          <a:fontRef idx="minor">
+            <a:schemeClr val="lt1"/>
+          </a:fontRef>
+        </p:style>
+        <p:txBody>
+          <a:bodyPr wrap="square" rtlCol="0" anchor="ctr">
+            <a:noAutofit/>
+          </a:bodyPr>
+          <a:lstStyle/>
+          <a:p>
+            <a:pPr algn="ctr"/>
+            <a:endParaRPr lang="en-US" dirty="0"/>
+          </a:p>
+        </p:txBody>
+      </p:sp>
+      <p:sp>
+        <p:nvSpPr>
+          <p:cNvPr id="20" name="Rectangle 19">
+            <a:extLst>
+              <a:ext uri="{FF2B5EF4-FFF2-40B4-BE49-F238E27FC236}">
+                <a16:creationId xmlns:a16="http://schemas.microsoft.com/office/drawing/2014/main" id="{8D71EDA1-87BF-4D5D-AB79-F346FD19278A}"/>
+              </a:ext>
+              <a:ext uri="{C183D7F6-B498-43B3-948B-1728B52AA6E4}">
+                <adec:decorative xmlns:adec="http://schemas.microsoft.com/office/drawing/2017/decorative" val="1"/>
+              </a:ext>
+            </a:extLst>
+          </p:cNvPr>
+          <p:cNvSpPr>
+            <a:spLocks noGrp="1" noRot="1" noChangeAspect="1" noMove="1" noResize="1" noEditPoints="1" noAdjustHandles="1" noChangeArrowheads="1" noChangeShapeType="1" noTextEdit="1"/>
+          </p:cNvSpPr>
+          <p:nvPr>
+            <p:extLst>
+              <p:ext uri="{386F3935-93C4-4BCD-93E2-E3B085C9AB24}">
+                <p16:designElem xmlns:p16="http://schemas.microsoft.com/office/powerpoint/2015/main" val="1"/>
+              </p:ext>
+            </p:extLst>
+          </p:nvPr>
+        </p:nvSpPr>
+        <p:spPr>
+          <a:xfrm rot="5400000" flipH="1">
+            <a:off x="-1410093" y="1399943"/>
+            <a:ext cx="6858003" cy="4037835"/>
+          </a:xfrm>
+          <a:prstGeom prst="rect">
+            <a:avLst/>
+          </a:prstGeom>
+          <a:gradFill>
+            <a:gsLst>
+              <a:gs pos="0">
+                <a:srgbClr val="000000">
+                  <a:alpha val="0"/>
+                </a:srgbClr>
+              </a:gs>
+              <a:gs pos="99000">
+                <a:schemeClr val="accent1">
+                  <a:lumMod val="60000"/>
+                  <a:lumOff val="40000"/>
+                  <a:alpha val="11000"/>
+                </a:schemeClr>
+              </a:gs>
+            </a:gsLst>
+            <a:lin ang="7200000" scaled="0"/>
+          </a:gradFill>
+          <a:ln>
+            <a:noFill/>
+          </a:ln>
+        </p:spPr>
+        <p:style>
+          <a:lnRef idx="2">
+            <a:schemeClr val="accent1">
+              <a:shade val="50000"/>
+            </a:schemeClr>
+          </a:lnRef>
+          <a:fillRef idx="1">
+            <a:schemeClr val="accent1"/>
+          </a:fillRef>
+          <a:effectRef idx="0">
+            <a:schemeClr val="accent1"/>
+          </a:effectRef>
+          <a:fontRef idx="minor">
+            <a:schemeClr val="lt1"/>
+          </a:fontRef>
+        </p:style>
+        <p:txBody>
+          <a:bodyPr rtlCol="0" anchor="ctr"/>
+          <a:lstStyle/>
+          <a:p>
+            <a:pPr algn="ctr"/>
+            <a:endParaRPr lang="en-US"/>
+          </a:p>
+        </p:txBody>
+      </p:sp>
+      <p:sp>
+        <p:nvSpPr>
+          <p:cNvPr id="2" name="Title 1">
+            <a:extLst>
+              <a:ext uri="{FF2B5EF4-FFF2-40B4-BE49-F238E27FC236}">
+                <a16:creationId xmlns:a16="http://schemas.microsoft.com/office/drawing/2014/main" id="{375D33AD-EC85-4396-854F-A88F0DEF32BD}"/>
+              </a:ext>
+            </a:extLst>
+          </p:cNvPr>
+          <p:cNvSpPr>
+            <a:spLocks noGrp="1"/>
+          </p:cNvSpPr>
+          <p:nvPr>
+            <p:ph type="title"/>
+          </p:nvPr>
+        </p:nvSpPr>
+        <p:spPr>
+          <a:xfrm>
+            <a:off x="466722" y="586855"/>
+            <a:ext cx="3201366" cy="3387497"/>
+          </a:xfrm>
+        </p:spPr>
+        <p:txBody>
+          <a:bodyPr anchor="b">
+            <a:normAutofit/>
+          </a:bodyPr>
+          <a:lstStyle/>
+          <a:p>
+            <a:r>
+              <a:rPr lang="en-IN" sz="4000" dirty="0">
+                <a:solidFill>
+                  <a:schemeClr val="bg1">
+                    <a:lumMod val="95000"/>
+                  </a:schemeClr>
+                </a:solidFill>
+              </a:rPr>
+              <a:t>Challenges and Risks</a:t>
+            </a:r>
+          </a:p>
+        </p:txBody>
+      </p:sp>
+      <p:sp>
+        <p:nvSpPr>
+          <p:cNvPr id="3" name="Content Placeholder 2">
+            <a:extLst>
+              <a:ext uri="{FF2B5EF4-FFF2-40B4-BE49-F238E27FC236}">
+                <a16:creationId xmlns:a16="http://schemas.microsoft.com/office/drawing/2014/main" id="{B08CA28C-1BF1-4FF4-968C-2093E495B9F5}"/>
+              </a:ext>
+            </a:extLst>
+          </p:cNvPr>
+          <p:cNvSpPr>
+            <a:spLocks noGrp="1"/>
+          </p:cNvSpPr>
+          <p:nvPr>
+            <p:ph idx="1"/>
+          </p:nvPr>
+        </p:nvSpPr>
+        <p:spPr>
+          <a:xfrm>
+            <a:off x="4810259" y="649480"/>
+            <a:ext cx="6555347" cy="5546047"/>
+          </a:xfrm>
+        </p:spPr>
+        <p:txBody>
+          <a:bodyPr anchor="ctr">
+            <a:normAutofit/>
+          </a:bodyPr>
+          <a:lstStyle/>
+          <a:p>
+            <a:r>
+              <a:rPr lang="en-IN" sz="2000" dirty="0"/>
+              <a:t>Bleeding Complications: The most significant risk associated with anticoagulant therapy.</a:t>
+            </a:r>
+          </a:p>
+          <a:p>
+            <a:r>
+              <a:rPr lang="en-IN" sz="2000" dirty="0"/>
+              <a:t>Reversal Agents: Specific antidotes are available, such as:</a:t>
+            </a:r>
+          </a:p>
+          <a:p>
+            <a:pPr marL="457200" indent="-457200">
+              <a:buFont typeface="+mj-lt"/>
+              <a:buAutoNum type="arabicPeriod"/>
+            </a:pPr>
+            <a:r>
+              <a:rPr lang="en-IN" sz="2000" dirty="0"/>
+              <a:t>Vitamin K for warfarin.</a:t>
+            </a:r>
+          </a:p>
+          <a:p>
+            <a:pPr marL="457200" indent="-457200">
+              <a:buFont typeface="+mj-lt"/>
+              <a:buAutoNum type="arabicPeriod"/>
+            </a:pPr>
+            <a:r>
+              <a:rPr lang="en-IN" sz="2000" dirty="0" err="1"/>
+              <a:t>Idarucizumab</a:t>
+            </a:r>
+            <a:r>
+              <a:rPr lang="en-IN" sz="2000" dirty="0"/>
+              <a:t> for dabigatran.</a:t>
+            </a:r>
+          </a:p>
+          <a:p>
+            <a:pPr marL="457200" indent="-457200">
+              <a:buFont typeface="+mj-lt"/>
+              <a:buAutoNum type="arabicPeriod"/>
+            </a:pPr>
+            <a:r>
+              <a:rPr lang="en-IN" sz="2000" dirty="0"/>
+              <a:t>Andexanet alfa for Factor </a:t>
+            </a:r>
+            <a:r>
+              <a:rPr lang="en-IN" sz="2000" dirty="0" err="1"/>
+              <a:t>Xa</a:t>
+            </a:r>
+            <a:r>
+              <a:rPr lang="en-IN" sz="2000" dirty="0"/>
+              <a:t> inhibitors.</a:t>
+            </a:r>
+          </a:p>
+        </p:txBody>
+      </p:sp>
+    </p:spTree>
+    <p:extLst>
+      <p:ext uri="{BB962C8B-B14F-4D97-AF65-F5344CB8AC3E}">
+        <p14:creationId xmlns:p14="http://schemas.microsoft.com/office/powerpoint/2010/main" val="194696290"/>
+      </p:ext>
+    </p:extLst>
+  </p:cSld>
+  <p:clrMapOvr>
+    <a:masterClrMapping/>
+  </p:clrMapOvr>
+</p:sld>
+</file>
+
+<file path=ppt/slides/slide26.xml><?xml version="1.0" encoding="utf-8"?>
+<p:sld xmlns:a="http://schemas.openxmlformats.org/drawingml/2006/main" xmlns:r="http://schemas.openxmlformats.org/officeDocument/2006/relationships" xmlns:p="http://schemas.openxmlformats.org/presentationml/2006/main">
+  <p:cSld>
+    <p:bg>
+      <p:bgPr>
+        <a:solidFill>
+          <a:schemeClr val="bg1"/>
+        </a:solidFill>
+        <a:effectLst/>
+      </p:bgPr>
+    </p:bg>
+    <p:spTree>
+      <p:nvGrpSpPr>
+        <p:cNvPr id="1" name=""/>
+        <p:cNvGrpSpPr/>
+        <p:nvPr/>
+      </p:nvGrpSpPr>
+      <p:grpSpPr>
+        <a:xfrm>
+          <a:off x="0" y="0"/>
+          <a:ext cx="0" cy="0"/>
+          <a:chOff x="0" y="0"/>
+          <a:chExt cx="0" cy="0"/>
+        </a:xfrm>
+      </p:grpSpPr>
+      <p:sp useBgFill="1">
+        <p:nvSpPr>
+          <p:cNvPr id="8" name="Rectangle 7">
+            <a:extLst>
+              <a:ext uri="{FF2B5EF4-FFF2-40B4-BE49-F238E27FC236}">
+                <a16:creationId xmlns:a16="http://schemas.microsoft.com/office/drawing/2014/main" id="{09588DA8-065E-4F6F-8EFD-43104AB2E0CF}"/>
+              </a:ext>
+              <a:ext uri="{C183D7F6-B498-43B3-948B-1728B52AA6E4}">
+                <adec:decorative xmlns:adec="http://schemas.microsoft.com/office/drawing/2017/decorative" val="1"/>
+              </a:ext>
+            </a:extLst>
+          </p:cNvPr>
+          <p:cNvSpPr>
+            <a:spLocks noGrp="1" noRot="1" noChangeAspect="1" noMove="1" noResize="1" noEditPoints="1" noAdjustHandles="1" noChangeArrowheads="1" noChangeShapeType="1" noTextEdit="1"/>
+          </p:cNvSpPr>
+          <p:nvPr>
+            <p:extLst>
+              <p:ext uri="{386F3935-93C4-4BCD-93E2-E3B085C9AB24}">
+                <p16:designElem xmlns:p16="http://schemas.microsoft.com/office/powerpoint/2015/main" val="1"/>
+              </p:ext>
+            </p:extLst>
+          </p:nvPr>
+        </p:nvSpPr>
+        <p:spPr>
+          <a:xfrm>
+            <a:off x="0" y="0"/>
+            <a:ext cx="12192000" cy="6858000"/>
+          </a:xfrm>
+          <a:prstGeom prst="rect">
+            <a:avLst/>
+          </a:prstGeom>
+          <a:ln w="12700" cap="flat" cmpd="sng" algn="ctr">
+            <a:noFill/>
+            <a:prstDash val="solid"/>
+            <a:miter lim="800000"/>
+          </a:ln>
+          <a:effectLst/>
+          <a:extLst>
+            <a:ext uri="{91240B29-F687-4F45-9708-019B960494DF}">
+              <a14:hiddenLine xmlns:a14="http://schemas.microsoft.com/office/drawing/2010/main" w="12700" cap="flat" cmpd="sng" algn="ctr">
+                <a:solidFill>
+                  <a:schemeClr val="accent1">
+                    <a:shade val="50000"/>
+                  </a:schemeClr>
+                </a:solidFill>
+                <a:prstDash val="solid"/>
+                <a:miter lim="800000"/>
+              </a14:hiddenLine>
+            </a:ext>
+          </a:extLst>
+        </p:spPr>
+        <p:style>
+          <a:lnRef idx="2">
+            <a:schemeClr val="accent1">
+              <a:shade val="50000"/>
+            </a:schemeClr>
+          </a:lnRef>
+          <a:fillRef idx="1">
+            <a:schemeClr val="accent1"/>
+          </a:fillRef>
+          <a:effectRef idx="0">
+            <a:schemeClr val="accent1"/>
+          </a:effectRef>
+          <a:fontRef idx="minor">
+            <a:schemeClr val="lt1"/>
+          </a:fontRef>
+        </p:style>
+        <p:txBody>
+          <a:bodyPr rtlCol="0" anchor="ctr"/>
+          <a:lstStyle/>
+          <a:p>
+            <a:pPr algn="ctr"/>
+            <a:endParaRPr lang="en-US"/>
+          </a:p>
+        </p:txBody>
+      </p:sp>
+      <p:sp useBgFill="1">
+        <p:nvSpPr>
+          <p:cNvPr id="10" name="Rectangle 9">
+            <a:extLst>
+              <a:ext uri="{FF2B5EF4-FFF2-40B4-BE49-F238E27FC236}">
+                <a16:creationId xmlns:a16="http://schemas.microsoft.com/office/drawing/2014/main" id="{C4285719-470E-454C-AF62-8323075F1F5B}"/>
+              </a:ext>
+              <a:ext uri="{C183D7F6-B498-43B3-948B-1728B52AA6E4}">
+                <adec:decorative xmlns:adec="http://schemas.microsoft.com/office/drawing/2017/decorative" val="1"/>
+              </a:ext>
+            </a:extLst>
+          </p:cNvPr>
+          <p:cNvSpPr>
+            <a:spLocks noGrp="1" noRot="1" noChangeAspect="1" noMove="1" noResize="1" noEditPoints="1" noAdjustHandles="1" noChangeArrowheads="1" noChangeShapeType="1" noTextEdit="1"/>
+          </p:cNvSpPr>
+          <p:nvPr>
+            <p:extLst>
+              <p:ext uri="{386F3935-93C4-4BCD-93E2-E3B085C9AB24}">
+                <p16:designElem xmlns:p16="http://schemas.microsoft.com/office/powerpoint/2015/main" val="1"/>
+              </p:ext>
+            </p:extLst>
+          </p:nvPr>
+        </p:nvSpPr>
+        <p:spPr>
+          <a:xfrm>
+            <a:off x="0" y="0"/>
+            <a:ext cx="12188952" cy="6858000"/>
+          </a:xfrm>
+          <a:prstGeom prst="rect">
+            <a:avLst/>
+          </a:prstGeom>
+          <a:ln w="12700" cap="flat" cmpd="sng" algn="ctr">
+            <a:noFill/>
+            <a:prstDash val="solid"/>
+            <a:miter lim="800000"/>
+          </a:ln>
+          <a:effectLst/>
+          <a:extLst>
+            <a:ext uri="{91240B29-F687-4F45-9708-019B960494DF}">
+              <a14:hiddenLine xmlns:a14="http://schemas.microsoft.com/office/drawing/2010/main" w="12700" cap="flat" cmpd="sng" algn="ctr">
+                <a:solidFill>
+                  <a:schemeClr val="accent1">
+                    <a:shade val="50000"/>
+                  </a:schemeClr>
+                </a:solidFill>
+                <a:prstDash val="solid"/>
+                <a:miter lim="800000"/>
+              </a14:hiddenLine>
+            </a:ext>
+          </a:extLst>
+        </p:spPr>
+        <p:style>
+          <a:lnRef idx="2">
+            <a:schemeClr val="accent1">
+              <a:shade val="50000"/>
+            </a:schemeClr>
+          </a:lnRef>
+          <a:fillRef idx="1">
+            <a:schemeClr val="accent1"/>
+          </a:fillRef>
+          <a:effectRef idx="0">
+            <a:schemeClr val="accent1"/>
+          </a:effectRef>
+          <a:fontRef idx="minor">
+            <a:schemeClr val="lt1"/>
+          </a:fontRef>
+        </p:style>
+        <p:txBody>
+          <a:bodyPr rtlCol="0" anchor="ctr"/>
+          <a:lstStyle/>
+          <a:p>
+            <a:pPr algn="ctr"/>
+            <a:endParaRPr lang="en-US"/>
+          </a:p>
+        </p:txBody>
+      </p:sp>
+      <p:sp>
+        <p:nvSpPr>
+          <p:cNvPr id="12" name="Rectangle 11">
+            <a:extLst>
+              <a:ext uri="{FF2B5EF4-FFF2-40B4-BE49-F238E27FC236}">
+                <a16:creationId xmlns:a16="http://schemas.microsoft.com/office/drawing/2014/main" id="{CD9FE4EF-C4D8-49A0-B2FF-81D8DB7D8A24}"/>
+              </a:ext>
+              <a:ext uri="{C183D7F6-B498-43B3-948B-1728B52AA6E4}">
+                <adec:decorative xmlns:adec="http://schemas.microsoft.com/office/drawing/2017/decorative" val="1"/>
+              </a:ext>
+            </a:extLst>
+          </p:cNvPr>
+          <p:cNvSpPr>
+            <a:spLocks noGrp="1" noRot="1" noChangeAspect="1" noMove="1" noResize="1" noEditPoints="1" noAdjustHandles="1" noChangeArrowheads="1" noChangeShapeType="1" noTextEdit="1"/>
+          </p:cNvSpPr>
+          <p:nvPr>
+            <p:extLst>
+              <p:ext uri="{386F3935-93C4-4BCD-93E2-E3B085C9AB24}">
+                <p16:designElem xmlns:p16="http://schemas.microsoft.com/office/powerpoint/2015/main" val="1"/>
+              </p:ext>
+            </p:extLst>
+          </p:nvPr>
+        </p:nvSpPr>
+        <p:spPr>
+          <a:xfrm rot="5400000" flipH="1">
+            <a:off x="-1410084" y="1410082"/>
+            <a:ext cx="6858000" cy="4037836"/>
+          </a:xfrm>
+          <a:prstGeom prst="rect">
+            <a:avLst/>
+          </a:prstGeom>
+          <a:gradFill>
+            <a:gsLst>
+              <a:gs pos="8000">
+                <a:srgbClr val="000000"/>
+              </a:gs>
+              <a:gs pos="100000">
+                <a:schemeClr val="accent1">
+                  <a:lumMod val="75000"/>
+                </a:schemeClr>
+              </a:gs>
+            </a:gsLst>
+            <a:lin ang="3000000" scaled="0"/>
+          </a:gradFill>
+          <a:ln>
+            <a:noFill/>
+          </a:ln>
+        </p:spPr>
+        <p:style>
+          <a:lnRef idx="2">
+            <a:schemeClr val="accent1">
+              <a:shade val="50000"/>
+            </a:schemeClr>
+          </a:lnRef>
+          <a:fillRef idx="1">
+            <a:schemeClr val="accent1"/>
+          </a:fillRef>
+          <a:effectRef idx="0">
+            <a:schemeClr val="accent1"/>
+          </a:effectRef>
+          <a:fontRef idx="minor">
+            <a:schemeClr val="lt1"/>
+          </a:fontRef>
+        </p:style>
+        <p:txBody>
+          <a:bodyPr rtlCol="0" anchor="ctr"/>
+          <a:lstStyle/>
+          <a:p>
+            <a:pPr algn="ctr"/>
+            <a:endParaRPr lang="en-US"/>
+          </a:p>
+        </p:txBody>
+      </p:sp>
+      <p:sp>
+        <p:nvSpPr>
+          <p:cNvPr id="14" name="Rectangle 13">
+            <a:extLst>
+              <a:ext uri="{FF2B5EF4-FFF2-40B4-BE49-F238E27FC236}">
+                <a16:creationId xmlns:a16="http://schemas.microsoft.com/office/drawing/2014/main" id="{4300840D-0A0B-4512-BACA-B439D5B9C57C}"/>
+              </a:ext>
+              <a:ext uri="{C183D7F6-B498-43B3-948B-1728B52AA6E4}">
+                <adec:decorative xmlns:adec="http://schemas.microsoft.com/office/drawing/2017/decorative" val="1"/>
+              </a:ext>
+            </a:extLst>
+          </p:cNvPr>
+          <p:cNvSpPr>
+            <a:spLocks noGrp="1" noRot="1" noChangeAspect="1" noMove="1" noResize="1" noEditPoints="1" noAdjustHandles="1" noChangeArrowheads="1" noChangeShapeType="1" noTextEdit="1"/>
+          </p:cNvSpPr>
+          <p:nvPr>
+            <p:extLst>
+              <p:ext uri="{386F3935-93C4-4BCD-93E2-E3B085C9AB24}">
+                <p16:designElem xmlns:p16="http://schemas.microsoft.com/office/powerpoint/2015/main" val="1"/>
+              </p:ext>
+            </p:extLst>
+          </p:nvPr>
+        </p:nvSpPr>
+        <p:spPr>
+          <a:xfrm rot="5400000" flipH="1">
+            <a:off x="-1410085" y="1420219"/>
+            <a:ext cx="6857999" cy="4037839"/>
+          </a:xfrm>
+          <a:prstGeom prst="rect">
+            <a:avLst/>
+          </a:prstGeom>
+          <a:gradFill>
+            <a:gsLst>
+              <a:gs pos="0">
+                <a:srgbClr val="000000">
+                  <a:alpha val="0"/>
+                </a:srgbClr>
+              </a:gs>
+              <a:gs pos="99000">
+                <a:schemeClr val="accent1">
+                  <a:alpha val="46000"/>
+                </a:schemeClr>
+              </a:gs>
+            </a:gsLst>
+            <a:lin ang="1800000" scaled="0"/>
+          </a:gradFill>
+          <a:ln>
+            <a:noFill/>
+          </a:ln>
+        </p:spPr>
+        <p:style>
+          <a:lnRef idx="2">
+            <a:schemeClr val="accent1">
+              <a:shade val="50000"/>
+            </a:schemeClr>
+          </a:lnRef>
+          <a:fillRef idx="1">
+            <a:schemeClr val="accent1"/>
+          </a:fillRef>
+          <a:effectRef idx="0">
+            <a:schemeClr val="accent1"/>
+          </a:effectRef>
+          <a:fontRef idx="minor">
+            <a:schemeClr val="lt1"/>
+          </a:fontRef>
+        </p:style>
+        <p:txBody>
+          <a:bodyPr rtlCol="0" anchor="ctr"/>
+          <a:lstStyle/>
+          <a:p>
+            <a:pPr algn="ctr"/>
+            <a:endParaRPr lang="en-US"/>
+          </a:p>
+        </p:txBody>
+      </p:sp>
+      <p:sp>
+        <p:nvSpPr>
+          <p:cNvPr id="16" name="Rectangle 15">
+            <a:extLst>
+              <a:ext uri="{FF2B5EF4-FFF2-40B4-BE49-F238E27FC236}">
+                <a16:creationId xmlns:a16="http://schemas.microsoft.com/office/drawing/2014/main" id="{D2B78728-A580-49A7-84F9-6EF6F583ADE0}"/>
+              </a:ext>
+              <a:ext uri="{C183D7F6-B498-43B3-948B-1728B52AA6E4}">
+                <adec:decorative xmlns:adec="http://schemas.microsoft.com/office/drawing/2017/decorative" val="1"/>
+              </a:ext>
+            </a:extLst>
+          </p:cNvPr>
+          <p:cNvSpPr>
+            <a:spLocks noGrp="1" noRot="1" noChangeAspect="1" noMove="1" noResize="1" noEditPoints="1" noAdjustHandles="1" noChangeArrowheads="1" noChangeShapeType="1" noTextEdit="1"/>
+          </p:cNvSpPr>
+          <p:nvPr>
+            <p:extLst>
+              <p:ext uri="{386F3935-93C4-4BCD-93E2-E3B085C9AB24}">
+                <p16:designElem xmlns:p16="http://schemas.microsoft.com/office/powerpoint/2015/main" val="1"/>
+              </p:ext>
+            </p:extLst>
+          </p:nvPr>
+        </p:nvSpPr>
+        <p:spPr>
+          <a:xfrm rot="5400000" flipH="1">
+            <a:off x="767923" y="3588085"/>
+            <a:ext cx="2501979" cy="4037841"/>
+          </a:xfrm>
+          <a:prstGeom prst="rect">
+            <a:avLst/>
+          </a:prstGeom>
+          <a:gradFill>
+            <a:gsLst>
+              <a:gs pos="2000">
+                <a:schemeClr val="accent1">
+                  <a:alpha val="29000"/>
+                </a:schemeClr>
+              </a:gs>
+              <a:gs pos="100000">
+                <a:srgbClr val="000000">
+                  <a:alpha val="30000"/>
+                </a:srgbClr>
+              </a:gs>
+            </a:gsLst>
+            <a:lin ang="7800000" scaled="0"/>
+          </a:gradFill>
+          <a:ln>
+            <a:noFill/>
+          </a:ln>
+        </p:spPr>
+        <p:style>
+          <a:lnRef idx="2">
+            <a:schemeClr val="accent1">
+              <a:shade val="50000"/>
+            </a:schemeClr>
+          </a:lnRef>
+          <a:fillRef idx="1">
+            <a:schemeClr val="accent1"/>
+          </a:fillRef>
+          <a:effectRef idx="0">
+            <a:schemeClr val="accent1"/>
+          </a:effectRef>
+          <a:fontRef idx="minor">
+            <a:schemeClr val="lt1"/>
+          </a:fontRef>
+        </p:style>
+        <p:txBody>
+          <a:bodyPr rtlCol="0" anchor="ctr"/>
+          <a:lstStyle/>
+          <a:p>
+            <a:pPr algn="ctr"/>
+            <a:endParaRPr lang="en-US" dirty="0"/>
+          </a:p>
+        </p:txBody>
+      </p:sp>
+      <p:sp>
+        <p:nvSpPr>
+          <p:cNvPr id="18" name="Freeform: Shape 17">
+            <a:extLst>
+              <a:ext uri="{FF2B5EF4-FFF2-40B4-BE49-F238E27FC236}">
+                <a16:creationId xmlns:a16="http://schemas.microsoft.com/office/drawing/2014/main" id="{38FAA1A1-D861-433F-88FA-1E9D6FD31D11}"/>
+              </a:ext>
+              <a:ext uri="{C183D7F6-B498-43B3-948B-1728B52AA6E4}">
+                <adec:decorative xmlns:adec="http://schemas.microsoft.com/office/drawing/2017/decorative" val="1"/>
+              </a:ext>
+            </a:extLst>
+          </p:cNvPr>
+          <p:cNvSpPr>
+            <a:spLocks noGrp="1" noRot="1" noChangeAspect="1" noMove="1" noResize="1" noEditPoints="1" noAdjustHandles="1" noChangeArrowheads="1" noChangeShapeType="1" noTextEdit="1"/>
+          </p:cNvSpPr>
+          <p:nvPr>
+            <p:extLst>
+              <p:ext uri="{386F3935-93C4-4BCD-93E2-E3B085C9AB24}">
+                <p16:designElem xmlns:p16="http://schemas.microsoft.com/office/powerpoint/2015/main" val="1"/>
+              </p:ext>
+            </p:extLst>
+          </p:nvPr>
+        </p:nvSpPr>
+        <p:spPr>
+          <a:xfrm rot="20635413">
+            <a:off x="-501737" y="969718"/>
+            <a:ext cx="3900357" cy="4178958"/>
+          </a:xfrm>
+          <a:custGeom>
+            <a:avLst/>
+            <a:gdLst>
+              <a:gd name="connsiteX0" fmla="*/ 2432225 w 3900357"/>
+              <a:gd name="connsiteY0" fmla="*/ 93939 h 4178958"/>
+              <a:gd name="connsiteX1" fmla="*/ 3900357 w 3900357"/>
+              <a:gd name="connsiteY1" fmla="*/ 2089479 h 4178958"/>
+              <a:gd name="connsiteX2" fmla="*/ 1810878 w 3900357"/>
+              <a:gd name="connsiteY2" fmla="*/ 4178958 h 4178958"/>
+              <a:gd name="connsiteX3" fmla="*/ 78249 w 3900357"/>
+              <a:gd name="connsiteY3" fmla="*/ 3257727 h 4178958"/>
+              <a:gd name="connsiteX4" fmla="*/ 0 w 3900357"/>
+              <a:gd name="connsiteY4" fmla="*/ 3128923 h 4178958"/>
+              <a:gd name="connsiteX5" fmla="*/ 831324 w 3900357"/>
+              <a:gd name="connsiteY5" fmla="*/ 244281 h 4178958"/>
+              <a:gd name="connsiteX6" fmla="*/ 997559 w 3900357"/>
+              <a:gd name="connsiteY6" fmla="*/ 164202 h 4178958"/>
+              <a:gd name="connsiteX7" fmla="*/ 1810878 w 3900357"/>
+              <a:gd name="connsiteY7" fmla="*/ 0 h 4178958"/>
+              <a:gd name="connsiteX8" fmla="*/ 2432225 w 3900357"/>
+              <a:gd name="connsiteY8" fmla="*/ 93939 h 4178958"/>
+            </a:gdLst>
+            <a:ahLst/>
+            <a:cxnLst>
+              <a:cxn ang="0">
+                <a:pos x="connsiteX0" y="connsiteY0"/>
+              </a:cxn>
+              <a:cxn ang="0">
+                <a:pos x="connsiteX1" y="connsiteY1"/>
+              </a:cxn>
+              <a:cxn ang="0">
+                <a:pos x="connsiteX2" y="connsiteY2"/>
+              </a:cxn>
+              <a:cxn ang="0">
+                <a:pos x="connsiteX3" y="connsiteY3"/>
+              </a:cxn>
+              <a:cxn ang="0">
+                <a:pos x="connsiteX4" y="connsiteY4"/>
+              </a:cxn>
+              <a:cxn ang="0">
+                <a:pos x="connsiteX5" y="connsiteY5"/>
+              </a:cxn>
+              <a:cxn ang="0">
+                <a:pos x="connsiteX6" y="connsiteY6"/>
+              </a:cxn>
+              <a:cxn ang="0">
+                <a:pos x="connsiteX7" y="connsiteY7"/>
+              </a:cxn>
+              <a:cxn ang="0">
+                <a:pos x="connsiteX8" y="connsiteY8"/>
+              </a:cxn>
+            </a:cxnLst>
+            <a:rect l="l" t="t" r="r" b="b"/>
+            <a:pathLst>
+              <a:path w="3900357" h="4178958">
+                <a:moveTo>
+                  <a:pt x="2432225" y="93939"/>
+                </a:moveTo>
+                <a:cubicBezTo>
+                  <a:pt x="3282786" y="358491"/>
+                  <a:pt x="3900357" y="1151865"/>
+                  <a:pt x="3900357" y="2089479"/>
+                </a:cubicBezTo>
+                <a:cubicBezTo>
+                  <a:pt x="3900357" y="3243466"/>
+                  <a:pt x="2964865" y="4178958"/>
+                  <a:pt x="1810878" y="4178958"/>
+                </a:cubicBezTo>
+                <a:cubicBezTo>
+                  <a:pt x="1089636" y="4178958"/>
+                  <a:pt x="453744" y="3813531"/>
+                  <a:pt x="78249" y="3257727"/>
+                </a:cubicBezTo>
+                <a:lnTo>
+                  <a:pt x="0" y="3128923"/>
+                </a:lnTo>
+                <a:lnTo>
+                  <a:pt x="831324" y="244281"/>
+                </a:lnTo>
+                <a:lnTo>
+                  <a:pt x="997559" y="164202"/>
+                </a:lnTo>
+                <a:cubicBezTo>
+                  <a:pt x="1247540" y="58468"/>
+                  <a:pt x="1522381" y="0"/>
+                  <a:pt x="1810878" y="0"/>
+                </a:cubicBezTo>
+                <a:cubicBezTo>
+                  <a:pt x="2027251" y="0"/>
+                  <a:pt x="2235942" y="32888"/>
+                  <a:pt x="2432225" y="93939"/>
+                </a:cubicBezTo>
+                <a:close/>
+              </a:path>
+            </a:pathLst>
+          </a:custGeom>
+          <a:gradFill>
+            <a:gsLst>
+              <a:gs pos="29000">
+                <a:srgbClr val="000000">
+                  <a:alpha val="0"/>
+                </a:srgbClr>
+              </a:gs>
+              <a:gs pos="100000">
+                <a:schemeClr val="accent1">
+                  <a:alpha val="43000"/>
+                </a:schemeClr>
+              </a:gs>
+            </a:gsLst>
+            <a:lin ang="1800000" scaled="0"/>
+          </a:gradFill>
+          <a:ln>
+            <a:noFill/>
+          </a:ln>
+        </p:spPr>
+        <p:style>
+          <a:lnRef idx="2">
+            <a:schemeClr val="accent1">
+              <a:shade val="50000"/>
+            </a:schemeClr>
+          </a:lnRef>
+          <a:fillRef idx="1">
+            <a:schemeClr val="accent1"/>
+          </a:fillRef>
+          <a:effectRef idx="0">
+            <a:schemeClr val="accent1"/>
+          </a:effectRef>
+          <a:fontRef idx="minor">
+            <a:schemeClr val="lt1"/>
+          </a:fontRef>
+        </p:style>
+        <p:txBody>
+          <a:bodyPr wrap="square" rtlCol="0" anchor="ctr">
+            <a:noAutofit/>
+          </a:bodyPr>
+          <a:lstStyle/>
+          <a:p>
+            <a:pPr algn="ctr"/>
+            <a:endParaRPr lang="en-US" dirty="0"/>
+          </a:p>
+        </p:txBody>
+      </p:sp>
+      <p:sp>
+        <p:nvSpPr>
+          <p:cNvPr id="20" name="Rectangle 19">
+            <a:extLst>
+              <a:ext uri="{FF2B5EF4-FFF2-40B4-BE49-F238E27FC236}">
+                <a16:creationId xmlns:a16="http://schemas.microsoft.com/office/drawing/2014/main" id="{8D71EDA1-87BF-4D5D-AB79-F346FD19278A}"/>
+              </a:ext>
+              <a:ext uri="{C183D7F6-B498-43B3-948B-1728B52AA6E4}">
+                <adec:decorative xmlns:adec="http://schemas.microsoft.com/office/drawing/2017/decorative" val="1"/>
+              </a:ext>
+            </a:extLst>
+          </p:cNvPr>
+          <p:cNvSpPr>
+            <a:spLocks noGrp="1" noRot="1" noChangeAspect="1" noMove="1" noResize="1" noEditPoints="1" noAdjustHandles="1" noChangeArrowheads="1" noChangeShapeType="1" noTextEdit="1"/>
+          </p:cNvSpPr>
+          <p:nvPr>
+            <p:extLst>
+              <p:ext uri="{386F3935-93C4-4BCD-93E2-E3B085C9AB24}">
+                <p16:designElem xmlns:p16="http://schemas.microsoft.com/office/powerpoint/2015/main" val="1"/>
+              </p:ext>
+            </p:extLst>
+          </p:nvPr>
+        </p:nvSpPr>
+        <p:spPr>
+          <a:xfrm rot="5400000" flipH="1">
+            <a:off x="-1410093" y="1399943"/>
+            <a:ext cx="6858003" cy="4037835"/>
+          </a:xfrm>
+          <a:prstGeom prst="rect">
+            <a:avLst/>
+          </a:prstGeom>
+          <a:gradFill>
+            <a:gsLst>
+              <a:gs pos="0">
+                <a:srgbClr val="000000">
+                  <a:alpha val="0"/>
+                </a:srgbClr>
+              </a:gs>
+              <a:gs pos="99000">
+                <a:schemeClr val="accent1">
+                  <a:lumMod val="60000"/>
+                  <a:lumOff val="40000"/>
+                  <a:alpha val="11000"/>
+                </a:schemeClr>
+              </a:gs>
+            </a:gsLst>
+            <a:lin ang="7200000" scaled="0"/>
+          </a:gradFill>
+          <a:ln>
+            <a:noFill/>
+          </a:ln>
+        </p:spPr>
+        <p:style>
+          <a:lnRef idx="2">
+            <a:schemeClr val="accent1">
+              <a:shade val="50000"/>
+            </a:schemeClr>
+          </a:lnRef>
+          <a:fillRef idx="1">
+            <a:schemeClr val="accent1"/>
+          </a:fillRef>
+          <a:effectRef idx="0">
+            <a:schemeClr val="accent1"/>
+          </a:effectRef>
+          <a:fontRef idx="minor">
+            <a:schemeClr val="lt1"/>
+          </a:fontRef>
+        </p:style>
+        <p:txBody>
+          <a:bodyPr rtlCol="0" anchor="ctr"/>
+          <a:lstStyle/>
+          <a:p>
+            <a:pPr algn="ctr"/>
+            <a:endParaRPr lang="en-US"/>
+          </a:p>
+        </p:txBody>
+      </p:sp>
+      <p:sp>
+        <p:nvSpPr>
+          <p:cNvPr id="2" name="Title 1">
+            <a:extLst>
+              <a:ext uri="{FF2B5EF4-FFF2-40B4-BE49-F238E27FC236}">
                 <a16:creationId xmlns:a16="http://schemas.microsoft.com/office/drawing/2014/main" id="{6E8C6BF7-ED77-4F1A-83B9-608CB7417C46}"/>
               </a:ext>
             </a:extLst>
@@ -15790,7 +17500,7 @@
 </p:sld>
 </file>
 
-<file path=ppt/slides/slide25.xml><?xml version="1.0" encoding="utf-8"?>
+<file path=ppt/slides/slide27.xml><?xml version="1.0" encoding="utf-8"?>
 <p:sld xmlns:a="http://schemas.openxmlformats.org/drawingml/2006/main" xmlns:r="http://schemas.openxmlformats.org/officeDocument/2006/relationships" xmlns:p="http://schemas.openxmlformats.org/presentationml/2006/main">
   <p:cSld>
     <p:bg>

--- a/seminar.pptx
+++ b/seminar.pptx
@@ -21,17 +21,20 @@
     <p:sldId id="260" r:id="rId15"/>
     <p:sldId id="283" r:id="rId16"/>
     <p:sldId id="284" r:id="rId17"/>
-    <p:sldId id="281" r:id="rId18"/>
-    <p:sldId id="261" r:id="rId19"/>
-    <p:sldId id="262" r:id="rId20"/>
-    <p:sldId id="263" r:id="rId21"/>
-    <p:sldId id="264" r:id="rId22"/>
-    <p:sldId id="265" r:id="rId23"/>
-    <p:sldId id="266" r:id="rId24"/>
-    <p:sldId id="267" r:id="rId25"/>
-    <p:sldId id="268" r:id="rId26"/>
-    <p:sldId id="270" r:id="rId27"/>
-    <p:sldId id="282" r:id="rId28"/>
+    <p:sldId id="285" r:id="rId18"/>
+    <p:sldId id="286" r:id="rId19"/>
+    <p:sldId id="281" r:id="rId20"/>
+    <p:sldId id="261" r:id="rId21"/>
+    <p:sldId id="262" r:id="rId22"/>
+    <p:sldId id="263" r:id="rId23"/>
+    <p:sldId id="264" r:id="rId24"/>
+    <p:sldId id="265" r:id="rId25"/>
+    <p:sldId id="266" r:id="rId26"/>
+    <p:sldId id="287" r:id="rId27"/>
+    <p:sldId id="267" r:id="rId28"/>
+    <p:sldId id="268" r:id="rId29"/>
+    <p:sldId id="270" r:id="rId30"/>
+    <p:sldId id="282" r:id="rId31"/>
   </p:sldIdLst>
   <p:sldSz cx="12192000" cy="6858000"/>
   <p:notesSz cx="6858000" cy="9144000"/>
@@ -143,7 +146,7 @@
   <pc:docChgLst>
     <pc:chgData name="Rubix Stars" userId="b9854b8040c94f5b" providerId="LiveId" clId="{E0B69063-9390-45FD-8A19-D41AAEEEFE15}"/>
     <pc:docChg chg="undo custSel addSld delSld modSld sldOrd">
-      <pc:chgData name="Rubix Stars" userId="b9854b8040c94f5b" providerId="LiveId" clId="{E0B69063-9390-45FD-8A19-D41AAEEEFE15}" dt="2024-11-27T20:21:49.921" v="1775" actId="113"/>
+      <pc:chgData name="Rubix Stars" userId="b9854b8040c94f5b" providerId="LiveId" clId="{E0B69063-9390-45FD-8A19-D41AAEEEFE15}" dt="2024-11-28T02:06:08.803" v="2070" actId="207"/>
       <pc:docMkLst>
         <pc:docMk/>
       </pc:docMkLst>
@@ -203,7 +206,7 @@
         </pc:picChg>
       </pc:sldChg>
       <pc:sldChg chg="addSp delSp modSp mod delDesignElem">
-        <pc:chgData name="Rubix Stars" userId="b9854b8040c94f5b" providerId="LiveId" clId="{E0B69063-9390-45FD-8A19-D41AAEEEFE15}" dt="2024-11-27T18:37:55.204" v="188"/>
+        <pc:chgData name="Rubix Stars" userId="b9854b8040c94f5b" providerId="LiveId" clId="{E0B69063-9390-45FD-8A19-D41AAEEEFE15}" dt="2024-11-28T02:05:14.148" v="2060" actId="207"/>
         <pc:sldMkLst>
           <pc:docMk/>
           <pc:sldMk cId="1518131541" sldId="257"/>
@@ -214,6 +217,22 @@
             <pc:docMk/>
             <pc:sldMk cId="1518131541" sldId="257"/>
             <ac:spMk id="2" creationId="{25B15E2D-7DC1-45E0-8950-31E71C839D61}"/>
+          </ac:spMkLst>
+        </pc:spChg>
+        <pc:spChg chg="add del mod">
+          <ac:chgData name="Rubix Stars" userId="b9854b8040c94f5b" providerId="LiveId" clId="{E0B69063-9390-45FD-8A19-D41AAEEEFE15}" dt="2024-11-28T02:01:59.226" v="1968" actId="478"/>
+          <ac:spMkLst>
+            <pc:docMk/>
+            <pc:sldMk cId="1518131541" sldId="257"/>
+            <ac:spMk id="4" creationId="{151795BB-4F0E-F24E-80EA-A8CC9183B7B0}"/>
+          </ac:spMkLst>
+        </pc:spChg>
+        <pc:spChg chg="add mod">
+          <ac:chgData name="Rubix Stars" userId="b9854b8040c94f5b" providerId="LiveId" clId="{E0B69063-9390-45FD-8A19-D41AAEEEFE15}" dt="2024-11-28T02:05:14.148" v="2060" actId="207"/>
+          <ac:spMkLst>
+            <pc:docMk/>
+            <pc:sldMk cId="1518131541" sldId="257"/>
+            <ac:spMk id="5" creationId="{EAFB1568-B1D1-A06D-D84F-3EE1FF9DFFCC}"/>
           </ac:spMkLst>
         </pc:spChg>
         <pc:spChg chg="add del">
@@ -273,12 +292,20 @@
           </ac:spMkLst>
         </pc:spChg>
       </pc:sldChg>
-      <pc:sldChg chg="modSp mod">
-        <pc:chgData name="Rubix Stars" userId="b9854b8040c94f5b" providerId="LiveId" clId="{E0B69063-9390-45FD-8A19-D41AAEEEFE15}" dt="2024-11-27T18:31:10.708" v="3" actId="1037"/>
+      <pc:sldChg chg="addSp modSp mod">
+        <pc:chgData name="Rubix Stars" userId="b9854b8040c94f5b" providerId="LiveId" clId="{E0B69063-9390-45FD-8A19-D41AAEEEFE15}" dt="2024-11-28T02:05:19.833" v="2061" actId="207"/>
         <pc:sldMkLst>
           <pc:docMk/>
           <pc:sldMk cId="182848702" sldId="258"/>
         </pc:sldMkLst>
+        <pc:spChg chg="add mod">
+          <ac:chgData name="Rubix Stars" userId="b9854b8040c94f5b" providerId="LiveId" clId="{E0B69063-9390-45FD-8A19-D41AAEEEFE15}" dt="2024-11-28T02:05:19.833" v="2061" actId="207"/>
+          <ac:spMkLst>
+            <pc:docMk/>
+            <pc:sldMk cId="182848702" sldId="258"/>
+            <ac:spMk id="2" creationId="{CC33BE07-4266-8C16-4937-663028D6639C}"/>
+          </ac:spMkLst>
+        </pc:spChg>
         <pc:spChg chg="mod">
           <ac:chgData name="Rubix Stars" userId="b9854b8040c94f5b" providerId="LiveId" clId="{E0B69063-9390-45FD-8A19-D41AAEEEFE15}" dt="2024-11-27T18:31:10.708" v="3" actId="1037"/>
           <ac:spMkLst>
@@ -288,12 +315,20 @@
           </ac:spMkLst>
         </pc:spChg>
       </pc:sldChg>
-      <pc:sldChg chg="addSp delSp delDesignElem">
-        <pc:chgData name="Rubix Stars" userId="b9854b8040c94f5b" providerId="LiveId" clId="{E0B69063-9390-45FD-8A19-D41AAEEEFE15}" dt="2024-11-27T18:37:55.204" v="188"/>
+      <pc:sldChg chg="addSp delSp modSp mod delDesignElem">
+        <pc:chgData name="Rubix Stars" userId="b9854b8040c94f5b" providerId="LiveId" clId="{E0B69063-9390-45FD-8A19-D41AAEEEFE15}" dt="2024-11-28T02:02:18.417" v="1973" actId="1076"/>
         <pc:sldMkLst>
           <pc:docMk/>
           <pc:sldMk cId="4113516181" sldId="259"/>
         </pc:sldMkLst>
+        <pc:spChg chg="add mod">
+          <ac:chgData name="Rubix Stars" userId="b9854b8040c94f5b" providerId="LiveId" clId="{E0B69063-9390-45FD-8A19-D41AAEEEFE15}" dt="2024-11-28T02:02:18.417" v="1973" actId="1076"/>
+          <ac:spMkLst>
+            <pc:docMk/>
+            <pc:sldMk cId="4113516181" sldId="259"/>
+            <ac:spMk id="3" creationId="{639B6A6A-4D65-98A8-F1B4-EE5E93BFA085}"/>
+          </ac:spMkLst>
+        </pc:spChg>
         <pc:spChg chg="add del">
           <ac:chgData name="Rubix Stars" userId="b9854b8040c94f5b" providerId="LiveId" clId="{E0B69063-9390-45FD-8A19-D41AAEEEFE15}" dt="2024-11-27T18:37:55.204" v="188"/>
           <ac:spMkLst>
@@ -344,7 +379,7 @@
         </pc:spChg>
       </pc:sldChg>
       <pc:sldChg chg="addSp delSp modSp mod delDesignElem">
-        <pc:chgData name="Rubix Stars" userId="b9854b8040c94f5b" providerId="LiveId" clId="{E0B69063-9390-45FD-8A19-D41AAEEEFE15}" dt="2024-11-27T20:16:37.897" v="1674" actId="14100"/>
+        <pc:chgData name="Rubix Stars" userId="b9854b8040c94f5b" providerId="LiveId" clId="{E0B69063-9390-45FD-8A19-D41AAEEEFE15}" dt="2024-11-28T02:06:00.274" v="2068" actId="207"/>
         <pc:sldMkLst>
           <pc:docMk/>
           <pc:sldMk cId="3288412538" sldId="260"/>
@@ -371,6 +406,14 @@
             <pc:docMk/>
             <pc:sldMk cId="3288412538" sldId="260"/>
             <ac:spMk id="4" creationId="{20EAA623-8B67-4041-9E2B-459452FAC836}"/>
+          </ac:spMkLst>
+        </pc:spChg>
+        <pc:spChg chg="add mod">
+          <ac:chgData name="Rubix Stars" userId="b9854b8040c94f5b" providerId="LiveId" clId="{E0B69063-9390-45FD-8A19-D41AAEEEFE15}" dt="2024-11-28T02:06:00.274" v="2068" actId="207"/>
+          <ac:spMkLst>
+            <pc:docMk/>
+            <pc:sldMk cId="3288412538" sldId="260"/>
+            <ac:spMk id="4" creationId="{46C20E5F-D9EB-D6BA-137A-DB133ADD7AD5}"/>
           </ac:spMkLst>
         </pc:spChg>
         <pc:spChg chg="add del">
@@ -430,12 +473,20 @@
           </ac:spMkLst>
         </pc:spChg>
       </pc:sldChg>
-      <pc:sldChg chg="addSp delSp delDesignElem">
-        <pc:chgData name="Rubix Stars" userId="b9854b8040c94f5b" providerId="LiveId" clId="{E0B69063-9390-45FD-8A19-D41AAEEEFE15}" dt="2024-11-27T18:37:55.204" v="188"/>
+      <pc:sldChg chg="addSp delSp modSp delDesignElem">
+        <pc:chgData name="Rubix Stars" userId="b9854b8040c94f5b" providerId="LiveId" clId="{E0B69063-9390-45FD-8A19-D41AAEEEFE15}" dt="2024-11-28T02:02:36.078" v="1975"/>
         <pc:sldMkLst>
           <pc:docMk/>
           <pc:sldMk cId="2913282989" sldId="261"/>
         </pc:sldMkLst>
+        <pc:spChg chg="add mod">
+          <ac:chgData name="Rubix Stars" userId="b9854b8040c94f5b" providerId="LiveId" clId="{E0B69063-9390-45FD-8A19-D41AAEEEFE15}" dt="2024-11-28T02:02:36.078" v="1975"/>
+          <ac:spMkLst>
+            <pc:docMk/>
+            <pc:sldMk cId="2913282989" sldId="261"/>
+            <ac:spMk id="4" creationId="{6A1CD8AA-0335-635D-FCE0-1B98740295D1}"/>
+          </ac:spMkLst>
+        </pc:spChg>
         <pc:spChg chg="add del">
           <ac:chgData name="Rubix Stars" userId="b9854b8040c94f5b" providerId="LiveId" clId="{E0B69063-9390-45FD-8A19-D41AAEEEFE15}" dt="2024-11-27T18:37:55.204" v="188"/>
           <ac:spMkLst>
@@ -493,12 +544,20 @@
           </ac:spMkLst>
         </pc:spChg>
       </pc:sldChg>
-      <pc:sldChg chg="addSp delSp delDesignElem">
-        <pc:chgData name="Rubix Stars" userId="b9854b8040c94f5b" providerId="LiveId" clId="{E0B69063-9390-45FD-8A19-D41AAEEEFE15}" dt="2024-11-27T18:37:55.204" v="188"/>
+      <pc:sldChg chg="addSp delSp modSp delDesignElem">
+        <pc:chgData name="Rubix Stars" userId="b9854b8040c94f5b" providerId="LiveId" clId="{E0B69063-9390-45FD-8A19-D41AAEEEFE15}" dt="2024-11-28T02:02:37.773" v="1976"/>
         <pc:sldMkLst>
           <pc:docMk/>
           <pc:sldMk cId="2992315925" sldId="262"/>
         </pc:sldMkLst>
+        <pc:spChg chg="add mod">
+          <ac:chgData name="Rubix Stars" userId="b9854b8040c94f5b" providerId="LiveId" clId="{E0B69063-9390-45FD-8A19-D41AAEEEFE15}" dt="2024-11-28T02:02:37.773" v="1976"/>
+          <ac:spMkLst>
+            <pc:docMk/>
+            <pc:sldMk cId="2992315925" sldId="262"/>
+            <ac:spMk id="4" creationId="{461CE492-9193-953F-D8F6-6FF4F6567D4B}"/>
+          </ac:spMkLst>
+        </pc:spChg>
         <pc:spChg chg="add del">
           <ac:chgData name="Rubix Stars" userId="b9854b8040c94f5b" providerId="LiveId" clId="{E0B69063-9390-45FD-8A19-D41AAEEEFE15}" dt="2024-11-27T18:37:55.204" v="188"/>
           <ac:spMkLst>
@@ -556,12 +615,20 @@
           </ac:spMkLst>
         </pc:spChg>
       </pc:sldChg>
-      <pc:sldChg chg="addSp delSp delDesignElem">
-        <pc:chgData name="Rubix Stars" userId="b9854b8040c94f5b" providerId="LiveId" clId="{E0B69063-9390-45FD-8A19-D41AAEEEFE15}" dt="2024-11-27T18:37:55.204" v="188"/>
+      <pc:sldChg chg="addSp delSp modSp delDesignElem">
+        <pc:chgData name="Rubix Stars" userId="b9854b8040c94f5b" providerId="LiveId" clId="{E0B69063-9390-45FD-8A19-D41AAEEEFE15}" dt="2024-11-28T02:02:39.292" v="1977"/>
         <pc:sldMkLst>
           <pc:docMk/>
           <pc:sldMk cId="2824892764" sldId="263"/>
         </pc:sldMkLst>
+        <pc:spChg chg="add mod">
+          <ac:chgData name="Rubix Stars" userId="b9854b8040c94f5b" providerId="LiveId" clId="{E0B69063-9390-45FD-8A19-D41AAEEEFE15}" dt="2024-11-28T02:02:39.292" v="1977"/>
+          <ac:spMkLst>
+            <pc:docMk/>
+            <pc:sldMk cId="2824892764" sldId="263"/>
+            <ac:spMk id="4" creationId="{F1C0D2A0-AA8E-BF40-1ECC-BBB35A2A2D12}"/>
+          </ac:spMkLst>
+        </pc:spChg>
         <pc:spChg chg="add del">
           <ac:chgData name="Rubix Stars" userId="b9854b8040c94f5b" providerId="LiveId" clId="{E0B69063-9390-45FD-8A19-D41AAEEEFE15}" dt="2024-11-27T18:37:55.204" v="188"/>
           <ac:spMkLst>
@@ -619,12 +686,20 @@
           </ac:spMkLst>
         </pc:spChg>
       </pc:sldChg>
-      <pc:sldChg chg="addSp delSp delDesignElem">
-        <pc:chgData name="Rubix Stars" userId="b9854b8040c94f5b" providerId="LiveId" clId="{E0B69063-9390-45FD-8A19-D41AAEEEFE15}" dt="2024-11-27T18:37:55.204" v="188"/>
+      <pc:sldChg chg="addSp delSp modSp delDesignElem">
+        <pc:chgData name="Rubix Stars" userId="b9854b8040c94f5b" providerId="LiveId" clId="{E0B69063-9390-45FD-8A19-D41AAEEEFE15}" dt="2024-11-28T02:02:40.420" v="1978"/>
         <pc:sldMkLst>
           <pc:docMk/>
           <pc:sldMk cId="167315286" sldId="264"/>
         </pc:sldMkLst>
+        <pc:spChg chg="add mod">
+          <ac:chgData name="Rubix Stars" userId="b9854b8040c94f5b" providerId="LiveId" clId="{E0B69063-9390-45FD-8A19-D41AAEEEFE15}" dt="2024-11-28T02:02:40.420" v="1978"/>
+          <ac:spMkLst>
+            <pc:docMk/>
+            <pc:sldMk cId="167315286" sldId="264"/>
+            <ac:spMk id="4" creationId="{04E8D7AF-CF85-9776-4926-E3BE939C5DCE}"/>
+          </ac:spMkLst>
+        </pc:spChg>
         <pc:spChg chg="add del">
           <ac:chgData name="Rubix Stars" userId="b9854b8040c94f5b" providerId="LiveId" clId="{E0B69063-9390-45FD-8A19-D41AAEEEFE15}" dt="2024-11-27T18:37:55.204" v="188"/>
           <ac:spMkLst>
@@ -682,12 +757,20 @@
           </ac:spMkLst>
         </pc:spChg>
       </pc:sldChg>
-      <pc:sldChg chg="addSp delSp delDesignElem">
-        <pc:chgData name="Rubix Stars" userId="b9854b8040c94f5b" providerId="LiveId" clId="{E0B69063-9390-45FD-8A19-D41AAEEEFE15}" dt="2024-11-27T18:37:55.204" v="188"/>
+      <pc:sldChg chg="addSp delSp modSp delDesignElem">
+        <pc:chgData name="Rubix Stars" userId="b9854b8040c94f5b" providerId="LiveId" clId="{E0B69063-9390-45FD-8A19-D41AAEEEFE15}" dt="2024-11-28T02:02:42.069" v="1979"/>
         <pc:sldMkLst>
           <pc:docMk/>
           <pc:sldMk cId="2734579722" sldId="265"/>
         </pc:sldMkLst>
+        <pc:spChg chg="add mod">
+          <ac:chgData name="Rubix Stars" userId="b9854b8040c94f5b" providerId="LiveId" clId="{E0B69063-9390-45FD-8A19-D41AAEEEFE15}" dt="2024-11-28T02:02:42.069" v="1979"/>
+          <ac:spMkLst>
+            <pc:docMk/>
+            <pc:sldMk cId="2734579722" sldId="265"/>
+            <ac:spMk id="4" creationId="{C1C98D63-B94D-7B58-91E0-08E8FD59E40A}"/>
+          </ac:spMkLst>
+        </pc:spChg>
         <pc:spChg chg="add del">
           <ac:chgData name="Rubix Stars" userId="b9854b8040c94f5b" providerId="LiveId" clId="{E0B69063-9390-45FD-8A19-D41AAEEEFE15}" dt="2024-11-27T18:37:55.204" v="188"/>
           <ac:spMkLst>
@@ -745,12 +828,20 @@
           </ac:spMkLst>
         </pc:spChg>
       </pc:sldChg>
-      <pc:sldChg chg="addSp delSp delDesignElem">
-        <pc:chgData name="Rubix Stars" userId="b9854b8040c94f5b" providerId="LiveId" clId="{E0B69063-9390-45FD-8A19-D41AAEEEFE15}" dt="2024-11-27T18:37:55.204" v="188"/>
+      <pc:sldChg chg="addSp delSp modSp delDesignElem">
+        <pc:chgData name="Rubix Stars" userId="b9854b8040c94f5b" providerId="LiveId" clId="{E0B69063-9390-45FD-8A19-D41AAEEEFE15}" dt="2024-11-28T02:02:43.220" v="1980"/>
         <pc:sldMkLst>
           <pc:docMk/>
           <pc:sldMk cId="3007083300" sldId="266"/>
         </pc:sldMkLst>
+        <pc:spChg chg="add mod">
+          <ac:chgData name="Rubix Stars" userId="b9854b8040c94f5b" providerId="LiveId" clId="{E0B69063-9390-45FD-8A19-D41AAEEEFE15}" dt="2024-11-28T02:02:43.220" v="1980"/>
+          <ac:spMkLst>
+            <pc:docMk/>
+            <pc:sldMk cId="3007083300" sldId="266"/>
+            <ac:spMk id="4" creationId="{A0A6899B-39F9-E6E4-C110-C39EFB1D804E}"/>
+          </ac:spMkLst>
+        </pc:spChg>
         <pc:spChg chg="add del">
           <ac:chgData name="Rubix Stars" userId="b9854b8040c94f5b" providerId="LiveId" clId="{E0B69063-9390-45FD-8A19-D41AAEEEFE15}" dt="2024-11-27T18:37:55.204" v="188"/>
           <ac:spMkLst>
@@ -808,12 +899,20 @@
           </ac:spMkLst>
         </pc:spChg>
       </pc:sldChg>
-      <pc:sldChg chg="addSp delSp mod ord delDesignElem modShow">
-        <pc:chgData name="Rubix Stars" userId="b9854b8040c94f5b" providerId="LiveId" clId="{E0B69063-9390-45FD-8A19-D41AAEEEFE15}" dt="2024-11-27T18:46:08.152" v="538"/>
+      <pc:sldChg chg="addSp delSp modSp mod ord delDesignElem modShow">
+        <pc:chgData name="Rubix Stars" userId="b9854b8040c94f5b" providerId="LiveId" clId="{E0B69063-9390-45FD-8A19-D41AAEEEFE15}" dt="2024-11-28T02:02:47.669" v="1982"/>
         <pc:sldMkLst>
           <pc:docMk/>
           <pc:sldMk cId="2887962772" sldId="267"/>
         </pc:sldMkLst>
+        <pc:spChg chg="add mod">
+          <ac:chgData name="Rubix Stars" userId="b9854b8040c94f5b" providerId="LiveId" clId="{E0B69063-9390-45FD-8A19-D41AAEEEFE15}" dt="2024-11-28T02:02:47.669" v="1982"/>
+          <ac:spMkLst>
+            <pc:docMk/>
+            <pc:sldMk cId="2887962772" sldId="267"/>
+            <ac:spMk id="4" creationId="{905ED129-CBAD-5656-8DA3-1F85514376D1}"/>
+          </ac:spMkLst>
+        </pc:spChg>
         <pc:spChg chg="add del">
           <ac:chgData name="Rubix Stars" userId="b9854b8040c94f5b" providerId="LiveId" clId="{E0B69063-9390-45FD-8A19-D41AAEEEFE15}" dt="2024-11-27T18:37:55.204" v="188"/>
           <ac:spMkLst>
@@ -871,12 +970,20 @@
           </ac:spMkLst>
         </pc:spChg>
       </pc:sldChg>
-      <pc:sldChg chg="addSp delSp delDesignElem">
-        <pc:chgData name="Rubix Stars" userId="b9854b8040c94f5b" providerId="LiveId" clId="{E0B69063-9390-45FD-8A19-D41AAEEEFE15}" dt="2024-11-27T18:37:55.204" v="188"/>
+      <pc:sldChg chg="addSp delSp modSp delDesignElem">
+        <pc:chgData name="Rubix Stars" userId="b9854b8040c94f5b" providerId="LiveId" clId="{E0B69063-9390-45FD-8A19-D41AAEEEFE15}" dt="2024-11-28T02:02:49.013" v="1983"/>
         <pc:sldMkLst>
           <pc:docMk/>
           <pc:sldMk cId="194696290" sldId="268"/>
         </pc:sldMkLst>
+        <pc:spChg chg="add mod">
+          <ac:chgData name="Rubix Stars" userId="b9854b8040c94f5b" providerId="LiveId" clId="{E0B69063-9390-45FD-8A19-D41AAEEEFE15}" dt="2024-11-28T02:02:49.013" v="1983"/>
+          <ac:spMkLst>
+            <pc:docMk/>
+            <pc:sldMk cId="194696290" sldId="268"/>
+            <ac:spMk id="4" creationId="{58D2F034-4B99-B848-AFE6-7A435CA6AC56}"/>
+          </ac:spMkLst>
+        </pc:spChg>
         <pc:spChg chg="add del">
           <ac:chgData name="Rubix Stars" userId="b9854b8040c94f5b" providerId="LiveId" clId="{E0B69063-9390-45FD-8A19-D41AAEEEFE15}" dt="2024-11-27T18:37:55.204" v="188"/>
           <ac:spMkLst>
@@ -934,8 +1041,8 @@
           </ac:spMkLst>
         </pc:spChg>
       </pc:sldChg>
-      <pc:sldChg chg="modSp">
-        <pc:chgData name="Rubix Stars" userId="b9854b8040c94f5b" providerId="LiveId" clId="{E0B69063-9390-45FD-8A19-D41AAEEEFE15}" dt="2024-11-27T18:37:55.204" v="188"/>
+      <pc:sldChg chg="addSp modSp mod">
+        <pc:chgData name="Rubix Stars" userId="b9854b8040c94f5b" providerId="LiveId" clId="{E0B69063-9390-45FD-8A19-D41AAEEEFE15}" dt="2024-11-28T02:05:50.450" v="2066" actId="207"/>
         <pc:sldMkLst>
           <pc:docMk/>
           <pc:sldMk cId="1806852021" sldId="269"/>
@@ -948,6 +1055,14 @@
             <ac:spMk id="2" creationId="{4DA1AB03-1FD1-4452-B18F-462ED8A34174}"/>
           </ac:spMkLst>
         </pc:spChg>
+        <pc:spChg chg="add mod">
+          <ac:chgData name="Rubix Stars" userId="b9854b8040c94f5b" providerId="LiveId" clId="{E0B69063-9390-45FD-8A19-D41AAEEEFE15}" dt="2024-11-28T02:05:50.450" v="2066" actId="207"/>
+          <ac:spMkLst>
+            <pc:docMk/>
+            <pc:sldMk cId="1806852021" sldId="269"/>
+            <ac:spMk id="3" creationId="{BF4223A2-6289-5D2E-CE14-B59080CD6713}"/>
+          </ac:spMkLst>
+        </pc:spChg>
         <pc:spChg chg="mod">
           <ac:chgData name="Rubix Stars" userId="b9854b8040c94f5b" providerId="LiveId" clId="{E0B69063-9390-45FD-8A19-D41AAEEEFE15}" dt="2024-11-27T18:37:55.204" v="188"/>
           <ac:spMkLst>
@@ -957,12 +1072,20 @@
           </ac:spMkLst>
         </pc:spChg>
       </pc:sldChg>
-      <pc:sldChg chg="addSp delSp mod delDesignElem modShow">
-        <pc:chgData name="Rubix Stars" userId="b9854b8040c94f5b" providerId="LiveId" clId="{E0B69063-9390-45FD-8A19-D41AAEEEFE15}" dt="2024-11-27T18:45:59.402" v="536" actId="729"/>
+      <pc:sldChg chg="addSp delSp modSp mod delDesignElem modShow">
+        <pc:chgData name="Rubix Stars" userId="b9854b8040c94f5b" providerId="LiveId" clId="{E0B69063-9390-45FD-8A19-D41AAEEEFE15}" dt="2024-11-28T02:02:50.566" v="1984"/>
         <pc:sldMkLst>
           <pc:docMk/>
           <pc:sldMk cId="2614511103" sldId="270"/>
         </pc:sldMkLst>
+        <pc:spChg chg="add mod">
+          <ac:chgData name="Rubix Stars" userId="b9854b8040c94f5b" providerId="LiveId" clId="{E0B69063-9390-45FD-8A19-D41AAEEEFE15}" dt="2024-11-28T02:02:50.566" v="1984"/>
+          <ac:spMkLst>
+            <pc:docMk/>
+            <pc:sldMk cId="2614511103" sldId="270"/>
+            <ac:spMk id="4" creationId="{39D00C04-FCA1-BE2C-9C7E-01DC6237874F}"/>
+          </ac:spMkLst>
+        </pc:spChg>
         <pc:spChg chg="add del">
           <ac:chgData name="Rubix Stars" userId="b9854b8040c94f5b" providerId="LiveId" clId="{E0B69063-9390-45FD-8A19-D41AAEEEFE15}" dt="2024-11-27T18:37:55.204" v="188"/>
           <ac:spMkLst>
@@ -1020,12 +1143,20 @@
           </ac:spMkLst>
         </pc:spChg>
       </pc:sldChg>
-      <pc:sldChg chg="modSp">
-        <pc:chgData name="Rubix Stars" userId="b9854b8040c94f5b" providerId="LiveId" clId="{E0B69063-9390-45FD-8A19-D41AAEEEFE15}" dt="2024-11-27T18:37:55.204" v="188"/>
+      <pc:sldChg chg="addSp modSp">
+        <pc:chgData name="Rubix Stars" userId="b9854b8040c94f5b" providerId="LiveId" clId="{E0B69063-9390-45FD-8A19-D41AAEEEFE15}" dt="2024-11-28T02:01:52.134" v="1967"/>
         <pc:sldMkLst>
           <pc:docMk/>
           <pc:sldMk cId="2699520623" sldId="271"/>
         </pc:sldMkLst>
+        <pc:spChg chg="add mod">
+          <ac:chgData name="Rubix Stars" userId="b9854b8040c94f5b" providerId="LiveId" clId="{E0B69063-9390-45FD-8A19-D41AAEEEFE15}" dt="2024-11-28T02:01:52.134" v="1967"/>
+          <ac:spMkLst>
+            <pc:docMk/>
+            <pc:sldMk cId="2699520623" sldId="271"/>
+            <ac:spMk id="2" creationId="{5365B721-9B97-AB41-0C81-B3F4CE60CF0A}"/>
+          </ac:spMkLst>
+        </pc:spChg>
         <pc:picChg chg="mod">
           <ac:chgData name="Rubix Stars" userId="b9854b8040c94f5b" providerId="LiveId" clId="{E0B69063-9390-45FD-8A19-D41AAEEEFE15}" dt="2024-11-27T18:37:55.204" v="188"/>
           <ac:picMkLst>
@@ -1035,8 +1166,23 @@
           </ac:picMkLst>
         </pc:picChg>
       </pc:sldChg>
+      <pc:sldChg chg="addSp modSp mod">
+        <pc:chgData name="Rubix Stars" userId="b9854b8040c94f5b" providerId="LiveId" clId="{E0B69063-9390-45FD-8A19-D41AAEEEFE15}" dt="2024-11-28T02:05:34.952" v="2063" actId="207"/>
+        <pc:sldMkLst>
+          <pc:docMk/>
+          <pc:sldMk cId="3155841102" sldId="273"/>
+        </pc:sldMkLst>
+        <pc:spChg chg="add mod">
+          <ac:chgData name="Rubix Stars" userId="b9854b8040c94f5b" providerId="LiveId" clId="{E0B69063-9390-45FD-8A19-D41AAEEEFE15}" dt="2024-11-28T02:05:34.952" v="2063" actId="207"/>
+          <ac:spMkLst>
+            <pc:docMk/>
+            <pc:sldMk cId="3155841102" sldId="273"/>
+            <ac:spMk id="2" creationId="{D9067B46-6CFF-6FA2-A5F9-5C4B50FF8E25}"/>
+          </ac:spMkLst>
+        </pc:spChg>
+      </pc:sldChg>
       <pc:sldChg chg="addSp delSp modSp mod delDesignElem">
-        <pc:chgData name="Rubix Stars" userId="b9854b8040c94f5b" providerId="LiveId" clId="{E0B69063-9390-45FD-8A19-D41AAEEEFE15}" dt="2024-11-27T18:38:39.057" v="194" actId="20577"/>
+        <pc:chgData name="Rubix Stars" userId="b9854b8040c94f5b" providerId="LiveId" clId="{E0B69063-9390-45FD-8A19-D41AAEEEFE15}" dt="2024-11-28T02:05:46.528" v="2065" actId="207"/>
         <pc:sldMkLst>
           <pc:docMk/>
           <pc:sldMk cId="1270258123" sldId="275"/>
@@ -1047,6 +1193,14 @@
             <pc:docMk/>
             <pc:sldMk cId="1270258123" sldId="275"/>
             <ac:spMk id="2" creationId="{6565A0EE-E3C5-401E-ABAD-9C47BA8EFD24}"/>
+          </ac:spMkLst>
+        </pc:spChg>
+        <pc:spChg chg="add mod">
+          <ac:chgData name="Rubix Stars" userId="b9854b8040c94f5b" providerId="LiveId" clId="{E0B69063-9390-45FD-8A19-D41AAEEEFE15}" dt="2024-11-28T02:05:46.528" v="2065" actId="207"/>
+          <ac:spMkLst>
+            <pc:docMk/>
+            <pc:sldMk cId="1270258123" sldId="275"/>
+            <ac:spMk id="4" creationId="{0DF90088-E97A-455F-EFF7-FD93A28FCF77}"/>
           </ac:spMkLst>
         </pc:spChg>
         <pc:spChg chg="add del">
@@ -1106,12 +1260,20 @@
           </ac:spMkLst>
         </pc:spChg>
       </pc:sldChg>
-      <pc:sldChg chg="addSp delSp delDesignElem">
-        <pc:chgData name="Rubix Stars" userId="b9854b8040c94f5b" providerId="LiveId" clId="{E0B69063-9390-45FD-8A19-D41AAEEEFE15}" dt="2024-11-27T18:37:55.204" v="188"/>
+      <pc:sldChg chg="addSp delSp modSp mod delDesignElem">
+        <pc:chgData name="Rubix Stars" userId="b9854b8040c94f5b" providerId="LiveId" clId="{E0B69063-9390-45FD-8A19-D41AAEEEFE15}" dt="2024-11-28T02:05:29.792" v="2062" actId="207"/>
         <pc:sldMkLst>
           <pc:docMk/>
           <pc:sldMk cId="507918233" sldId="276"/>
         </pc:sldMkLst>
+        <pc:spChg chg="add mod">
+          <ac:chgData name="Rubix Stars" userId="b9854b8040c94f5b" providerId="LiveId" clId="{E0B69063-9390-45FD-8A19-D41AAEEEFE15}" dt="2024-11-28T02:05:29.792" v="2062" actId="207"/>
+          <ac:spMkLst>
+            <pc:docMk/>
+            <pc:sldMk cId="507918233" sldId="276"/>
+            <ac:spMk id="4" creationId="{2770D40F-42CC-3A36-BC69-3952AB004BA5}"/>
+          </ac:spMkLst>
+        </pc:spChg>
         <pc:spChg chg="add del">
           <ac:chgData name="Rubix Stars" userId="b9854b8040c94f5b" providerId="LiveId" clId="{E0B69063-9390-45FD-8A19-D41AAEEEFE15}" dt="2024-11-27T18:37:55.204" v="188"/>
           <ac:spMkLst>
@@ -1169,12 +1331,20 @@
           </ac:spMkLst>
         </pc:spChg>
       </pc:sldChg>
-      <pc:sldChg chg="addSp delSp delDesignElem">
-        <pc:chgData name="Rubix Stars" userId="b9854b8040c94f5b" providerId="LiveId" clId="{E0B69063-9390-45FD-8A19-D41AAEEEFE15}" dt="2024-11-27T18:37:55.204" v="188"/>
+      <pc:sldChg chg="addSp delSp modSp mod delDesignElem">
+        <pc:chgData name="Rubix Stars" userId="b9854b8040c94f5b" providerId="LiveId" clId="{E0B69063-9390-45FD-8A19-D41AAEEEFE15}" dt="2024-11-28T02:05:40.197" v="2064" actId="207"/>
         <pc:sldMkLst>
           <pc:docMk/>
           <pc:sldMk cId="1744839194" sldId="277"/>
         </pc:sldMkLst>
+        <pc:spChg chg="add mod">
+          <ac:chgData name="Rubix Stars" userId="b9854b8040c94f5b" providerId="LiveId" clId="{E0B69063-9390-45FD-8A19-D41AAEEEFE15}" dt="2024-11-28T02:05:40.197" v="2064" actId="207"/>
+          <ac:spMkLst>
+            <pc:docMk/>
+            <pc:sldMk cId="1744839194" sldId="277"/>
+            <ac:spMk id="3" creationId="{EEE02970-3FB5-6183-E86F-E75672C9B753}"/>
+          </ac:spMkLst>
+        </pc:spChg>
         <pc:spChg chg="add del">
           <ac:chgData name="Rubix Stars" userId="b9854b8040c94f5b" providerId="LiveId" clId="{E0B69063-9390-45FD-8A19-D41AAEEEFE15}" dt="2024-11-27T18:37:55.204" v="188"/>
           <ac:spMkLst>
@@ -1278,7 +1448,7 @@
         </pc:spChg>
       </pc:sldChg>
       <pc:sldChg chg="addSp delSp modSp add mod ord">
-        <pc:chgData name="Rubix Stars" userId="b9854b8040c94f5b" providerId="LiveId" clId="{E0B69063-9390-45FD-8A19-D41AAEEEFE15}" dt="2024-11-27T20:21:49.921" v="1775" actId="113"/>
+        <pc:chgData name="Rubix Stars" userId="b9854b8040c94f5b" providerId="LiveId" clId="{E0B69063-9390-45FD-8A19-D41AAEEEFE15}" dt="2024-11-28T02:05:55.084" v="2067" actId="207"/>
         <pc:sldMkLst>
           <pc:docMk/>
           <pc:sldMk cId="1714827718" sldId="280"/>
@@ -1299,6 +1469,14 @@
             <ac:spMk id="4" creationId="{BAA7027E-600D-BB07-E7FD-44AF8E8D68F2}"/>
           </ac:spMkLst>
         </pc:spChg>
+        <pc:spChg chg="add mod">
+          <ac:chgData name="Rubix Stars" userId="b9854b8040c94f5b" providerId="LiveId" clId="{E0B69063-9390-45FD-8A19-D41AAEEEFE15}" dt="2024-11-28T02:05:55.084" v="2067" actId="207"/>
+          <ac:spMkLst>
+            <pc:docMk/>
+            <pc:sldMk cId="1714827718" sldId="280"/>
+            <ac:spMk id="5" creationId="{82167755-BEB6-B34F-2C8D-2EF5440D5F60}"/>
+          </ac:spMkLst>
+        </pc:spChg>
         <pc:spChg chg="add del mod">
           <ac:chgData name="Rubix Stars" userId="b9854b8040c94f5b" providerId="LiveId" clId="{E0B69063-9390-45FD-8A19-D41AAEEEFE15}" dt="2024-11-27T18:42:25.438" v="323" actId="478"/>
           <ac:spMkLst>
@@ -1308,21 +1486,29 @@
           </ac:spMkLst>
         </pc:spChg>
       </pc:sldChg>
-      <pc:sldChg chg="add">
-        <pc:chgData name="Rubix Stars" userId="b9854b8040c94f5b" providerId="LiveId" clId="{E0B69063-9390-45FD-8A19-D41AAEEEFE15}" dt="2024-11-27T18:46:30.113" v="539" actId="2890"/>
+      <pc:sldChg chg="addSp modSp add">
+        <pc:chgData name="Rubix Stars" userId="b9854b8040c94f5b" providerId="LiveId" clId="{E0B69063-9390-45FD-8A19-D41AAEEEFE15}" dt="2024-11-28T02:02:33.005" v="1974"/>
         <pc:sldMkLst>
           <pc:docMk/>
           <pc:sldMk cId="3036499906" sldId="281"/>
         </pc:sldMkLst>
+        <pc:spChg chg="add mod">
+          <ac:chgData name="Rubix Stars" userId="b9854b8040c94f5b" providerId="LiveId" clId="{E0B69063-9390-45FD-8A19-D41AAEEEFE15}" dt="2024-11-28T02:02:33.005" v="1974"/>
+          <ac:spMkLst>
+            <pc:docMk/>
+            <pc:sldMk cId="3036499906" sldId="281"/>
+            <ac:spMk id="5" creationId="{BFF22B3C-A35E-DE76-6CFD-FE43809EABD0}"/>
+          </ac:spMkLst>
+        </pc:spChg>
       </pc:sldChg>
       <pc:sldChg chg="modSp add mod ord">
-        <pc:chgData name="Rubix Stars" userId="b9854b8040c94f5b" providerId="LiveId" clId="{E0B69063-9390-45FD-8A19-D41AAEEEFE15}" dt="2024-11-27T18:54:36.493" v="687" actId="404"/>
+        <pc:chgData name="Rubix Stars" userId="b9854b8040c94f5b" providerId="LiveId" clId="{E0B69063-9390-45FD-8A19-D41AAEEEFE15}" dt="2024-11-28T02:03:39.352" v="2052" actId="20577"/>
         <pc:sldMkLst>
           <pc:docMk/>
           <pc:sldMk cId="2793378809" sldId="282"/>
         </pc:sldMkLst>
         <pc:spChg chg="mod">
-          <ac:chgData name="Rubix Stars" userId="b9854b8040c94f5b" providerId="LiveId" clId="{E0B69063-9390-45FD-8A19-D41AAEEEFE15}" dt="2024-11-27T18:54:36.493" v="687" actId="404"/>
+          <ac:chgData name="Rubix Stars" userId="b9854b8040c94f5b" providerId="LiveId" clId="{E0B69063-9390-45FD-8A19-D41AAEEEFE15}" dt="2024-11-28T02:03:39.352" v="2052" actId="20577"/>
           <ac:spMkLst>
             <pc:docMk/>
             <pc:sldMk cId="2793378809" sldId="282"/>
@@ -1331,7 +1517,7 @@
         </pc:spChg>
       </pc:sldChg>
       <pc:sldChg chg="addSp modSp add mod">
-        <pc:chgData name="Rubix Stars" userId="b9854b8040c94f5b" providerId="LiveId" clId="{E0B69063-9390-45FD-8A19-D41AAEEEFE15}" dt="2024-11-27T20:21:06.260" v="1770" actId="1076"/>
+        <pc:chgData name="Rubix Stars" userId="b9854b8040c94f5b" providerId="LiveId" clId="{E0B69063-9390-45FD-8A19-D41AAEEEFE15}" dt="2024-11-28T02:06:04.753" v="2069" actId="207"/>
         <pc:sldMkLst>
           <pc:docMk/>
           <pc:sldMk cId="3033254415" sldId="283"/>
@@ -1342,6 +1528,14 @@
             <pc:docMk/>
             <pc:sldMk cId="3033254415" sldId="283"/>
             <ac:spMk id="3" creationId="{65186477-E97B-C933-64F6-721001B05BEC}"/>
+          </ac:spMkLst>
+        </pc:spChg>
+        <pc:spChg chg="add mod">
+          <ac:chgData name="Rubix Stars" userId="b9854b8040c94f5b" providerId="LiveId" clId="{E0B69063-9390-45FD-8A19-D41AAEEEFE15}" dt="2024-11-28T02:06:04.753" v="2069" actId="207"/>
+          <ac:spMkLst>
+            <pc:docMk/>
+            <pc:sldMk cId="3033254415" sldId="283"/>
+            <ac:spMk id="4" creationId="{8718B769-0545-69FF-A476-B97FA66DADBA}"/>
           </ac:spMkLst>
         </pc:spChg>
         <pc:spChg chg="add mod">
@@ -1361,8 +1555,8 @@
           </ac:picMkLst>
         </pc:picChg>
       </pc:sldChg>
-      <pc:sldChg chg="modSp add mod">
-        <pc:chgData name="Rubix Stars" userId="b9854b8040c94f5b" providerId="LiveId" clId="{E0B69063-9390-45FD-8A19-D41AAEEEFE15}" dt="2024-11-27T20:21:18.999" v="1772" actId="1076"/>
+      <pc:sldChg chg="addSp modSp add mod">
+        <pc:chgData name="Rubix Stars" userId="b9854b8040c94f5b" providerId="LiveId" clId="{E0B69063-9390-45FD-8A19-D41AAEEEFE15}" dt="2024-11-28T02:06:08.803" v="2070" actId="207"/>
         <pc:sldMkLst>
           <pc:docMk/>
           <pc:sldMk cId="117381413" sldId="284"/>
@@ -1373,6 +1567,99 @@
             <pc:docMk/>
             <pc:sldMk cId="117381413" sldId="284"/>
             <ac:spMk id="3" creationId="{DBCFC699-2981-8037-FA18-C387753F1A34}"/>
+          </ac:spMkLst>
+        </pc:spChg>
+        <pc:spChg chg="add mod">
+          <ac:chgData name="Rubix Stars" userId="b9854b8040c94f5b" providerId="LiveId" clId="{E0B69063-9390-45FD-8A19-D41AAEEEFE15}" dt="2024-11-28T02:06:08.803" v="2070" actId="207"/>
+          <ac:spMkLst>
+            <pc:docMk/>
+            <pc:sldMk cId="117381413" sldId="284"/>
+            <ac:spMk id="4" creationId="{BA8EDE8C-2700-423A-E0BC-1C1000EA830D}"/>
+          </ac:spMkLst>
+        </pc:spChg>
+      </pc:sldChg>
+      <pc:sldChg chg="addSp modSp add mod">
+        <pc:chgData name="Rubix Stars" userId="b9854b8040c94f5b" providerId="LiveId" clId="{E0B69063-9390-45FD-8A19-D41AAEEEFE15}" dt="2024-11-28T02:04:56.111" v="2055" actId="207"/>
+        <pc:sldMkLst>
+          <pc:docMk/>
+          <pc:sldMk cId="2536140695" sldId="285"/>
+        </pc:sldMkLst>
+        <pc:spChg chg="mod">
+          <ac:chgData name="Rubix Stars" userId="b9854b8040c94f5b" providerId="LiveId" clId="{E0B69063-9390-45FD-8A19-D41AAEEEFE15}" dt="2024-11-28T01:58:51.200" v="1918" actId="115"/>
+          <ac:spMkLst>
+            <pc:docMk/>
+            <pc:sldMk cId="2536140695" sldId="285"/>
+            <ac:spMk id="3" creationId="{87C7BED6-FB7B-19A2-5FA7-000746CD5AD4}"/>
+          </ac:spMkLst>
+        </pc:spChg>
+        <pc:spChg chg="add mod">
+          <ac:chgData name="Rubix Stars" userId="b9854b8040c94f5b" providerId="LiveId" clId="{E0B69063-9390-45FD-8A19-D41AAEEEFE15}" dt="2024-11-28T02:01:21.254" v="1962"/>
+          <ac:spMkLst>
+            <pc:docMk/>
+            <pc:sldMk cId="2536140695" sldId="285"/>
+            <ac:spMk id="4" creationId="{9590E36E-D219-EC96-679F-F70004620F2C}"/>
+          </ac:spMkLst>
+        </pc:spChg>
+        <pc:spChg chg="add mod">
+          <ac:chgData name="Rubix Stars" userId="b9854b8040c94f5b" providerId="LiveId" clId="{E0B69063-9390-45FD-8A19-D41AAEEEFE15}" dt="2024-11-28T02:04:56.111" v="2055" actId="207"/>
+          <ac:spMkLst>
+            <pc:docMk/>
+            <pc:sldMk cId="2536140695" sldId="285"/>
+            <ac:spMk id="5" creationId="{A8F33EFB-DF78-BA61-3F2D-7F0E82C8C310}"/>
+          </ac:spMkLst>
+        </pc:spChg>
+      </pc:sldChg>
+      <pc:sldChg chg="addSp modSp add mod">
+        <pc:chgData name="Rubix Stars" userId="b9854b8040c94f5b" providerId="LiveId" clId="{E0B69063-9390-45FD-8A19-D41AAEEEFE15}" dt="2024-11-28T02:04:22.993" v="2054" actId="207"/>
+        <pc:sldMkLst>
+          <pc:docMk/>
+          <pc:sldMk cId="4034169057" sldId="286"/>
+        </pc:sldMkLst>
+        <pc:spChg chg="mod">
+          <ac:chgData name="Rubix Stars" userId="b9854b8040c94f5b" providerId="LiveId" clId="{E0B69063-9390-45FD-8A19-D41AAEEEFE15}" dt="2024-11-28T01:58:47.625" v="1916" actId="115"/>
+          <ac:spMkLst>
+            <pc:docMk/>
+            <pc:sldMk cId="4034169057" sldId="286"/>
+            <ac:spMk id="3" creationId="{A8ACEE9C-47ED-3F18-6059-F790998CDF82}"/>
+          </ac:spMkLst>
+        </pc:spChg>
+        <pc:spChg chg="add mod">
+          <ac:chgData name="Rubix Stars" userId="b9854b8040c94f5b" providerId="LiveId" clId="{E0B69063-9390-45FD-8A19-D41AAEEEFE15}" dt="2024-11-28T02:04:22.993" v="2054" actId="207"/>
+          <ac:spMkLst>
+            <pc:docMk/>
+            <pc:sldMk cId="4034169057" sldId="286"/>
+            <ac:spMk id="4" creationId="{6DFCDA67-6A24-5C8E-FBDB-80FDD4134116}"/>
+          </ac:spMkLst>
+        </pc:spChg>
+      </pc:sldChg>
+      <pc:sldChg chg="addSp modSp add mod">
+        <pc:chgData name="Rubix Stars" userId="b9854b8040c94f5b" providerId="LiveId" clId="{E0B69063-9390-45FD-8A19-D41AAEEEFE15}" dt="2024-11-28T02:04:06.859" v="2053" actId="207"/>
+        <pc:sldMkLst>
+          <pc:docMk/>
+          <pc:sldMk cId="709537159" sldId="287"/>
+        </pc:sldMkLst>
+        <pc:spChg chg="mod">
+          <ac:chgData name="Rubix Stars" userId="b9854b8040c94f5b" providerId="LiveId" clId="{E0B69063-9390-45FD-8A19-D41AAEEEFE15}" dt="2024-11-28T02:00:17.799" v="1943" actId="20577"/>
+          <ac:spMkLst>
+            <pc:docMk/>
+            <pc:sldMk cId="709537159" sldId="287"/>
+            <ac:spMk id="2" creationId="{22B7AC03-1481-9217-CA8A-BAD672575CA1}"/>
+          </ac:spMkLst>
+        </pc:spChg>
+        <pc:spChg chg="mod">
+          <ac:chgData name="Rubix Stars" userId="b9854b8040c94f5b" providerId="LiveId" clId="{E0B69063-9390-45FD-8A19-D41AAEEEFE15}" dt="2024-11-28T02:00:27.325" v="1946" actId="5793"/>
+          <ac:spMkLst>
+            <pc:docMk/>
+            <pc:sldMk cId="709537159" sldId="287"/>
+            <ac:spMk id="3" creationId="{4799778A-091D-289A-A2B0-E8400D68F638}"/>
+          </ac:spMkLst>
+        </pc:spChg>
+        <pc:spChg chg="add mod">
+          <ac:chgData name="Rubix Stars" userId="b9854b8040c94f5b" providerId="LiveId" clId="{E0B69063-9390-45FD-8A19-D41AAEEEFE15}" dt="2024-11-28T02:04:06.859" v="2053" actId="207"/>
+          <ac:spMkLst>
+            <pc:docMk/>
+            <pc:sldMk cId="709537159" sldId="287"/>
+            <ac:spMk id="4" creationId="{A6831223-D3B8-D6FE-40DB-D20E932A43C4}"/>
           </ac:spMkLst>
         </pc:spChg>
       </pc:sldChg>
@@ -6021,6 +6308,58 @@
           </a:p>
         </p:txBody>
       </p:sp>
+      <p:sp>
+        <p:nvSpPr>
+          <p:cNvPr id="4" name="Rectangle 3">
+            <a:extLst>
+              <a:ext uri="{FF2B5EF4-FFF2-40B4-BE49-F238E27FC236}">
+                <a16:creationId xmlns:a16="http://schemas.microsoft.com/office/drawing/2014/main" id="{0DF90088-E97A-455F-EFF7-FD93A28FCF77}"/>
+              </a:ext>
+            </a:extLst>
+          </p:cNvPr>
+          <p:cNvSpPr/>
+          <p:nvPr/>
+        </p:nvSpPr>
+        <p:spPr>
+          <a:xfrm>
+            <a:off x="11641394" y="-19864"/>
+            <a:ext cx="550606" cy="353851"/>
+          </a:xfrm>
+          <a:prstGeom prst="rect">
+            <a:avLst/>
+          </a:prstGeom>
+          <a:solidFill>
+            <a:schemeClr val="accent5"/>
+          </a:solidFill>
+        </p:spPr>
+        <p:style>
+          <a:lnRef idx="2">
+            <a:schemeClr val="accent1">
+              <a:shade val="15000"/>
+            </a:schemeClr>
+          </a:lnRef>
+          <a:fillRef idx="1">
+            <a:schemeClr val="accent1"/>
+          </a:fillRef>
+          <a:effectRef idx="0">
+            <a:schemeClr val="accent1"/>
+          </a:effectRef>
+          <a:fontRef idx="minor">
+            <a:schemeClr val="lt1"/>
+          </a:fontRef>
+        </p:style>
+        <p:txBody>
+          <a:bodyPr rtlCol="0" anchor="ctr"/>
+          <a:lstStyle/>
+          <a:p>
+            <a:pPr algn="ctr"/>
+            <a:r>
+              <a:rPr lang="en-US" dirty="0"/>
+              <a:t>GK</a:t>
+            </a:r>
+          </a:p>
+        </p:txBody>
+      </p:sp>
     </p:spTree>
     <p:extLst>
       <p:ext uri="{BB962C8B-B14F-4D97-AF65-F5344CB8AC3E}">
@@ -6153,6 +6492,58 @@
           </a:prstGeom>
         </p:spPr>
       </p:pic>
+      <p:sp>
+        <p:nvSpPr>
+          <p:cNvPr id="3" name="Rectangle 2">
+            <a:extLst>
+              <a:ext uri="{FF2B5EF4-FFF2-40B4-BE49-F238E27FC236}">
+                <a16:creationId xmlns:a16="http://schemas.microsoft.com/office/drawing/2014/main" id="{BF4223A2-6289-5D2E-CE14-B59080CD6713}"/>
+              </a:ext>
+            </a:extLst>
+          </p:cNvPr>
+          <p:cNvSpPr/>
+          <p:nvPr/>
+        </p:nvSpPr>
+        <p:spPr>
+          <a:xfrm>
+            <a:off x="11641394" y="-19864"/>
+            <a:ext cx="550606" cy="353851"/>
+          </a:xfrm>
+          <a:prstGeom prst="rect">
+            <a:avLst/>
+          </a:prstGeom>
+          <a:solidFill>
+            <a:schemeClr val="accent5"/>
+          </a:solidFill>
+        </p:spPr>
+        <p:style>
+          <a:lnRef idx="2">
+            <a:schemeClr val="accent1">
+              <a:shade val="15000"/>
+            </a:schemeClr>
+          </a:lnRef>
+          <a:fillRef idx="1">
+            <a:schemeClr val="accent1"/>
+          </a:fillRef>
+          <a:effectRef idx="0">
+            <a:schemeClr val="accent1"/>
+          </a:effectRef>
+          <a:fontRef idx="minor">
+            <a:schemeClr val="lt1"/>
+          </a:fontRef>
+        </p:style>
+        <p:txBody>
+          <a:bodyPr rtlCol="0" anchor="ctr"/>
+          <a:lstStyle/>
+          <a:p>
+            <a:pPr algn="ctr"/>
+            <a:r>
+              <a:rPr lang="en-US" dirty="0"/>
+              <a:t>GK</a:t>
+            </a:r>
+          </a:p>
+        </p:txBody>
+      </p:sp>
     </p:spTree>
     <p:extLst>
       <p:ext uri="{BB962C8B-B14F-4D97-AF65-F5344CB8AC3E}">
@@ -7097,6 +7488,58 @@
           </a:p>
         </p:txBody>
       </p:sp>
+      <p:sp>
+        <p:nvSpPr>
+          <p:cNvPr id="5" name="Rectangle 4">
+            <a:extLst>
+              <a:ext uri="{FF2B5EF4-FFF2-40B4-BE49-F238E27FC236}">
+                <a16:creationId xmlns:a16="http://schemas.microsoft.com/office/drawing/2014/main" id="{82167755-BEB6-B34F-2C8D-2EF5440D5F60}"/>
+              </a:ext>
+            </a:extLst>
+          </p:cNvPr>
+          <p:cNvSpPr/>
+          <p:nvPr/>
+        </p:nvSpPr>
+        <p:spPr>
+          <a:xfrm>
+            <a:off x="11641394" y="-19864"/>
+            <a:ext cx="550606" cy="353851"/>
+          </a:xfrm>
+          <a:prstGeom prst="rect">
+            <a:avLst/>
+          </a:prstGeom>
+          <a:solidFill>
+            <a:schemeClr val="accent5"/>
+          </a:solidFill>
+        </p:spPr>
+        <p:style>
+          <a:lnRef idx="2">
+            <a:schemeClr val="accent1">
+              <a:shade val="15000"/>
+            </a:schemeClr>
+          </a:lnRef>
+          <a:fillRef idx="1">
+            <a:schemeClr val="accent1"/>
+          </a:fillRef>
+          <a:effectRef idx="0">
+            <a:schemeClr val="accent1"/>
+          </a:effectRef>
+          <a:fontRef idx="minor">
+            <a:schemeClr val="lt1"/>
+          </a:fontRef>
+        </p:style>
+        <p:txBody>
+          <a:bodyPr rtlCol="0" anchor="ctr"/>
+          <a:lstStyle/>
+          <a:p>
+            <a:pPr algn="ctr"/>
+            <a:r>
+              <a:rPr lang="en-US" dirty="0"/>
+              <a:t>GK</a:t>
+            </a:r>
+          </a:p>
+        </p:txBody>
+      </p:sp>
     </p:spTree>
     <p:extLst>
       <p:ext uri="{BB962C8B-B14F-4D97-AF65-F5344CB8AC3E}">
@@ -7949,6 +8392,58 @@
           </a:p>
         </p:txBody>
       </p:sp>
+      <p:sp>
+        <p:nvSpPr>
+          <p:cNvPr id="4" name="Rectangle 3">
+            <a:extLst>
+              <a:ext uri="{FF2B5EF4-FFF2-40B4-BE49-F238E27FC236}">
+                <a16:creationId xmlns:a16="http://schemas.microsoft.com/office/drawing/2014/main" id="{46C20E5F-D9EB-D6BA-137A-DB133ADD7AD5}"/>
+              </a:ext>
+            </a:extLst>
+          </p:cNvPr>
+          <p:cNvSpPr/>
+          <p:nvPr/>
+        </p:nvSpPr>
+        <p:spPr>
+          <a:xfrm>
+            <a:off x="11641394" y="-19864"/>
+            <a:ext cx="550606" cy="353851"/>
+          </a:xfrm>
+          <a:prstGeom prst="rect">
+            <a:avLst/>
+          </a:prstGeom>
+          <a:solidFill>
+            <a:schemeClr val="accent5"/>
+          </a:solidFill>
+        </p:spPr>
+        <p:style>
+          <a:lnRef idx="2">
+            <a:schemeClr val="accent1">
+              <a:shade val="15000"/>
+            </a:schemeClr>
+          </a:lnRef>
+          <a:fillRef idx="1">
+            <a:schemeClr val="accent1"/>
+          </a:fillRef>
+          <a:effectRef idx="0">
+            <a:schemeClr val="accent1"/>
+          </a:effectRef>
+          <a:fontRef idx="minor">
+            <a:schemeClr val="lt1"/>
+          </a:fontRef>
+        </p:style>
+        <p:txBody>
+          <a:bodyPr rtlCol="0" anchor="ctr"/>
+          <a:lstStyle/>
+          <a:p>
+            <a:pPr algn="ctr"/>
+            <a:r>
+              <a:rPr lang="en-US" dirty="0"/>
+              <a:t>GK</a:t>
+            </a:r>
+          </a:p>
+        </p:txBody>
+      </p:sp>
     </p:spTree>
     <p:extLst>
       <p:ext uri="{BB962C8B-B14F-4D97-AF65-F5344CB8AC3E}">
@@ -8832,6 +9327,58 @@
           </a:p>
         </p:txBody>
       </p:sp>
+      <p:sp>
+        <p:nvSpPr>
+          <p:cNvPr id="4" name="Rectangle 3">
+            <a:extLst>
+              <a:ext uri="{FF2B5EF4-FFF2-40B4-BE49-F238E27FC236}">
+                <a16:creationId xmlns:a16="http://schemas.microsoft.com/office/drawing/2014/main" id="{8718B769-0545-69FF-A476-B97FA66DADBA}"/>
+              </a:ext>
+            </a:extLst>
+          </p:cNvPr>
+          <p:cNvSpPr/>
+          <p:nvPr/>
+        </p:nvSpPr>
+        <p:spPr>
+          <a:xfrm>
+            <a:off x="11641394" y="-19864"/>
+            <a:ext cx="550606" cy="353851"/>
+          </a:xfrm>
+          <a:prstGeom prst="rect">
+            <a:avLst/>
+          </a:prstGeom>
+          <a:solidFill>
+            <a:schemeClr val="accent5"/>
+          </a:solidFill>
+        </p:spPr>
+        <p:style>
+          <a:lnRef idx="2">
+            <a:schemeClr val="accent1">
+              <a:shade val="15000"/>
+            </a:schemeClr>
+          </a:lnRef>
+          <a:fillRef idx="1">
+            <a:schemeClr val="accent1"/>
+          </a:fillRef>
+          <a:effectRef idx="0">
+            <a:schemeClr val="accent1"/>
+          </a:effectRef>
+          <a:fontRef idx="minor">
+            <a:schemeClr val="lt1"/>
+          </a:fontRef>
+        </p:style>
+        <p:txBody>
+          <a:bodyPr rtlCol="0" anchor="ctr"/>
+          <a:lstStyle/>
+          <a:p>
+            <a:pPr algn="ctr"/>
+            <a:r>
+              <a:rPr lang="en-US" dirty="0"/>
+              <a:t>GK</a:t>
+            </a:r>
+          </a:p>
+        </p:txBody>
+      </p:sp>
     </p:spTree>
     <p:extLst>
       <p:ext uri="{BB962C8B-B14F-4D97-AF65-F5344CB8AC3E}">
@@ -9622,6 +10169,58 @@
           </a:p>
         </p:txBody>
       </p:sp>
+      <p:sp>
+        <p:nvSpPr>
+          <p:cNvPr id="4" name="Rectangle 3">
+            <a:extLst>
+              <a:ext uri="{FF2B5EF4-FFF2-40B4-BE49-F238E27FC236}">
+                <a16:creationId xmlns:a16="http://schemas.microsoft.com/office/drawing/2014/main" id="{BA8EDE8C-2700-423A-E0BC-1C1000EA830D}"/>
+              </a:ext>
+            </a:extLst>
+          </p:cNvPr>
+          <p:cNvSpPr/>
+          <p:nvPr/>
+        </p:nvSpPr>
+        <p:spPr>
+          <a:xfrm>
+            <a:off x="11641394" y="-19864"/>
+            <a:ext cx="550606" cy="353851"/>
+          </a:xfrm>
+          <a:prstGeom prst="rect">
+            <a:avLst/>
+          </a:prstGeom>
+          <a:solidFill>
+            <a:schemeClr val="accent5"/>
+          </a:solidFill>
+        </p:spPr>
+        <p:style>
+          <a:lnRef idx="2">
+            <a:schemeClr val="accent1">
+              <a:shade val="15000"/>
+            </a:schemeClr>
+          </a:lnRef>
+          <a:fillRef idx="1">
+            <a:schemeClr val="accent1"/>
+          </a:fillRef>
+          <a:effectRef idx="0">
+            <a:schemeClr val="accent1"/>
+          </a:effectRef>
+          <a:fontRef idx="minor">
+            <a:schemeClr val="lt1"/>
+          </a:fontRef>
+        </p:style>
+        <p:txBody>
+          <a:bodyPr rtlCol="0" anchor="ctr"/>
+          <a:lstStyle/>
+          <a:p>
+            <a:pPr algn="ctr"/>
+            <a:r>
+              <a:rPr lang="en-US" dirty="0"/>
+              <a:t>GK</a:t>
+            </a:r>
+          </a:p>
+        </p:txBody>
+      </p:sp>
     </p:spTree>
     <p:extLst>
       <p:ext uri="{BB962C8B-B14F-4D97-AF65-F5344CB8AC3E}">
@@ -9651,7 +10250,7 @@
         <p:cNvPr id="1" name="">
           <a:extLst>
             <a:ext uri="{FF2B5EF4-FFF2-40B4-BE49-F238E27FC236}">
-              <a16:creationId xmlns:a16="http://schemas.microsoft.com/office/drawing/2014/main" id="{AA2455D5-DD89-F82C-67FB-8334965315D5}"/>
+              <a16:creationId xmlns:a16="http://schemas.microsoft.com/office/drawing/2014/main" id="{B4705E2E-C299-607E-5AAA-840747E7672E}"/>
             </a:ext>
           </a:extLst>
         </p:cNvPr>
@@ -9671,7 +10270,7 @@
           <p:cNvPr id="8" name="Rectangle 7">
             <a:extLst>
               <a:ext uri="{FF2B5EF4-FFF2-40B4-BE49-F238E27FC236}">
-                <a16:creationId xmlns:a16="http://schemas.microsoft.com/office/drawing/2014/main" id="{CD9AA918-66F1-070B-F46E-CA7B8C198D6A}"/>
+                <a16:creationId xmlns:a16="http://schemas.microsoft.com/office/drawing/2014/main" id="{5D38F016-4C57-6C22-9648-7A773CA2D554}"/>
               </a:ext>
               <a:ext uri="{C183D7F6-B498-43B3-948B-1728B52AA6E4}">
                 <adec:decorative xmlns:adec="http://schemas.microsoft.com/office/drawing/2017/decorative" val="1"/>
@@ -9747,7 +10346,7 @@
           <p:cNvPr id="10" name="Rectangle 9">
             <a:extLst>
               <a:ext uri="{FF2B5EF4-FFF2-40B4-BE49-F238E27FC236}">
-                <a16:creationId xmlns:a16="http://schemas.microsoft.com/office/drawing/2014/main" id="{72F78BC1-2BA3-BABC-5B0D-3F67DF31099B}"/>
+                <a16:creationId xmlns:a16="http://schemas.microsoft.com/office/drawing/2014/main" id="{1B774691-6AFF-8EFD-A707-2D8F69E48CB3}"/>
               </a:ext>
               <a:ext uri="{C183D7F6-B498-43B3-948B-1728B52AA6E4}">
                 <adec:decorative xmlns:adec="http://schemas.microsoft.com/office/drawing/2017/decorative" val="1"/>
@@ -9823,7 +10422,7 @@
           <p:cNvPr id="12" name="Rectangle 11">
             <a:extLst>
               <a:ext uri="{FF2B5EF4-FFF2-40B4-BE49-F238E27FC236}">
-                <a16:creationId xmlns:a16="http://schemas.microsoft.com/office/drawing/2014/main" id="{52B304D8-F444-C6BB-DAE5-03BF95DE5E87}"/>
+                <a16:creationId xmlns:a16="http://schemas.microsoft.com/office/drawing/2014/main" id="{FD99ECAE-DFF2-5574-FB8F-F9A754840983}"/>
               </a:ext>
               <a:ext uri="{C183D7F6-B498-43B3-948B-1728B52AA6E4}">
                 <adec:decorative xmlns:adec="http://schemas.microsoft.com/office/drawing/2017/decorative" val="1"/>
@@ -9896,7 +10495,7 @@
           <p:cNvPr id="14" name="Rectangle 13">
             <a:extLst>
               <a:ext uri="{FF2B5EF4-FFF2-40B4-BE49-F238E27FC236}">
-                <a16:creationId xmlns:a16="http://schemas.microsoft.com/office/drawing/2014/main" id="{7633069B-9C77-7E3D-371A-31FBCA8C7D4A}"/>
+                <a16:creationId xmlns:a16="http://schemas.microsoft.com/office/drawing/2014/main" id="{328E25D3-D296-C6BC-4629-87C29274D961}"/>
               </a:ext>
               <a:ext uri="{C183D7F6-B498-43B3-948B-1728B52AA6E4}">
                 <adec:decorative xmlns:adec="http://schemas.microsoft.com/office/drawing/2017/decorative" val="1"/>
@@ -9971,7 +10570,7 @@
           <p:cNvPr id="16" name="Rectangle 15">
             <a:extLst>
               <a:ext uri="{FF2B5EF4-FFF2-40B4-BE49-F238E27FC236}">
-                <a16:creationId xmlns:a16="http://schemas.microsoft.com/office/drawing/2014/main" id="{4DD67877-5577-F20E-CA2B-867EDC26C1A0}"/>
+                <a16:creationId xmlns:a16="http://schemas.microsoft.com/office/drawing/2014/main" id="{4BBE16ED-7E60-7C2D-ACE2-DE7911A282DD}"/>
               </a:ext>
               <a:ext uri="{C183D7F6-B498-43B3-948B-1728B52AA6E4}">
                 <adec:decorative xmlns:adec="http://schemas.microsoft.com/office/drawing/2017/decorative" val="1"/>
@@ -10046,7 +10645,7 @@
           <p:cNvPr id="18" name="Freeform: Shape 17">
             <a:extLst>
               <a:ext uri="{FF2B5EF4-FFF2-40B4-BE49-F238E27FC236}">
-                <a16:creationId xmlns:a16="http://schemas.microsoft.com/office/drawing/2014/main" id="{191F3E19-EB2B-7880-8499-AD51C56BE29F}"/>
+                <a16:creationId xmlns:a16="http://schemas.microsoft.com/office/drawing/2014/main" id="{786DB8E5-F272-60EE-C145-430208B86889}"/>
               </a:ext>
               <a:ext uri="{C183D7F6-B498-43B3-948B-1728B52AA6E4}">
                 <adec:decorative xmlns:adec="http://schemas.microsoft.com/office/drawing/2017/decorative" val="1"/>
@@ -10216,7 +10815,7 @@
           <p:cNvPr id="20" name="Rectangle 19">
             <a:extLst>
               <a:ext uri="{FF2B5EF4-FFF2-40B4-BE49-F238E27FC236}">
-                <a16:creationId xmlns:a16="http://schemas.microsoft.com/office/drawing/2014/main" id="{7C07ECB6-E406-5D39-27D8-A13A53F7FF8F}"/>
+                <a16:creationId xmlns:a16="http://schemas.microsoft.com/office/drawing/2014/main" id="{0995D7DC-F788-FA1B-9A3F-0CA90181667B}"/>
               </a:ext>
               <a:ext uri="{C183D7F6-B498-43B3-948B-1728B52AA6E4}">
                 <adec:decorative xmlns:adec="http://schemas.microsoft.com/office/drawing/2017/decorative" val="1"/>
@@ -10293,7 +10892,7 @@
           <p:cNvPr id="2" name="Title 1">
             <a:extLst>
               <a:ext uri="{FF2B5EF4-FFF2-40B4-BE49-F238E27FC236}">
-                <a16:creationId xmlns:a16="http://schemas.microsoft.com/office/drawing/2014/main" id="{BA6A34FF-F560-9567-E172-43A64609BC3B}"/>
+                <a16:creationId xmlns:a16="http://schemas.microsoft.com/office/drawing/2014/main" id="{B96919F9-A780-E995-013E-E56693FC8830}"/>
               </a:ext>
             </a:extLst>
           </p:cNvPr>
@@ -10340,7 +10939,7 @@
           <p:cNvPr id="3" name="Content Placeholder 2">
             <a:extLst>
               <a:ext uri="{FF2B5EF4-FFF2-40B4-BE49-F238E27FC236}">
-                <a16:creationId xmlns:a16="http://schemas.microsoft.com/office/drawing/2014/main" id="{2877B28C-AAA5-A71C-F3B0-9813F7438518}"/>
+                <a16:creationId xmlns:a16="http://schemas.microsoft.com/office/drawing/2014/main" id="{87C7BED6-FB7B-19A2-5FA7-000746CD5AD4}"/>
               </a:ext>
             </a:extLst>
           </p:cNvPr>
@@ -10353,13 +10952,13 @@
         </p:nvSpPr>
         <p:spPr>
           <a:xfrm>
-            <a:off x="4504548" y="1479592"/>
-            <a:ext cx="6555347" cy="1602022"/>
-          </a:xfrm>
-        </p:spPr>
-        <p:txBody>
-          <a:bodyPr anchor="ctr">
-            <a:normAutofit/>
+            <a:off x="4585603" y="871239"/>
+            <a:ext cx="7137129" cy="5477128"/>
+          </a:xfrm>
+        </p:spPr>
+        <p:txBody>
+          <a:bodyPr anchor="t">
+            <a:noAutofit/>
           </a:bodyPr>
           <a:lstStyle/>
           <a:p>
@@ -10367,128 +10966,142 @@
               <a:buNone/>
             </a:pPr>
             <a:r>
-              <a:rPr lang="en-US" sz="2000" b="1" dirty="0"/>
-              <a:t>Anticoagulants</a:t>
-            </a:r>
+              <a:rPr lang="en-US" sz="2000" b="1" u="sng" dirty="0"/>
+              <a:t>Anticoagulants in our body </a:t>
+            </a:r>
+          </a:p>
+          <a:p>
+            <a:pPr marL="457200" indent="-457200">
+              <a:buAutoNum type="arabicPeriod"/>
+            </a:pPr>
             <a:r>
               <a:rPr lang="en-US" sz="2000" dirty="0"/>
-              <a:t> are agents that inhibit the coagulation cascade to prevent excessive clot formation. These agents target various steps of the coagulation process, including the extrinsic pathway. Anticoagulants are categorized based on their mechanism of action:</a:t>
-            </a:r>
-            <a:endParaRPr lang="en-IN" sz="2000" dirty="0"/>
-          </a:p>
-        </p:txBody>
-      </p:sp>
-      <p:sp>
-        <p:nvSpPr>
-          <p:cNvPr id="4" name="TextBox 3">
-            <a:extLst>
-              <a:ext uri="{FF2B5EF4-FFF2-40B4-BE49-F238E27FC236}">
-                <a16:creationId xmlns:a16="http://schemas.microsoft.com/office/drawing/2014/main" id="{5CD1C816-2ADA-7D60-F931-7F0B13A4F72D}"/>
-              </a:ext>
-            </a:extLst>
-          </p:cNvPr>
-          <p:cNvSpPr txBox="1"/>
+              <a:t>Endothelial cells   --&gt; smooth endothelial cells                                 --&gt; </a:t>
+            </a:r>
+            <a:r>
+              <a:rPr lang="en-US" sz="2000" dirty="0" err="1"/>
+              <a:t>Glycoclayx</a:t>
+            </a:r>
+            <a:r>
+              <a:rPr lang="en-US" sz="2000" dirty="0"/>
+              <a:t>   --&gt; </a:t>
+            </a:r>
+            <a:r>
+              <a:rPr lang="en-US" sz="2000" dirty="0" err="1"/>
+              <a:t>thrombodulin</a:t>
+            </a:r>
+            <a:r>
+              <a:rPr lang="en-US" sz="2000" dirty="0"/>
+              <a:t> (removes thrombin)                  (thrombin + </a:t>
+            </a:r>
+            <a:r>
+              <a:rPr lang="en-US" sz="2000" dirty="0" err="1"/>
+              <a:t>thrombodulin</a:t>
+            </a:r>
+            <a:r>
+              <a:rPr lang="en-US" sz="2000" dirty="0"/>
+              <a:t> ----&gt; protein C). </a:t>
+            </a:r>
+            <a:br>
+              <a:rPr lang="en-US" sz="2000" dirty="0"/>
+            </a:br>
+            <a:r>
+              <a:rPr lang="en-US" sz="2000" dirty="0"/>
+              <a:t>It inactivates Factor V and VII</a:t>
+            </a:r>
+          </a:p>
+          <a:p>
+            <a:pPr marL="457200" indent="-457200">
+              <a:buAutoNum type="arabicPeriod"/>
+            </a:pPr>
+            <a:r>
+              <a:rPr lang="en-US" sz="2000" dirty="0"/>
+              <a:t>Fibrin </a:t>
+            </a:r>
+            <a:r>
+              <a:rPr lang="en-US" sz="2000" dirty="0" err="1"/>
+              <a:t>Fibres</a:t>
+            </a:r>
+            <a:r>
+              <a:rPr lang="en-US" sz="2000" dirty="0"/>
+              <a:t> &amp; Antithrombin III  --&gt; fibrinogen ---&gt; Fibrin fibers     --&gt; 85-  90% of thrombin trapped by fibrin   --&gt; Antithrombin III neutralizes thrombin in 12- 20 mins.</a:t>
+            </a:r>
+          </a:p>
+          <a:p>
+            <a:pPr marL="457200" indent="-457200">
+              <a:buAutoNum type="arabicPeriod"/>
+            </a:pPr>
+            <a:r>
+              <a:rPr lang="en-US" sz="2000" dirty="0"/>
+              <a:t>Heparin   --&gt; As alone, it's a natural weak.                           anticoagulant   --&gt; mast cells and basophils   --&gt; binds to </a:t>
+            </a:r>
+            <a:r>
+              <a:rPr lang="en-US" sz="2000" dirty="0" err="1"/>
+              <a:t>antitheombin</a:t>
+            </a:r>
+            <a:r>
+              <a:rPr lang="en-US" sz="2000" dirty="0"/>
+              <a:t> III, increase efficiency by 100- 1000 times --&gt; inactivates factor XII , XI, X, IX --&gt; Capillaries of lungs and liver. </a:t>
+            </a:r>
+          </a:p>
+        </p:txBody>
+      </p:sp>
+      <p:sp>
+        <p:nvSpPr>
+          <p:cNvPr id="5" name="Rectangle 4">
+            <a:extLst>
+              <a:ext uri="{FF2B5EF4-FFF2-40B4-BE49-F238E27FC236}">
+                <a16:creationId xmlns:a16="http://schemas.microsoft.com/office/drawing/2014/main" id="{A8F33EFB-DF78-BA61-3F2D-7F0E82C8C310}"/>
+              </a:ext>
+            </a:extLst>
+          </p:cNvPr>
+          <p:cNvSpPr/>
           <p:nvPr/>
         </p:nvSpPr>
         <p:spPr>
           <a:xfrm>
-            <a:off x="4504548" y="3195587"/>
-            <a:ext cx="7075808" cy="2862322"/>
+            <a:off x="11641394" y="-19864"/>
+            <a:ext cx="550606" cy="353851"/>
           </a:xfrm>
           <a:prstGeom prst="rect">
             <a:avLst/>
           </a:prstGeom>
-          <a:noFill/>
-        </p:spPr>
-        <p:txBody>
-          <a:bodyPr wrap="square" rtlCol="0">
-            <a:spAutoFit/>
-          </a:bodyPr>
-          <a:lstStyle/>
-          <a:p>
-            <a:pPr marL="342900" indent="-342900">
-              <a:buFont typeface="+mj-lt"/>
-              <a:buAutoNum type="arabicPeriod"/>
-            </a:pPr>
-            <a:endParaRPr lang="en-IN" sz="2000" dirty="0"/>
-          </a:p>
-          <a:p>
-            <a:pPr marL="342900" indent="-342900">
-              <a:buFont typeface="+mj-lt"/>
-              <a:buAutoNum type="arabicPeriod"/>
-            </a:pPr>
-            <a:r>
-              <a:rPr lang="en-IN" sz="2000" dirty="0"/>
-              <a:t>Direct Oral Anticoagulants (DOACs)</a:t>
-            </a:r>
-          </a:p>
-          <a:p>
-            <a:pPr marL="342900" indent="-342900">
-              <a:buFont typeface="+mj-lt"/>
-              <a:buAutoNum type="arabicPeriod"/>
-            </a:pPr>
-            <a:r>
-              <a:rPr lang="en-IN" sz="2000" dirty="0"/>
-              <a:t>Vitamin K Antagonists (VKAs)</a:t>
-            </a:r>
-          </a:p>
-          <a:p>
-            <a:pPr marL="342900" indent="-342900">
-              <a:buFont typeface="+mj-lt"/>
-              <a:buAutoNum type="arabicPeriod"/>
-            </a:pPr>
-            <a:r>
-              <a:rPr lang="en-IN" sz="2000" dirty="0"/>
-              <a:t>Heparins</a:t>
-            </a:r>
-          </a:p>
-          <a:p>
-            <a:pPr marL="342900" indent="-342900">
-              <a:buFont typeface="+mj-lt"/>
-              <a:buAutoNum type="arabicPeriod"/>
-            </a:pPr>
-            <a:r>
-              <a:rPr lang="en-US" sz="2000" dirty="0"/>
-              <a:t>Tissue Factor Pathway Inhibitors (TFPIs)</a:t>
-            </a:r>
-            <a:endParaRPr lang="en-IN" sz="2000" dirty="0"/>
-          </a:p>
-          <a:p>
-            <a:pPr marL="342900" indent="-342900">
-              <a:buFont typeface="+mj-lt"/>
-              <a:buAutoNum type="arabicPeriod"/>
-            </a:pPr>
-            <a:r>
-              <a:rPr lang="en-IN" sz="2000" dirty="0"/>
-              <a:t>Thrombin Inhibitors</a:t>
-            </a:r>
-          </a:p>
-          <a:p>
-            <a:pPr marL="342900" indent="-342900">
-              <a:buFont typeface="+mj-lt"/>
-              <a:buAutoNum type="arabicPeriod"/>
-            </a:pPr>
-            <a:r>
-              <a:rPr lang="en-IN" sz="2000" dirty="0"/>
-              <a:t>Novel Agents</a:t>
-            </a:r>
-          </a:p>
-          <a:p>
-            <a:endParaRPr lang="en-IN" sz="2000" dirty="0"/>
-          </a:p>
-          <a:p>
-            <a:pPr marL="342900" indent="-342900">
-              <a:buFont typeface="+mj-lt"/>
-              <a:buAutoNum type="arabicPeriod"/>
-            </a:pPr>
-            <a:endParaRPr lang="en-IN" sz="2000" dirty="0"/>
+          <a:solidFill>
+            <a:schemeClr val="accent6"/>
+          </a:solidFill>
+        </p:spPr>
+        <p:style>
+          <a:lnRef idx="2">
+            <a:schemeClr val="accent1">
+              <a:shade val="15000"/>
+            </a:schemeClr>
+          </a:lnRef>
+          <a:fillRef idx="1">
+            <a:schemeClr val="accent1"/>
+          </a:fillRef>
+          <a:effectRef idx="0">
+            <a:schemeClr val="accent1"/>
+          </a:effectRef>
+          <a:fontRef idx="minor">
+            <a:schemeClr val="lt1"/>
+          </a:fontRef>
+        </p:style>
+        <p:txBody>
+          <a:bodyPr rtlCol="0" anchor="ctr"/>
+          <a:lstStyle/>
+          <a:p>
+            <a:pPr algn="ctr"/>
+            <a:r>
+              <a:rPr lang="en-US" dirty="0"/>
+              <a:t>GY</a:t>
+            </a:r>
           </a:p>
         </p:txBody>
       </p:sp>
     </p:spTree>
     <p:extLst>
       <p:ext uri="{BB962C8B-B14F-4D97-AF65-F5344CB8AC3E}">
-        <p14:creationId xmlns:p14="http://schemas.microsoft.com/office/powerpoint/2010/main" val="3036499906"/>
+        <p14:creationId xmlns:p14="http://schemas.microsoft.com/office/powerpoint/2010/main" val="2536140695"/>
       </p:ext>
     </p:extLst>
   </p:cSld>
@@ -10511,7 +11124,13 @@
     </p:bg>
     <p:spTree>
       <p:nvGrpSpPr>
-        <p:cNvPr id="1" name=""/>
+        <p:cNvPr id="1" name="">
+          <a:extLst>
+            <a:ext uri="{FF2B5EF4-FFF2-40B4-BE49-F238E27FC236}">
+              <a16:creationId xmlns:a16="http://schemas.microsoft.com/office/drawing/2014/main" id="{E8602E0F-CB57-3433-DB0B-12CC16D51EBE}"/>
+            </a:ext>
+          </a:extLst>
+        </p:cNvPr>
         <p:cNvGrpSpPr/>
         <p:nvPr/>
       </p:nvGrpSpPr>
@@ -10528,7 +11147,7 @@
           <p:cNvPr id="8" name="Rectangle 7">
             <a:extLst>
               <a:ext uri="{FF2B5EF4-FFF2-40B4-BE49-F238E27FC236}">
-                <a16:creationId xmlns:a16="http://schemas.microsoft.com/office/drawing/2014/main" id="{09588DA8-065E-4F6F-8EFD-43104AB2E0CF}"/>
+                <a16:creationId xmlns:a16="http://schemas.microsoft.com/office/drawing/2014/main" id="{2F63D636-9596-6D89-9B94-8B46683F6116}"/>
               </a:ext>
               <a:ext uri="{C183D7F6-B498-43B3-948B-1728B52AA6E4}">
                 <adec:decorative xmlns:adec="http://schemas.microsoft.com/office/drawing/2017/decorative" val="1"/>
@@ -10604,7 +11223,7 @@
           <p:cNvPr id="10" name="Rectangle 9">
             <a:extLst>
               <a:ext uri="{FF2B5EF4-FFF2-40B4-BE49-F238E27FC236}">
-                <a16:creationId xmlns:a16="http://schemas.microsoft.com/office/drawing/2014/main" id="{C4285719-470E-454C-AF62-8323075F1F5B}"/>
+                <a16:creationId xmlns:a16="http://schemas.microsoft.com/office/drawing/2014/main" id="{68D5D1E2-E122-EAD7-3AFD-5113547F75AB}"/>
               </a:ext>
               <a:ext uri="{C183D7F6-B498-43B3-948B-1728B52AA6E4}">
                 <adec:decorative xmlns:adec="http://schemas.microsoft.com/office/drawing/2017/decorative" val="1"/>
@@ -10680,7 +11299,7 @@
           <p:cNvPr id="12" name="Rectangle 11">
             <a:extLst>
               <a:ext uri="{FF2B5EF4-FFF2-40B4-BE49-F238E27FC236}">
-                <a16:creationId xmlns:a16="http://schemas.microsoft.com/office/drawing/2014/main" id="{CD9FE4EF-C4D8-49A0-B2FF-81D8DB7D8A24}"/>
+                <a16:creationId xmlns:a16="http://schemas.microsoft.com/office/drawing/2014/main" id="{874581BD-A7AE-511A-05B9-81A898F3AA7C}"/>
               </a:ext>
               <a:ext uri="{C183D7F6-B498-43B3-948B-1728B52AA6E4}">
                 <adec:decorative xmlns:adec="http://schemas.microsoft.com/office/drawing/2017/decorative" val="1"/>
@@ -10753,7 +11372,7 @@
           <p:cNvPr id="14" name="Rectangle 13">
             <a:extLst>
               <a:ext uri="{FF2B5EF4-FFF2-40B4-BE49-F238E27FC236}">
-                <a16:creationId xmlns:a16="http://schemas.microsoft.com/office/drawing/2014/main" id="{4300840D-0A0B-4512-BACA-B439D5B9C57C}"/>
+                <a16:creationId xmlns:a16="http://schemas.microsoft.com/office/drawing/2014/main" id="{94CF4A9A-4A39-8E44-64A7-7AA23CDCDEF8}"/>
               </a:ext>
               <a:ext uri="{C183D7F6-B498-43B3-948B-1728B52AA6E4}">
                 <adec:decorative xmlns:adec="http://schemas.microsoft.com/office/drawing/2017/decorative" val="1"/>
@@ -10828,7 +11447,7 @@
           <p:cNvPr id="16" name="Rectangle 15">
             <a:extLst>
               <a:ext uri="{FF2B5EF4-FFF2-40B4-BE49-F238E27FC236}">
-                <a16:creationId xmlns:a16="http://schemas.microsoft.com/office/drawing/2014/main" id="{D2B78728-A580-49A7-84F9-6EF6F583ADE0}"/>
+                <a16:creationId xmlns:a16="http://schemas.microsoft.com/office/drawing/2014/main" id="{5C8DAD4F-6ADA-D3B8-E89C-15C6139ED4F4}"/>
               </a:ext>
               <a:ext uri="{C183D7F6-B498-43B3-948B-1728B52AA6E4}">
                 <adec:decorative xmlns:adec="http://schemas.microsoft.com/office/drawing/2017/decorative" val="1"/>
@@ -10903,7 +11522,7 @@
           <p:cNvPr id="18" name="Freeform: Shape 17">
             <a:extLst>
               <a:ext uri="{FF2B5EF4-FFF2-40B4-BE49-F238E27FC236}">
-                <a16:creationId xmlns:a16="http://schemas.microsoft.com/office/drawing/2014/main" id="{38FAA1A1-D861-433F-88FA-1E9D6FD31D11}"/>
+                <a16:creationId xmlns:a16="http://schemas.microsoft.com/office/drawing/2014/main" id="{A21AA4F3-EEBF-094D-8912-1CFDE6B3ADD1}"/>
               </a:ext>
               <a:ext uri="{C183D7F6-B498-43B3-948B-1728B52AA6E4}">
                 <adec:decorative xmlns:adec="http://schemas.microsoft.com/office/drawing/2017/decorative" val="1"/>
@@ -11073,7 +11692,7 @@
           <p:cNvPr id="20" name="Rectangle 19">
             <a:extLst>
               <a:ext uri="{FF2B5EF4-FFF2-40B4-BE49-F238E27FC236}">
-                <a16:creationId xmlns:a16="http://schemas.microsoft.com/office/drawing/2014/main" id="{8D71EDA1-87BF-4D5D-AB79-F346FD19278A}"/>
+                <a16:creationId xmlns:a16="http://schemas.microsoft.com/office/drawing/2014/main" id="{238E6CB0-7DF7-CF5A-90FC-95BB03470F49}"/>
               </a:ext>
               <a:ext uri="{C183D7F6-B498-43B3-948B-1728B52AA6E4}">
                 <adec:decorative xmlns:adec="http://schemas.microsoft.com/office/drawing/2017/decorative" val="1"/>
@@ -11150,7 +11769,7 @@
           <p:cNvPr id="2" name="Title 1">
             <a:extLst>
               <a:ext uri="{FF2B5EF4-FFF2-40B4-BE49-F238E27FC236}">
-                <a16:creationId xmlns:a16="http://schemas.microsoft.com/office/drawing/2014/main" id="{18B9575E-8B03-4172-8170-996985F86B44}"/>
+                <a16:creationId xmlns:a16="http://schemas.microsoft.com/office/drawing/2014/main" id="{432D9943-AFF2-D119-25D3-E24D39194D11}"/>
               </a:ext>
             </a:extLst>
           </p:cNvPr>
@@ -11163,33 +11782,31 @@
         </p:nvSpPr>
         <p:spPr>
           <a:xfrm>
-            <a:off x="418225" y="1462754"/>
-            <a:ext cx="3201366" cy="3387497"/>
-          </a:xfrm>
-        </p:spPr>
-        <p:txBody>
-          <a:bodyPr anchor="b">
+            <a:off x="233356" y="2077459"/>
+            <a:ext cx="3571104" cy="2723358"/>
+          </a:xfrm>
+        </p:spPr>
+        <p:txBody>
+          <a:bodyPr anchor="ctr">
             <a:normAutofit/>
           </a:bodyPr>
           <a:lstStyle/>
           <a:p>
-            <a:r>
-              <a:rPr lang="en-IN" sz="3600" dirty="0">
+            <a:pPr algn="ctr"/>
+            <a:r>
+              <a:rPr lang="en-US" sz="4000" dirty="0">
                 <a:solidFill>
-                  <a:schemeClr val="bg1">
-                    <a:lumMod val="95000"/>
-                  </a:schemeClr>
+                  <a:srgbClr val="FFFFFF"/>
                 </a:solidFill>
+                <a:latin typeface="+mn-lt"/>
               </a:rPr>
-              <a:t>Direct Oral Anticoagulants (DOACs)</a:t>
-            </a:r>
-            <a:br>
-              <a:rPr lang="en-IN" sz="3600" dirty="0"/>
-            </a:br>
-            <a:endParaRPr lang="en-IN" sz="7200" dirty="0">
+              <a:t>Anticoagulants</a:t>
+            </a:r>
+            <a:endParaRPr lang="en-IN" sz="3600" dirty="0">
               <a:solidFill>
                 <a:srgbClr val="FFFFFF"/>
               </a:solidFill>
+              <a:latin typeface="+mn-lt"/>
             </a:endParaRPr>
           </a:p>
         </p:txBody>
@@ -11199,7 +11816,7 @@
           <p:cNvPr id="3" name="Content Placeholder 2">
             <a:extLst>
               <a:ext uri="{FF2B5EF4-FFF2-40B4-BE49-F238E27FC236}">
-                <a16:creationId xmlns:a16="http://schemas.microsoft.com/office/drawing/2014/main" id="{DD924335-0A47-4D99-BA26-D3714BA4CF00}"/>
+                <a16:creationId xmlns:a16="http://schemas.microsoft.com/office/drawing/2014/main" id="{A8ACEE9C-47ED-3F18-6059-F790998CDF82}"/>
               </a:ext>
             </a:extLst>
           </p:cNvPr>
@@ -11212,82 +11829,162 @@
         </p:nvSpPr>
         <p:spPr>
           <a:xfrm>
-            <a:off x="4810259" y="649480"/>
-            <a:ext cx="6555347" cy="5546047"/>
-          </a:xfrm>
-        </p:spPr>
-        <p:txBody>
-          <a:bodyPr anchor="ctr">
-            <a:normAutofit/>
+            <a:off x="4544820" y="511388"/>
+            <a:ext cx="7137129" cy="5477128"/>
+          </a:xfrm>
+        </p:spPr>
+        <p:txBody>
+          <a:bodyPr anchor="t">
+            <a:noAutofit/>
           </a:bodyPr>
           <a:lstStyle/>
-          <a:p>
-            <a:r>
-              <a:rPr lang="en-US" sz="2000" dirty="0"/>
-              <a:t>MODE OF ACTION : Direct inhibition of Factor </a:t>
-            </a:r>
-            <a:r>
-              <a:rPr lang="en-US" sz="2000" dirty="0" err="1"/>
-              <a:t>Xa</a:t>
-            </a:r>
-            <a:r>
-              <a:rPr lang="en-US" sz="2000" dirty="0"/>
-              <a:t> or thrombin</a:t>
-            </a:r>
-          </a:p>
-          <a:p>
-            <a:r>
-              <a:rPr lang="en-IN" sz="2000" dirty="0"/>
-              <a:t>Examples: </a:t>
-            </a:r>
-          </a:p>
           <a:p>
             <a:pPr marL="0" indent="0">
               <a:buNone/>
             </a:pPr>
             <a:r>
-              <a:rPr lang="en-IN" sz="2000" dirty="0"/>
-              <a:t>    Rivaroxaban and Apixaban (Factor </a:t>
-            </a:r>
-            <a:r>
-              <a:rPr lang="en-IN" sz="2000" dirty="0" err="1"/>
-              <a:t>Xa</a:t>
-            </a:r>
-            <a:r>
-              <a:rPr lang="en-IN" sz="2000" dirty="0"/>
-              <a:t> inhibitors).</a:t>
-            </a:r>
-          </a:p>
-          <a:p>
-            <a:pPr marL="0" indent="0">
-              <a:buNone/>
+              <a:rPr lang="en-US" sz="2000" b="1" u="sng" dirty="0"/>
+              <a:t>Anticoagulants for clinical use</a:t>
+            </a:r>
+          </a:p>
+          <a:p>
+            <a:pPr>
+              <a:buFont typeface="Wingdings" panose="05000000000000000000" pitchFamily="2" charset="2"/>
+              <a:buChar char="à"/>
             </a:pPr>
             <a:r>
-              <a:rPr lang="en-IN" sz="2000" dirty="0"/>
-              <a:t>    Dabigatran (direct thrombin inhibitor).</a:t>
-            </a:r>
-          </a:p>
-          <a:p>
-            <a:r>
               <a:rPr lang="en-US" sz="2000" dirty="0"/>
-              <a:t>Relevance to the Extrinsic Pathway: Inhibit Factor </a:t>
+              <a:t>Most useful - Heparin, Vitamin K antagonist Coumarin.</a:t>
+            </a:r>
+          </a:p>
+          <a:p>
+            <a:pPr>
+              <a:buFont typeface="Wingdings" panose="05000000000000000000" pitchFamily="2" charset="2"/>
+              <a:buChar char="à"/>
+            </a:pPr>
+            <a:r>
+              <a:rPr lang="en-US" sz="2000" dirty="0"/>
+              <a:t>Also, thrombin and Factor Xa inhibitors</a:t>
+            </a:r>
+          </a:p>
+          <a:p>
+            <a:pPr marL="457200" indent="-457200">
+              <a:buAutoNum type="arabicPeriod"/>
+            </a:pPr>
+            <a:r>
+              <a:rPr lang="en-US" sz="2000" dirty="0"/>
+              <a:t>Commercial Heparin(LMW)    --&gt; from animals.    --&gt; 0.5- 1mg/kg of TBW injected, increases clotting </a:t>
             </a:r>
             <a:r>
               <a:rPr lang="en-US" sz="2000" dirty="0" err="1"/>
-              <a:t>Xa</a:t>
+              <a:t>tim</a:t>
             </a:r>
             <a:r>
               <a:rPr lang="en-US" sz="2000" dirty="0"/>
-              <a:t>, a critical enzyme downstream in the coagulation cascade</a:t>
-            </a:r>
-            <a:endParaRPr lang="en-IN" sz="2000" dirty="0"/>
+              <a:t> from 6 to 30 mins.     --&gt; action lasts for about 1.5 - 4 hours.    --&gt; heparinase</a:t>
+            </a:r>
+          </a:p>
+          <a:p>
+            <a:pPr marL="457200" indent="-457200">
+              <a:buAutoNum type="arabicPeriod"/>
+            </a:pPr>
+            <a:r>
+              <a:rPr lang="en-US" sz="2000" dirty="0"/>
+              <a:t>Coumarins      --&gt; Ex.-  Warfarin     --&gt; fall of prothrombin, Factors VII, IX &amp; X.                                 VKORC1    --&gt; Inactive Vit K -------------&gt; Active Vit K    --&gt; In 12 </a:t>
+            </a:r>
+            <a:r>
+              <a:rPr lang="en-US" sz="2000" dirty="0" err="1"/>
+              <a:t>hrs</a:t>
+            </a:r>
+            <a:r>
+              <a:rPr lang="en-US" sz="2000" dirty="0"/>
+              <a:t>, to 50% coagulant activity decreases, 24 </a:t>
+            </a:r>
+            <a:r>
+              <a:rPr lang="en-US" sz="2000" dirty="0" err="1"/>
+              <a:t>hrs</a:t>
+            </a:r>
+            <a:r>
+              <a:rPr lang="en-US" sz="2000" dirty="0"/>
+              <a:t>  to 20%.    --&gt; coagulation returns 1-3 days later</a:t>
+            </a:r>
+          </a:p>
+          <a:p>
+            <a:pPr marL="457200" indent="-457200">
+              <a:buAutoNum type="arabicPeriod"/>
+            </a:pPr>
+            <a:r>
+              <a:rPr lang="en-US" sz="2000" dirty="0"/>
+              <a:t>Thrombin inhibitors      Hirudin  </a:t>
+            </a:r>
+          </a:p>
+          <a:p>
+            <a:pPr marL="457200" indent="-457200">
+              <a:buAutoNum type="arabicPeriod"/>
+            </a:pPr>
+            <a:r>
+              <a:rPr lang="en-US" sz="2000" dirty="0"/>
+              <a:t>Anticoagulation outside body   --&gt; siliconized containers- delay coagulation by 1 hr.   --&gt; Heparin- surgical procedures  --&gt; EDTA- chelating agent that bind to metal ions like Ca^2+   --&gt; soluble oxalate compounds  --&gt; Citrate anticoagulants- sodium, ammonium, potassium citrate (excess- tetany and convulsive death)</a:t>
+            </a:r>
+          </a:p>
+        </p:txBody>
+      </p:sp>
+      <p:sp>
+        <p:nvSpPr>
+          <p:cNvPr id="4" name="Rectangle 3">
+            <a:extLst>
+              <a:ext uri="{FF2B5EF4-FFF2-40B4-BE49-F238E27FC236}">
+                <a16:creationId xmlns:a16="http://schemas.microsoft.com/office/drawing/2014/main" id="{6DFCDA67-6A24-5C8E-FBDB-80FDD4134116}"/>
+              </a:ext>
+            </a:extLst>
+          </p:cNvPr>
+          <p:cNvSpPr/>
+          <p:nvPr/>
+        </p:nvSpPr>
+        <p:spPr>
+          <a:xfrm>
+            <a:off x="11641394" y="-19864"/>
+            <a:ext cx="550606" cy="353851"/>
+          </a:xfrm>
+          <a:prstGeom prst="rect">
+            <a:avLst/>
+          </a:prstGeom>
+          <a:solidFill>
+            <a:schemeClr val="accent6"/>
+          </a:solidFill>
+        </p:spPr>
+        <p:style>
+          <a:lnRef idx="2">
+            <a:schemeClr val="accent1">
+              <a:shade val="15000"/>
+            </a:schemeClr>
+          </a:lnRef>
+          <a:fillRef idx="1">
+            <a:schemeClr val="accent1"/>
+          </a:fillRef>
+          <a:effectRef idx="0">
+            <a:schemeClr val="accent1"/>
+          </a:effectRef>
+          <a:fontRef idx="minor">
+            <a:schemeClr val="lt1"/>
+          </a:fontRef>
+        </p:style>
+        <p:txBody>
+          <a:bodyPr rtlCol="0" anchor="ctr"/>
+          <a:lstStyle/>
+          <a:p>
+            <a:pPr algn="ctr"/>
+            <a:r>
+              <a:rPr lang="en-US" dirty="0"/>
+              <a:t>GY</a:t>
+            </a:r>
           </a:p>
         </p:txBody>
       </p:sp>
     </p:spTree>
     <p:extLst>
       <p:ext uri="{BB962C8B-B14F-4D97-AF65-F5344CB8AC3E}">
-        <p14:creationId xmlns:p14="http://schemas.microsoft.com/office/powerpoint/2010/main" val="2913282989"/>
+        <p14:creationId xmlns:p14="http://schemas.microsoft.com/office/powerpoint/2010/main" val="4034169057"/>
       </p:ext>
     </p:extLst>
   </p:cSld>
@@ -11310,7 +12007,13 @@
     </p:bg>
     <p:spTree>
       <p:nvGrpSpPr>
-        <p:cNvPr id="1" name=""/>
+        <p:cNvPr id="1" name="">
+          <a:extLst>
+            <a:ext uri="{FF2B5EF4-FFF2-40B4-BE49-F238E27FC236}">
+              <a16:creationId xmlns:a16="http://schemas.microsoft.com/office/drawing/2014/main" id="{AA2455D5-DD89-F82C-67FB-8334965315D5}"/>
+            </a:ext>
+          </a:extLst>
+        </p:cNvPr>
         <p:cNvGrpSpPr/>
         <p:nvPr/>
       </p:nvGrpSpPr>
@@ -11327,7 +12030,7 @@
           <p:cNvPr id="8" name="Rectangle 7">
             <a:extLst>
               <a:ext uri="{FF2B5EF4-FFF2-40B4-BE49-F238E27FC236}">
-                <a16:creationId xmlns:a16="http://schemas.microsoft.com/office/drawing/2014/main" id="{09588DA8-065E-4F6F-8EFD-43104AB2E0CF}"/>
+                <a16:creationId xmlns:a16="http://schemas.microsoft.com/office/drawing/2014/main" id="{CD9AA918-66F1-070B-F46E-CA7B8C198D6A}"/>
               </a:ext>
               <a:ext uri="{C183D7F6-B498-43B3-948B-1728B52AA6E4}">
                 <adec:decorative xmlns:adec="http://schemas.microsoft.com/office/drawing/2017/decorative" val="1"/>
@@ -11403,7 +12106,7 @@
           <p:cNvPr id="10" name="Rectangle 9">
             <a:extLst>
               <a:ext uri="{FF2B5EF4-FFF2-40B4-BE49-F238E27FC236}">
-                <a16:creationId xmlns:a16="http://schemas.microsoft.com/office/drawing/2014/main" id="{C4285719-470E-454C-AF62-8323075F1F5B}"/>
+                <a16:creationId xmlns:a16="http://schemas.microsoft.com/office/drawing/2014/main" id="{72F78BC1-2BA3-BABC-5B0D-3F67DF31099B}"/>
               </a:ext>
               <a:ext uri="{C183D7F6-B498-43B3-948B-1728B52AA6E4}">
                 <adec:decorative xmlns:adec="http://schemas.microsoft.com/office/drawing/2017/decorative" val="1"/>
@@ -11479,7 +12182,7 @@
           <p:cNvPr id="12" name="Rectangle 11">
             <a:extLst>
               <a:ext uri="{FF2B5EF4-FFF2-40B4-BE49-F238E27FC236}">
-                <a16:creationId xmlns:a16="http://schemas.microsoft.com/office/drawing/2014/main" id="{CD9FE4EF-C4D8-49A0-B2FF-81D8DB7D8A24}"/>
+                <a16:creationId xmlns:a16="http://schemas.microsoft.com/office/drawing/2014/main" id="{52B304D8-F444-C6BB-DAE5-03BF95DE5E87}"/>
               </a:ext>
               <a:ext uri="{C183D7F6-B498-43B3-948B-1728B52AA6E4}">
                 <adec:decorative xmlns:adec="http://schemas.microsoft.com/office/drawing/2017/decorative" val="1"/>
@@ -11552,7 +12255,7 @@
           <p:cNvPr id="14" name="Rectangle 13">
             <a:extLst>
               <a:ext uri="{FF2B5EF4-FFF2-40B4-BE49-F238E27FC236}">
-                <a16:creationId xmlns:a16="http://schemas.microsoft.com/office/drawing/2014/main" id="{4300840D-0A0B-4512-BACA-B439D5B9C57C}"/>
+                <a16:creationId xmlns:a16="http://schemas.microsoft.com/office/drawing/2014/main" id="{7633069B-9C77-7E3D-371A-31FBCA8C7D4A}"/>
               </a:ext>
               <a:ext uri="{C183D7F6-B498-43B3-948B-1728B52AA6E4}">
                 <adec:decorative xmlns:adec="http://schemas.microsoft.com/office/drawing/2017/decorative" val="1"/>
@@ -11627,7 +12330,7 @@
           <p:cNvPr id="16" name="Rectangle 15">
             <a:extLst>
               <a:ext uri="{FF2B5EF4-FFF2-40B4-BE49-F238E27FC236}">
-                <a16:creationId xmlns:a16="http://schemas.microsoft.com/office/drawing/2014/main" id="{D2B78728-A580-49A7-84F9-6EF6F583ADE0}"/>
+                <a16:creationId xmlns:a16="http://schemas.microsoft.com/office/drawing/2014/main" id="{4DD67877-5577-F20E-CA2B-867EDC26C1A0}"/>
               </a:ext>
               <a:ext uri="{C183D7F6-B498-43B3-948B-1728B52AA6E4}">
                 <adec:decorative xmlns:adec="http://schemas.microsoft.com/office/drawing/2017/decorative" val="1"/>
@@ -11702,7 +12405,7 @@
           <p:cNvPr id="18" name="Freeform: Shape 17">
             <a:extLst>
               <a:ext uri="{FF2B5EF4-FFF2-40B4-BE49-F238E27FC236}">
-                <a16:creationId xmlns:a16="http://schemas.microsoft.com/office/drawing/2014/main" id="{38FAA1A1-D861-433F-88FA-1E9D6FD31D11}"/>
+                <a16:creationId xmlns:a16="http://schemas.microsoft.com/office/drawing/2014/main" id="{191F3E19-EB2B-7880-8499-AD51C56BE29F}"/>
               </a:ext>
               <a:ext uri="{C183D7F6-B498-43B3-948B-1728B52AA6E4}">
                 <adec:decorative xmlns:adec="http://schemas.microsoft.com/office/drawing/2017/decorative" val="1"/>
@@ -11872,7 +12575,7 @@
           <p:cNvPr id="20" name="Rectangle 19">
             <a:extLst>
               <a:ext uri="{FF2B5EF4-FFF2-40B4-BE49-F238E27FC236}">
-                <a16:creationId xmlns:a16="http://schemas.microsoft.com/office/drawing/2014/main" id="{8D71EDA1-87BF-4D5D-AB79-F346FD19278A}"/>
+                <a16:creationId xmlns:a16="http://schemas.microsoft.com/office/drawing/2014/main" id="{7C07ECB6-E406-5D39-27D8-A13A53F7FF8F}"/>
               </a:ext>
               <a:ext uri="{C183D7F6-B498-43B3-948B-1728B52AA6E4}">
                 <adec:decorative xmlns:adec="http://schemas.microsoft.com/office/drawing/2017/decorative" val="1"/>
@@ -11949,7 +12652,7 @@
           <p:cNvPr id="2" name="Title 1">
             <a:extLst>
               <a:ext uri="{FF2B5EF4-FFF2-40B4-BE49-F238E27FC236}">
-                <a16:creationId xmlns:a16="http://schemas.microsoft.com/office/drawing/2014/main" id="{A8CC2FC0-D6C5-42D5-AE75-6B39A9C796AA}"/>
+                <a16:creationId xmlns:a16="http://schemas.microsoft.com/office/drawing/2014/main" id="{BA6A34FF-F560-9567-E172-43A64609BC3B}"/>
               </a:ext>
             </a:extLst>
           </p:cNvPr>
@@ -11962,24 +12665,32 @@
         </p:nvSpPr>
         <p:spPr>
           <a:xfrm>
-            <a:off x="534099" y="403975"/>
-            <a:ext cx="3201366" cy="3387497"/>
-          </a:xfrm>
-        </p:spPr>
-        <p:txBody>
-          <a:bodyPr anchor="b">
+            <a:off x="233356" y="2077459"/>
+            <a:ext cx="3571104" cy="2723358"/>
+          </a:xfrm>
+        </p:spPr>
+        <p:txBody>
+          <a:bodyPr anchor="ctr">
             <a:normAutofit/>
           </a:bodyPr>
           <a:lstStyle/>
           <a:p>
-            <a:r>
-              <a:rPr lang="en-IN" sz="4000" dirty="0">
+            <a:pPr algn="ctr"/>
+            <a:r>
+              <a:rPr lang="en-US" sz="4000" dirty="0">
                 <a:solidFill>
                   <a:srgbClr val="FFFFFF"/>
                 </a:solidFill>
+                <a:latin typeface="+mn-lt"/>
               </a:rPr>
-              <a:t>Vitamin K Antagonists (VKAs)</a:t>
-            </a:r>
+              <a:t>Anticoagulants</a:t>
+            </a:r>
+            <a:endParaRPr lang="en-IN" sz="3600" dirty="0">
+              <a:solidFill>
+                <a:srgbClr val="FFFFFF"/>
+              </a:solidFill>
+              <a:latin typeface="+mn-lt"/>
+            </a:endParaRPr>
           </a:p>
         </p:txBody>
       </p:sp>
@@ -11988,7 +12699,7 @@
           <p:cNvPr id="3" name="Content Placeholder 2">
             <a:extLst>
               <a:ext uri="{FF2B5EF4-FFF2-40B4-BE49-F238E27FC236}">
-                <a16:creationId xmlns:a16="http://schemas.microsoft.com/office/drawing/2014/main" id="{3A14B647-B672-4218-A533-D35E221AF29C}"/>
+                <a16:creationId xmlns:a16="http://schemas.microsoft.com/office/drawing/2014/main" id="{2877B28C-AAA5-A71C-F3B0-9813F7438518}"/>
               </a:ext>
             </a:extLst>
           </p:cNvPr>
@@ -12001,8 +12712,8 @@
         </p:nvSpPr>
         <p:spPr>
           <a:xfrm>
-            <a:off x="4810259" y="649480"/>
-            <a:ext cx="6555347" cy="5546047"/>
+            <a:off x="4504548" y="1479592"/>
+            <a:ext cx="6555347" cy="1602022"/>
           </a:xfrm>
         </p:spPr>
         <p:txBody>
@@ -12011,33 +12722,181 @@
           </a:bodyPr>
           <a:lstStyle/>
           <a:p>
+            <a:pPr marL="0" indent="0">
+              <a:buNone/>
+            </a:pPr>
+            <a:r>
+              <a:rPr lang="en-US" sz="2000" b="1" dirty="0"/>
+              <a:t>Anticoagulants</a:t>
+            </a:r>
             <a:r>
               <a:rPr lang="en-US" sz="2000" dirty="0"/>
-              <a:t>MODE OF ACTION: Inhibition of vitamin K-dependent clotting factors (Factors II, VII, IX, X).</a:t>
-            </a:r>
-          </a:p>
-          <a:p>
+              <a:t> are agents that inhibit the coagulation cascade to prevent excessive clot formation. These agents target various steps of the coagulation process, including the extrinsic pathway. Anticoagulants are categorized based on their mechanism of action:</a:t>
+            </a:r>
+            <a:endParaRPr lang="en-IN" sz="2000" dirty="0"/>
+          </a:p>
+        </p:txBody>
+      </p:sp>
+      <p:sp>
+        <p:nvSpPr>
+          <p:cNvPr id="4" name="TextBox 3">
+            <a:extLst>
+              <a:ext uri="{FF2B5EF4-FFF2-40B4-BE49-F238E27FC236}">
+                <a16:creationId xmlns:a16="http://schemas.microsoft.com/office/drawing/2014/main" id="{5CD1C816-2ADA-7D60-F931-7F0B13A4F72D}"/>
+              </a:ext>
+            </a:extLst>
+          </p:cNvPr>
+          <p:cNvSpPr txBox="1"/>
+          <p:nvPr/>
+        </p:nvSpPr>
+        <p:spPr>
+          <a:xfrm>
+            <a:off x="4504548" y="3195587"/>
+            <a:ext cx="7075808" cy="2862322"/>
+          </a:xfrm>
+          <a:prstGeom prst="rect">
+            <a:avLst/>
+          </a:prstGeom>
+          <a:noFill/>
+        </p:spPr>
+        <p:txBody>
+          <a:bodyPr wrap="square" rtlCol="0">
+            <a:spAutoFit/>
+          </a:bodyPr>
+          <a:lstStyle/>
+          <a:p>
+            <a:pPr marL="342900" indent="-342900">
+              <a:buFont typeface="+mj-lt"/>
+              <a:buAutoNum type="arabicPeriod"/>
+            </a:pPr>
+            <a:endParaRPr lang="en-IN" sz="2000" dirty="0"/>
+          </a:p>
+          <a:p>
+            <a:pPr marL="342900" indent="-342900">
+              <a:buFont typeface="+mj-lt"/>
+              <a:buAutoNum type="arabicPeriod"/>
+            </a:pPr>
             <a:r>
               <a:rPr lang="en-IN" sz="2000" dirty="0"/>
-              <a:t>Example: Warfarin, Pindone</a:t>
-            </a:r>
-          </a:p>
-          <a:p>
+              <a:t>Direct Oral Anticoagulants (DOACs)</a:t>
+            </a:r>
+          </a:p>
+          <a:p>
+            <a:pPr marL="342900" indent="-342900">
+              <a:buFont typeface="+mj-lt"/>
+              <a:buAutoNum type="arabicPeriod"/>
+            </a:pPr>
+            <a:r>
+              <a:rPr lang="en-IN" sz="2000" dirty="0"/>
+              <a:t>Vitamin K Antagonists (VKAs)</a:t>
+            </a:r>
+          </a:p>
+          <a:p>
+            <a:pPr marL="342900" indent="-342900">
+              <a:buFont typeface="+mj-lt"/>
+              <a:buAutoNum type="arabicPeriod"/>
+            </a:pPr>
+            <a:r>
+              <a:rPr lang="en-IN" sz="2000" dirty="0"/>
+              <a:t>Heparins</a:t>
+            </a:r>
+          </a:p>
+          <a:p>
+            <a:pPr marL="342900" indent="-342900">
+              <a:buFont typeface="+mj-lt"/>
+              <a:buAutoNum type="arabicPeriod"/>
+            </a:pPr>
             <a:r>
               <a:rPr lang="en-US" sz="2000" dirty="0"/>
-              <a:t>Relevance to the Extrinsic Pathway: Reduces the synthesis of Factor VII, directly impacting the TF-VII complex.</a:t>
+              <a:t>Tissue Factor Pathway Inhibitors (TFPIs)</a:t>
             </a:r>
             <a:endParaRPr lang="en-IN" sz="2000" dirty="0"/>
           </a:p>
           <a:p>
+            <a:pPr marL="342900" indent="-342900">
+              <a:buFont typeface="+mj-lt"/>
+              <a:buAutoNum type="arabicPeriod"/>
+            </a:pPr>
+            <a:r>
+              <a:rPr lang="en-IN" sz="2000" dirty="0"/>
+              <a:t>Thrombin Inhibitors</a:t>
+            </a:r>
+          </a:p>
+          <a:p>
+            <a:pPr marL="342900" indent="-342900">
+              <a:buFont typeface="+mj-lt"/>
+              <a:buAutoNum type="arabicPeriod"/>
+            </a:pPr>
+            <a:r>
+              <a:rPr lang="en-IN" sz="2000" dirty="0"/>
+              <a:t>Novel Agents</a:t>
+            </a:r>
+          </a:p>
+          <a:p>
             <a:endParaRPr lang="en-IN" sz="2000" dirty="0"/>
+          </a:p>
+          <a:p>
+            <a:pPr marL="342900" indent="-342900">
+              <a:buFont typeface="+mj-lt"/>
+              <a:buAutoNum type="arabicPeriod"/>
+            </a:pPr>
+            <a:endParaRPr lang="en-IN" sz="2000" dirty="0"/>
+          </a:p>
+        </p:txBody>
+      </p:sp>
+      <p:sp>
+        <p:nvSpPr>
+          <p:cNvPr id="5" name="Rectangle 4">
+            <a:extLst>
+              <a:ext uri="{FF2B5EF4-FFF2-40B4-BE49-F238E27FC236}">
+                <a16:creationId xmlns:a16="http://schemas.microsoft.com/office/drawing/2014/main" id="{BFF22B3C-A35E-DE76-6CFD-FE43809EABD0}"/>
+              </a:ext>
+            </a:extLst>
+          </p:cNvPr>
+          <p:cNvSpPr/>
+          <p:nvPr/>
+        </p:nvSpPr>
+        <p:spPr>
+          <a:xfrm>
+            <a:off x="11641394" y="-19864"/>
+            <a:ext cx="550606" cy="353851"/>
+          </a:xfrm>
+          <a:prstGeom prst="rect">
+            <a:avLst/>
+          </a:prstGeom>
+        </p:spPr>
+        <p:style>
+          <a:lnRef idx="2">
+            <a:schemeClr val="accent1">
+              <a:shade val="15000"/>
+            </a:schemeClr>
+          </a:lnRef>
+          <a:fillRef idx="1">
+            <a:schemeClr val="accent1"/>
+          </a:fillRef>
+          <a:effectRef idx="0">
+            <a:schemeClr val="accent1"/>
+          </a:effectRef>
+          <a:fontRef idx="minor">
+            <a:schemeClr val="lt1"/>
+          </a:fontRef>
+        </p:style>
+        <p:txBody>
+          <a:bodyPr rtlCol="0" anchor="ctr"/>
+          <a:lstStyle/>
+          <a:p>
+            <a:pPr algn="ctr"/>
+            <a:r>
+              <a:rPr lang="en-US" dirty="0"/>
+              <a:t>GY</a:t>
+            </a:r>
           </a:p>
         </p:txBody>
       </p:sp>
     </p:spTree>
     <p:extLst>
       <p:ext uri="{BB962C8B-B14F-4D97-AF65-F5344CB8AC3E}">
-        <p14:creationId xmlns:p14="http://schemas.microsoft.com/office/powerpoint/2010/main" val="2992315925"/>
+        <p14:creationId xmlns:p14="http://schemas.microsoft.com/office/powerpoint/2010/main" val="3036499906"/>
       </p:ext>
     </p:extLst>
   </p:cSld>
@@ -12823,7 +13682,7 @@
           <p:cNvPr id="2" name="Title 1">
             <a:extLst>
               <a:ext uri="{FF2B5EF4-FFF2-40B4-BE49-F238E27FC236}">
-                <a16:creationId xmlns:a16="http://schemas.microsoft.com/office/drawing/2014/main" id="{1AC4F3DD-F4A0-49E8-8E18-2C16E1AEEA31}"/>
+                <a16:creationId xmlns:a16="http://schemas.microsoft.com/office/drawing/2014/main" id="{18B9575E-8B03-4172-8170-996985F86B44}"/>
               </a:ext>
             </a:extLst>
           </p:cNvPr>
@@ -12836,8 +13695,8 @@
         </p:nvSpPr>
         <p:spPr>
           <a:xfrm>
-            <a:off x="495599" y="2501984"/>
-            <a:ext cx="3201366" cy="1269653"/>
+            <a:off x="418225" y="1462754"/>
+            <a:ext cx="3201366" cy="3387497"/>
           </a:xfrm>
         </p:spPr>
         <p:txBody>
@@ -12847,13 +13706,23 @@
           <a:lstStyle/>
           <a:p>
             <a:r>
-              <a:rPr lang="en-IN" sz="4000" dirty="0">
+              <a:rPr lang="en-IN" sz="3600" dirty="0">
                 <a:solidFill>
-                  <a:srgbClr val="FFFFFF"/>
+                  <a:schemeClr val="bg1">
+                    <a:lumMod val="95000"/>
+                  </a:schemeClr>
                 </a:solidFill>
               </a:rPr>
-              <a:t>Heparins</a:t>
-            </a:r>
+              <a:t>Direct Oral Anticoagulants (DOACs)</a:t>
+            </a:r>
+            <a:br>
+              <a:rPr lang="en-IN" sz="3600" dirty="0"/>
+            </a:br>
+            <a:endParaRPr lang="en-IN" sz="7200" dirty="0">
+              <a:solidFill>
+                <a:srgbClr val="FFFFFF"/>
+              </a:solidFill>
+            </a:endParaRPr>
           </a:p>
         </p:txBody>
       </p:sp>
@@ -12862,7 +13731,7 @@
           <p:cNvPr id="3" name="Content Placeholder 2">
             <a:extLst>
               <a:ext uri="{FF2B5EF4-FFF2-40B4-BE49-F238E27FC236}">
-                <a16:creationId xmlns:a16="http://schemas.microsoft.com/office/drawing/2014/main" id="{0FDC76D1-E44F-403F-ACCA-4C1E77C86912}"/>
+                <a16:creationId xmlns:a16="http://schemas.microsoft.com/office/drawing/2014/main" id="{DD924335-0A47-4D99-BA26-D3714BA4CF00}"/>
               </a:ext>
             </a:extLst>
           </p:cNvPr>
@@ -12887,7 +13756,7 @@
           <a:p>
             <a:r>
               <a:rPr lang="en-US" sz="2000" dirty="0"/>
-              <a:t>MODE OF ACTION: Indirect inhibition of thrombin and Factor </a:t>
+              <a:t>MODE OF ACTION : Direct inhibition of Factor </a:t>
             </a:r>
             <a:r>
               <a:rPr lang="en-US" sz="2000" dirty="0" err="1"/>
@@ -12895,13 +13764,13 @@
             </a:r>
             <a:r>
               <a:rPr lang="en-US" sz="2000" dirty="0"/>
-              <a:t> via activation of antithrombin.</a:t>
-            </a:r>
-          </a:p>
-          <a:p>
-            <a:r>
-              <a:rPr lang="en-US" sz="2000" dirty="0"/>
-              <a:t>Examples:</a:t>
+              <a:t> or thrombin</a:t>
+            </a:r>
+          </a:p>
+          <a:p>
+            <a:r>
+              <a:rPr lang="en-IN" sz="2000" dirty="0"/>
+              <a:t>Examples: </a:t>
             </a:r>
           </a:p>
           <a:p>
@@ -12909,8 +13778,16 @@
               <a:buNone/>
             </a:pPr>
             <a:r>
-              <a:rPr lang="en-US" sz="2000" dirty="0"/>
-              <a:t>    Unfractionated Heparin (UFH).</a:t>
+              <a:rPr lang="en-IN" sz="2000" dirty="0"/>
+              <a:t>    Rivaroxaban and Apixaban (Factor </a:t>
+            </a:r>
+            <a:r>
+              <a:rPr lang="en-IN" sz="2000" dirty="0" err="1"/>
+              <a:t>Xa</a:t>
+            </a:r>
+            <a:r>
+              <a:rPr lang="en-IN" sz="2000" dirty="0"/>
+              <a:t> inhibitors).</a:t>
             </a:r>
           </a:p>
           <a:p>
@@ -12918,23 +13795,80 @@
               <a:buNone/>
             </a:pPr>
             <a:r>
+              <a:rPr lang="en-IN" sz="2000" dirty="0"/>
+              <a:t>    Dabigatran (direct thrombin inhibitor).</a:t>
+            </a:r>
+          </a:p>
+          <a:p>
+            <a:r>
               <a:rPr lang="en-US" sz="2000" dirty="0"/>
-              <a:t>    Low Molecular Weight Heparin (LMWH) like Enoxaparin.</a:t>
-            </a:r>
-          </a:p>
-          <a:p>
+              <a:t>Relevance to the Extrinsic Pathway: Inhibit Factor </a:t>
+            </a:r>
+            <a:r>
+              <a:rPr lang="en-US" sz="2000" dirty="0" err="1"/>
+              <a:t>Xa</a:t>
+            </a:r>
             <a:r>
               <a:rPr lang="en-US" sz="2000" dirty="0"/>
-              <a:t>Relevance to the Extrinsic Pathway: Prevents activation of thrombin and its downstream effects.</a:t>
+              <a:t>, a critical enzyme downstream in the coagulation cascade</a:t>
             </a:r>
             <a:endParaRPr lang="en-IN" sz="2000" dirty="0"/>
+          </a:p>
+        </p:txBody>
+      </p:sp>
+      <p:sp>
+        <p:nvSpPr>
+          <p:cNvPr id="4" name="Rectangle 3">
+            <a:extLst>
+              <a:ext uri="{FF2B5EF4-FFF2-40B4-BE49-F238E27FC236}">
+                <a16:creationId xmlns:a16="http://schemas.microsoft.com/office/drawing/2014/main" id="{6A1CD8AA-0335-635D-FCE0-1B98740295D1}"/>
+              </a:ext>
+            </a:extLst>
+          </p:cNvPr>
+          <p:cNvSpPr/>
+          <p:nvPr/>
+        </p:nvSpPr>
+        <p:spPr>
+          <a:xfrm>
+            <a:off x="11641394" y="-19864"/>
+            <a:ext cx="550606" cy="353851"/>
+          </a:xfrm>
+          <a:prstGeom prst="rect">
+            <a:avLst/>
+          </a:prstGeom>
+        </p:spPr>
+        <p:style>
+          <a:lnRef idx="2">
+            <a:schemeClr val="accent1">
+              <a:shade val="15000"/>
+            </a:schemeClr>
+          </a:lnRef>
+          <a:fillRef idx="1">
+            <a:schemeClr val="accent1"/>
+          </a:fillRef>
+          <a:effectRef idx="0">
+            <a:schemeClr val="accent1"/>
+          </a:effectRef>
+          <a:fontRef idx="minor">
+            <a:schemeClr val="lt1"/>
+          </a:fontRef>
+        </p:style>
+        <p:txBody>
+          <a:bodyPr rtlCol="0" anchor="ctr"/>
+          <a:lstStyle/>
+          <a:p>
+            <a:pPr algn="ctr"/>
+            <a:r>
+              <a:rPr lang="en-US" dirty="0"/>
+              <a:t>GY</a:t>
+            </a:r>
           </a:p>
         </p:txBody>
       </p:sp>
     </p:spTree>
     <p:extLst>
       <p:ext uri="{BB962C8B-B14F-4D97-AF65-F5344CB8AC3E}">
-        <p14:creationId xmlns:p14="http://schemas.microsoft.com/office/powerpoint/2010/main" val="2824892764"/>
+        <p14:creationId xmlns:p14="http://schemas.microsoft.com/office/powerpoint/2010/main" val="2913282989"/>
       </p:ext>
     </p:extLst>
   </p:cSld>
@@ -13596,7 +14530,7 @@
           <p:cNvPr id="2" name="Title 1">
             <a:extLst>
               <a:ext uri="{FF2B5EF4-FFF2-40B4-BE49-F238E27FC236}">
-                <a16:creationId xmlns:a16="http://schemas.microsoft.com/office/drawing/2014/main" id="{AB4AF896-8F9C-4D44-82C2-3E2D8FAE4147}"/>
+                <a16:creationId xmlns:a16="http://schemas.microsoft.com/office/drawing/2014/main" id="{A8CC2FC0-D6C5-42D5-AE75-6B39A9C796AA}"/>
               </a:ext>
             </a:extLst>
           </p:cNvPr>
@@ -13609,7 +14543,7 @@
         </p:nvSpPr>
         <p:spPr>
           <a:xfrm>
-            <a:off x="466722" y="586855"/>
+            <a:off x="534099" y="403975"/>
             <a:ext cx="3201366" cy="3387497"/>
           </a:xfrm>
         </p:spPr>
@@ -13620,18 +14554,13 @@
           <a:lstStyle/>
           <a:p>
             <a:r>
-              <a:rPr lang="en-US" sz="4000" dirty="0">
+              <a:rPr lang="en-IN" sz="4000" dirty="0">
                 <a:solidFill>
                   <a:srgbClr val="FFFFFF"/>
                 </a:solidFill>
               </a:rPr>
-              <a:t>Tissue Factor Pathway Inhibitor (TFPI)</a:t>
-            </a:r>
-            <a:endParaRPr lang="en-IN" sz="4000" dirty="0">
-              <a:solidFill>
-                <a:srgbClr val="FFFFFF"/>
-              </a:solidFill>
-            </a:endParaRPr>
+              <a:t>Vitamin K Antagonists (VKAs)</a:t>
+            </a:r>
           </a:p>
         </p:txBody>
       </p:sp>
@@ -13640,7 +14569,7 @@
           <p:cNvPr id="3" name="Content Placeholder 2">
             <a:extLst>
               <a:ext uri="{FF2B5EF4-FFF2-40B4-BE49-F238E27FC236}">
-                <a16:creationId xmlns:a16="http://schemas.microsoft.com/office/drawing/2014/main" id="{4602AF0C-1A57-4E01-B2F3-28F8004EFC18}"/>
+                <a16:creationId xmlns:a16="http://schemas.microsoft.com/office/drawing/2014/main" id="{3A14B647-B672-4218-A533-D35E221AF29C}"/>
               </a:ext>
             </a:extLst>
           </p:cNvPr>
@@ -13665,60 +14594,80 @@
           <a:p>
             <a:r>
               <a:rPr lang="en-US" sz="2000" dirty="0"/>
-              <a:t>Tissue factor pathway inhibitor (or TFPI) is a single-chain polypeptide which can reversibly inhibit factor </a:t>
-            </a:r>
-            <a:r>
-              <a:rPr lang="en-US" sz="2000" dirty="0" err="1"/>
-              <a:t>Xa</a:t>
-            </a:r>
+              <a:t>MODE OF ACTION: Inhibition of vitamin K-dependent clotting factors (Factors II, VII, IX, X).</a:t>
+            </a:r>
+          </a:p>
+          <a:p>
+            <a:r>
+              <a:rPr lang="en-IN" sz="2000" dirty="0"/>
+              <a:t>Example: Warfarin, Pindone</a:t>
+            </a:r>
+          </a:p>
+          <a:p>
             <a:r>
               <a:rPr lang="en-US" sz="2000" dirty="0"/>
-              <a:t> (</a:t>
-            </a:r>
-            <a:r>
-              <a:rPr lang="en-US" sz="2000" dirty="0" err="1"/>
-              <a:t>Xa</a:t>
-            </a:r>
-            <a:r>
-              <a:rPr lang="en-US" sz="2000" dirty="0"/>
-              <a:t>)</a:t>
-            </a:r>
-          </a:p>
-          <a:p>
-            <a:r>
-              <a:rPr lang="en-US" sz="2000" dirty="0"/>
-              <a:t>MODE OF ACTION : Direct inhibition of the TF-</a:t>
-            </a:r>
-            <a:r>
-              <a:rPr lang="en-US" sz="2000" dirty="0" err="1"/>
-              <a:t>VIIa</a:t>
-            </a:r>
-            <a:r>
-              <a:rPr lang="en-US" sz="2000" dirty="0"/>
-              <a:t> complex and Factor </a:t>
-            </a:r>
-            <a:r>
-              <a:rPr lang="en-US" sz="2000" dirty="0" err="1"/>
-              <a:t>Xa</a:t>
-            </a:r>
-            <a:r>
-              <a:rPr lang="en-US" sz="2000" dirty="0"/>
-              <a:t>.</a:t>
-            </a:r>
-          </a:p>
-          <a:p>
-            <a:r>
-              <a:rPr lang="en-US" sz="2000" dirty="0"/>
-              <a:t>Relevance: Specifically inhibits the initiation phase of the extrinsic pathway.</a:t>
+              <a:t>Relevance to the Extrinsic Pathway: Reduces the synthesis of Factor VII, directly impacting the TF-VII complex.</a:t>
             </a:r>
             <a:endParaRPr lang="en-IN" sz="2000" dirty="0"/>
+          </a:p>
+          <a:p>
+            <a:endParaRPr lang="en-IN" sz="2000" dirty="0"/>
+          </a:p>
+        </p:txBody>
+      </p:sp>
+      <p:sp>
+        <p:nvSpPr>
+          <p:cNvPr id="4" name="Rectangle 3">
+            <a:extLst>
+              <a:ext uri="{FF2B5EF4-FFF2-40B4-BE49-F238E27FC236}">
+                <a16:creationId xmlns:a16="http://schemas.microsoft.com/office/drawing/2014/main" id="{461CE492-9193-953F-D8F6-6FF4F6567D4B}"/>
+              </a:ext>
+            </a:extLst>
+          </p:cNvPr>
+          <p:cNvSpPr/>
+          <p:nvPr/>
+        </p:nvSpPr>
+        <p:spPr>
+          <a:xfrm>
+            <a:off x="11641394" y="-19864"/>
+            <a:ext cx="550606" cy="353851"/>
+          </a:xfrm>
+          <a:prstGeom prst="rect">
+            <a:avLst/>
+          </a:prstGeom>
+        </p:spPr>
+        <p:style>
+          <a:lnRef idx="2">
+            <a:schemeClr val="accent1">
+              <a:shade val="15000"/>
+            </a:schemeClr>
+          </a:lnRef>
+          <a:fillRef idx="1">
+            <a:schemeClr val="accent1"/>
+          </a:fillRef>
+          <a:effectRef idx="0">
+            <a:schemeClr val="accent1"/>
+          </a:effectRef>
+          <a:fontRef idx="minor">
+            <a:schemeClr val="lt1"/>
+          </a:fontRef>
+        </p:style>
+        <p:txBody>
+          <a:bodyPr rtlCol="0" anchor="ctr"/>
+          <a:lstStyle/>
+          <a:p>
+            <a:pPr algn="ctr"/>
+            <a:r>
+              <a:rPr lang="en-US" dirty="0"/>
+              <a:t>GY</a:t>
+            </a:r>
           </a:p>
         </p:txBody>
       </p:sp>
     </p:spTree>
     <p:extLst>
       <p:ext uri="{BB962C8B-B14F-4D97-AF65-F5344CB8AC3E}">
-        <p14:creationId xmlns:p14="http://schemas.microsoft.com/office/powerpoint/2010/main" val="167315286"/>
+        <p14:creationId xmlns:p14="http://schemas.microsoft.com/office/powerpoint/2010/main" val="2992315925"/>
       </p:ext>
     </p:extLst>
   </p:cSld>
@@ -14380,7 +15329,7 @@
           <p:cNvPr id="2" name="Title 1">
             <a:extLst>
               <a:ext uri="{FF2B5EF4-FFF2-40B4-BE49-F238E27FC236}">
-                <a16:creationId xmlns:a16="http://schemas.microsoft.com/office/drawing/2014/main" id="{D0E43C39-5917-4B7B-A09F-B1F4935A5B9D}"/>
+                <a16:creationId xmlns:a16="http://schemas.microsoft.com/office/drawing/2014/main" id="{1AC4F3DD-F4A0-49E8-8E18-2C16E1AEEA31}"/>
               </a:ext>
             </a:extLst>
           </p:cNvPr>
@@ -14393,8 +15342,8 @@
         </p:nvSpPr>
         <p:spPr>
           <a:xfrm>
-            <a:off x="466722" y="586855"/>
-            <a:ext cx="3201366" cy="3387497"/>
+            <a:off x="495599" y="2501984"/>
+            <a:ext cx="3201366" cy="1269653"/>
           </a:xfrm>
         </p:spPr>
         <p:txBody>
@@ -14409,7 +15358,7 @@
                   <a:srgbClr val="FFFFFF"/>
                 </a:solidFill>
               </a:rPr>
-              <a:t>Thrombin Inhibitors</a:t>
+              <a:t>Heparins</a:t>
             </a:r>
           </a:p>
         </p:txBody>
@@ -14419,7 +15368,7 @@
           <p:cNvPr id="3" name="Content Placeholder 2">
             <a:extLst>
               <a:ext uri="{FF2B5EF4-FFF2-40B4-BE49-F238E27FC236}">
-                <a16:creationId xmlns:a16="http://schemas.microsoft.com/office/drawing/2014/main" id="{E39895F9-5D53-4781-8622-FC5634731D2D}"/>
+                <a16:creationId xmlns:a16="http://schemas.microsoft.com/office/drawing/2014/main" id="{0FDC76D1-E44F-403F-ACCA-4C1E77C86912}"/>
               </a:ext>
             </a:extLst>
           </p:cNvPr>
@@ -14444,27 +15393,95 @@
           <a:p>
             <a:r>
               <a:rPr lang="en-US" sz="2000" dirty="0"/>
-              <a:t>MODE OF ACTION: Direct inhibition of thrombin.</a:t>
-            </a:r>
-          </a:p>
-          <a:p>
-            <a:r>
-              <a:rPr lang="en-IN" sz="2000" dirty="0"/>
-              <a:t>Examples: Dabigatran, </a:t>
-            </a:r>
-            <a:r>
-              <a:rPr lang="en-IN" sz="2000" dirty="0" err="1"/>
-              <a:t>Argatroban</a:t>
-            </a:r>
-            <a:r>
-              <a:rPr lang="en-IN" sz="2000" dirty="0"/>
-              <a:t>.</a:t>
-            </a:r>
-          </a:p>
-          <a:p>
-            <a:r>
-              <a:rPr lang="en-IN" sz="2000" dirty="0"/>
-              <a:t>Relevance: Suppresses fibrin formation, limiting clot stability.</a:t>
+              <a:t>MODE OF ACTION: Indirect inhibition of thrombin and Factor </a:t>
+            </a:r>
+            <a:r>
+              <a:rPr lang="en-US" sz="2000" dirty="0" err="1"/>
+              <a:t>Xa</a:t>
+            </a:r>
+            <a:r>
+              <a:rPr lang="en-US" sz="2000" dirty="0"/>
+              <a:t> via activation of antithrombin.</a:t>
+            </a:r>
+          </a:p>
+          <a:p>
+            <a:r>
+              <a:rPr lang="en-US" sz="2000" dirty="0"/>
+              <a:t>Examples:</a:t>
+            </a:r>
+          </a:p>
+          <a:p>
+            <a:pPr marL="0" indent="0">
+              <a:buNone/>
+            </a:pPr>
+            <a:r>
+              <a:rPr lang="en-US" sz="2000" dirty="0"/>
+              <a:t>    Unfractionated Heparin (UFH).</a:t>
+            </a:r>
+          </a:p>
+          <a:p>
+            <a:pPr marL="0" indent="0">
+              <a:buNone/>
+            </a:pPr>
+            <a:r>
+              <a:rPr lang="en-US" sz="2000" dirty="0"/>
+              <a:t>    Low Molecular Weight Heparin (LMWH) like Enoxaparin.</a:t>
+            </a:r>
+          </a:p>
+          <a:p>
+            <a:r>
+              <a:rPr lang="en-US" sz="2000" dirty="0"/>
+              <a:t>Relevance to the Extrinsic Pathway: Prevents activation of thrombin and its downstream effects.</a:t>
+            </a:r>
+            <a:endParaRPr lang="en-IN" sz="2000" dirty="0"/>
+          </a:p>
+        </p:txBody>
+      </p:sp>
+      <p:sp>
+        <p:nvSpPr>
+          <p:cNvPr id="4" name="Rectangle 3">
+            <a:extLst>
+              <a:ext uri="{FF2B5EF4-FFF2-40B4-BE49-F238E27FC236}">
+                <a16:creationId xmlns:a16="http://schemas.microsoft.com/office/drawing/2014/main" id="{F1C0D2A0-AA8E-BF40-1ECC-BBB35A2A2D12}"/>
+              </a:ext>
+            </a:extLst>
+          </p:cNvPr>
+          <p:cNvSpPr/>
+          <p:nvPr/>
+        </p:nvSpPr>
+        <p:spPr>
+          <a:xfrm>
+            <a:off x="11641394" y="-19864"/>
+            <a:ext cx="550606" cy="353851"/>
+          </a:xfrm>
+          <a:prstGeom prst="rect">
+            <a:avLst/>
+          </a:prstGeom>
+        </p:spPr>
+        <p:style>
+          <a:lnRef idx="2">
+            <a:schemeClr val="accent1">
+              <a:shade val="15000"/>
+            </a:schemeClr>
+          </a:lnRef>
+          <a:fillRef idx="1">
+            <a:schemeClr val="accent1"/>
+          </a:fillRef>
+          <a:effectRef idx="0">
+            <a:schemeClr val="accent1"/>
+          </a:effectRef>
+          <a:fontRef idx="minor">
+            <a:schemeClr val="lt1"/>
+          </a:fontRef>
+        </p:style>
+        <p:txBody>
+          <a:bodyPr rtlCol="0" anchor="ctr"/>
+          <a:lstStyle/>
+          <a:p>
+            <a:pPr algn="ctr"/>
+            <a:r>
+              <a:rPr lang="en-US" dirty="0"/>
+              <a:t>GY</a:t>
             </a:r>
           </a:p>
         </p:txBody>
@@ -14472,7 +15489,7 @@
     </p:spTree>
     <p:extLst>
       <p:ext uri="{BB962C8B-B14F-4D97-AF65-F5344CB8AC3E}">
-        <p14:creationId xmlns:p14="http://schemas.microsoft.com/office/powerpoint/2010/main" val="2734579722"/>
+        <p14:creationId xmlns:p14="http://schemas.microsoft.com/office/powerpoint/2010/main" val="2824892764"/>
       </p:ext>
     </p:extLst>
   </p:cSld>
@@ -15134,7 +16151,7 @@
           <p:cNvPr id="2" name="Title 1">
             <a:extLst>
               <a:ext uri="{FF2B5EF4-FFF2-40B4-BE49-F238E27FC236}">
-                <a16:creationId xmlns:a16="http://schemas.microsoft.com/office/drawing/2014/main" id="{E7F3C245-EEFC-45CE-9DE4-1E0F0BEF7401}"/>
+                <a16:creationId xmlns:a16="http://schemas.microsoft.com/office/drawing/2014/main" id="{AB4AF896-8F9C-4D44-82C2-3E2D8FAE4147}"/>
               </a:ext>
             </a:extLst>
           </p:cNvPr>
@@ -15158,13 +16175,18 @@
           <a:lstStyle/>
           <a:p>
             <a:r>
-              <a:rPr lang="en-IN" sz="4000" dirty="0">
+              <a:rPr lang="en-US" sz="4000" dirty="0">
                 <a:solidFill>
                   <a:srgbClr val="FFFFFF"/>
                 </a:solidFill>
               </a:rPr>
-              <a:t>Novel Agents</a:t>
-            </a:r>
+              <a:t>Tissue Factor Pathway Inhibitor (TFPI)</a:t>
+            </a:r>
+            <a:endParaRPr lang="en-IN" sz="4000" dirty="0">
+              <a:solidFill>
+                <a:srgbClr val="FFFFFF"/>
+              </a:solidFill>
+            </a:endParaRPr>
           </a:p>
         </p:txBody>
       </p:sp>
@@ -15173,7 +16195,7 @@
           <p:cNvPr id="3" name="Content Placeholder 2">
             <a:extLst>
               <a:ext uri="{FF2B5EF4-FFF2-40B4-BE49-F238E27FC236}">
-                <a16:creationId xmlns:a16="http://schemas.microsoft.com/office/drawing/2014/main" id="{4C8C37B4-53A6-488E-B924-8165708C66F6}"/>
+                <a16:creationId xmlns:a16="http://schemas.microsoft.com/office/drawing/2014/main" id="{4602AF0C-1A57-4E01-B2F3-28F8004EFC18}"/>
               </a:ext>
             </a:extLst>
           </p:cNvPr>
@@ -15198,22 +16220,109 @@
           <a:p>
             <a:r>
               <a:rPr lang="en-US" sz="2000" dirty="0"/>
-              <a:t>MODE OF ACTION: Inhibition of specific molecules such as TF or other cofactors.</a:t>
-            </a:r>
-          </a:p>
-          <a:p>
+              <a:t>Tissue factor pathway inhibitor (or TFPI) is a single-chain polypeptide which can reversibly inhibit factor </a:t>
+            </a:r>
+            <a:r>
+              <a:rPr lang="en-US" sz="2000" dirty="0" err="1"/>
+              <a:t>Xa</a:t>
+            </a:r>
             <a:r>
               <a:rPr lang="en-US" sz="2000" dirty="0"/>
-              <a:t>Examples: Investigational agents like antibodies targeting TF.</a:t>
+              <a:t> (</a:t>
+            </a:r>
+            <a:r>
+              <a:rPr lang="en-US" sz="2000" dirty="0" err="1"/>
+              <a:t>Xa</a:t>
+            </a:r>
+            <a:r>
+              <a:rPr lang="en-US" sz="2000" dirty="0"/>
+              <a:t>)</a:t>
+            </a:r>
+          </a:p>
+          <a:p>
+            <a:r>
+              <a:rPr lang="en-US" sz="2000" dirty="0"/>
+              <a:t>MODE OF ACTION : Direct inhibition of the TF-</a:t>
+            </a:r>
+            <a:r>
+              <a:rPr lang="en-US" sz="2000" dirty="0" err="1"/>
+              <a:t>VIIa</a:t>
+            </a:r>
+            <a:r>
+              <a:rPr lang="en-US" sz="2000" dirty="0"/>
+              <a:t> complex and Factor </a:t>
+            </a:r>
+            <a:r>
+              <a:rPr lang="en-US" sz="2000" dirty="0" err="1"/>
+              <a:t>Xa</a:t>
+            </a:r>
+            <a:r>
+              <a:rPr lang="en-US" sz="2000" dirty="0"/>
+              <a:t>.</a:t>
+            </a:r>
+          </a:p>
+          <a:p>
+            <a:r>
+              <a:rPr lang="en-US" sz="2000" dirty="0"/>
+              <a:t>Relevance: Specifically inhibits the initiation phase of the extrinsic pathway.</a:t>
             </a:r>
             <a:endParaRPr lang="en-IN" sz="2000" dirty="0"/>
+          </a:p>
+        </p:txBody>
+      </p:sp>
+      <p:sp>
+        <p:nvSpPr>
+          <p:cNvPr id="4" name="Rectangle 3">
+            <a:extLst>
+              <a:ext uri="{FF2B5EF4-FFF2-40B4-BE49-F238E27FC236}">
+                <a16:creationId xmlns:a16="http://schemas.microsoft.com/office/drawing/2014/main" id="{04E8D7AF-CF85-9776-4926-E3BE939C5DCE}"/>
+              </a:ext>
+            </a:extLst>
+          </p:cNvPr>
+          <p:cNvSpPr/>
+          <p:nvPr/>
+        </p:nvSpPr>
+        <p:spPr>
+          <a:xfrm>
+            <a:off x="11641394" y="-19864"/>
+            <a:ext cx="550606" cy="353851"/>
+          </a:xfrm>
+          <a:prstGeom prst="rect">
+            <a:avLst/>
+          </a:prstGeom>
+        </p:spPr>
+        <p:style>
+          <a:lnRef idx="2">
+            <a:schemeClr val="accent1">
+              <a:shade val="15000"/>
+            </a:schemeClr>
+          </a:lnRef>
+          <a:fillRef idx="1">
+            <a:schemeClr val="accent1"/>
+          </a:fillRef>
+          <a:effectRef idx="0">
+            <a:schemeClr val="accent1"/>
+          </a:effectRef>
+          <a:fontRef idx="minor">
+            <a:schemeClr val="lt1"/>
+          </a:fontRef>
+        </p:style>
+        <p:txBody>
+          <a:bodyPr rtlCol="0" anchor="ctr"/>
+          <a:lstStyle/>
+          <a:p>
+            <a:pPr algn="ctr"/>
+            <a:r>
+              <a:rPr lang="en-US" dirty="0"/>
+              <a:t>GY</a:t>
+            </a:r>
           </a:p>
         </p:txBody>
       </p:sp>
     </p:spTree>
     <p:extLst>
       <p:ext uri="{BB962C8B-B14F-4D97-AF65-F5344CB8AC3E}">
-        <p14:creationId xmlns:p14="http://schemas.microsoft.com/office/powerpoint/2010/main" val="3007083300"/>
+        <p14:creationId xmlns:p14="http://schemas.microsoft.com/office/powerpoint/2010/main" val="167315286"/>
       </p:ext>
     </p:extLst>
   </p:cSld>
@@ -15875,7 +16984,7 @@
           <p:cNvPr id="2" name="Title 1">
             <a:extLst>
               <a:ext uri="{FF2B5EF4-FFF2-40B4-BE49-F238E27FC236}">
-                <a16:creationId xmlns:a16="http://schemas.microsoft.com/office/drawing/2014/main" id="{3EDA69FB-0503-4447-BE95-8EFF86DCEB8C}"/>
+                <a16:creationId xmlns:a16="http://schemas.microsoft.com/office/drawing/2014/main" id="{D0E43C39-5917-4B7B-A09F-B1F4935A5B9D}"/>
               </a:ext>
             </a:extLst>
           </p:cNvPr>
@@ -15899,18 +17008,13 @@
           <a:lstStyle/>
           <a:p>
             <a:r>
-              <a:rPr lang="en-US" sz="4000" dirty="0">
+              <a:rPr lang="en-IN" sz="4000" dirty="0">
                 <a:solidFill>
                   <a:srgbClr val="FFFFFF"/>
                 </a:solidFill>
               </a:rPr>
-              <a:t>Clinical Significance</a:t>
-            </a:r>
-            <a:endParaRPr lang="en-IN" sz="4000" dirty="0">
-              <a:solidFill>
-                <a:srgbClr val="FFFFFF"/>
-              </a:solidFill>
-            </a:endParaRPr>
+              <a:t>Thrombin Inhibitors</a:t>
+            </a:r>
           </a:p>
         </p:txBody>
       </p:sp>
@@ -15919,7 +17023,7 @@
           <p:cNvPr id="3" name="Content Placeholder 2">
             <a:extLst>
               <a:ext uri="{FF2B5EF4-FFF2-40B4-BE49-F238E27FC236}">
-                <a16:creationId xmlns:a16="http://schemas.microsoft.com/office/drawing/2014/main" id="{1CDE7838-72F3-4CC3-9AFC-365EB727D3CD}"/>
+                <a16:creationId xmlns:a16="http://schemas.microsoft.com/office/drawing/2014/main" id="{E39895F9-5D53-4781-8622-FC5634731D2D}"/>
               </a:ext>
             </a:extLst>
           </p:cNvPr>
@@ -15943,20 +17047,77 @@
           <a:lstStyle/>
           <a:p>
             <a:r>
+              <a:rPr lang="en-US" sz="2000" dirty="0"/>
+              <a:t>MODE OF ACTION: Direct inhibition of thrombin.</a:t>
+            </a:r>
+          </a:p>
+          <a:p>
+            <a:r>
               <a:rPr lang="en-IN" sz="2000" dirty="0"/>
-              <a:t>Prophylaxis and Treatment of Thromboembolic Events: Deep vein thrombosis, pulmonary embolism, and atrial fibrillation.</a:t>
-            </a:r>
-          </a:p>
-          <a:p>
+              <a:t>Examples: Dabigatran, </a:t>
+            </a:r>
+            <a:r>
+              <a:rPr lang="en-IN" sz="2000" dirty="0" err="1"/>
+              <a:t>Argatroban</a:t>
+            </a:r>
             <a:r>
               <a:rPr lang="en-IN" sz="2000" dirty="0"/>
-              <a:t>Cardiovascular Procedures: Prevention of clot formation during surgeries and stent placements using statins.</a:t>
+              <a:t>.</a:t>
             </a:r>
           </a:p>
           <a:p>
             <a:r>
               <a:rPr lang="en-IN" sz="2000" dirty="0"/>
-              <a:t>Management of Hypercoagulable States: Disseminated intravascular coagulation (DIC) and antiphospholipid syndrome.</a:t>
+              <a:t>Relevance: Suppresses fibrin formation, limiting clot stability.</a:t>
+            </a:r>
+          </a:p>
+        </p:txBody>
+      </p:sp>
+      <p:sp>
+        <p:nvSpPr>
+          <p:cNvPr id="4" name="Rectangle 3">
+            <a:extLst>
+              <a:ext uri="{FF2B5EF4-FFF2-40B4-BE49-F238E27FC236}">
+                <a16:creationId xmlns:a16="http://schemas.microsoft.com/office/drawing/2014/main" id="{C1C98D63-B94D-7B58-91E0-08E8FD59E40A}"/>
+              </a:ext>
+            </a:extLst>
+          </p:cNvPr>
+          <p:cNvSpPr/>
+          <p:nvPr/>
+        </p:nvSpPr>
+        <p:spPr>
+          <a:xfrm>
+            <a:off x="11641394" y="-19864"/>
+            <a:ext cx="550606" cy="353851"/>
+          </a:xfrm>
+          <a:prstGeom prst="rect">
+            <a:avLst/>
+          </a:prstGeom>
+        </p:spPr>
+        <p:style>
+          <a:lnRef idx="2">
+            <a:schemeClr val="accent1">
+              <a:shade val="15000"/>
+            </a:schemeClr>
+          </a:lnRef>
+          <a:fillRef idx="1">
+            <a:schemeClr val="accent1"/>
+          </a:fillRef>
+          <a:effectRef idx="0">
+            <a:schemeClr val="accent1"/>
+          </a:effectRef>
+          <a:fontRef idx="minor">
+            <a:schemeClr val="lt1"/>
+          </a:fontRef>
+        </p:style>
+        <p:txBody>
+          <a:bodyPr rtlCol="0" anchor="ctr"/>
+          <a:lstStyle/>
+          <a:p>
+            <a:pPr algn="ctr"/>
+            <a:r>
+              <a:rPr lang="en-US" dirty="0"/>
+              <a:t>GY</a:t>
             </a:r>
           </a:p>
         </p:txBody>
@@ -15964,7 +17125,7 @@
     </p:spTree>
     <p:extLst>
       <p:ext uri="{BB962C8B-B14F-4D97-AF65-F5344CB8AC3E}">
-        <p14:creationId xmlns:p14="http://schemas.microsoft.com/office/powerpoint/2010/main" val="2887962772"/>
+        <p14:creationId xmlns:p14="http://schemas.microsoft.com/office/powerpoint/2010/main" val="2734579722"/>
       </p:ext>
     </p:extLst>
   </p:cSld>
@@ -16626,7 +17787,7 @@
           <p:cNvPr id="2" name="Title 1">
             <a:extLst>
               <a:ext uri="{FF2B5EF4-FFF2-40B4-BE49-F238E27FC236}">
-                <a16:creationId xmlns:a16="http://schemas.microsoft.com/office/drawing/2014/main" id="{375D33AD-EC85-4396-854F-A88F0DEF32BD}"/>
+                <a16:creationId xmlns:a16="http://schemas.microsoft.com/office/drawing/2014/main" id="{E7F3C245-EEFC-45CE-9DE4-1E0F0BEF7401}"/>
               </a:ext>
             </a:extLst>
           </p:cNvPr>
@@ -16652,12 +17813,10 @@
             <a:r>
               <a:rPr lang="en-IN" sz="4000" dirty="0">
                 <a:solidFill>
-                  <a:schemeClr val="bg1">
-                    <a:lumMod val="95000"/>
-                  </a:schemeClr>
+                  <a:srgbClr val="FFFFFF"/>
                 </a:solidFill>
               </a:rPr>
-              <a:t>Challenges and Risks</a:t>
+              <a:t>Novel Agents</a:t>
             </a:r>
           </a:p>
         </p:txBody>
@@ -16667,7 +17826,7 @@
           <p:cNvPr id="3" name="Content Placeholder 2">
             <a:extLst>
               <a:ext uri="{FF2B5EF4-FFF2-40B4-BE49-F238E27FC236}">
-                <a16:creationId xmlns:a16="http://schemas.microsoft.com/office/drawing/2014/main" id="{B08CA28C-1BF1-4FF4-968C-2093E495B9F5}"/>
+                <a16:creationId xmlns:a16="http://schemas.microsoft.com/office/drawing/2014/main" id="{4C8C37B4-53A6-488E-B924-8165708C66F6}"/>
               </a:ext>
             </a:extLst>
           </p:cNvPr>
@@ -16691,56 +17850,64 @@
           <a:lstStyle/>
           <a:p>
             <a:r>
-              <a:rPr lang="en-IN" sz="2000" dirty="0"/>
-              <a:t>Bleeding Complications: The most significant risk associated with anticoagulant therapy.</a:t>
-            </a:r>
-          </a:p>
-          <a:p>
-            <a:r>
-              <a:rPr lang="en-IN" sz="2000" dirty="0"/>
-              <a:t>Reversal Agents: Specific antidotes are available, such as:</a:t>
-            </a:r>
-          </a:p>
-          <a:p>
-            <a:pPr marL="457200" indent="-457200">
-              <a:buFont typeface="+mj-lt"/>
-              <a:buAutoNum type="arabicPeriod"/>
-            </a:pPr>
-            <a:r>
-              <a:rPr lang="en-IN" sz="2000" dirty="0"/>
-              <a:t>Vitamin K for warfarin.</a:t>
-            </a:r>
-          </a:p>
-          <a:p>
-            <a:pPr marL="457200" indent="-457200">
-              <a:buFont typeface="+mj-lt"/>
-              <a:buAutoNum type="arabicPeriod"/>
-            </a:pPr>
-            <a:r>
-              <a:rPr lang="en-IN" sz="2000" dirty="0" err="1"/>
-              <a:t>Idarucizumab</a:t>
-            </a:r>
-            <a:r>
-              <a:rPr lang="en-IN" sz="2000" dirty="0"/>
-              <a:t> for dabigatran.</a:t>
-            </a:r>
-          </a:p>
-          <a:p>
-            <a:pPr marL="457200" indent="-457200">
-              <a:buFont typeface="+mj-lt"/>
-              <a:buAutoNum type="arabicPeriod"/>
-            </a:pPr>
-            <a:r>
-              <a:rPr lang="en-IN" sz="2000" dirty="0"/>
-              <a:t>Andexanet alfa for Factor </a:t>
-            </a:r>
-            <a:r>
-              <a:rPr lang="en-IN" sz="2000" dirty="0" err="1"/>
-              <a:t>Xa</a:t>
-            </a:r>
-            <a:r>
-              <a:rPr lang="en-IN" sz="2000" dirty="0"/>
-              <a:t> inhibitors.</a:t>
+              <a:rPr lang="en-US" sz="2000" dirty="0"/>
+              <a:t>MODE OF ACTION: Inhibition of specific molecules such as TF or other cofactors.</a:t>
+            </a:r>
+          </a:p>
+          <a:p>
+            <a:r>
+              <a:rPr lang="en-US" sz="2000" dirty="0"/>
+              <a:t>Examples: Investigational agents like antibodies targeting TF.</a:t>
+            </a:r>
+            <a:endParaRPr lang="en-IN" sz="2000" dirty="0"/>
+          </a:p>
+        </p:txBody>
+      </p:sp>
+      <p:sp>
+        <p:nvSpPr>
+          <p:cNvPr id="4" name="Rectangle 3">
+            <a:extLst>
+              <a:ext uri="{FF2B5EF4-FFF2-40B4-BE49-F238E27FC236}">
+                <a16:creationId xmlns:a16="http://schemas.microsoft.com/office/drawing/2014/main" id="{A0A6899B-39F9-E6E4-C110-C39EFB1D804E}"/>
+              </a:ext>
+            </a:extLst>
+          </p:cNvPr>
+          <p:cNvSpPr/>
+          <p:nvPr/>
+        </p:nvSpPr>
+        <p:spPr>
+          <a:xfrm>
+            <a:off x="11641394" y="-19864"/>
+            <a:ext cx="550606" cy="353851"/>
+          </a:xfrm>
+          <a:prstGeom prst="rect">
+            <a:avLst/>
+          </a:prstGeom>
+        </p:spPr>
+        <p:style>
+          <a:lnRef idx="2">
+            <a:schemeClr val="accent1">
+              <a:shade val="15000"/>
+            </a:schemeClr>
+          </a:lnRef>
+          <a:fillRef idx="1">
+            <a:schemeClr val="accent1"/>
+          </a:fillRef>
+          <a:effectRef idx="0">
+            <a:schemeClr val="accent1"/>
+          </a:effectRef>
+          <a:fontRef idx="minor">
+            <a:schemeClr val="lt1"/>
+          </a:fontRef>
+        </p:style>
+        <p:txBody>
+          <a:bodyPr rtlCol="0" anchor="ctr"/>
+          <a:lstStyle/>
+          <a:p>
+            <a:pPr algn="ctr"/>
+            <a:r>
+              <a:rPr lang="en-US" dirty="0"/>
+              <a:t>GY</a:t>
             </a:r>
           </a:p>
         </p:txBody>
@@ -16748,7 +17915,7 @@
     </p:spTree>
     <p:extLst>
       <p:ext uri="{BB962C8B-B14F-4D97-AF65-F5344CB8AC3E}">
-        <p14:creationId xmlns:p14="http://schemas.microsoft.com/office/powerpoint/2010/main" val="194696290"/>
+        <p14:creationId xmlns:p14="http://schemas.microsoft.com/office/powerpoint/2010/main" val="3007083300"/>
       </p:ext>
     </p:extLst>
   </p:cSld>
@@ -16771,7 +17938,13 @@
     </p:bg>
     <p:spTree>
       <p:nvGrpSpPr>
-        <p:cNvPr id="1" name=""/>
+        <p:cNvPr id="1" name="">
+          <a:extLst>
+            <a:ext uri="{FF2B5EF4-FFF2-40B4-BE49-F238E27FC236}">
+              <a16:creationId xmlns:a16="http://schemas.microsoft.com/office/drawing/2014/main" id="{BA7096C4-714E-2F15-6789-D511D9BE3F37}"/>
+            </a:ext>
+          </a:extLst>
+        </p:cNvPr>
         <p:cNvGrpSpPr/>
         <p:nvPr/>
       </p:nvGrpSpPr>
@@ -16788,7 +17961,7 @@
           <p:cNvPr id="8" name="Rectangle 7">
             <a:extLst>
               <a:ext uri="{FF2B5EF4-FFF2-40B4-BE49-F238E27FC236}">
-                <a16:creationId xmlns:a16="http://schemas.microsoft.com/office/drawing/2014/main" id="{09588DA8-065E-4F6F-8EFD-43104AB2E0CF}"/>
+                <a16:creationId xmlns:a16="http://schemas.microsoft.com/office/drawing/2014/main" id="{928F3235-A71E-E84E-7854-761B8B10270C}"/>
               </a:ext>
               <a:ext uri="{C183D7F6-B498-43B3-948B-1728B52AA6E4}">
                 <adec:decorative xmlns:adec="http://schemas.microsoft.com/office/drawing/2017/decorative" val="1"/>
@@ -16864,7 +18037,7 @@
           <p:cNvPr id="10" name="Rectangle 9">
             <a:extLst>
               <a:ext uri="{FF2B5EF4-FFF2-40B4-BE49-F238E27FC236}">
-                <a16:creationId xmlns:a16="http://schemas.microsoft.com/office/drawing/2014/main" id="{C4285719-470E-454C-AF62-8323075F1F5B}"/>
+                <a16:creationId xmlns:a16="http://schemas.microsoft.com/office/drawing/2014/main" id="{DE88D5D4-9407-CAE1-1059-34B0C9A12893}"/>
               </a:ext>
               <a:ext uri="{C183D7F6-B498-43B3-948B-1728B52AA6E4}">
                 <adec:decorative xmlns:adec="http://schemas.microsoft.com/office/drawing/2017/decorative" val="1"/>
@@ -16940,7 +18113,7 @@
           <p:cNvPr id="12" name="Rectangle 11">
             <a:extLst>
               <a:ext uri="{FF2B5EF4-FFF2-40B4-BE49-F238E27FC236}">
-                <a16:creationId xmlns:a16="http://schemas.microsoft.com/office/drawing/2014/main" id="{CD9FE4EF-C4D8-49A0-B2FF-81D8DB7D8A24}"/>
+                <a16:creationId xmlns:a16="http://schemas.microsoft.com/office/drawing/2014/main" id="{8606A5D6-B7A3-CC77-7571-BB6FE9B77C40}"/>
               </a:ext>
               <a:ext uri="{C183D7F6-B498-43B3-948B-1728B52AA6E4}">
                 <adec:decorative xmlns:adec="http://schemas.microsoft.com/office/drawing/2017/decorative" val="1"/>
@@ -17013,7 +18186,7 @@
           <p:cNvPr id="14" name="Rectangle 13">
             <a:extLst>
               <a:ext uri="{FF2B5EF4-FFF2-40B4-BE49-F238E27FC236}">
-                <a16:creationId xmlns:a16="http://schemas.microsoft.com/office/drawing/2014/main" id="{4300840D-0A0B-4512-BACA-B439D5B9C57C}"/>
+                <a16:creationId xmlns:a16="http://schemas.microsoft.com/office/drawing/2014/main" id="{BBAEFC43-9B9C-6743-C168-9FF284986286}"/>
               </a:ext>
               <a:ext uri="{C183D7F6-B498-43B3-948B-1728B52AA6E4}">
                 <adec:decorative xmlns:adec="http://schemas.microsoft.com/office/drawing/2017/decorative" val="1"/>
@@ -17088,7 +18261,7 @@
           <p:cNvPr id="16" name="Rectangle 15">
             <a:extLst>
               <a:ext uri="{FF2B5EF4-FFF2-40B4-BE49-F238E27FC236}">
-                <a16:creationId xmlns:a16="http://schemas.microsoft.com/office/drawing/2014/main" id="{D2B78728-A580-49A7-84F9-6EF6F583ADE0}"/>
+                <a16:creationId xmlns:a16="http://schemas.microsoft.com/office/drawing/2014/main" id="{342A70DE-FA19-7C38-CC24-C5F02E0896D2}"/>
               </a:ext>
               <a:ext uri="{C183D7F6-B498-43B3-948B-1728B52AA6E4}">
                 <adec:decorative xmlns:adec="http://schemas.microsoft.com/office/drawing/2017/decorative" val="1"/>
@@ -17163,7 +18336,7 @@
           <p:cNvPr id="18" name="Freeform: Shape 17">
             <a:extLst>
               <a:ext uri="{FF2B5EF4-FFF2-40B4-BE49-F238E27FC236}">
-                <a16:creationId xmlns:a16="http://schemas.microsoft.com/office/drawing/2014/main" id="{38FAA1A1-D861-433F-88FA-1E9D6FD31D11}"/>
+                <a16:creationId xmlns:a16="http://schemas.microsoft.com/office/drawing/2014/main" id="{8B202ADB-48BE-A7B4-1665-B2E6E500F50A}"/>
               </a:ext>
               <a:ext uri="{C183D7F6-B498-43B3-948B-1728B52AA6E4}">
                 <adec:decorative xmlns:adec="http://schemas.microsoft.com/office/drawing/2017/decorative" val="1"/>
@@ -17333,7 +18506,7 @@
           <p:cNvPr id="20" name="Rectangle 19">
             <a:extLst>
               <a:ext uri="{FF2B5EF4-FFF2-40B4-BE49-F238E27FC236}">
-                <a16:creationId xmlns:a16="http://schemas.microsoft.com/office/drawing/2014/main" id="{8D71EDA1-87BF-4D5D-AB79-F346FD19278A}"/>
+                <a16:creationId xmlns:a16="http://schemas.microsoft.com/office/drawing/2014/main" id="{4BC365F9-0EFB-03CE-7475-DD643BDA5EF5}"/>
               </a:ext>
               <a:ext uri="{C183D7F6-B498-43B3-948B-1728B52AA6E4}">
                 <adec:decorative xmlns:adec="http://schemas.microsoft.com/office/drawing/2017/decorative" val="1"/>
@@ -17410,7 +18583,7 @@
           <p:cNvPr id="2" name="Title 1">
             <a:extLst>
               <a:ext uri="{FF2B5EF4-FFF2-40B4-BE49-F238E27FC236}">
-                <a16:creationId xmlns:a16="http://schemas.microsoft.com/office/drawing/2014/main" id="{6E8C6BF7-ED77-4F1A-83B9-608CB7417C46}"/>
+                <a16:creationId xmlns:a16="http://schemas.microsoft.com/office/drawing/2014/main" id="{22B7AC03-1481-9217-CA8A-BAD672575CA1}"/>
               </a:ext>
             </a:extLst>
           </p:cNvPr>
@@ -17434,18 +18607,13 @@
           <a:lstStyle/>
           <a:p>
             <a:r>
-              <a:rPr lang="en-US" sz="4000" dirty="0">
+              <a:rPr lang="en-IN" sz="4000" dirty="0">
                 <a:solidFill>
                   <a:srgbClr val="FFFFFF"/>
                 </a:solidFill>
               </a:rPr>
-              <a:t>Bleeding Disorders</a:t>
-            </a:r>
-            <a:endParaRPr lang="en-IN" sz="4000" dirty="0">
-              <a:solidFill>
-                <a:srgbClr val="FFFFFF"/>
-              </a:solidFill>
-            </a:endParaRPr>
+              <a:t>Antiplatelet Agents</a:t>
+            </a:r>
           </a:p>
         </p:txBody>
       </p:sp>
@@ -17454,7 +18622,7 @@
           <p:cNvPr id="3" name="Content Placeholder 2">
             <a:extLst>
               <a:ext uri="{FF2B5EF4-FFF2-40B4-BE49-F238E27FC236}">
-                <a16:creationId xmlns:a16="http://schemas.microsoft.com/office/drawing/2014/main" id="{6E21B8CE-3F3D-4287-A3CA-A143BCA2DF5E}"/>
+                <a16:creationId xmlns:a16="http://schemas.microsoft.com/office/drawing/2014/main" id="{4799778A-091D-289A-A2B0-E8400D68F638}"/>
               </a:ext>
             </a:extLst>
           </p:cNvPr>
@@ -17477,20 +18645,98 @@
           </a:bodyPr>
           <a:lstStyle/>
           <a:p>
+            <a:pPr marL="0" indent="0">
+              <a:buNone/>
+            </a:pPr>
+            <a:r>
+              <a:rPr lang="en-US" sz="2000" b="1" u="sng" dirty="0"/>
+              <a:t>Antiplatelet agents</a:t>
+            </a:r>
+          </a:p>
+          <a:p>
             <a:r>
               <a:rPr lang="en-US" sz="2000" dirty="0"/>
-              <a:t>Von Willebrand’s disease: Bleeding disorder caused by the qualitative or quantitative deficiency of the pro von-Willebrand factor</a:t>
-            </a:r>
-          </a:p>
-          <a:p>
+              <a:t>1. Aspirin- Inhibit platelet cyclooxygenase</a:t>
+            </a:r>
+          </a:p>
+          <a:p>
+            <a:r>
+              <a:rPr lang="en-US" sz="2000" dirty="0"/>
+              <a:t>2. Dipyridamole- Inhibits platelet phosphodiesterase</a:t>
+            </a:r>
+          </a:p>
+          <a:p>
+            <a:r>
+              <a:rPr lang="en-US" sz="2000" dirty="0"/>
+              <a:t>3. Ticlopidine- Inhibits platelet aggregation, </a:t>
+            </a:r>
+            <a:br>
+              <a:rPr lang="en-US" sz="2000" dirty="0"/>
+            </a:br>
+            <a:r>
+              <a:rPr lang="en-US" sz="2000" dirty="0"/>
+              <a:t>Prevent GP IIb- IIIa expression...</a:t>
+            </a:r>
             <a:endParaRPr lang="en-IN" sz="2000" dirty="0"/>
+          </a:p>
+        </p:txBody>
+      </p:sp>
+      <p:sp>
+        <p:nvSpPr>
+          <p:cNvPr id="4" name="Rectangle 3">
+            <a:extLst>
+              <a:ext uri="{FF2B5EF4-FFF2-40B4-BE49-F238E27FC236}">
+                <a16:creationId xmlns:a16="http://schemas.microsoft.com/office/drawing/2014/main" id="{A6831223-D3B8-D6FE-40DB-D20E932A43C4}"/>
+              </a:ext>
+            </a:extLst>
+          </p:cNvPr>
+          <p:cNvSpPr/>
+          <p:nvPr/>
+        </p:nvSpPr>
+        <p:spPr>
+          <a:xfrm>
+            <a:off x="11641394" y="-19864"/>
+            <a:ext cx="550606" cy="353851"/>
+          </a:xfrm>
+          <a:prstGeom prst="rect">
+            <a:avLst/>
+          </a:prstGeom>
+          <a:solidFill>
+            <a:schemeClr val="accent6"/>
+          </a:solidFill>
+        </p:spPr>
+        <p:style>
+          <a:lnRef idx="2">
+            <a:schemeClr val="accent1">
+              <a:shade val="15000"/>
+            </a:schemeClr>
+          </a:lnRef>
+          <a:fillRef idx="1">
+            <a:schemeClr val="accent1"/>
+          </a:fillRef>
+          <a:effectRef idx="0">
+            <a:schemeClr val="accent1"/>
+          </a:effectRef>
+          <a:fontRef idx="minor">
+            <a:schemeClr val="lt1"/>
+          </a:fontRef>
+        </p:style>
+        <p:txBody>
+          <a:bodyPr rtlCol="0" anchor="ctr"/>
+          <a:lstStyle/>
+          <a:p>
+            <a:pPr algn="ctr"/>
+            <a:r>
+              <a:rPr lang="en-US" dirty="0"/>
+              <a:t>GY</a:t>
+            </a:r>
           </a:p>
         </p:txBody>
       </p:sp>
     </p:spTree>
     <p:extLst>
       <p:ext uri="{BB962C8B-B14F-4D97-AF65-F5344CB8AC3E}">
-        <p14:creationId xmlns:p14="http://schemas.microsoft.com/office/powerpoint/2010/main" val="2614511103"/>
+        <p14:creationId xmlns:p14="http://schemas.microsoft.com/office/powerpoint/2010/main" val="709537159"/>
       </p:ext>
     </p:extLst>
   </p:cSld>
@@ -17501,143 +18747,6 @@
 </file>
 
 <file path=ppt/slides/slide27.xml><?xml version="1.0" encoding="utf-8"?>
-<p:sld xmlns:a="http://schemas.openxmlformats.org/drawingml/2006/main" xmlns:r="http://schemas.openxmlformats.org/officeDocument/2006/relationships" xmlns:p="http://schemas.openxmlformats.org/presentationml/2006/main">
-  <p:cSld>
-    <p:bg>
-      <p:bgPr shadeToTitle="1">
-        <a:gradFill flip="none" rotWithShape="1">
-          <a:gsLst>
-            <a:gs pos="0">
-              <a:schemeClr val="tx1">
-                <a:lumMod val="75000"/>
-                <a:lumOff val="25000"/>
-              </a:schemeClr>
-            </a:gs>
-            <a:gs pos="23000">
-              <a:schemeClr val="tx1">
-                <a:lumMod val="85000"/>
-                <a:lumOff val="15000"/>
-              </a:schemeClr>
-            </a:gs>
-            <a:gs pos="69000">
-              <a:schemeClr val="tx1"/>
-            </a:gs>
-            <a:gs pos="97000">
-              <a:schemeClr val="tx1">
-                <a:lumMod val="95000"/>
-                <a:lumOff val="5000"/>
-              </a:schemeClr>
-            </a:gs>
-          </a:gsLst>
-          <a:path path="circle">
-            <a:fillToRect l="50000" t="50000" r="50000" b="50000"/>
-          </a:path>
-          <a:tileRect/>
-        </a:gradFill>
-        <a:effectLst/>
-      </p:bgPr>
-    </p:bg>
-    <p:spTree>
-      <p:nvGrpSpPr>
-        <p:cNvPr id="1" name="">
-          <a:extLst>
-            <a:ext uri="{FF2B5EF4-FFF2-40B4-BE49-F238E27FC236}">
-              <a16:creationId xmlns:a16="http://schemas.microsoft.com/office/drawing/2014/main" id="{F164A5C7-3BC7-61A2-D2A2-B7FEBAD86E81}"/>
-            </a:ext>
-          </a:extLst>
-        </p:cNvPr>
-        <p:cNvGrpSpPr/>
-        <p:nvPr/>
-      </p:nvGrpSpPr>
-      <p:grpSpPr>
-        <a:xfrm>
-          <a:off x="0" y="0"/>
-          <a:ext cx="0" cy="0"/>
-          <a:chOff x="0" y="0"/>
-          <a:chExt cx="0" cy="0"/>
-        </a:xfrm>
-      </p:grpSpPr>
-      <p:sp>
-        <p:nvSpPr>
-          <p:cNvPr id="2" name="Title 1">
-            <a:extLst>
-              <a:ext uri="{FF2B5EF4-FFF2-40B4-BE49-F238E27FC236}">
-                <a16:creationId xmlns:a16="http://schemas.microsoft.com/office/drawing/2014/main" id="{4B3C796E-04E8-29FF-C870-56C7DEEB94D7}"/>
-              </a:ext>
-            </a:extLst>
-          </p:cNvPr>
-          <p:cNvSpPr>
-            <a:spLocks noGrp="1"/>
-          </p:cNvSpPr>
-          <p:nvPr>
-            <p:ph type="ctrTitle"/>
-          </p:nvPr>
-        </p:nvSpPr>
-        <p:spPr>
-          <a:xfrm>
-            <a:off x="1524000" y="2235200"/>
-            <a:ext cx="9144000" cy="2387600"/>
-          </a:xfrm>
-        </p:spPr>
-        <p:txBody>
-          <a:bodyPr anchor="ctr">
-            <a:normAutofit/>
-          </a:bodyPr>
-          <a:lstStyle/>
-          <a:p>
-            <a:r>
-              <a:rPr lang="en-US" sz="8000" dirty="0">
-                <a:solidFill>
-                  <a:schemeClr val="bg1"/>
-                </a:solidFill>
-                <a:latin typeface="+mn-lt"/>
-                <a:cs typeface="Arial" panose="020B0604020202020204" pitchFamily="34" charset="0"/>
-              </a:rPr>
-              <a:t>Thank you!</a:t>
-            </a:r>
-            <a:br>
-              <a:rPr lang="en-US" sz="8000" dirty="0">
-                <a:solidFill>
-                  <a:schemeClr val="bg1"/>
-                </a:solidFill>
-                <a:latin typeface="+mn-lt"/>
-                <a:cs typeface="Arial" panose="020B0604020202020204" pitchFamily="34" charset="0"/>
-              </a:rPr>
-            </a:br>
-            <a:r>
-              <a:rPr lang="en-US" sz="1600" dirty="0">
-                <a:solidFill>
-                  <a:schemeClr val="bg1"/>
-                </a:solidFill>
-                <a:latin typeface="+mn-lt"/>
-                <a:cs typeface="Arial" panose="020B0604020202020204" pitchFamily="34" charset="0"/>
-              </a:rPr>
-              <a:t>Slides by: Sriram &amp; Navneeth </a:t>
-            </a:r>
-            <a:endParaRPr lang="en-US" sz="13800" dirty="0">
-              <a:solidFill>
-                <a:schemeClr val="bg1"/>
-              </a:solidFill>
-              <a:latin typeface="+mn-lt"/>
-              <a:cs typeface="Arial" panose="020B0604020202020204" pitchFamily="34" charset="0"/>
-            </a:endParaRPr>
-          </a:p>
-        </p:txBody>
-      </p:sp>
-    </p:spTree>
-    <p:extLst>
-      <p:ext uri="{BB962C8B-B14F-4D97-AF65-F5344CB8AC3E}">
-        <p14:creationId xmlns:p14="http://schemas.microsoft.com/office/powerpoint/2010/main" val="2793378809"/>
-      </p:ext>
-    </p:extLst>
-  </p:cSld>
-  <p:clrMapOvr>
-    <a:masterClrMapping/>
-  </p:clrMapOvr>
-</p:sld>
-</file>
-
-<file path=ppt/slides/slide3.xml><?xml version="1.0" encoding="utf-8"?>
 <p:sld xmlns:a="http://schemas.openxmlformats.org/drawingml/2006/main" xmlns:r="http://schemas.openxmlformats.org/officeDocument/2006/relationships" xmlns:p="http://schemas.openxmlformats.org/presentationml/2006/main">
   <p:cSld>
     <p:bg>
@@ -18289,7 +19398,7 @@
           <p:cNvPr id="2" name="Title 1">
             <a:extLst>
               <a:ext uri="{FF2B5EF4-FFF2-40B4-BE49-F238E27FC236}">
-                <a16:creationId xmlns:a16="http://schemas.microsoft.com/office/drawing/2014/main" id="{25B15E2D-7DC1-45E0-8950-31E71C839D61}"/>
+                <a16:creationId xmlns:a16="http://schemas.microsoft.com/office/drawing/2014/main" id="{3EDA69FB-0503-4447-BE95-8EFF86DCEB8C}"/>
               </a:ext>
             </a:extLst>
           </p:cNvPr>
@@ -18302,8 +19411,52 @@
         </p:nvSpPr>
         <p:spPr>
           <a:xfrm>
-            <a:off x="418225" y="3056019"/>
-            <a:ext cx="3201366" cy="745960"/>
+            <a:off x="466722" y="586855"/>
+            <a:ext cx="3201366" cy="3387497"/>
+          </a:xfrm>
+        </p:spPr>
+        <p:txBody>
+          <a:bodyPr anchor="b">
+            <a:normAutofit/>
+          </a:bodyPr>
+          <a:lstStyle/>
+          <a:p>
+            <a:r>
+              <a:rPr lang="en-US" sz="4000" dirty="0">
+                <a:solidFill>
+                  <a:srgbClr val="FFFFFF"/>
+                </a:solidFill>
+              </a:rPr>
+              <a:t>Clinical Significance</a:t>
+            </a:r>
+            <a:endParaRPr lang="en-IN" sz="4000" dirty="0">
+              <a:solidFill>
+                <a:srgbClr val="FFFFFF"/>
+              </a:solidFill>
+            </a:endParaRPr>
+          </a:p>
+        </p:txBody>
+      </p:sp>
+      <p:sp>
+        <p:nvSpPr>
+          <p:cNvPr id="3" name="Content Placeholder 2">
+            <a:extLst>
+              <a:ext uri="{FF2B5EF4-FFF2-40B4-BE49-F238E27FC236}">
+                <a16:creationId xmlns:a16="http://schemas.microsoft.com/office/drawing/2014/main" id="{1CDE7838-72F3-4CC3-9AFC-365EB727D3CD}"/>
+              </a:ext>
+            </a:extLst>
+          </p:cNvPr>
+          <p:cNvSpPr>
+            <a:spLocks noGrp="1"/>
+          </p:cNvSpPr>
+          <p:nvPr>
+            <p:ph idx="1"/>
+          </p:nvPr>
+        </p:nvSpPr>
+        <p:spPr>
+          <a:xfrm>
+            <a:off x="4810259" y="649480"/>
+            <a:ext cx="6555347" cy="5546047"/>
           </a:xfrm>
         </p:spPr>
         <p:txBody>
@@ -18313,95 +19466,69 @@
           <a:lstStyle/>
           <a:p>
             <a:r>
-              <a:rPr lang="en-US" dirty="0">
-                <a:solidFill>
-                  <a:srgbClr val="FFFFFF"/>
-                </a:solidFill>
-                <a:latin typeface="+mn-lt"/>
-              </a:rPr>
-              <a:t>Coagulation</a:t>
-            </a:r>
-            <a:endParaRPr lang="en-IN" dirty="0">
-              <a:solidFill>
-                <a:srgbClr val="FFFFFF"/>
-              </a:solidFill>
-              <a:latin typeface="+mn-lt"/>
-            </a:endParaRPr>
-          </a:p>
-        </p:txBody>
-      </p:sp>
-      <p:sp>
-        <p:nvSpPr>
-          <p:cNvPr id="3" name="Content Placeholder 2">
-            <a:extLst>
-              <a:ext uri="{FF2B5EF4-FFF2-40B4-BE49-F238E27FC236}">
-                <a16:creationId xmlns:a16="http://schemas.microsoft.com/office/drawing/2014/main" id="{9EF53039-9C09-4FE4-B7DD-C8AECC73CA9E}"/>
-              </a:ext>
-            </a:extLst>
-          </p:cNvPr>
-          <p:cNvSpPr>
-            <a:spLocks noGrp="1"/>
-          </p:cNvSpPr>
-          <p:nvPr>
-            <p:ph idx="1"/>
-          </p:nvPr>
+              <a:rPr lang="en-IN" sz="2000" dirty="0"/>
+              <a:t>Prophylaxis and Treatment of Thromboembolic Events: Deep vein thrombosis, pulmonary embolism, and atrial fibrillation.</a:t>
+            </a:r>
+          </a:p>
+          <a:p>
+            <a:r>
+              <a:rPr lang="en-IN" sz="2000" dirty="0"/>
+              <a:t>Cardiovascular Procedures: Prevention of clot formation during surgeries and stent placements using statins.</a:t>
+            </a:r>
+          </a:p>
+          <a:p>
+            <a:r>
+              <a:rPr lang="en-IN" sz="2000" dirty="0"/>
+              <a:t>Management of Hypercoagulable States: Disseminated intravascular coagulation (DIC) and antiphospholipid syndrome.</a:t>
+            </a:r>
+          </a:p>
+        </p:txBody>
+      </p:sp>
+      <p:sp>
+        <p:nvSpPr>
+          <p:cNvPr id="4" name="Rectangle 3">
+            <a:extLst>
+              <a:ext uri="{FF2B5EF4-FFF2-40B4-BE49-F238E27FC236}">
+                <a16:creationId xmlns:a16="http://schemas.microsoft.com/office/drawing/2014/main" id="{905ED129-CBAD-5656-8DA3-1F85514376D1}"/>
+              </a:ext>
+            </a:extLst>
+          </p:cNvPr>
+          <p:cNvSpPr/>
+          <p:nvPr/>
         </p:nvSpPr>
         <p:spPr>
           <a:xfrm>
-            <a:off x="4810259" y="649480"/>
-            <a:ext cx="6555347" cy="5546047"/>
-          </a:xfrm>
-        </p:spPr>
-        <p:txBody>
-          <a:bodyPr anchor="ctr">
-            <a:normAutofit/>
-          </a:bodyPr>
-          <a:lstStyle/>
-          <a:p>
-            <a:pPr marL="0" indent="0">
-              <a:buNone/>
-            </a:pPr>
-            <a:r>
-              <a:rPr lang="en-US" sz="2400" dirty="0"/>
-              <a:t>Coagulation is a complex mechanism aimed at preventing excessive blood loss following vascular injury. </a:t>
-            </a:r>
-          </a:p>
-          <a:p>
-            <a:pPr marL="0" indent="0">
-              <a:buNone/>
-            </a:pPr>
-            <a:r>
-              <a:rPr lang="en-US" sz="2400" dirty="0"/>
-              <a:t>It involves two pathways:</a:t>
-            </a:r>
-          </a:p>
-          <a:p>
-            <a:pPr marL="514350" indent="-514350">
-              <a:buFont typeface="+mj-lt"/>
-              <a:buAutoNum type="arabicPeriod"/>
-            </a:pPr>
-            <a:r>
-              <a:rPr lang="en-IN" sz="2400" dirty="0"/>
-              <a:t>Extrinsic Pathway</a:t>
-            </a:r>
-          </a:p>
-          <a:p>
-            <a:pPr marL="514350" indent="-514350">
-              <a:buFont typeface="+mj-lt"/>
-              <a:buAutoNum type="arabicPeriod"/>
-            </a:pPr>
-            <a:r>
-              <a:rPr lang="en-IN" sz="2400" dirty="0"/>
-              <a:t>Intrinsic pathway</a:t>
-            </a:r>
-          </a:p>
-          <a:p>
-            <a:pPr marL="0" indent="0">
-              <a:buNone/>
-            </a:pPr>
-            <a:r>
-              <a:rPr lang="en-IN" sz="2400" dirty="0"/>
-              <a:t>which form a stable fibrin clot. The extrinsic pathway is primarily responsible for initiating cascade of reactions in responsible to external trauma</a:t>
+            <a:off x="11641394" y="-19864"/>
+            <a:ext cx="550606" cy="353851"/>
+          </a:xfrm>
+          <a:prstGeom prst="rect">
+            <a:avLst/>
+          </a:prstGeom>
+        </p:spPr>
+        <p:style>
+          <a:lnRef idx="2">
+            <a:schemeClr val="accent1">
+              <a:shade val="15000"/>
+            </a:schemeClr>
+          </a:lnRef>
+          <a:fillRef idx="1">
+            <a:schemeClr val="accent1"/>
+          </a:fillRef>
+          <a:effectRef idx="0">
+            <a:schemeClr val="accent1"/>
+          </a:effectRef>
+          <a:fontRef idx="minor">
+            <a:schemeClr val="lt1"/>
+          </a:fontRef>
+        </p:style>
+        <p:txBody>
+          <a:bodyPr rtlCol="0" anchor="ctr"/>
+          <a:lstStyle/>
+          <a:p>
+            <a:pPr algn="ctr"/>
+            <a:r>
+              <a:rPr lang="en-US" dirty="0"/>
+              <a:t>GY</a:t>
             </a:r>
           </a:p>
         </p:txBody>
@@ -18409,7 +19536,7 @@
     </p:spTree>
     <p:extLst>
       <p:ext uri="{BB962C8B-B14F-4D97-AF65-F5344CB8AC3E}">
-        <p14:creationId xmlns:p14="http://schemas.microsoft.com/office/powerpoint/2010/main" val="1518131541"/>
+        <p14:creationId xmlns:p14="http://schemas.microsoft.com/office/powerpoint/2010/main" val="2887962772"/>
       </p:ext>
     </p:extLst>
   </p:cSld>
@@ -18419,407 +19546,7 @@
 </p:sld>
 </file>
 
-<file path=ppt/slides/slide4.xml><?xml version="1.0" encoding="utf-8"?>
-<p:sld xmlns:a="http://schemas.openxmlformats.org/drawingml/2006/main" xmlns:r="http://schemas.openxmlformats.org/officeDocument/2006/relationships" xmlns:p="http://schemas.openxmlformats.org/presentationml/2006/main">
-  <p:cSld>
-    <p:bg>
-      <p:bgPr>
-        <a:solidFill>
-          <a:schemeClr val="bg1"/>
-        </a:solidFill>
-        <a:effectLst/>
-      </p:bgPr>
-    </p:bg>
-    <p:spTree>
-      <p:nvGrpSpPr>
-        <p:cNvPr id="1" name=""/>
-        <p:cNvGrpSpPr/>
-        <p:nvPr/>
-      </p:nvGrpSpPr>
-      <p:grpSpPr>
-        <a:xfrm>
-          <a:off x="0" y="0"/>
-          <a:ext cx="0" cy="0"/>
-          <a:chOff x="0" y="0"/>
-          <a:chExt cx="0" cy="0"/>
-        </a:xfrm>
-      </p:grpSpPr>
-      <p:pic>
-        <p:nvPicPr>
-          <p:cNvPr id="5" name="Picture 4">
-            <a:extLst>
-              <a:ext uri="{FF2B5EF4-FFF2-40B4-BE49-F238E27FC236}">
-                <a16:creationId xmlns:a16="http://schemas.microsoft.com/office/drawing/2014/main" id="{28734CCB-7E87-92D2-EC07-4DB9DFB71579}"/>
-              </a:ext>
-            </a:extLst>
-          </p:cNvPr>
-          <p:cNvPicPr>
-            <a:picLocks noChangeAspect="1"/>
-          </p:cNvPicPr>
-          <p:nvPr/>
-        </p:nvPicPr>
-        <p:blipFill>
-          <a:blip r:embed="rId2"/>
-          <a:stretch>
-            <a:fillRect/>
-          </a:stretch>
-        </p:blipFill>
-        <p:spPr>
-          <a:xfrm>
-            <a:off x="1770241" y="0"/>
-            <a:ext cx="8651518" cy="6858000"/>
-          </a:xfrm>
-          <a:prstGeom prst="rect">
-            <a:avLst/>
-          </a:prstGeom>
-        </p:spPr>
-      </p:pic>
-      <p:sp>
-        <p:nvSpPr>
-          <p:cNvPr id="6" name="TextBox 5">
-            <a:extLst>
-              <a:ext uri="{FF2B5EF4-FFF2-40B4-BE49-F238E27FC236}">
-                <a16:creationId xmlns:a16="http://schemas.microsoft.com/office/drawing/2014/main" id="{A79CF475-AAEF-DE61-9D97-78C77A4FE80E}"/>
-              </a:ext>
-            </a:extLst>
-          </p:cNvPr>
-          <p:cNvSpPr txBox="1"/>
-          <p:nvPr/>
-        </p:nvSpPr>
-        <p:spPr>
-          <a:xfrm>
-            <a:off x="8279084" y="2621280"/>
-            <a:ext cx="1010213" cy="261610"/>
-          </a:xfrm>
-          <a:prstGeom prst="rect">
-            <a:avLst/>
-          </a:prstGeom>
-          <a:noFill/>
-        </p:spPr>
-        <p:txBody>
-          <a:bodyPr wrap="none" rtlCol="0">
-            <a:spAutoFit/>
-          </a:bodyPr>
-          <a:lstStyle/>
-          <a:p>
-            <a:r>
-              <a:rPr lang="en-US" sz="1100" dirty="0">
-                <a:solidFill>
-                  <a:schemeClr val="accent6">
-                    <a:lumMod val="50000"/>
-                  </a:schemeClr>
-                </a:solidFill>
-              </a:rPr>
-              <a:t>(Proconvertin)</a:t>
-            </a:r>
-          </a:p>
-        </p:txBody>
-      </p:sp>
-      <p:sp>
-        <p:nvSpPr>
-          <p:cNvPr id="7" name="TextBox 6">
-            <a:extLst>
-              <a:ext uri="{FF2B5EF4-FFF2-40B4-BE49-F238E27FC236}">
-                <a16:creationId xmlns:a16="http://schemas.microsoft.com/office/drawing/2014/main" id="{A9B14C4E-0669-264F-CEE4-B4DC894B39D8}"/>
-              </a:ext>
-            </a:extLst>
-          </p:cNvPr>
-          <p:cNvSpPr txBox="1"/>
-          <p:nvPr/>
-        </p:nvSpPr>
-        <p:spPr>
-          <a:xfrm>
-            <a:off x="6586477" y="1571021"/>
-            <a:ext cx="769763" cy="261610"/>
-          </a:xfrm>
-          <a:prstGeom prst="rect">
-            <a:avLst/>
-          </a:prstGeom>
-          <a:noFill/>
-        </p:spPr>
-        <p:txBody>
-          <a:bodyPr wrap="none" rtlCol="0">
-            <a:spAutoFit/>
-          </a:bodyPr>
-          <a:lstStyle/>
-          <a:p>
-            <a:r>
-              <a:rPr lang="en-US" sz="1100" dirty="0">
-                <a:solidFill>
-                  <a:schemeClr val="accent6">
-                    <a:lumMod val="50000"/>
-                  </a:schemeClr>
-                </a:solidFill>
-              </a:rPr>
-              <a:t>(Factor III)</a:t>
-            </a:r>
-          </a:p>
-        </p:txBody>
-      </p:sp>
-      <p:sp>
-        <p:nvSpPr>
-          <p:cNvPr id="8" name="TextBox 7">
-            <a:extLst>
-              <a:ext uri="{FF2B5EF4-FFF2-40B4-BE49-F238E27FC236}">
-                <a16:creationId xmlns:a16="http://schemas.microsoft.com/office/drawing/2014/main" id="{A8456A24-8754-3D51-3232-B98D67BAD9A4}"/>
-              </a:ext>
-            </a:extLst>
-          </p:cNvPr>
-          <p:cNvSpPr txBox="1"/>
-          <p:nvPr/>
-        </p:nvSpPr>
-        <p:spPr>
-          <a:xfrm>
-            <a:off x="8623851" y="3558808"/>
-            <a:ext cx="852792" cy="600164"/>
-          </a:xfrm>
-          <a:prstGeom prst="rect">
-            <a:avLst/>
-          </a:prstGeom>
-          <a:noFill/>
-        </p:spPr>
-        <p:txBody>
-          <a:bodyPr wrap="square" rtlCol="0">
-            <a:spAutoFit/>
-          </a:bodyPr>
-          <a:lstStyle/>
-          <a:p>
-            <a:pPr algn="ctr"/>
-            <a:r>
-              <a:rPr lang="en-US" sz="1100" dirty="0">
-                <a:solidFill>
-                  <a:schemeClr val="accent6">
-                    <a:lumMod val="50000"/>
-                  </a:schemeClr>
-                </a:solidFill>
-              </a:rPr>
-              <a:t>(Stuart Prover Factor)</a:t>
-            </a:r>
-          </a:p>
-        </p:txBody>
-      </p:sp>
-      <p:sp>
-        <p:nvSpPr>
-          <p:cNvPr id="10" name="TextBox 9">
-            <a:extLst>
-              <a:ext uri="{FF2B5EF4-FFF2-40B4-BE49-F238E27FC236}">
-                <a16:creationId xmlns:a16="http://schemas.microsoft.com/office/drawing/2014/main" id="{8C424830-9DC2-58E8-33F5-D77BA4C26FFB}"/>
-              </a:ext>
-            </a:extLst>
-          </p:cNvPr>
-          <p:cNvSpPr txBox="1"/>
-          <p:nvPr/>
-        </p:nvSpPr>
-        <p:spPr>
-          <a:xfrm>
-            <a:off x="6228308" y="3403224"/>
-            <a:ext cx="1019141" cy="430887"/>
-          </a:xfrm>
-          <a:prstGeom prst="rect">
-            <a:avLst/>
-          </a:prstGeom>
-          <a:noFill/>
-        </p:spPr>
-        <p:txBody>
-          <a:bodyPr wrap="square" rtlCol="0">
-            <a:spAutoFit/>
-          </a:bodyPr>
-          <a:lstStyle/>
-          <a:p>
-            <a:pPr algn="ctr"/>
-            <a:r>
-              <a:rPr lang="en-US" sz="1100" dirty="0">
-                <a:solidFill>
-                  <a:schemeClr val="accent6">
-                    <a:lumMod val="50000"/>
-                  </a:schemeClr>
-                </a:solidFill>
-              </a:rPr>
-              <a:t>(Prothrombin Activator)</a:t>
-            </a:r>
-          </a:p>
-        </p:txBody>
-      </p:sp>
-      <p:sp>
-        <p:nvSpPr>
-          <p:cNvPr id="11" name="TextBox 10">
-            <a:extLst>
-              <a:ext uri="{FF2B5EF4-FFF2-40B4-BE49-F238E27FC236}">
-                <a16:creationId xmlns:a16="http://schemas.microsoft.com/office/drawing/2014/main" id="{BA60275E-17A2-0885-B174-F31E6B49F356}"/>
-              </a:ext>
-            </a:extLst>
-          </p:cNvPr>
-          <p:cNvSpPr txBox="1"/>
-          <p:nvPr/>
-        </p:nvSpPr>
-        <p:spPr>
-          <a:xfrm>
-            <a:off x="5580374" y="4410932"/>
-            <a:ext cx="734496" cy="261610"/>
-          </a:xfrm>
-          <a:prstGeom prst="rect">
-            <a:avLst/>
-          </a:prstGeom>
-          <a:noFill/>
-        </p:spPr>
-        <p:txBody>
-          <a:bodyPr wrap="none" rtlCol="0">
-            <a:spAutoFit/>
-          </a:bodyPr>
-          <a:lstStyle/>
-          <a:p>
-            <a:pPr algn="ctr"/>
-            <a:r>
-              <a:rPr lang="en-US" sz="1100" dirty="0">
-                <a:solidFill>
-                  <a:schemeClr val="accent6">
-                    <a:lumMod val="50000"/>
-                  </a:schemeClr>
-                </a:solidFill>
-              </a:rPr>
-              <a:t>(Factor II)</a:t>
-            </a:r>
-          </a:p>
-        </p:txBody>
-      </p:sp>
-      <p:sp>
-        <p:nvSpPr>
-          <p:cNvPr id="12" name="TextBox 11">
-            <a:extLst>
-              <a:ext uri="{FF2B5EF4-FFF2-40B4-BE49-F238E27FC236}">
-                <a16:creationId xmlns:a16="http://schemas.microsoft.com/office/drawing/2014/main" id="{DD56DE44-3F14-7E81-349B-A189CF984444}"/>
-              </a:ext>
-            </a:extLst>
-          </p:cNvPr>
-          <p:cNvSpPr txBox="1"/>
-          <p:nvPr/>
-        </p:nvSpPr>
-        <p:spPr>
-          <a:xfrm>
-            <a:off x="6306970" y="5025369"/>
-            <a:ext cx="699229" cy="261610"/>
-          </a:xfrm>
-          <a:prstGeom prst="rect">
-            <a:avLst/>
-          </a:prstGeom>
-          <a:noFill/>
-        </p:spPr>
-        <p:txBody>
-          <a:bodyPr wrap="none" rtlCol="0">
-            <a:spAutoFit/>
-          </a:bodyPr>
-          <a:lstStyle/>
-          <a:p>
-            <a:pPr algn="ctr"/>
-            <a:r>
-              <a:rPr lang="en-US" sz="1100" dirty="0">
-                <a:solidFill>
-                  <a:schemeClr val="accent6">
-                    <a:lumMod val="50000"/>
-                  </a:schemeClr>
-                </a:solidFill>
-              </a:rPr>
-              <a:t>(Factor I)</a:t>
-            </a:r>
-          </a:p>
-        </p:txBody>
-      </p:sp>
-    </p:spTree>
-    <p:extLst>
-      <p:ext uri="{BB962C8B-B14F-4D97-AF65-F5344CB8AC3E}">
-        <p14:creationId xmlns:p14="http://schemas.microsoft.com/office/powerpoint/2010/main" val="182848702"/>
-      </p:ext>
-    </p:extLst>
-  </p:cSld>
-  <p:clrMapOvr>
-    <a:masterClrMapping/>
-  </p:clrMapOvr>
-</p:sld>
-</file>
-
-<file path=ppt/slides/slide5.xml><?xml version="1.0" encoding="utf-8"?>
-<p:sld xmlns:a="http://schemas.openxmlformats.org/drawingml/2006/main" xmlns:r="http://schemas.openxmlformats.org/officeDocument/2006/relationships" xmlns:p="http://schemas.openxmlformats.org/presentationml/2006/main">
-  <p:cSld>
-    <p:bg>
-      <p:bgPr>
-        <a:solidFill>
-          <a:schemeClr val="bg1"/>
-        </a:solidFill>
-        <a:effectLst/>
-      </p:bgPr>
-    </p:bg>
-    <p:spTree>
-      <p:nvGrpSpPr>
-        <p:cNvPr id="1" name="">
-          <a:extLst>
-            <a:ext uri="{FF2B5EF4-FFF2-40B4-BE49-F238E27FC236}">
-              <a16:creationId xmlns:a16="http://schemas.microsoft.com/office/drawing/2014/main" id="{C75BD47C-BFE0-7266-8FD2-4CE2F1EEEDC4}"/>
-            </a:ext>
-          </a:extLst>
-        </p:cNvPr>
-        <p:cNvGrpSpPr/>
-        <p:nvPr/>
-      </p:nvGrpSpPr>
-      <p:grpSpPr>
-        <a:xfrm>
-          <a:off x="0" y="0"/>
-          <a:ext cx="0" cy="0"/>
-          <a:chOff x="0" y="0"/>
-          <a:chExt cx="0" cy="0"/>
-        </a:xfrm>
-      </p:grpSpPr>
-      <p:pic>
-        <p:nvPicPr>
-          <p:cNvPr id="9" name="Content Placeholder 8" descr="A diagram of a pathway&#10;&#10;Description automatically generated">
-            <a:extLst>
-              <a:ext uri="{FF2B5EF4-FFF2-40B4-BE49-F238E27FC236}">
-                <a16:creationId xmlns:a16="http://schemas.microsoft.com/office/drawing/2014/main" id="{0C5C3C0F-7EA9-2D03-AC6C-5BCD696E7377}"/>
-              </a:ext>
-            </a:extLst>
-          </p:cNvPr>
-          <p:cNvPicPr>
-            <a:picLocks noGrp="1" noChangeAspect="1"/>
-          </p:cNvPicPr>
-          <p:nvPr>
-            <p:ph idx="4294967295"/>
-          </p:nvPr>
-        </p:nvPicPr>
-        <p:blipFill>
-          <a:blip r:embed="rId2">
-            <a:extLst>
-              <a:ext uri="{28A0092B-C50C-407E-A947-70E740481C1C}">
-                <a14:useLocalDpi xmlns:a14="http://schemas.microsoft.com/office/drawing/2010/main" val="0"/>
-              </a:ext>
-            </a:extLst>
-          </a:blip>
-          <a:stretch>
-            <a:fillRect/>
-          </a:stretch>
-        </p:blipFill>
-        <p:spPr>
-          <a:xfrm>
-            <a:off x="1773237" y="186531"/>
-            <a:ext cx="8645525" cy="6484937"/>
-          </a:xfrm>
-          <a:prstGeom prst="rect">
-            <a:avLst/>
-          </a:prstGeom>
-        </p:spPr>
-      </p:pic>
-    </p:spTree>
-    <p:extLst>
-      <p:ext uri="{BB962C8B-B14F-4D97-AF65-F5344CB8AC3E}">
-        <p14:creationId xmlns:p14="http://schemas.microsoft.com/office/powerpoint/2010/main" val="2699520623"/>
-      </p:ext>
-    </p:extLst>
-  </p:cSld>
-  <p:clrMapOvr>
-    <a:masterClrMapping/>
-  </p:clrMapOvr>
-</p:sld>
-</file>
-
-<file path=ppt/slides/slide6.xml><?xml version="1.0" encoding="utf-8"?>
+<file path=ppt/slides/slide28.xml><?xml version="1.0" encoding="utf-8"?>
 <p:sld xmlns:a="http://schemas.openxmlformats.org/drawingml/2006/main" xmlns:r="http://schemas.openxmlformats.org/officeDocument/2006/relationships" xmlns:p="http://schemas.openxmlformats.org/presentationml/2006/main">
   <p:cSld>
     <p:bg>
@@ -18846,10 +19573,10 @@
       </p:grpSpPr>
       <p:sp useBgFill="1">
         <p:nvSpPr>
-          <p:cNvPr id="25" name="Rectangle 24">
-            <a:extLst>
-              <a:ext uri="{FF2B5EF4-FFF2-40B4-BE49-F238E27FC236}">
-                <a16:creationId xmlns:a16="http://schemas.microsoft.com/office/drawing/2014/main" id="{C4285719-470E-454C-AF62-8323075F1F5B}"/>
+          <p:cNvPr id="8" name="Rectangle 7">
+            <a:extLst>
+              <a:ext uri="{FF2B5EF4-FFF2-40B4-BE49-F238E27FC236}">
+                <a16:creationId xmlns:a16="http://schemas.microsoft.com/office/drawing/2014/main" id="{09588DA8-065E-4F6F-8EFD-43104AB2E0CF}"/>
               </a:ext>
               <a:ext uri="{C183D7F6-B498-43B3-948B-1728B52AA6E4}">
                 <adec:decorative xmlns:adec="http://schemas.microsoft.com/office/drawing/2017/decorative" val="1"/>
@@ -18870,7 +19597,7 @@
         <p:spPr>
           <a:xfrm>
             <a:off x="0" y="0"/>
-            <a:ext cx="12188952" cy="6858000"/>
+            <a:ext cx="12192000" cy="6858000"/>
           </a:xfrm>
           <a:prstGeom prst="rect">
             <a:avLst/>
@@ -18920,9 +19647,85 @@
           </a:p>
         </p:txBody>
       </p:sp>
-      <p:sp>
-        <p:nvSpPr>
-          <p:cNvPr id="27" name="Rectangle 26">
+      <p:sp useBgFill="1">
+        <p:nvSpPr>
+          <p:cNvPr id="10" name="Rectangle 9">
+            <a:extLst>
+              <a:ext uri="{FF2B5EF4-FFF2-40B4-BE49-F238E27FC236}">
+                <a16:creationId xmlns:a16="http://schemas.microsoft.com/office/drawing/2014/main" id="{C4285719-470E-454C-AF62-8323075F1F5B}"/>
+              </a:ext>
+              <a:ext uri="{C183D7F6-B498-43B3-948B-1728B52AA6E4}">
+                <adec:decorative xmlns:adec="http://schemas.microsoft.com/office/drawing/2017/decorative" val="1"/>
+              </a:ext>
+            </a:extLst>
+          </p:cNvPr>
+          <p:cNvSpPr>
+            <a:spLocks noGrp="1" noRot="1" noChangeAspect="1" noMove="1" noResize="1" noEditPoints="1" noAdjustHandles="1" noChangeArrowheads="1" noChangeShapeType="1" noTextEdit="1"/>
+          </p:cNvSpPr>
+          <p:nvPr>
+            <p:extLst>
+              <p:ext uri="{386F3935-93C4-4BCD-93E2-E3B085C9AB24}">
+                <p16:designElem xmlns:p16="http://schemas.microsoft.com/office/powerpoint/2015/main" val="1"/>
+              </p:ext>
+            </p:extLst>
+          </p:nvPr>
+        </p:nvSpPr>
+        <p:spPr>
+          <a:xfrm>
+            <a:off x="0" y="0"/>
+            <a:ext cx="12188952" cy="6858000"/>
+          </a:xfrm>
+          <a:prstGeom prst="rect">
+            <a:avLst/>
+          </a:prstGeom>
+          <a:ln w="12700" cap="flat" cmpd="sng" algn="ctr">
+            <a:noFill/>
+            <a:prstDash val="solid"/>
+            <a:miter lim="800000"/>
+          </a:ln>
+          <a:effectLst/>
+          <a:extLst>
+            <a:ext uri="{91240B29-F687-4F45-9708-019B960494DF}">
+              <a14:hiddenLine xmlns:a14="http://schemas.microsoft.com/office/drawing/2010/main" w="12700" cap="flat" cmpd="sng" algn="ctr">
+                <a:solidFill>
+                  <a:schemeClr val="accent1">
+                    <a:shade val="50000"/>
+                  </a:schemeClr>
+                </a:solidFill>
+                <a:prstDash val="solid"/>
+                <a:miter lim="800000"/>
+              </a14:hiddenLine>
+            </a:ext>
+          </a:extLst>
+        </p:spPr>
+        <p:style>
+          <a:lnRef idx="2">
+            <a:schemeClr val="accent1">
+              <a:shade val="50000"/>
+            </a:schemeClr>
+          </a:lnRef>
+          <a:fillRef idx="1">
+            <a:schemeClr val="accent1"/>
+          </a:fillRef>
+          <a:effectRef idx="0">
+            <a:schemeClr val="accent1"/>
+          </a:effectRef>
+          <a:fontRef idx="minor">
+            <a:schemeClr val="lt1"/>
+          </a:fontRef>
+        </p:style>
+        <p:txBody>
+          <a:bodyPr rtlCol="0" anchor="ctr"/>
+          <a:lstStyle/>
+          <a:p>
+            <a:pPr algn="ctr"/>
+            <a:endParaRPr lang="en-US"/>
+          </a:p>
+        </p:txBody>
+      </p:sp>
+      <p:sp>
+        <p:nvSpPr>
+          <p:cNvPr id="12" name="Rectangle 11">
             <a:extLst>
               <a:ext uri="{FF2B5EF4-FFF2-40B4-BE49-F238E27FC236}">
                 <a16:creationId xmlns:a16="http://schemas.microsoft.com/office/drawing/2014/main" id="{CD9FE4EF-C4D8-49A0-B2FF-81D8DB7D8A24}"/>
@@ -18995,7 +19798,7 @@
       </p:sp>
       <p:sp>
         <p:nvSpPr>
-          <p:cNvPr id="29" name="Rectangle 28">
+          <p:cNvPr id="14" name="Rectangle 13">
             <a:extLst>
               <a:ext uri="{FF2B5EF4-FFF2-40B4-BE49-F238E27FC236}">
                 <a16:creationId xmlns:a16="http://schemas.microsoft.com/office/drawing/2014/main" id="{4300840D-0A0B-4512-BACA-B439D5B9C57C}"/>
@@ -19070,7 +19873,7 @@
       </p:sp>
       <p:sp>
         <p:nvSpPr>
-          <p:cNvPr id="31" name="Rectangle 30">
+          <p:cNvPr id="16" name="Rectangle 15">
             <a:extLst>
               <a:ext uri="{FF2B5EF4-FFF2-40B4-BE49-F238E27FC236}">
                 <a16:creationId xmlns:a16="http://schemas.microsoft.com/office/drawing/2014/main" id="{D2B78728-A580-49A7-84F9-6EF6F583ADE0}"/>
@@ -19145,7 +19948,7 @@
       </p:sp>
       <p:sp>
         <p:nvSpPr>
-          <p:cNvPr id="33" name="Freeform: Shape 32">
+          <p:cNvPr id="18" name="Freeform: Shape 17">
             <a:extLst>
               <a:ext uri="{FF2B5EF4-FFF2-40B4-BE49-F238E27FC236}">
                 <a16:creationId xmlns:a16="http://schemas.microsoft.com/office/drawing/2014/main" id="{38FAA1A1-D861-433F-88FA-1E9D6FD31D11}"/>
@@ -19315,7 +20118,7 @@
       </p:sp>
       <p:sp>
         <p:nvSpPr>
-          <p:cNvPr id="35" name="Rectangle 34">
+          <p:cNvPr id="20" name="Rectangle 19">
             <a:extLst>
               <a:ext uri="{FF2B5EF4-FFF2-40B4-BE49-F238E27FC236}">
                 <a16:creationId xmlns:a16="http://schemas.microsoft.com/office/drawing/2014/main" id="{8D71EDA1-87BF-4D5D-AB79-F346FD19278A}"/>
@@ -19395,7 +20198,7 @@
           <p:cNvPr id="2" name="Title 1">
             <a:extLst>
               <a:ext uri="{FF2B5EF4-FFF2-40B4-BE49-F238E27FC236}">
-                <a16:creationId xmlns:a16="http://schemas.microsoft.com/office/drawing/2014/main" id="{66AA1A3E-2BD3-4C8C-87E3-F39F256481CE}"/>
+                <a16:creationId xmlns:a16="http://schemas.microsoft.com/office/drawing/2014/main" id="{375D33AD-EC85-4396-854F-A88F0DEF32BD}"/>
               </a:ext>
             </a:extLst>
           </p:cNvPr>
@@ -19413,65 +20216,160 @@
           </a:xfrm>
         </p:spPr>
         <p:txBody>
-          <a:bodyPr vert="horz" lIns="91440" tIns="45720" rIns="91440" bIns="45720" rtlCol="0" anchor="b">
+          <a:bodyPr anchor="b">
             <a:normAutofit/>
           </a:bodyPr>
           <a:lstStyle/>
           <a:p>
             <a:r>
-              <a:rPr lang="en-US" sz="4800" kern="1200" dirty="0">
+              <a:rPr lang="en-IN" sz="4000" dirty="0">
                 <a:solidFill>
-                  <a:srgbClr val="FFFFFF"/>
+                  <a:schemeClr val="bg1">
+                    <a:lumMod val="95000"/>
+                  </a:schemeClr>
                 </a:solidFill>
-                <a:latin typeface="+mj-lt"/>
-                <a:ea typeface="+mj-ea"/>
-                <a:cs typeface="+mj-cs"/>
               </a:rPr>
-              <a:t>Common Pathway</a:t>
-            </a:r>
-          </a:p>
-        </p:txBody>
-      </p:sp>
-      <p:pic>
-        <p:nvPicPr>
-          <p:cNvPr id="5" name="Content Placeholder 4" descr="A diagram of a graph&#10;&#10;Description automatically generated with medium confidence">
-            <a:extLst>
-              <a:ext uri="{FF2B5EF4-FFF2-40B4-BE49-F238E27FC236}">
-                <a16:creationId xmlns:a16="http://schemas.microsoft.com/office/drawing/2014/main" id="{1EF6E94E-E2BA-489B-80BE-99639F1AF696}"/>
-              </a:ext>
-            </a:extLst>
-          </p:cNvPr>
-          <p:cNvPicPr>
-            <a:picLocks noChangeAspect="1"/>
-          </p:cNvPicPr>
+              <a:t>Challenges and Risks</a:t>
+            </a:r>
+          </a:p>
+        </p:txBody>
+      </p:sp>
+      <p:sp>
+        <p:nvSpPr>
+          <p:cNvPr id="3" name="Content Placeholder 2">
+            <a:extLst>
+              <a:ext uri="{FF2B5EF4-FFF2-40B4-BE49-F238E27FC236}">
+                <a16:creationId xmlns:a16="http://schemas.microsoft.com/office/drawing/2014/main" id="{B08CA28C-1BF1-4FF4-968C-2093E495B9F5}"/>
+              </a:ext>
+            </a:extLst>
+          </p:cNvPr>
+          <p:cNvSpPr>
+            <a:spLocks noGrp="1"/>
+          </p:cNvSpPr>
+          <p:nvPr>
+            <p:ph idx="1"/>
+          </p:nvPr>
+        </p:nvSpPr>
+        <p:spPr>
+          <a:xfrm>
+            <a:off x="4810259" y="649480"/>
+            <a:ext cx="6555347" cy="5546047"/>
+          </a:xfrm>
+        </p:spPr>
+        <p:txBody>
+          <a:bodyPr anchor="ctr">
+            <a:normAutofit/>
+          </a:bodyPr>
+          <a:lstStyle/>
+          <a:p>
+            <a:r>
+              <a:rPr lang="en-IN" sz="2000" dirty="0"/>
+              <a:t>Bleeding Complications: The most significant risk associated with anticoagulant therapy.</a:t>
+            </a:r>
+          </a:p>
+          <a:p>
+            <a:r>
+              <a:rPr lang="en-IN" sz="2000" dirty="0"/>
+              <a:t>Reversal Agents: Specific antidotes are available, such as:</a:t>
+            </a:r>
+          </a:p>
+          <a:p>
+            <a:pPr marL="457200" indent="-457200">
+              <a:buFont typeface="+mj-lt"/>
+              <a:buAutoNum type="arabicPeriod"/>
+            </a:pPr>
+            <a:r>
+              <a:rPr lang="en-IN" sz="2000" dirty="0"/>
+              <a:t>Vitamin K for warfarin.</a:t>
+            </a:r>
+          </a:p>
+          <a:p>
+            <a:pPr marL="457200" indent="-457200">
+              <a:buFont typeface="+mj-lt"/>
+              <a:buAutoNum type="arabicPeriod"/>
+            </a:pPr>
+            <a:r>
+              <a:rPr lang="en-IN" sz="2000" dirty="0" err="1"/>
+              <a:t>Idarucizumab</a:t>
+            </a:r>
+            <a:r>
+              <a:rPr lang="en-IN" sz="2000" dirty="0"/>
+              <a:t> for dabigatran.</a:t>
+            </a:r>
+          </a:p>
+          <a:p>
+            <a:pPr marL="457200" indent="-457200">
+              <a:buFont typeface="+mj-lt"/>
+              <a:buAutoNum type="arabicPeriod"/>
+            </a:pPr>
+            <a:r>
+              <a:rPr lang="en-IN" sz="2000" dirty="0"/>
+              <a:t>Andexanet alfa for Factor </a:t>
+            </a:r>
+            <a:r>
+              <a:rPr lang="en-IN" sz="2000" dirty="0" err="1"/>
+              <a:t>Xa</a:t>
+            </a:r>
+            <a:r>
+              <a:rPr lang="en-IN" sz="2000" dirty="0"/>
+              <a:t> inhibitors.</a:t>
+            </a:r>
+          </a:p>
+        </p:txBody>
+      </p:sp>
+      <p:sp>
+        <p:nvSpPr>
+          <p:cNvPr id="4" name="Rectangle 3">
+            <a:extLst>
+              <a:ext uri="{FF2B5EF4-FFF2-40B4-BE49-F238E27FC236}">
+                <a16:creationId xmlns:a16="http://schemas.microsoft.com/office/drawing/2014/main" id="{58D2F034-4B99-B848-AFE6-7A435CA6AC56}"/>
+              </a:ext>
+            </a:extLst>
+          </p:cNvPr>
+          <p:cNvSpPr/>
           <p:nvPr/>
-        </p:nvPicPr>
-        <p:blipFill>
-          <a:blip r:embed="rId2">
-            <a:extLst>
-              <a:ext uri="{28A0092B-C50C-407E-A947-70E740481C1C}">
-                <a14:useLocalDpi xmlns:a14="http://schemas.microsoft.com/office/drawing/2010/main" val="0"/>
-              </a:ext>
-            </a:extLst>
-          </a:blip>
-          <a:stretch>
-            <a:fillRect/>
-          </a:stretch>
-        </p:blipFill>
+        </p:nvSpPr>
         <p:spPr>
           <a:xfrm>
-            <a:off x="4504548" y="527192"/>
-            <a:ext cx="7037211" cy="5629767"/>
+            <a:off x="11641394" y="-19864"/>
+            <a:ext cx="550606" cy="353851"/>
           </a:xfrm>
           <a:prstGeom prst="rect">
             <a:avLst/>
           </a:prstGeom>
         </p:spPr>
-      </p:pic>
+        <p:style>
+          <a:lnRef idx="2">
+            <a:schemeClr val="accent1">
+              <a:shade val="15000"/>
+            </a:schemeClr>
+          </a:lnRef>
+          <a:fillRef idx="1">
+            <a:schemeClr val="accent1"/>
+          </a:fillRef>
+          <a:effectRef idx="0">
+            <a:schemeClr val="accent1"/>
+          </a:effectRef>
+          <a:fontRef idx="minor">
+            <a:schemeClr val="lt1"/>
+          </a:fontRef>
+        </p:style>
+        <p:txBody>
+          <a:bodyPr rtlCol="0" anchor="ctr"/>
+          <a:lstStyle/>
+          <a:p>
+            <a:pPr algn="ctr"/>
+            <a:r>
+              <a:rPr lang="en-US" dirty="0"/>
+              <a:t>GY</a:t>
+            </a:r>
+          </a:p>
+        </p:txBody>
+      </p:sp>
     </p:spTree>
     <p:extLst>
       <p:ext uri="{BB962C8B-B14F-4D97-AF65-F5344CB8AC3E}">
-        <p14:creationId xmlns:p14="http://schemas.microsoft.com/office/powerpoint/2010/main" val="4113516181"/>
+        <p14:creationId xmlns:p14="http://schemas.microsoft.com/office/powerpoint/2010/main" val="194696290"/>
       </p:ext>
     </p:extLst>
   </p:cSld>
@@ -19481,7 +20379,7 @@
 </p:sld>
 </file>
 
-<file path=ppt/slides/slide7.xml><?xml version="1.0" encoding="utf-8"?>
+<file path=ppt/slides/slide29.xml><?xml version="1.0" encoding="utf-8"?>
 <p:sld xmlns:a="http://schemas.openxmlformats.org/drawingml/2006/main" xmlns:r="http://schemas.openxmlformats.org/officeDocument/2006/relationships" xmlns:p="http://schemas.openxmlformats.org/presentationml/2006/main">
   <p:cSld>
     <p:bg>
@@ -19494,13 +20392,7 @@
     </p:bg>
     <p:spTree>
       <p:nvGrpSpPr>
-        <p:cNvPr id="1" name="">
-          <a:extLst>
-            <a:ext uri="{FF2B5EF4-FFF2-40B4-BE49-F238E27FC236}">
-              <a16:creationId xmlns:a16="http://schemas.microsoft.com/office/drawing/2014/main" id="{886B2E58-47B6-4997-FCF2-1A6E19D0D776}"/>
-            </a:ext>
-          </a:extLst>
-        </p:cNvPr>
+        <p:cNvPr id="1" name=""/>
         <p:cNvGrpSpPr/>
         <p:nvPr/>
       </p:nvGrpSpPr>
@@ -19517,7 +20409,7 @@
           <p:cNvPr id="8" name="Rectangle 7">
             <a:extLst>
               <a:ext uri="{FF2B5EF4-FFF2-40B4-BE49-F238E27FC236}">
-                <a16:creationId xmlns:a16="http://schemas.microsoft.com/office/drawing/2014/main" id="{3B767E59-7EA2-A1A7-BEA3-9545F0FC1684}"/>
+                <a16:creationId xmlns:a16="http://schemas.microsoft.com/office/drawing/2014/main" id="{09588DA8-065E-4F6F-8EFD-43104AB2E0CF}"/>
               </a:ext>
               <a:ext uri="{C183D7F6-B498-43B3-948B-1728B52AA6E4}">
                 <adec:decorative xmlns:adec="http://schemas.microsoft.com/office/drawing/2017/decorative" val="1"/>
@@ -19593,7 +20485,7 @@
           <p:cNvPr id="10" name="Rectangle 9">
             <a:extLst>
               <a:ext uri="{FF2B5EF4-FFF2-40B4-BE49-F238E27FC236}">
-                <a16:creationId xmlns:a16="http://schemas.microsoft.com/office/drawing/2014/main" id="{8D754211-D443-9CD4-93E3-3E554F1C3E44}"/>
+                <a16:creationId xmlns:a16="http://schemas.microsoft.com/office/drawing/2014/main" id="{C4285719-470E-454C-AF62-8323075F1F5B}"/>
               </a:ext>
               <a:ext uri="{C183D7F6-B498-43B3-948B-1728B52AA6E4}">
                 <adec:decorative xmlns:adec="http://schemas.microsoft.com/office/drawing/2017/decorative" val="1"/>
@@ -19669,7 +20561,7 @@
           <p:cNvPr id="12" name="Rectangle 11">
             <a:extLst>
               <a:ext uri="{FF2B5EF4-FFF2-40B4-BE49-F238E27FC236}">
-                <a16:creationId xmlns:a16="http://schemas.microsoft.com/office/drawing/2014/main" id="{0A57257C-2734-E0E8-036B-3E3862A4DB32}"/>
+                <a16:creationId xmlns:a16="http://schemas.microsoft.com/office/drawing/2014/main" id="{CD9FE4EF-C4D8-49A0-B2FF-81D8DB7D8A24}"/>
               </a:ext>
               <a:ext uri="{C183D7F6-B498-43B3-948B-1728B52AA6E4}">
                 <adec:decorative xmlns:adec="http://schemas.microsoft.com/office/drawing/2017/decorative" val="1"/>
@@ -19742,7 +20634,7 @@
           <p:cNvPr id="14" name="Rectangle 13">
             <a:extLst>
               <a:ext uri="{FF2B5EF4-FFF2-40B4-BE49-F238E27FC236}">
-                <a16:creationId xmlns:a16="http://schemas.microsoft.com/office/drawing/2014/main" id="{47577ACD-3048-5D2F-D840-AF1C2456ADF5}"/>
+                <a16:creationId xmlns:a16="http://schemas.microsoft.com/office/drawing/2014/main" id="{4300840D-0A0B-4512-BACA-B439D5B9C57C}"/>
               </a:ext>
               <a:ext uri="{C183D7F6-B498-43B3-948B-1728B52AA6E4}">
                 <adec:decorative xmlns:adec="http://schemas.microsoft.com/office/drawing/2017/decorative" val="1"/>
@@ -19817,7 +20709,7 @@
           <p:cNvPr id="16" name="Rectangle 15">
             <a:extLst>
               <a:ext uri="{FF2B5EF4-FFF2-40B4-BE49-F238E27FC236}">
-                <a16:creationId xmlns:a16="http://schemas.microsoft.com/office/drawing/2014/main" id="{BA6B5386-DD8D-BAA6-DDCD-0FB41016E7E3}"/>
+                <a16:creationId xmlns:a16="http://schemas.microsoft.com/office/drawing/2014/main" id="{D2B78728-A580-49A7-84F9-6EF6F583ADE0}"/>
               </a:ext>
               <a:ext uri="{C183D7F6-B498-43B3-948B-1728B52AA6E4}">
                 <adec:decorative xmlns:adec="http://schemas.microsoft.com/office/drawing/2017/decorative" val="1"/>
@@ -19892,7 +20784,7 @@
           <p:cNvPr id="18" name="Freeform: Shape 17">
             <a:extLst>
               <a:ext uri="{FF2B5EF4-FFF2-40B4-BE49-F238E27FC236}">
-                <a16:creationId xmlns:a16="http://schemas.microsoft.com/office/drawing/2014/main" id="{E02CAA3A-9E6A-2520-88A5-D8C892831E40}"/>
+                <a16:creationId xmlns:a16="http://schemas.microsoft.com/office/drawing/2014/main" id="{38FAA1A1-D861-433F-88FA-1E9D6FD31D11}"/>
               </a:ext>
               <a:ext uri="{C183D7F6-B498-43B3-948B-1728B52AA6E4}">
                 <adec:decorative xmlns:adec="http://schemas.microsoft.com/office/drawing/2017/decorative" val="1"/>
@@ -20062,7 +20954,7 @@
           <p:cNvPr id="20" name="Rectangle 19">
             <a:extLst>
               <a:ext uri="{FF2B5EF4-FFF2-40B4-BE49-F238E27FC236}">
-                <a16:creationId xmlns:a16="http://schemas.microsoft.com/office/drawing/2014/main" id="{06F1E9CB-6325-D24A-BBDA-57ADDEC971E7}"/>
+                <a16:creationId xmlns:a16="http://schemas.microsoft.com/office/drawing/2014/main" id="{8D71EDA1-87BF-4D5D-AB79-F346FD19278A}"/>
               </a:ext>
               <a:ext uri="{C183D7F6-B498-43B3-948B-1728B52AA6E4}">
                 <adec:decorative xmlns:adec="http://schemas.microsoft.com/office/drawing/2017/decorative" val="1"/>
@@ -20139,7 +21031,7 @@
           <p:cNvPr id="2" name="Title 1">
             <a:extLst>
               <a:ext uri="{FF2B5EF4-FFF2-40B4-BE49-F238E27FC236}">
-                <a16:creationId xmlns:a16="http://schemas.microsoft.com/office/drawing/2014/main" id="{E09DBAAD-4074-A0CE-8B5B-CD485FE9D85E}"/>
+                <a16:creationId xmlns:a16="http://schemas.microsoft.com/office/drawing/2014/main" id="{6E8C6BF7-ED77-4F1A-83B9-608CB7417C46}"/>
               </a:ext>
             </a:extLst>
           </p:cNvPr>
@@ -20152,30 +21044,28 @@
         </p:nvSpPr>
         <p:spPr>
           <a:xfrm>
-            <a:off x="418225" y="3056019"/>
-            <a:ext cx="3201366" cy="745960"/>
-          </a:xfrm>
-        </p:spPr>
-        <p:txBody>
-          <a:bodyPr anchor="ctr">
-            <a:noAutofit/>
+            <a:off x="466722" y="586855"/>
+            <a:ext cx="3201366" cy="3387497"/>
+          </a:xfrm>
+        </p:spPr>
+        <p:txBody>
+          <a:bodyPr anchor="b">
+            <a:normAutofit/>
           </a:bodyPr>
           <a:lstStyle/>
           <a:p>
             <a:r>
-              <a:rPr lang="en-US" sz="3600" dirty="0">
+              <a:rPr lang="en-US" sz="4000" dirty="0">
                 <a:solidFill>
                   <a:srgbClr val="FFFFFF"/>
                 </a:solidFill>
-                <a:latin typeface="+mn-lt"/>
               </a:rPr>
-              <a:t>Formation of Fibrin from Fibrinogen</a:t>
-            </a:r>
-            <a:endParaRPr lang="en-IN" sz="3600" dirty="0">
+              <a:t>Bleeding Disorders</a:t>
+            </a:r>
+            <a:endParaRPr lang="en-IN" sz="4000" dirty="0">
               <a:solidFill>
                 <a:srgbClr val="FFFFFF"/>
               </a:solidFill>
-              <a:latin typeface="+mn-lt"/>
             </a:endParaRPr>
           </a:p>
         </p:txBody>
@@ -20185,7 +21075,7 @@
           <p:cNvPr id="3" name="Content Placeholder 2">
             <a:extLst>
               <a:ext uri="{FF2B5EF4-FFF2-40B4-BE49-F238E27FC236}">
-                <a16:creationId xmlns:a16="http://schemas.microsoft.com/office/drawing/2014/main" id="{AE7032AD-C9CB-50BB-43E3-7F1823DE49FA}"/>
+                <a16:creationId xmlns:a16="http://schemas.microsoft.com/office/drawing/2014/main" id="{6E21B8CE-3F3D-4287-A3CA-A143BCA2DF5E}"/>
               </a:ext>
             </a:extLst>
           </p:cNvPr>
@@ -20208,66 +21098,69 @@
           </a:bodyPr>
           <a:lstStyle/>
           <a:p>
-            <a:pPr marL="0" indent="0">
-              <a:buNone/>
-            </a:pPr>
-            <a:r>
-              <a:rPr lang="en-US" sz="2400" dirty="0"/>
-              <a:t>Formation of Fibrin from Fibrinogen </a:t>
-            </a:r>
-          </a:p>
-          <a:p>
-            <a:pPr marL="0" indent="0">
-              <a:buNone/>
-            </a:pPr>
-            <a:r>
-              <a:rPr lang="en-US" sz="2400" dirty="0"/>
-              <a:t>This is the final stage of blood coagulation in which thrombin acts as an enzyme to convert fibrinogen to fibrin. In this process, first, the fibrin monomers are formed and afterward, they are polymerized to fibrin thread (blood clot). </a:t>
-            </a:r>
-          </a:p>
-          <a:p>
-            <a:pPr marL="0" indent="0">
-              <a:buNone/>
-            </a:pPr>
-            <a:r>
-              <a:rPr lang="en-US" sz="2400" dirty="0"/>
-              <a:t>This occurs in three steps: </a:t>
-            </a:r>
-          </a:p>
-          <a:p>
-            <a:pPr marL="342900" indent="-342900">
-              <a:buAutoNum type="arabicPeriod"/>
-            </a:pPr>
-            <a:r>
-              <a:rPr lang="en-US" sz="2400" dirty="0"/>
-              <a:t>Proteolysis of soluble fibrinogen </a:t>
-            </a:r>
-          </a:p>
-          <a:p>
-            <a:pPr marL="342900" indent="-342900">
-              <a:buAutoNum type="arabicPeriod"/>
-            </a:pPr>
-            <a:r>
-              <a:rPr lang="en-US" sz="2400" dirty="0"/>
-              <a:t>Polymerization of fibrin monomers </a:t>
-            </a:r>
-          </a:p>
-          <a:p>
-            <a:pPr marL="342900" indent="-342900">
-              <a:buAutoNum type="arabicPeriod"/>
-            </a:pPr>
-            <a:r>
-              <a:rPr lang="en-US" sz="2400" dirty="0"/>
-              <a:t>Stabilization of fibrin polymer</a:t>
-            </a:r>
-            <a:endParaRPr lang="en-IN" sz="3600" dirty="0"/>
+            <a:r>
+              <a:rPr lang="en-US" sz="2000" dirty="0"/>
+              <a:t>Von Willebrand’s disease: Bleeding disorder caused by the qualitative or quantitative deficiency of the pro von-Willebrand factor</a:t>
+            </a:r>
+          </a:p>
+          <a:p>
+            <a:endParaRPr lang="en-IN" sz="2000" dirty="0"/>
+          </a:p>
+        </p:txBody>
+      </p:sp>
+      <p:sp>
+        <p:nvSpPr>
+          <p:cNvPr id="4" name="Rectangle 3">
+            <a:extLst>
+              <a:ext uri="{FF2B5EF4-FFF2-40B4-BE49-F238E27FC236}">
+                <a16:creationId xmlns:a16="http://schemas.microsoft.com/office/drawing/2014/main" id="{39D00C04-FCA1-BE2C-9C7E-01DC6237874F}"/>
+              </a:ext>
+            </a:extLst>
+          </p:cNvPr>
+          <p:cNvSpPr/>
+          <p:nvPr/>
+        </p:nvSpPr>
+        <p:spPr>
+          <a:xfrm>
+            <a:off x="11641394" y="-19864"/>
+            <a:ext cx="550606" cy="353851"/>
+          </a:xfrm>
+          <a:prstGeom prst="rect">
+            <a:avLst/>
+          </a:prstGeom>
+        </p:spPr>
+        <p:style>
+          <a:lnRef idx="2">
+            <a:schemeClr val="accent1">
+              <a:shade val="15000"/>
+            </a:schemeClr>
+          </a:lnRef>
+          <a:fillRef idx="1">
+            <a:schemeClr val="accent1"/>
+          </a:fillRef>
+          <a:effectRef idx="0">
+            <a:schemeClr val="accent1"/>
+          </a:effectRef>
+          <a:fontRef idx="minor">
+            <a:schemeClr val="lt1"/>
+          </a:fontRef>
+        </p:style>
+        <p:txBody>
+          <a:bodyPr rtlCol="0" anchor="ctr"/>
+          <a:lstStyle/>
+          <a:p>
+            <a:pPr algn="ctr"/>
+            <a:r>
+              <a:rPr lang="en-US" dirty="0"/>
+              <a:t>GY</a:t>
+            </a:r>
           </a:p>
         </p:txBody>
       </p:sp>
     </p:spTree>
     <p:extLst>
       <p:ext uri="{BB962C8B-B14F-4D97-AF65-F5344CB8AC3E}">
-        <p14:creationId xmlns:p14="http://schemas.microsoft.com/office/powerpoint/2010/main" val="507918233"/>
+        <p14:creationId xmlns:p14="http://schemas.microsoft.com/office/powerpoint/2010/main" val="2614511103"/>
       </p:ext>
     </p:extLst>
   </p:cSld>
@@ -20277,7 +21170,7 @@
 </p:sld>
 </file>
 
-<file path=ppt/slides/slide8.xml><?xml version="1.0" encoding="utf-8"?>
+<file path=ppt/slides/slide3.xml><?xml version="1.0" encoding="utf-8"?>
 <p:sld xmlns:a="http://schemas.openxmlformats.org/drawingml/2006/main" xmlns:r="http://schemas.openxmlformats.org/officeDocument/2006/relationships" xmlns:p="http://schemas.openxmlformats.org/presentationml/2006/main">
   <p:cSld>
     <p:bg>
@@ -20290,123 +21183,7 @@
     </p:bg>
     <p:spTree>
       <p:nvGrpSpPr>
-        <p:cNvPr id="1" name="">
-          <a:extLst>
-            <a:ext uri="{FF2B5EF4-FFF2-40B4-BE49-F238E27FC236}">
-              <a16:creationId xmlns:a16="http://schemas.microsoft.com/office/drawing/2014/main" id="{21A14234-470F-94C5-76D3-984C4830977B}"/>
-            </a:ext>
-          </a:extLst>
-        </p:cNvPr>
-        <p:cNvGrpSpPr/>
-        <p:nvPr/>
-      </p:nvGrpSpPr>
-      <p:grpSpPr>
-        <a:xfrm>
-          <a:off x="0" y="0"/>
-          <a:ext cx="0" cy="0"/>
-          <a:chOff x="0" y="0"/>
-          <a:chExt cx="0" cy="0"/>
-        </a:xfrm>
-      </p:grpSpPr>
-      <p:pic>
-        <p:nvPicPr>
-          <p:cNvPr id="5" name="Picture 4">
-            <a:extLst>
-              <a:ext uri="{FF2B5EF4-FFF2-40B4-BE49-F238E27FC236}">
-                <a16:creationId xmlns:a16="http://schemas.microsoft.com/office/drawing/2014/main" id="{B366AFEA-B0FE-D40D-5539-A14A480A0A40}"/>
-              </a:ext>
-            </a:extLst>
-          </p:cNvPr>
-          <p:cNvPicPr>
-            <a:picLocks noChangeAspect="1"/>
-          </p:cNvPicPr>
-          <p:nvPr/>
-        </p:nvPicPr>
-        <p:blipFill>
-          <a:blip r:embed="rId2"/>
-          <a:stretch>
-            <a:fillRect/>
-          </a:stretch>
-        </p:blipFill>
-        <p:spPr>
-          <a:xfrm>
-            <a:off x="1819523" y="210620"/>
-            <a:ext cx="8552953" cy="6436759"/>
-          </a:xfrm>
-          <a:prstGeom prst="rect">
-            <a:avLst/>
-          </a:prstGeom>
-        </p:spPr>
-      </p:pic>
-      <p:sp>
-        <p:nvSpPr>
-          <p:cNvPr id="6" name="TextBox 5">
-            <a:extLst>
-              <a:ext uri="{FF2B5EF4-FFF2-40B4-BE49-F238E27FC236}">
-                <a16:creationId xmlns:a16="http://schemas.microsoft.com/office/drawing/2014/main" id="{1B8D3C60-80FA-0B55-3030-495A76F4DF62}"/>
-              </a:ext>
-            </a:extLst>
-          </p:cNvPr>
-          <p:cNvSpPr txBox="1"/>
-          <p:nvPr/>
-        </p:nvSpPr>
-        <p:spPr>
-          <a:xfrm>
-            <a:off x="4174650" y="5294852"/>
-            <a:ext cx="1331070" cy="400110"/>
-          </a:xfrm>
-          <a:prstGeom prst="rect">
-            <a:avLst/>
-          </a:prstGeom>
-          <a:noFill/>
-        </p:spPr>
-        <p:txBody>
-          <a:bodyPr wrap="none" rtlCol="0">
-            <a:spAutoFit/>
-          </a:bodyPr>
-          <a:lstStyle/>
-          <a:p>
-            <a:pPr algn="ctr"/>
-            <a:r>
-              <a:rPr lang="en-US" sz="2000" dirty="0"/>
-              <a:t>XIIIa , Ca++</a:t>
-            </a:r>
-          </a:p>
-        </p:txBody>
-      </p:sp>
-    </p:spTree>
-    <p:extLst>
-      <p:ext uri="{BB962C8B-B14F-4D97-AF65-F5344CB8AC3E}">
-        <p14:creationId xmlns:p14="http://schemas.microsoft.com/office/powerpoint/2010/main" val="3155841102"/>
-      </p:ext>
-    </p:extLst>
-  </p:cSld>
-  <p:clrMapOvr>
-    <a:masterClrMapping/>
-  </p:clrMapOvr>
-</p:sld>
-</file>
-
-<file path=ppt/slides/slide9.xml><?xml version="1.0" encoding="utf-8"?>
-<p:sld xmlns:a="http://schemas.openxmlformats.org/drawingml/2006/main" xmlns:r="http://schemas.openxmlformats.org/officeDocument/2006/relationships" xmlns:p="http://schemas.openxmlformats.org/presentationml/2006/main">
-  <p:cSld>
-    <p:bg>
-      <p:bgPr>
-        <a:solidFill>
-          <a:schemeClr val="bg1"/>
-        </a:solidFill>
-        <a:effectLst/>
-      </p:bgPr>
-    </p:bg>
-    <p:spTree>
-      <p:nvGrpSpPr>
-        <p:cNvPr id="1" name="">
-          <a:extLst>
-            <a:ext uri="{FF2B5EF4-FFF2-40B4-BE49-F238E27FC236}">
-              <a16:creationId xmlns:a16="http://schemas.microsoft.com/office/drawing/2014/main" id="{2ADE26CB-A7EF-0A13-97D1-C49646028C53}"/>
-            </a:ext>
-          </a:extLst>
-        </p:cNvPr>
+        <p:cNvPr id="1" name=""/>
         <p:cNvGrpSpPr/>
         <p:nvPr/>
       </p:nvGrpSpPr>
@@ -20423,7 +21200,7 @@
           <p:cNvPr id="8" name="Rectangle 7">
             <a:extLst>
               <a:ext uri="{FF2B5EF4-FFF2-40B4-BE49-F238E27FC236}">
-                <a16:creationId xmlns:a16="http://schemas.microsoft.com/office/drawing/2014/main" id="{7003FCE6-5B28-F7B4-6669-BA7B38A6F8E0}"/>
+                <a16:creationId xmlns:a16="http://schemas.microsoft.com/office/drawing/2014/main" id="{09588DA8-065E-4F6F-8EFD-43104AB2E0CF}"/>
               </a:ext>
               <a:ext uri="{C183D7F6-B498-43B3-948B-1728B52AA6E4}">
                 <adec:decorative xmlns:adec="http://schemas.microsoft.com/office/drawing/2017/decorative" val="1"/>
@@ -20499,7 +21276,7 @@
           <p:cNvPr id="10" name="Rectangle 9">
             <a:extLst>
               <a:ext uri="{FF2B5EF4-FFF2-40B4-BE49-F238E27FC236}">
-                <a16:creationId xmlns:a16="http://schemas.microsoft.com/office/drawing/2014/main" id="{B193E5A9-413C-BC06-4C00-B4A2DBC8EADC}"/>
+                <a16:creationId xmlns:a16="http://schemas.microsoft.com/office/drawing/2014/main" id="{C4285719-470E-454C-AF62-8323075F1F5B}"/>
               </a:ext>
               <a:ext uri="{C183D7F6-B498-43B3-948B-1728B52AA6E4}">
                 <adec:decorative xmlns:adec="http://schemas.microsoft.com/office/drawing/2017/decorative" val="1"/>
@@ -20575,7 +21352,7 @@
           <p:cNvPr id="12" name="Rectangle 11">
             <a:extLst>
               <a:ext uri="{FF2B5EF4-FFF2-40B4-BE49-F238E27FC236}">
-                <a16:creationId xmlns:a16="http://schemas.microsoft.com/office/drawing/2014/main" id="{39E286DC-F4E3-07B9-1F69-414DA098F075}"/>
+                <a16:creationId xmlns:a16="http://schemas.microsoft.com/office/drawing/2014/main" id="{CD9FE4EF-C4D8-49A0-B2FF-81D8DB7D8A24}"/>
               </a:ext>
               <a:ext uri="{C183D7F6-B498-43B3-948B-1728B52AA6E4}">
                 <adec:decorative xmlns:adec="http://schemas.microsoft.com/office/drawing/2017/decorative" val="1"/>
@@ -20648,7 +21425,7 @@
           <p:cNvPr id="14" name="Rectangle 13">
             <a:extLst>
               <a:ext uri="{FF2B5EF4-FFF2-40B4-BE49-F238E27FC236}">
-                <a16:creationId xmlns:a16="http://schemas.microsoft.com/office/drawing/2014/main" id="{402E6504-F343-AAA7-C995-927D4505D0E1}"/>
+                <a16:creationId xmlns:a16="http://schemas.microsoft.com/office/drawing/2014/main" id="{4300840D-0A0B-4512-BACA-B439D5B9C57C}"/>
               </a:ext>
               <a:ext uri="{C183D7F6-B498-43B3-948B-1728B52AA6E4}">
                 <adec:decorative xmlns:adec="http://schemas.microsoft.com/office/drawing/2017/decorative" val="1"/>
@@ -20723,7 +21500,7 @@
           <p:cNvPr id="16" name="Rectangle 15">
             <a:extLst>
               <a:ext uri="{FF2B5EF4-FFF2-40B4-BE49-F238E27FC236}">
-                <a16:creationId xmlns:a16="http://schemas.microsoft.com/office/drawing/2014/main" id="{9801B482-A746-3C3A-F8AF-E26EA91CC401}"/>
+                <a16:creationId xmlns:a16="http://schemas.microsoft.com/office/drawing/2014/main" id="{D2B78728-A580-49A7-84F9-6EF6F583ADE0}"/>
               </a:ext>
               <a:ext uri="{C183D7F6-B498-43B3-948B-1728B52AA6E4}">
                 <adec:decorative xmlns:adec="http://schemas.microsoft.com/office/drawing/2017/decorative" val="1"/>
@@ -20798,7 +21575,7 @@
           <p:cNvPr id="18" name="Freeform: Shape 17">
             <a:extLst>
               <a:ext uri="{FF2B5EF4-FFF2-40B4-BE49-F238E27FC236}">
-                <a16:creationId xmlns:a16="http://schemas.microsoft.com/office/drawing/2014/main" id="{7B1DB9EA-0FBC-F0AC-D25F-DC8E619E9ED9}"/>
+                <a16:creationId xmlns:a16="http://schemas.microsoft.com/office/drawing/2014/main" id="{38FAA1A1-D861-433F-88FA-1E9D6FD31D11}"/>
               </a:ext>
               <a:ext uri="{C183D7F6-B498-43B3-948B-1728B52AA6E4}">
                 <adec:decorative xmlns:adec="http://schemas.microsoft.com/office/drawing/2017/decorative" val="1"/>
@@ -20968,7 +21745,7 @@
           <p:cNvPr id="20" name="Rectangle 19">
             <a:extLst>
               <a:ext uri="{FF2B5EF4-FFF2-40B4-BE49-F238E27FC236}">
-                <a16:creationId xmlns:a16="http://schemas.microsoft.com/office/drawing/2014/main" id="{DC6B750E-9D85-9270-657B-4AB05D5416E4}"/>
+                <a16:creationId xmlns:a16="http://schemas.microsoft.com/office/drawing/2014/main" id="{8D71EDA1-87BF-4D5D-AB79-F346FD19278A}"/>
               </a:ext>
               <a:ext uri="{C183D7F6-B498-43B3-948B-1728B52AA6E4}">
                 <adec:decorative xmlns:adec="http://schemas.microsoft.com/office/drawing/2017/decorative" val="1"/>
@@ -21045,6 +21822,3224 @@
           <p:cNvPr id="2" name="Title 1">
             <a:extLst>
               <a:ext uri="{FF2B5EF4-FFF2-40B4-BE49-F238E27FC236}">
+                <a16:creationId xmlns:a16="http://schemas.microsoft.com/office/drawing/2014/main" id="{25B15E2D-7DC1-45E0-8950-31E71C839D61}"/>
+              </a:ext>
+            </a:extLst>
+          </p:cNvPr>
+          <p:cNvSpPr>
+            <a:spLocks noGrp="1"/>
+          </p:cNvSpPr>
+          <p:nvPr>
+            <p:ph type="title"/>
+          </p:nvPr>
+        </p:nvSpPr>
+        <p:spPr>
+          <a:xfrm>
+            <a:off x="418225" y="3056019"/>
+            <a:ext cx="3201366" cy="745960"/>
+          </a:xfrm>
+        </p:spPr>
+        <p:txBody>
+          <a:bodyPr anchor="ctr">
+            <a:normAutofit/>
+          </a:bodyPr>
+          <a:lstStyle/>
+          <a:p>
+            <a:r>
+              <a:rPr lang="en-US" dirty="0">
+                <a:solidFill>
+                  <a:srgbClr val="FFFFFF"/>
+                </a:solidFill>
+                <a:latin typeface="+mn-lt"/>
+              </a:rPr>
+              <a:t>Coagulation</a:t>
+            </a:r>
+            <a:endParaRPr lang="en-IN" dirty="0">
+              <a:solidFill>
+                <a:srgbClr val="FFFFFF"/>
+              </a:solidFill>
+              <a:latin typeface="+mn-lt"/>
+            </a:endParaRPr>
+          </a:p>
+        </p:txBody>
+      </p:sp>
+      <p:sp>
+        <p:nvSpPr>
+          <p:cNvPr id="3" name="Content Placeholder 2">
+            <a:extLst>
+              <a:ext uri="{FF2B5EF4-FFF2-40B4-BE49-F238E27FC236}">
+                <a16:creationId xmlns:a16="http://schemas.microsoft.com/office/drawing/2014/main" id="{9EF53039-9C09-4FE4-B7DD-C8AECC73CA9E}"/>
+              </a:ext>
+            </a:extLst>
+          </p:cNvPr>
+          <p:cNvSpPr>
+            <a:spLocks noGrp="1"/>
+          </p:cNvSpPr>
+          <p:nvPr>
+            <p:ph idx="1"/>
+          </p:nvPr>
+        </p:nvSpPr>
+        <p:spPr>
+          <a:xfrm>
+            <a:off x="4810259" y="649480"/>
+            <a:ext cx="6555347" cy="5546047"/>
+          </a:xfrm>
+        </p:spPr>
+        <p:txBody>
+          <a:bodyPr anchor="ctr">
+            <a:normAutofit/>
+          </a:bodyPr>
+          <a:lstStyle/>
+          <a:p>
+            <a:pPr marL="0" indent="0">
+              <a:buNone/>
+            </a:pPr>
+            <a:r>
+              <a:rPr lang="en-US" sz="2400" dirty="0"/>
+              <a:t>Coagulation is a complex mechanism aimed at preventing excessive blood loss following vascular injury. </a:t>
+            </a:r>
+          </a:p>
+          <a:p>
+            <a:pPr marL="0" indent="0">
+              <a:buNone/>
+            </a:pPr>
+            <a:r>
+              <a:rPr lang="en-US" sz="2400" dirty="0"/>
+              <a:t>It involves two pathways:</a:t>
+            </a:r>
+          </a:p>
+          <a:p>
+            <a:pPr marL="514350" indent="-514350">
+              <a:buFont typeface="+mj-lt"/>
+              <a:buAutoNum type="arabicPeriod"/>
+            </a:pPr>
+            <a:r>
+              <a:rPr lang="en-IN" sz="2400" dirty="0"/>
+              <a:t>Extrinsic Pathway</a:t>
+            </a:r>
+          </a:p>
+          <a:p>
+            <a:pPr marL="514350" indent="-514350">
+              <a:buFont typeface="+mj-lt"/>
+              <a:buAutoNum type="arabicPeriod"/>
+            </a:pPr>
+            <a:r>
+              <a:rPr lang="en-IN" sz="2400" dirty="0"/>
+              <a:t>Intrinsic pathway</a:t>
+            </a:r>
+          </a:p>
+          <a:p>
+            <a:pPr marL="0" indent="0">
+              <a:buNone/>
+            </a:pPr>
+            <a:r>
+              <a:rPr lang="en-IN" sz="2400" dirty="0"/>
+              <a:t>which form a stable fibrin clot. The extrinsic pathway is primarily responsible for initiating cascade of reactions in responsible to external trauma</a:t>
+            </a:r>
+          </a:p>
+        </p:txBody>
+      </p:sp>
+      <p:sp>
+        <p:nvSpPr>
+          <p:cNvPr id="5" name="Rectangle 4">
+            <a:extLst>
+              <a:ext uri="{FF2B5EF4-FFF2-40B4-BE49-F238E27FC236}">
+                <a16:creationId xmlns:a16="http://schemas.microsoft.com/office/drawing/2014/main" id="{EAFB1568-B1D1-A06D-D84F-3EE1FF9DFFCC}"/>
+              </a:ext>
+            </a:extLst>
+          </p:cNvPr>
+          <p:cNvSpPr/>
+          <p:nvPr/>
+        </p:nvSpPr>
+        <p:spPr>
+          <a:xfrm>
+            <a:off x="11641394" y="-19864"/>
+            <a:ext cx="550606" cy="353851"/>
+          </a:xfrm>
+          <a:prstGeom prst="rect">
+            <a:avLst/>
+          </a:prstGeom>
+          <a:solidFill>
+            <a:schemeClr val="accent5"/>
+          </a:solidFill>
+        </p:spPr>
+        <p:style>
+          <a:lnRef idx="2">
+            <a:schemeClr val="accent1">
+              <a:shade val="15000"/>
+            </a:schemeClr>
+          </a:lnRef>
+          <a:fillRef idx="1">
+            <a:schemeClr val="accent1"/>
+          </a:fillRef>
+          <a:effectRef idx="0">
+            <a:schemeClr val="accent1"/>
+          </a:effectRef>
+          <a:fontRef idx="minor">
+            <a:schemeClr val="lt1"/>
+          </a:fontRef>
+        </p:style>
+        <p:txBody>
+          <a:bodyPr rtlCol="0" anchor="ctr"/>
+          <a:lstStyle/>
+          <a:p>
+            <a:pPr algn="ctr"/>
+            <a:r>
+              <a:rPr lang="en-US" dirty="0"/>
+              <a:t>GY</a:t>
+            </a:r>
+          </a:p>
+        </p:txBody>
+      </p:sp>
+    </p:spTree>
+    <p:extLst>
+      <p:ext uri="{BB962C8B-B14F-4D97-AF65-F5344CB8AC3E}">
+        <p14:creationId xmlns:p14="http://schemas.microsoft.com/office/powerpoint/2010/main" val="1518131541"/>
+      </p:ext>
+    </p:extLst>
+  </p:cSld>
+  <p:clrMapOvr>
+    <a:masterClrMapping/>
+  </p:clrMapOvr>
+</p:sld>
+</file>
+
+<file path=ppt/slides/slide30.xml><?xml version="1.0" encoding="utf-8"?>
+<p:sld xmlns:a="http://schemas.openxmlformats.org/drawingml/2006/main" xmlns:r="http://schemas.openxmlformats.org/officeDocument/2006/relationships" xmlns:p="http://schemas.openxmlformats.org/presentationml/2006/main">
+  <p:cSld>
+    <p:bg>
+      <p:bgPr shadeToTitle="1">
+        <a:gradFill flip="none" rotWithShape="1">
+          <a:gsLst>
+            <a:gs pos="0">
+              <a:schemeClr val="tx1">
+                <a:lumMod val="75000"/>
+                <a:lumOff val="25000"/>
+              </a:schemeClr>
+            </a:gs>
+            <a:gs pos="23000">
+              <a:schemeClr val="tx1">
+                <a:lumMod val="85000"/>
+                <a:lumOff val="15000"/>
+              </a:schemeClr>
+            </a:gs>
+            <a:gs pos="69000">
+              <a:schemeClr val="tx1"/>
+            </a:gs>
+            <a:gs pos="97000">
+              <a:schemeClr val="tx1">
+                <a:lumMod val="95000"/>
+                <a:lumOff val="5000"/>
+              </a:schemeClr>
+            </a:gs>
+          </a:gsLst>
+          <a:path path="circle">
+            <a:fillToRect l="50000" t="50000" r="50000" b="50000"/>
+          </a:path>
+          <a:tileRect/>
+        </a:gradFill>
+        <a:effectLst/>
+      </p:bgPr>
+    </p:bg>
+    <p:spTree>
+      <p:nvGrpSpPr>
+        <p:cNvPr id="1" name="">
+          <a:extLst>
+            <a:ext uri="{FF2B5EF4-FFF2-40B4-BE49-F238E27FC236}">
+              <a16:creationId xmlns:a16="http://schemas.microsoft.com/office/drawing/2014/main" id="{F164A5C7-3BC7-61A2-D2A2-B7FEBAD86E81}"/>
+            </a:ext>
+          </a:extLst>
+        </p:cNvPr>
+        <p:cNvGrpSpPr/>
+        <p:nvPr/>
+      </p:nvGrpSpPr>
+      <p:grpSpPr>
+        <a:xfrm>
+          <a:off x="0" y="0"/>
+          <a:ext cx="0" cy="0"/>
+          <a:chOff x="0" y="0"/>
+          <a:chExt cx="0" cy="0"/>
+        </a:xfrm>
+      </p:grpSpPr>
+      <p:sp>
+        <p:nvSpPr>
+          <p:cNvPr id="2" name="Title 1">
+            <a:extLst>
+              <a:ext uri="{FF2B5EF4-FFF2-40B4-BE49-F238E27FC236}">
+                <a16:creationId xmlns:a16="http://schemas.microsoft.com/office/drawing/2014/main" id="{4B3C796E-04E8-29FF-C870-56C7DEEB94D7}"/>
+              </a:ext>
+            </a:extLst>
+          </p:cNvPr>
+          <p:cNvSpPr>
+            <a:spLocks noGrp="1"/>
+          </p:cNvSpPr>
+          <p:nvPr>
+            <p:ph type="ctrTitle"/>
+          </p:nvPr>
+        </p:nvSpPr>
+        <p:spPr>
+          <a:xfrm>
+            <a:off x="1524000" y="2235200"/>
+            <a:ext cx="9144000" cy="2387600"/>
+          </a:xfrm>
+        </p:spPr>
+        <p:txBody>
+          <a:bodyPr anchor="ctr">
+            <a:normAutofit/>
+          </a:bodyPr>
+          <a:lstStyle/>
+          <a:p>
+            <a:r>
+              <a:rPr lang="en-US" sz="8000" dirty="0">
+                <a:solidFill>
+                  <a:schemeClr val="bg1"/>
+                </a:solidFill>
+                <a:latin typeface="+mn-lt"/>
+                <a:cs typeface="Arial" panose="020B0604020202020204" pitchFamily="34" charset="0"/>
+              </a:rPr>
+              <a:t>Thank you!</a:t>
+            </a:r>
+            <a:br>
+              <a:rPr lang="en-US" sz="8000" dirty="0">
+                <a:solidFill>
+                  <a:schemeClr val="bg1"/>
+                </a:solidFill>
+                <a:latin typeface="+mn-lt"/>
+                <a:cs typeface="Arial" panose="020B0604020202020204" pitchFamily="34" charset="0"/>
+              </a:rPr>
+            </a:br>
+            <a:r>
+              <a:rPr lang="en-US" sz="1600" dirty="0">
+                <a:solidFill>
+                  <a:schemeClr val="bg1"/>
+                </a:solidFill>
+                <a:latin typeface="+mn-lt"/>
+                <a:cs typeface="Arial" panose="020B0604020202020204" pitchFamily="34" charset="0"/>
+              </a:rPr>
+              <a:t>Slides by: Sriram, Navneeth, Neha V</a:t>
+            </a:r>
+            <a:br>
+              <a:rPr lang="en-US" sz="1600" dirty="0">
+                <a:solidFill>
+                  <a:schemeClr val="bg1"/>
+                </a:solidFill>
+                <a:latin typeface="+mn-lt"/>
+                <a:cs typeface="Arial" panose="020B0604020202020204" pitchFamily="34" charset="0"/>
+              </a:rPr>
+            </a:br>
+            <a:r>
+              <a:rPr lang="en-US" sz="1600" dirty="0">
+                <a:solidFill>
+                  <a:schemeClr val="bg1"/>
+                </a:solidFill>
+                <a:latin typeface="+mn-lt"/>
+                <a:cs typeface="Arial" panose="020B0604020202020204" pitchFamily="34" charset="0"/>
+              </a:rPr>
+              <a:t>Bibliography: GK Pal and Guyton &amp; Hall </a:t>
+            </a:r>
+            <a:endParaRPr lang="en-US" sz="13800" dirty="0">
+              <a:solidFill>
+                <a:schemeClr val="bg1"/>
+              </a:solidFill>
+              <a:latin typeface="+mn-lt"/>
+              <a:cs typeface="Arial" panose="020B0604020202020204" pitchFamily="34" charset="0"/>
+            </a:endParaRPr>
+          </a:p>
+        </p:txBody>
+      </p:sp>
+    </p:spTree>
+    <p:extLst>
+      <p:ext uri="{BB962C8B-B14F-4D97-AF65-F5344CB8AC3E}">
+        <p14:creationId xmlns:p14="http://schemas.microsoft.com/office/powerpoint/2010/main" val="2793378809"/>
+      </p:ext>
+    </p:extLst>
+  </p:cSld>
+  <p:clrMapOvr>
+    <a:masterClrMapping/>
+  </p:clrMapOvr>
+</p:sld>
+</file>
+
+<file path=ppt/slides/slide4.xml><?xml version="1.0" encoding="utf-8"?>
+<p:sld xmlns:a="http://schemas.openxmlformats.org/drawingml/2006/main" xmlns:r="http://schemas.openxmlformats.org/officeDocument/2006/relationships" xmlns:p="http://schemas.openxmlformats.org/presentationml/2006/main">
+  <p:cSld>
+    <p:bg>
+      <p:bgPr>
+        <a:solidFill>
+          <a:schemeClr val="bg1"/>
+        </a:solidFill>
+        <a:effectLst/>
+      </p:bgPr>
+    </p:bg>
+    <p:spTree>
+      <p:nvGrpSpPr>
+        <p:cNvPr id="1" name=""/>
+        <p:cNvGrpSpPr/>
+        <p:nvPr/>
+      </p:nvGrpSpPr>
+      <p:grpSpPr>
+        <a:xfrm>
+          <a:off x="0" y="0"/>
+          <a:ext cx="0" cy="0"/>
+          <a:chOff x="0" y="0"/>
+          <a:chExt cx="0" cy="0"/>
+        </a:xfrm>
+      </p:grpSpPr>
+      <p:pic>
+        <p:nvPicPr>
+          <p:cNvPr id="5" name="Picture 4">
+            <a:extLst>
+              <a:ext uri="{FF2B5EF4-FFF2-40B4-BE49-F238E27FC236}">
+                <a16:creationId xmlns:a16="http://schemas.microsoft.com/office/drawing/2014/main" id="{28734CCB-7E87-92D2-EC07-4DB9DFB71579}"/>
+              </a:ext>
+            </a:extLst>
+          </p:cNvPr>
+          <p:cNvPicPr>
+            <a:picLocks noChangeAspect="1"/>
+          </p:cNvPicPr>
+          <p:nvPr/>
+        </p:nvPicPr>
+        <p:blipFill>
+          <a:blip r:embed="rId2"/>
+          <a:stretch>
+            <a:fillRect/>
+          </a:stretch>
+        </p:blipFill>
+        <p:spPr>
+          <a:xfrm>
+            <a:off x="1770241" y="0"/>
+            <a:ext cx="8651518" cy="6858000"/>
+          </a:xfrm>
+          <a:prstGeom prst="rect">
+            <a:avLst/>
+          </a:prstGeom>
+        </p:spPr>
+      </p:pic>
+      <p:sp>
+        <p:nvSpPr>
+          <p:cNvPr id="6" name="TextBox 5">
+            <a:extLst>
+              <a:ext uri="{FF2B5EF4-FFF2-40B4-BE49-F238E27FC236}">
+                <a16:creationId xmlns:a16="http://schemas.microsoft.com/office/drawing/2014/main" id="{A79CF475-AAEF-DE61-9D97-78C77A4FE80E}"/>
+              </a:ext>
+            </a:extLst>
+          </p:cNvPr>
+          <p:cNvSpPr txBox="1"/>
+          <p:nvPr/>
+        </p:nvSpPr>
+        <p:spPr>
+          <a:xfrm>
+            <a:off x="8279084" y="2621280"/>
+            <a:ext cx="1010213" cy="261610"/>
+          </a:xfrm>
+          <a:prstGeom prst="rect">
+            <a:avLst/>
+          </a:prstGeom>
+          <a:noFill/>
+        </p:spPr>
+        <p:txBody>
+          <a:bodyPr wrap="none" rtlCol="0">
+            <a:spAutoFit/>
+          </a:bodyPr>
+          <a:lstStyle/>
+          <a:p>
+            <a:r>
+              <a:rPr lang="en-US" sz="1100" dirty="0">
+                <a:solidFill>
+                  <a:schemeClr val="accent6">
+                    <a:lumMod val="50000"/>
+                  </a:schemeClr>
+                </a:solidFill>
+              </a:rPr>
+              <a:t>(Proconvertin)</a:t>
+            </a:r>
+          </a:p>
+        </p:txBody>
+      </p:sp>
+      <p:sp>
+        <p:nvSpPr>
+          <p:cNvPr id="7" name="TextBox 6">
+            <a:extLst>
+              <a:ext uri="{FF2B5EF4-FFF2-40B4-BE49-F238E27FC236}">
+                <a16:creationId xmlns:a16="http://schemas.microsoft.com/office/drawing/2014/main" id="{A9B14C4E-0669-264F-CEE4-B4DC894B39D8}"/>
+              </a:ext>
+            </a:extLst>
+          </p:cNvPr>
+          <p:cNvSpPr txBox="1"/>
+          <p:nvPr/>
+        </p:nvSpPr>
+        <p:spPr>
+          <a:xfrm>
+            <a:off x="6586477" y="1571021"/>
+            <a:ext cx="769763" cy="261610"/>
+          </a:xfrm>
+          <a:prstGeom prst="rect">
+            <a:avLst/>
+          </a:prstGeom>
+          <a:noFill/>
+        </p:spPr>
+        <p:txBody>
+          <a:bodyPr wrap="none" rtlCol="0">
+            <a:spAutoFit/>
+          </a:bodyPr>
+          <a:lstStyle/>
+          <a:p>
+            <a:r>
+              <a:rPr lang="en-US" sz="1100" dirty="0">
+                <a:solidFill>
+                  <a:schemeClr val="accent6">
+                    <a:lumMod val="50000"/>
+                  </a:schemeClr>
+                </a:solidFill>
+              </a:rPr>
+              <a:t>(Factor III)</a:t>
+            </a:r>
+          </a:p>
+        </p:txBody>
+      </p:sp>
+      <p:sp>
+        <p:nvSpPr>
+          <p:cNvPr id="8" name="TextBox 7">
+            <a:extLst>
+              <a:ext uri="{FF2B5EF4-FFF2-40B4-BE49-F238E27FC236}">
+                <a16:creationId xmlns:a16="http://schemas.microsoft.com/office/drawing/2014/main" id="{A8456A24-8754-3D51-3232-B98D67BAD9A4}"/>
+              </a:ext>
+            </a:extLst>
+          </p:cNvPr>
+          <p:cNvSpPr txBox="1"/>
+          <p:nvPr/>
+        </p:nvSpPr>
+        <p:spPr>
+          <a:xfrm>
+            <a:off x="8623851" y="3558808"/>
+            <a:ext cx="852792" cy="600164"/>
+          </a:xfrm>
+          <a:prstGeom prst="rect">
+            <a:avLst/>
+          </a:prstGeom>
+          <a:noFill/>
+        </p:spPr>
+        <p:txBody>
+          <a:bodyPr wrap="square" rtlCol="0">
+            <a:spAutoFit/>
+          </a:bodyPr>
+          <a:lstStyle/>
+          <a:p>
+            <a:pPr algn="ctr"/>
+            <a:r>
+              <a:rPr lang="en-US" sz="1100" dirty="0">
+                <a:solidFill>
+                  <a:schemeClr val="accent6">
+                    <a:lumMod val="50000"/>
+                  </a:schemeClr>
+                </a:solidFill>
+              </a:rPr>
+              <a:t>(Stuart Prover Factor)</a:t>
+            </a:r>
+          </a:p>
+        </p:txBody>
+      </p:sp>
+      <p:sp>
+        <p:nvSpPr>
+          <p:cNvPr id="10" name="TextBox 9">
+            <a:extLst>
+              <a:ext uri="{FF2B5EF4-FFF2-40B4-BE49-F238E27FC236}">
+                <a16:creationId xmlns:a16="http://schemas.microsoft.com/office/drawing/2014/main" id="{8C424830-9DC2-58E8-33F5-D77BA4C26FFB}"/>
+              </a:ext>
+            </a:extLst>
+          </p:cNvPr>
+          <p:cNvSpPr txBox="1"/>
+          <p:nvPr/>
+        </p:nvSpPr>
+        <p:spPr>
+          <a:xfrm>
+            <a:off x="6228308" y="3403224"/>
+            <a:ext cx="1019141" cy="430887"/>
+          </a:xfrm>
+          <a:prstGeom prst="rect">
+            <a:avLst/>
+          </a:prstGeom>
+          <a:noFill/>
+        </p:spPr>
+        <p:txBody>
+          <a:bodyPr wrap="square" rtlCol="0">
+            <a:spAutoFit/>
+          </a:bodyPr>
+          <a:lstStyle/>
+          <a:p>
+            <a:pPr algn="ctr"/>
+            <a:r>
+              <a:rPr lang="en-US" sz="1100" dirty="0">
+                <a:solidFill>
+                  <a:schemeClr val="accent6">
+                    <a:lumMod val="50000"/>
+                  </a:schemeClr>
+                </a:solidFill>
+              </a:rPr>
+              <a:t>(Prothrombin Activator)</a:t>
+            </a:r>
+          </a:p>
+        </p:txBody>
+      </p:sp>
+      <p:sp>
+        <p:nvSpPr>
+          <p:cNvPr id="11" name="TextBox 10">
+            <a:extLst>
+              <a:ext uri="{FF2B5EF4-FFF2-40B4-BE49-F238E27FC236}">
+                <a16:creationId xmlns:a16="http://schemas.microsoft.com/office/drawing/2014/main" id="{BA60275E-17A2-0885-B174-F31E6B49F356}"/>
+              </a:ext>
+            </a:extLst>
+          </p:cNvPr>
+          <p:cNvSpPr txBox="1"/>
+          <p:nvPr/>
+        </p:nvSpPr>
+        <p:spPr>
+          <a:xfrm>
+            <a:off x="5580374" y="4410932"/>
+            <a:ext cx="734496" cy="261610"/>
+          </a:xfrm>
+          <a:prstGeom prst="rect">
+            <a:avLst/>
+          </a:prstGeom>
+          <a:noFill/>
+        </p:spPr>
+        <p:txBody>
+          <a:bodyPr wrap="none" rtlCol="0">
+            <a:spAutoFit/>
+          </a:bodyPr>
+          <a:lstStyle/>
+          <a:p>
+            <a:pPr algn="ctr"/>
+            <a:r>
+              <a:rPr lang="en-US" sz="1100" dirty="0">
+                <a:solidFill>
+                  <a:schemeClr val="accent6">
+                    <a:lumMod val="50000"/>
+                  </a:schemeClr>
+                </a:solidFill>
+              </a:rPr>
+              <a:t>(Factor II)</a:t>
+            </a:r>
+          </a:p>
+        </p:txBody>
+      </p:sp>
+      <p:sp>
+        <p:nvSpPr>
+          <p:cNvPr id="12" name="TextBox 11">
+            <a:extLst>
+              <a:ext uri="{FF2B5EF4-FFF2-40B4-BE49-F238E27FC236}">
+                <a16:creationId xmlns:a16="http://schemas.microsoft.com/office/drawing/2014/main" id="{DD56DE44-3F14-7E81-349B-A189CF984444}"/>
+              </a:ext>
+            </a:extLst>
+          </p:cNvPr>
+          <p:cNvSpPr txBox="1"/>
+          <p:nvPr/>
+        </p:nvSpPr>
+        <p:spPr>
+          <a:xfrm>
+            <a:off x="6306970" y="5025369"/>
+            <a:ext cx="699229" cy="261610"/>
+          </a:xfrm>
+          <a:prstGeom prst="rect">
+            <a:avLst/>
+          </a:prstGeom>
+          <a:noFill/>
+        </p:spPr>
+        <p:txBody>
+          <a:bodyPr wrap="none" rtlCol="0">
+            <a:spAutoFit/>
+          </a:bodyPr>
+          <a:lstStyle/>
+          <a:p>
+            <a:pPr algn="ctr"/>
+            <a:r>
+              <a:rPr lang="en-US" sz="1100" dirty="0">
+                <a:solidFill>
+                  <a:schemeClr val="accent6">
+                    <a:lumMod val="50000"/>
+                  </a:schemeClr>
+                </a:solidFill>
+              </a:rPr>
+              <a:t>(Factor I)</a:t>
+            </a:r>
+          </a:p>
+        </p:txBody>
+      </p:sp>
+      <p:sp>
+        <p:nvSpPr>
+          <p:cNvPr id="2" name="Rectangle 1">
+            <a:extLst>
+              <a:ext uri="{FF2B5EF4-FFF2-40B4-BE49-F238E27FC236}">
+                <a16:creationId xmlns:a16="http://schemas.microsoft.com/office/drawing/2014/main" id="{CC33BE07-4266-8C16-4937-663028D6639C}"/>
+              </a:ext>
+            </a:extLst>
+          </p:cNvPr>
+          <p:cNvSpPr/>
+          <p:nvPr/>
+        </p:nvSpPr>
+        <p:spPr>
+          <a:xfrm>
+            <a:off x="11641394" y="-19864"/>
+            <a:ext cx="550606" cy="353851"/>
+          </a:xfrm>
+          <a:prstGeom prst="rect">
+            <a:avLst/>
+          </a:prstGeom>
+          <a:solidFill>
+            <a:schemeClr val="accent5"/>
+          </a:solidFill>
+        </p:spPr>
+        <p:style>
+          <a:lnRef idx="2">
+            <a:schemeClr val="accent1">
+              <a:shade val="15000"/>
+            </a:schemeClr>
+          </a:lnRef>
+          <a:fillRef idx="1">
+            <a:schemeClr val="accent1"/>
+          </a:fillRef>
+          <a:effectRef idx="0">
+            <a:schemeClr val="accent1"/>
+          </a:effectRef>
+          <a:fontRef idx="minor">
+            <a:schemeClr val="lt1"/>
+          </a:fontRef>
+        </p:style>
+        <p:txBody>
+          <a:bodyPr rtlCol="0" anchor="ctr"/>
+          <a:lstStyle/>
+          <a:p>
+            <a:pPr algn="ctr"/>
+            <a:r>
+              <a:rPr lang="en-US" dirty="0"/>
+              <a:t>GK</a:t>
+            </a:r>
+          </a:p>
+        </p:txBody>
+      </p:sp>
+    </p:spTree>
+    <p:extLst>
+      <p:ext uri="{BB962C8B-B14F-4D97-AF65-F5344CB8AC3E}">
+        <p14:creationId xmlns:p14="http://schemas.microsoft.com/office/powerpoint/2010/main" val="182848702"/>
+      </p:ext>
+    </p:extLst>
+  </p:cSld>
+  <p:clrMapOvr>
+    <a:masterClrMapping/>
+  </p:clrMapOvr>
+</p:sld>
+</file>
+
+<file path=ppt/slides/slide5.xml><?xml version="1.0" encoding="utf-8"?>
+<p:sld xmlns:a="http://schemas.openxmlformats.org/drawingml/2006/main" xmlns:r="http://schemas.openxmlformats.org/officeDocument/2006/relationships" xmlns:p="http://schemas.openxmlformats.org/presentationml/2006/main">
+  <p:cSld>
+    <p:bg>
+      <p:bgPr>
+        <a:solidFill>
+          <a:schemeClr val="bg1"/>
+        </a:solidFill>
+        <a:effectLst/>
+      </p:bgPr>
+    </p:bg>
+    <p:spTree>
+      <p:nvGrpSpPr>
+        <p:cNvPr id="1" name="">
+          <a:extLst>
+            <a:ext uri="{FF2B5EF4-FFF2-40B4-BE49-F238E27FC236}">
+              <a16:creationId xmlns:a16="http://schemas.microsoft.com/office/drawing/2014/main" id="{C75BD47C-BFE0-7266-8FD2-4CE2F1EEEDC4}"/>
+            </a:ext>
+          </a:extLst>
+        </p:cNvPr>
+        <p:cNvGrpSpPr/>
+        <p:nvPr/>
+      </p:nvGrpSpPr>
+      <p:grpSpPr>
+        <a:xfrm>
+          <a:off x="0" y="0"/>
+          <a:ext cx="0" cy="0"/>
+          <a:chOff x="0" y="0"/>
+          <a:chExt cx="0" cy="0"/>
+        </a:xfrm>
+      </p:grpSpPr>
+      <p:pic>
+        <p:nvPicPr>
+          <p:cNvPr id="9" name="Content Placeholder 8" descr="A diagram of a pathway&#10;&#10;Description automatically generated">
+            <a:extLst>
+              <a:ext uri="{FF2B5EF4-FFF2-40B4-BE49-F238E27FC236}">
+                <a16:creationId xmlns:a16="http://schemas.microsoft.com/office/drawing/2014/main" id="{0C5C3C0F-7EA9-2D03-AC6C-5BCD696E7377}"/>
+              </a:ext>
+            </a:extLst>
+          </p:cNvPr>
+          <p:cNvPicPr>
+            <a:picLocks noGrp="1" noChangeAspect="1"/>
+          </p:cNvPicPr>
+          <p:nvPr>
+            <p:ph idx="4294967295"/>
+          </p:nvPr>
+        </p:nvPicPr>
+        <p:blipFill>
+          <a:blip r:embed="rId2">
+            <a:extLst>
+              <a:ext uri="{28A0092B-C50C-407E-A947-70E740481C1C}">
+                <a14:useLocalDpi xmlns:a14="http://schemas.microsoft.com/office/drawing/2010/main" val="0"/>
+              </a:ext>
+            </a:extLst>
+          </a:blip>
+          <a:stretch>
+            <a:fillRect/>
+          </a:stretch>
+        </p:blipFill>
+        <p:spPr>
+          <a:xfrm>
+            <a:off x="1773237" y="186531"/>
+            <a:ext cx="8645525" cy="6484937"/>
+          </a:xfrm>
+          <a:prstGeom prst="rect">
+            <a:avLst/>
+          </a:prstGeom>
+        </p:spPr>
+      </p:pic>
+      <p:sp>
+        <p:nvSpPr>
+          <p:cNvPr id="2" name="Rectangle 1">
+            <a:extLst>
+              <a:ext uri="{FF2B5EF4-FFF2-40B4-BE49-F238E27FC236}">
+                <a16:creationId xmlns:a16="http://schemas.microsoft.com/office/drawing/2014/main" id="{5365B721-9B97-AB41-0C81-B3F4CE60CF0A}"/>
+              </a:ext>
+            </a:extLst>
+          </p:cNvPr>
+          <p:cNvSpPr/>
+          <p:nvPr/>
+        </p:nvSpPr>
+        <p:spPr>
+          <a:xfrm>
+            <a:off x="11641394" y="-19864"/>
+            <a:ext cx="550606" cy="353851"/>
+          </a:xfrm>
+          <a:prstGeom prst="rect">
+            <a:avLst/>
+          </a:prstGeom>
+        </p:spPr>
+        <p:style>
+          <a:lnRef idx="2">
+            <a:schemeClr val="accent1">
+              <a:shade val="15000"/>
+            </a:schemeClr>
+          </a:lnRef>
+          <a:fillRef idx="1">
+            <a:schemeClr val="accent1"/>
+          </a:fillRef>
+          <a:effectRef idx="0">
+            <a:schemeClr val="accent1"/>
+          </a:effectRef>
+          <a:fontRef idx="minor">
+            <a:schemeClr val="lt1"/>
+          </a:fontRef>
+        </p:style>
+        <p:txBody>
+          <a:bodyPr rtlCol="0" anchor="ctr"/>
+          <a:lstStyle/>
+          <a:p>
+            <a:pPr algn="ctr"/>
+            <a:r>
+              <a:rPr lang="en-US" dirty="0"/>
+              <a:t>GY</a:t>
+            </a:r>
+          </a:p>
+        </p:txBody>
+      </p:sp>
+    </p:spTree>
+    <p:extLst>
+      <p:ext uri="{BB962C8B-B14F-4D97-AF65-F5344CB8AC3E}">
+        <p14:creationId xmlns:p14="http://schemas.microsoft.com/office/powerpoint/2010/main" val="2699520623"/>
+      </p:ext>
+    </p:extLst>
+  </p:cSld>
+  <p:clrMapOvr>
+    <a:masterClrMapping/>
+  </p:clrMapOvr>
+</p:sld>
+</file>
+
+<file path=ppt/slides/slide6.xml><?xml version="1.0" encoding="utf-8"?>
+<p:sld xmlns:a="http://schemas.openxmlformats.org/drawingml/2006/main" xmlns:r="http://schemas.openxmlformats.org/officeDocument/2006/relationships" xmlns:p="http://schemas.openxmlformats.org/presentationml/2006/main">
+  <p:cSld>
+    <p:bg>
+      <p:bgPr>
+        <a:solidFill>
+          <a:schemeClr val="bg1"/>
+        </a:solidFill>
+        <a:effectLst/>
+      </p:bgPr>
+    </p:bg>
+    <p:spTree>
+      <p:nvGrpSpPr>
+        <p:cNvPr id="1" name=""/>
+        <p:cNvGrpSpPr/>
+        <p:nvPr/>
+      </p:nvGrpSpPr>
+      <p:grpSpPr>
+        <a:xfrm>
+          <a:off x="0" y="0"/>
+          <a:ext cx="0" cy="0"/>
+          <a:chOff x="0" y="0"/>
+          <a:chExt cx="0" cy="0"/>
+        </a:xfrm>
+      </p:grpSpPr>
+      <p:sp useBgFill="1">
+        <p:nvSpPr>
+          <p:cNvPr id="25" name="Rectangle 24">
+            <a:extLst>
+              <a:ext uri="{FF2B5EF4-FFF2-40B4-BE49-F238E27FC236}">
+                <a16:creationId xmlns:a16="http://schemas.microsoft.com/office/drawing/2014/main" id="{C4285719-470E-454C-AF62-8323075F1F5B}"/>
+              </a:ext>
+              <a:ext uri="{C183D7F6-B498-43B3-948B-1728B52AA6E4}">
+                <adec:decorative xmlns:adec="http://schemas.microsoft.com/office/drawing/2017/decorative" val="1"/>
+              </a:ext>
+            </a:extLst>
+          </p:cNvPr>
+          <p:cNvSpPr>
+            <a:spLocks noGrp="1" noRot="1" noChangeAspect="1" noMove="1" noResize="1" noEditPoints="1" noAdjustHandles="1" noChangeArrowheads="1" noChangeShapeType="1" noTextEdit="1"/>
+          </p:cNvSpPr>
+          <p:nvPr>
+            <p:extLst>
+              <p:ext uri="{386F3935-93C4-4BCD-93E2-E3B085C9AB24}">
+                <p16:designElem xmlns:p16="http://schemas.microsoft.com/office/powerpoint/2015/main" val="1"/>
+              </p:ext>
+            </p:extLst>
+          </p:nvPr>
+        </p:nvSpPr>
+        <p:spPr>
+          <a:xfrm>
+            <a:off x="0" y="0"/>
+            <a:ext cx="12188952" cy="6858000"/>
+          </a:xfrm>
+          <a:prstGeom prst="rect">
+            <a:avLst/>
+          </a:prstGeom>
+          <a:ln w="12700" cap="flat" cmpd="sng" algn="ctr">
+            <a:noFill/>
+            <a:prstDash val="solid"/>
+            <a:miter lim="800000"/>
+          </a:ln>
+          <a:effectLst/>
+          <a:extLst>
+            <a:ext uri="{91240B29-F687-4F45-9708-019B960494DF}">
+              <a14:hiddenLine xmlns:a14="http://schemas.microsoft.com/office/drawing/2010/main" w="12700" cap="flat" cmpd="sng" algn="ctr">
+                <a:solidFill>
+                  <a:schemeClr val="accent1">
+                    <a:shade val="50000"/>
+                  </a:schemeClr>
+                </a:solidFill>
+                <a:prstDash val="solid"/>
+                <a:miter lim="800000"/>
+              </a14:hiddenLine>
+            </a:ext>
+          </a:extLst>
+        </p:spPr>
+        <p:style>
+          <a:lnRef idx="2">
+            <a:schemeClr val="accent1">
+              <a:shade val="50000"/>
+            </a:schemeClr>
+          </a:lnRef>
+          <a:fillRef idx="1">
+            <a:schemeClr val="accent1"/>
+          </a:fillRef>
+          <a:effectRef idx="0">
+            <a:schemeClr val="accent1"/>
+          </a:effectRef>
+          <a:fontRef idx="minor">
+            <a:schemeClr val="lt1"/>
+          </a:fontRef>
+        </p:style>
+        <p:txBody>
+          <a:bodyPr rtlCol="0" anchor="ctr"/>
+          <a:lstStyle/>
+          <a:p>
+            <a:pPr algn="ctr"/>
+            <a:endParaRPr lang="en-US"/>
+          </a:p>
+        </p:txBody>
+      </p:sp>
+      <p:sp>
+        <p:nvSpPr>
+          <p:cNvPr id="27" name="Rectangle 26">
+            <a:extLst>
+              <a:ext uri="{FF2B5EF4-FFF2-40B4-BE49-F238E27FC236}">
+                <a16:creationId xmlns:a16="http://schemas.microsoft.com/office/drawing/2014/main" id="{CD9FE4EF-C4D8-49A0-B2FF-81D8DB7D8A24}"/>
+              </a:ext>
+              <a:ext uri="{C183D7F6-B498-43B3-948B-1728B52AA6E4}">
+                <adec:decorative xmlns:adec="http://schemas.microsoft.com/office/drawing/2017/decorative" val="1"/>
+              </a:ext>
+            </a:extLst>
+          </p:cNvPr>
+          <p:cNvSpPr>
+            <a:spLocks noGrp="1" noRot="1" noChangeAspect="1" noMove="1" noResize="1" noEditPoints="1" noAdjustHandles="1" noChangeArrowheads="1" noChangeShapeType="1" noTextEdit="1"/>
+          </p:cNvSpPr>
+          <p:nvPr>
+            <p:extLst>
+              <p:ext uri="{386F3935-93C4-4BCD-93E2-E3B085C9AB24}">
+                <p16:designElem xmlns:p16="http://schemas.microsoft.com/office/powerpoint/2015/main" val="1"/>
+              </p:ext>
+            </p:extLst>
+          </p:nvPr>
+        </p:nvSpPr>
+        <p:spPr>
+          <a:xfrm rot="5400000" flipH="1">
+            <a:off x="-1410084" y="1410082"/>
+            <a:ext cx="6858000" cy="4037836"/>
+          </a:xfrm>
+          <a:prstGeom prst="rect">
+            <a:avLst/>
+          </a:prstGeom>
+          <a:gradFill>
+            <a:gsLst>
+              <a:gs pos="8000">
+                <a:srgbClr val="000000"/>
+              </a:gs>
+              <a:gs pos="100000">
+                <a:schemeClr val="accent1">
+                  <a:lumMod val="75000"/>
+                </a:schemeClr>
+              </a:gs>
+            </a:gsLst>
+            <a:lin ang="3000000" scaled="0"/>
+          </a:gradFill>
+          <a:ln>
+            <a:noFill/>
+          </a:ln>
+        </p:spPr>
+        <p:style>
+          <a:lnRef idx="2">
+            <a:schemeClr val="accent1">
+              <a:shade val="50000"/>
+            </a:schemeClr>
+          </a:lnRef>
+          <a:fillRef idx="1">
+            <a:schemeClr val="accent1"/>
+          </a:fillRef>
+          <a:effectRef idx="0">
+            <a:schemeClr val="accent1"/>
+          </a:effectRef>
+          <a:fontRef idx="minor">
+            <a:schemeClr val="lt1"/>
+          </a:fontRef>
+        </p:style>
+        <p:txBody>
+          <a:bodyPr rtlCol="0" anchor="ctr"/>
+          <a:lstStyle/>
+          <a:p>
+            <a:pPr algn="ctr"/>
+            <a:endParaRPr lang="en-US"/>
+          </a:p>
+        </p:txBody>
+      </p:sp>
+      <p:sp>
+        <p:nvSpPr>
+          <p:cNvPr id="29" name="Rectangle 28">
+            <a:extLst>
+              <a:ext uri="{FF2B5EF4-FFF2-40B4-BE49-F238E27FC236}">
+                <a16:creationId xmlns:a16="http://schemas.microsoft.com/office/drawing/2014/main" id="{4300840D-0A0B-4512-BACA-B439D5B9C57C}"/>
+              </a:ext>
+              <a:ext uri="{C183D7F6-B498-43B3-948B-1728B52AA6E4}">
+                <adec:decorative xmlns:adec="http://schemas.microsoft.com/office/drawing/2017/decorative" val="1"/>
+              </a:ext>
+            </a:extLst>
+          </p:cNvPr>
+          <p:cNvSpPr>
+            <a:spLocks noGrp="1" noRot="1" noChangeAspect="1" noMove="1" noResize="1" noEditPoints="1" noAdjustHandles="1" noChangeArrowheads="1" noChangeShapeType="1" noTextEdit="1"/>
+          </p:cNvSpPr>
+          <p:nvPr>
+            <p:extLst>
+              <p:ext uri="{386F3935-93C4-4BCD-93E2-E3B085C9AB24}">
+                <p16:designElem xmlns:p16="http://schemas.microsoft.com/office/powerpoint/2015/main" val="1"/>
+              </p:ext>
+            </p:extLst>
+          </p:nvPr>
+        </p:nvSpPr>
+        <p:spPr>
+          <a:xfrm rot="5400000" flipH="1">
+            <a:off x="-1410085" y="1420219"/>
+            <a:ext cx="6857999" cy="4037839"/>
+          </a:xfrm>
+          <a:prstGeom prst="rect">
+            <a:avLst/>
+          </a:prstGeom>
+          <a:gradFill>
+            <a:gsLst>
+              <a:gs pos="0">
+                <a:srgbClr val="000000">
+                  <a:alpha val="0"/>
+                </a:srgbClr>
+              </a:gs>
+              <a:gs pos="99000">
+                <a:schemeClr val="accent1">
+                  <a:alpha val="46000"/>
+                </a:schemeClr>
+              </a:gs>
+            </a:gsLst>
+            <a:lin ang="1800000" scaled="0"/>
+          </a:gradFill>
+          <a:ln>
+            <a:noFill/>
+          </a:ln>
+        </p:spPr>
+        <p:style>
+          <a:lnRef idx="2">
+            <a:schemeClr val="accent1">
+              <a:shade val="50000"/>
+            </a:schemeClr>
+          </a:lnRef>
+          <a:fillRef idx="1">
+            <a:schemeClr val="accent1"/>
+          </a:fillRef>
+          <a:effectRef idx="0">
+            <a:schemeClr val="accent1"/>
+          </a:effectRef>
+          <a:fontRef idx="minor">
+            <a:schemeClr val="lt1"/>
+          </a:fontRef>
+        </p:style>
+        <p:txBody>
+          <a:bodyPr rtlCol="0" anchor="ctr"/>
+          <a:lstStyle/>
+          <a:p>
+            <a:pPr algn="ctr"/>
+            <a:endParaRPr lang="en-US"/>
+          </a:p>
+        </p:txBody>
+      </p:sp>
+      <p:sp>
+        <p:nvSpPr>
+          <p:cNvPr id="31" name="Rectangle 30">
+            <a:extLst>
+              <a:ext uri="{FF2B5EF4-FFF2-40B4-BE49-F238E27FC236}">
+                <a16:creationId xmlns:a16="http://schemas.microsoft.com/office/drawing/2014/main" id="{D2B78728-A580-49A7-84F9-6EF6F583ADE0}"/>
+              </a:ext>
+              <a:ext uri="{C183D7F6-B498-43B3-948B-1728B52AA6E4}">
+                <adec:decorative xmlns:adec="http://schemas.microsoft.com/office/drawing/2017/decorative" val="1"/>
+              </a:ext>
+            </a:extLst>
+          </p:cNvPr>
+          <p:cNvSpPr>
+            <a:spLocks noGrp="1" noRot="1" noChangeAspect="1" noMove="1" noResize="1" noEditPoints="1" noAdjustHandles="1" noChangeArrowheads="1" noChangeShapeType="1" noTextEdit="1"/>
+          </p:cNvSpPr>
+          <p:nvPr>
+            <p:extLst>
+              <p:ext uri="{386F3935-93C4-4BCD-93E2-E3B085C9AB24}">
+                <p16:designElem xmlns:p16="http://schemas.microsoft.com/office/powerpoint/2015/main" val="1"/>
+              </p:ext>
+            </p:extLst>
+          </p:nvPr>
+        </p:nvSpPr>
+        <p:spPr>
+          <a:xfrm rot="5400000" flipH="1">
+            <a:off x="767923" y="3588085"/>
+            <a:ext cx="2501979" cy="4037841"/>
+          </a:xfrm>
+          <a:prstGeom prst="rect">
+            <a:avLst/>
+          </a:prstGeom>
+          <a:gradFill>
+            <a:gsLst>
+              <a:gs pos="2000">
+                <a:schemeClr val="accent1">
+                  <a:alpha val="29000"/>
+                </a:schemeClr>
+              </a:gs>
+              <a:gs pos="100000">
+                <a:srgbClr val="000000">
+                  <a:alpha val="30000"/>
+                </a:srgbClr>
+              </a:gs>
+            </a:gsLst>
+            <a:lin ang="7800000" scaled="0"/>
+          </a:gradFill>
+          <a:ln>
+            <a:noFill/>
+          </a:ln>
+        </p:spPr>
+        <p:style>
+          <a:lnRef idx="2">
+            <a:schemeClr val="accent1">
+              <a:shade val="50000"/>
+            </a:schemeClr>
+          </a:lnRef>
+          <a:fillRef idx="1">
+            <a:schemeClr val="accent1"/>
+          </a:fillRef>
+          <a:effectRef idx="0">
+            <a:schemeClr val="accent1"/>
+          </a:effectRef>
+          <a:fontRef idx="minor">
+            <a:schemeClr val="lt1"/>
+          </a:fontRef>
+        </p:style>
+        <p:txBody>
+          <a:bodyPr rtlCol="0" anchor="ctr"/>
+          <a:lstStyle/>
+          <a:p>
+            <a:pPr algn="ctr"/>
+            <a:endParaRPr lang="en-US" dirty="0"/>
+          </a:p>
+        </p:txBody>
+      </p:sp>
+      <p:sp>
+        <p:nvSpPr>
+          <p:cNvPr id="33" name="Freeform: Shape 32">
+            <a:extLst>
+              <a:ext uri="{FF2B5EF4-FFF2-40B4-BE49-F238E27FC236}">
+                <a16:creationId xmlns:a16="http://schemas.microsoft.com/office/drawing/2014/main" id="{38FAA1A1-D861-433F-88FA-1E9D6FD31D11}"/>
+              </a:ext>
+              <a:ext uri="{C183D7F6-B498-43B3-948B-1728B52AA6E4}">
+                <adec:decorative xmlns:adec="http://schemas.microsoft.com/office/drawing/2017/decorative" val="1"/>
+              </a:ext>
+            </a:extLst>
+          </p:cNvPr>
+          <p:cNvSpPr>
+            <a:spLocks noGrp="1" noRot="1" noChangeAspect="1" noMove="1" noResize="1" noEditPoints="1" noAdjustHandles="1" noChangeArrowheads="1" noChangeShapeType="1" noTextEdit="1"/>
+          </p:cNvSpPr>
+          <p:nvPr>
+            <p:extLst>
+              <p:ext uri="{386F3935-93C4-4BCD-93E2-E3B085C9AB24}">
+                <p16:designElem xmlns:p16="http://schemas.microsoft.com/office/powerpoint/2015/main" val="1"/>
+              </p:ext>
+            </p:extLst>
+          </p:nvPr>
+        </p:nvSpPr>
+        <p:spPr>
+          <a:xfrm rot="20635413">
+            <a:off x="-501737" y="969718"/>
+            <a:ext cx="3900357" cy="4178958"/>
+          </a:xfrm>
+          <a:custGeom>
+            <a:avLst/>
+            <a:gdLst>
+              <a:gd name="connsiteX0" fmla="*/ 2432225 w 3900357"/>
+              <a:gd name="connsiteY0" fmla="*/ 93939 h 4178958"/>
+              <a:gd name="connsiteX1" fmla="*/ 3900357 w 3900357"/>
+              <a:gd name="connsiteY1" fmla="*/ 2089479 h 4178958"/>
+              <a:gd name="connsiteX2" fmla="*/ 1810878 w 3900357"/>
+              <a:gd name="connsiteY2" fmla="*/ 4178958 h 4178958"/>
+              <a:gd name="connsiteX3" fmla="*/ 78249 w 3900357"/>
+              <a:gd name="connsiteY3" fmla="*/ 3257727 h 4178958"/>
+              <a:gd name="connsiteX4" fmla="*/ 0 w 3900357"/>
+              <a:gd name="connsiteY4" fmla="*/ 3128923 h 4178958"/>
+              <a:gd name="connsiteX5" fmla="*/ 831324 w 3900357"/>
+              <a:gd name="connsiteY5" fmla="*/ 244281 h 4178958"/>
+              <a:gd name="connsiteX6" fmla="*/ 997559 w 3900357"/>
+              <a:gd name="connsiteY6" fmla="*/ 164202 h 4178958"/>
+              <a:gd name="connsiteX7" fmla="*/ 1810878 w 3900357"/>
+              <a:gd name="connsiteY7" fmla="*/ 0 h 4178958"/>
+              <a:gd name="connsiteX8" fmla="*/ 2432225 w 3900357"/>
+              <a:gd name="connsiteY8" fmla="*/ 93939 h 4178958"/>
+            </a:gdLst>
+            <a:ahLst/>
+            <a:cxnLst>
+              <a:cxn ang="0">
+                <a:pos x="connsiteX0" y="connsiteY0"/>
+              </a:cxn>
+              <a:cxn ang="0">
+                <a:pos x="connsiteX1" y="connsiteY1"/>
+              </a:cxn>
+              <a:cxn ang="0">
+                <a:pos x="connsiteX2" y="connsiteY2"/>
+              </a:cxn>
+              <a:cxn ang="0">
+                <a:pos x="connsiteX3" y="connsiteY3"/>
+              </a:cxn>
+              <a:cxn ang="0">
+                <a:pos x="connsiteX4" y="connsiteY4"/>
+              </a:cxn>
+              <a:cxn ang="0">
+                <a:pos x="connsiteX5" y="connsiteY5"/>
+              </a:cxn>
+              <a:cxn ang="0">
+                <a:pos x="connsiteX6" y="connsiteY6"/>
+              </a:cxn>
+              <a:cxn ang="0">
+                <a:pos x="connsiteX7" y="connsiteY7"/>
+              </a:cxn>
+              <a:cxn ang="0">
+                <a:pos x="connsiteX8" y="connsiteY8"/>
+              </a:cxn>
+            </a:cxnLst>
+            <a:rect l="l" t="t" r="r" b="b"/>
+            <a:pathLst>
+              <a:path w="3900357" h="4178958">
+                <a:moveTo>
+                  <a:pt x="2432225" y="93939"/>
+                </a:moveTo>
+                <a:cubicBezTo>
+                  <a:pt x="3282786" y="358491"/>
+                  <a:pt x="3900357" y="1151865"/>
+                  <a:pt x="3900357" y="2089479"/>
+                </a:cubicBezTo>
+                <a:cubicBezTo>
+                  <a:pt x="3900357" y="3243466"/>
+                  <a:pt x="2964865" y="4178958"/>
+                  <a:pt x="1810878" y="4178958"/>
+                </a:cubicBezTo>
+                <a:cubicBezTo>
+                  <a:pt x="1089636" y="4178958"/>
+                  <a:pt x="453744" y="3813531"/>
+                  <a:pt x="78249" y="3257727"/>
+                </a:cubicBezTo>
+                <a:lnTo>
+                  <a:pt x="0" y="3128923"/>
+                </a:lnTo>
+                <a:lnTo>
+                  <a:pt x="831324" y="244281"/>
+                </a:lnTo>
+                <a:lnTo>
+                  <a:pt x="997559" y="164202"/>
+                </a:lnTo>
+                <a:cubicBezTo>
+                  <a:pt x="1247540" y="58468"/>
+                  <a:pt x="1522381" y="0"/>
+                  <a:pt x="1810878" y="0"/>
+                </a:cubicBezTo>
+                <a:cubicBezTo>
+                  <a:pt x="2027251" y="0"/>
+                  <a:pt x="2235942" y="32888"/>
+                  <a:pt x="2432225" y="93939"/>
+                </a:cubicBezTo>
+                <a:close/>
+              </a:path>
+            </a:pathLst>
+          </a:custGeom>
+          <a:gradFill>
+            <a:gsLst>
+              <a:gs pos="29000">
+                <a:srgbClr val="000000">
+                  <a:alpha val="0"/>
+                </a:srgbClr>
+              </a:gs>
+              <a:gs pos="100000">
+                <a:schemeClr val="accent1">
+                  <a:alpha val="43000"/>
+                </a:schemeClr>
+              </a:gs>
+            </a:gsLst>
+            <a:lin ang="1800000" scaled="0"/>
+          </a:gradFill>
+          <a:ln>
+            <a:noFill/>
+          </a:ln>
+        </p:spPr>
+        <p:style>
+          <a:lnRef idx="2">
+            <a:schemeClr val="accent1">
+              <a:shade val="50000"/>
+            </a:schemeClr>
+          </a:lnRef>
+          <a:fillRef idx="1">
+            <a:schemeClr val="accent1"/>
+          </a:fillRef>
+          <a:effectRef idx="0">
+            <a:schemeClr val="accent1"/>
+          </a:effectRef>
+          <a:fontRef idx="minor">
+            <a:schemeClr val="lt1"/>
+          </a:fontRef>
+        </p:style>
+        <p:txBody>
+          <a:bodyPr wrap="square" rtlCol="0" anchor="ctr">
+            <a:noAutofit/>
+          </a:bodyPr>
+          <a:lstStyle/>
+          <a:p>
+            <a:pPr algn="ctr"/>
+            <a:endParaRPr lang="en-US" dirty="0"/>
+          </a:p>
+        </p:txBody>
+      </p:sp>
+      <p:sp>
+        <p:nvSpPr>
+          <p:cNvPr id="35" name="Rectangle 34">
+            <a:extLst>
+              <a:ext uri="{FF2B5EF4-FFF2-40B4-BE49-F238E27FC236}">
+                <a16:creationId xmlns:a16="http://schemas.microsoft.com/office/drawing/2014/main" id="{8D71EDA1-87BF-4D5D-AB79-F346FD19278A}"/>
+              </a:ext>
+              <a:ext uri="{C183D7F6-B498-43B3-948B-1728B52AA6E4}">
+                <adec:decorative xmlns:adec="http://schemas.microsoft.com/office/drawing/2017/decorative" val="1"/>
+              </a:ext>
+            </a:extLst>
+          </p:cNvPr>
+          <p:cNvSpPr>
+            <a:spLocks noGrp="1" noRot="1" noChangeAspect="1" noMove="1" noResize="1" noEditPoints="1" noAdjustHandles="1" noChangeArrowheads="1" noChangeShapeType="1" noTextEdit="1"/>
+          </p:cNvSpPr>
+          <p:nvPr>
+            <p:extLst>
+              <p:ext uri="{386F3935-93C4-4BCD-93E2-E3B085C9AB24}">
+                <p16:designElem xmlns:p16="http://schemas.microsoft.com/office/powerpoint/2015/main" val="1"/>
+              </p:ext>
+            </p:extLst>
+          </p:nvPr>
+        </p:nvSpPr>
+        <p:spPr>
+          <a:xfrm rot="5400000" flipH="1">
+            <a:off x="-1410093" y="1399943"/>
+            <a:ext cx="6858003" cy="4037835"/>
+          </a:xfrm>
+          <a:prstGeom prst="rect">
+            <a:avLst/>
+          </a:prstGeom>
+          <a:gradFill>
+            <a:gsLst>
+              <a:gs pos="0">
+                <a:srgbClr val="000000">
+                  <a:alpha val="0"/>
+                </a:srgbClr>
+              </a:gs>
+              <a:gs pos="99000">
+                <a:schemeClr val="accent1">
+                  <a:lumMod val="60000"/>
+                  <a:lumOff val="40000"/>
+                  <a:alpha val="11000"/>
+                </a:schemeClr>
+              </a:gs>
+            </a:gsLst>
+            <a:lin ang="7200000" scaled="0"/>
+          </a:gradFill>
+          <a:ln>
+            <a:noFill/>
+          </a:ln>
+        </p:spPr>
+        <p:style>
+          <a:lnRef idx="2">
+            <a:schemeClr val="accent1">
+              <a:shade val="50000"/>
+            </a:schemeClr>
+          </a:lnRef>
+          <a:fillRef idx="1">
+            <a:schemeClr val="accent1"/>
+          </a:fillRef>
+          <a:effectRef idx="0">
+            <a:schemeClr val="accent1"/>
+          </a:effectRef>
+          <a:fontRef idx="minor">
+            <a:schemeClr val="lt1"/>
+          </a:fontRef>
+        </p:style>
+        <p:txBody>
+          <a:bodyPr rtlCol="0" anchor="ctr"/>
+          <a:lstStyle/>
+          <a:p>
+            <a:pPr algn="ctr"/>
+            <a:endParaRPr lang="en-US"/>
+          </a:p>
+        </p:txBody>
+      </p:sp>
+      <p:sp>
+        <p:nvSpPr>
+          <p:cNvPr id="2" name="Title 1">
+            <a:extLst>
+              <a:ext uri="{FF2B5EF4-FFF2-40B4-BE49-F238E27FC236}">
+                <a16:creationId xmlns:a16="http://schemas.microsoft.com/office/drawing/2014/main" id="{66AA1A3E-2BD3-4C8C-87E3-F39F256481CE}"/>
+              </a:ext>
+            </a:extLst>
+          </p:cNvPr>
+          <p:cNvSpPr>
+            <a:spLocks noGrp="1"/>
+          </p:cNvSpPr>
+          <p:nvPr>
+            <p:ph type="title"/>
+          </p:nvPr>
+        </p:nvSpPr>
+        <p:spPr>
+          <a:xfrm>
+            <a:off x="466722" y="586855"/>
+            <a:ext cx="3201366" cy="3387497"/>
+          </a:xfrm>
+        </p:spPr>
+        <p:txBody>
+          <a:bodyPr vert="horz" lIns="91440" tIns="45720" rIns="91440" bIns="45720" rtlCol="0" anchor="b">
+            <a:normAutofit/>
+          </a:bodyPr>
+          <a:lstStyle/>
+          <a:p>
+            <a:r>
+              <a:rPr lang="en-US" sz="4800" kern="1200" dirty="0">
+                <a:solidFill>
+                  <a:srgbClr val="FFFFFF"/>
+                </a:solidFill>
+                <a:latin typeface="+mj-lt"/>
+                <a:ea typeface="+mj-ea"/>
+                <a:cs typeface="+mj-cs"/>
+              </a:rPr>
+              <a:t>Common Pathway</a:t>
+            </a:r>
+          </a:p>
+        </p:txBody>
+      </p:sp>
+      <p:pic>
+        <p:nvPicPr>
+          <p:cNvPr id="5" name="Content Placeholder 4" descr="A diagram of a graph&#10;&#10;Description automatically generated with medium confidence">
+            <a:extLst>
+              <a:ext uri="{FF2B5EF4-FFF2-40B4-BE49-F238E27FC236}">
+                <a16:creationId xmlns:a16="http://schemas.microsoft.com/office/drawing/2014/main" id="{1EF6E94E-E2BA-489B-80BE-99639F1AF696}"/>
+              </a:ext>
+            </a:extLst>
+          </p:cNvPr>
+          <p:cNvPicPr>
+            <a:picLocks noChangeAspect="1"/>
+          </p:cNvPicPr>
+          <p:nvPr/>
+        </p:nvPicPr>
+        <p:blipFill>
+          <a:blip r:embed="rId2">
+            <a:extLst>
+              <a:ext uri="{28A0092B-C50C-407E-A947-70E740481C1C}">
+                <a14:useLocalDpi xmlns:a14="http://schemas.microsoft.com/office/drawing/2010/main" val="0"/>
+              </a:ext>
+            </a:extLst>
+          </a:blip>
+          <a:stretch>
+            <a:fillRect/>
+          </a:stretch>
+        </p:blipFill>
+        <p:spPr>
+          <a:xfrm>
+            <a:off x="4504548" y="527192"/>
+            <a:ext cx="7037211" cy="5629767"/>
+          </a:xfrm>
+          <a:prstGeom prst="rect">
+            <a:avLst/>
+          </a:prstGeom>
+        </p:spPr>
+      </p:pic>
+      <p:sp>
+        <p:nvSpPr>
+          <p:cNvPr id="3" name="Rectangle 2">
+            <a:extLst>
+              <a:ext uri="{FF2B5EF4-FFF2-40B4-BE49-F238E27FC236}">
+                <a16:creationId xmlns:a16="http://schemas.microsoft.com/office/drawing/2014/main" id="{639B6A6A-4D65-98A8-F1B4-EE5E93BFA085}"/>
+              </a:ext>
+            </a:extLst>
+          </p:cNvPr>
+          <p:cNvSpPr/>
+          <p:nvPr/>
+        </p:nvSpPr>
+        <p:spPr>
+          <a:xfrm>
+            <a:off x="11638346" y="-10142"/>
+            <a:ext cx="550606" cy="353851"/>
+          </a:xfrm>
+          <a:prstGeom prst="rect">
+            <a:avLst/>
+          </a:prstGeom>
+        </p:spPr>
+        <p:style>
+          <a:lnRef idx="2">
+            <a:schemeClr val="accent1">
+              <a:shade val="15000"/>
+            </a:schemeClr>
+          </a:lnRef>
+          <a:fillRef idx="1">
+            <a:schemeClr val="accent1"/>
+          </a:fillRef>
+          <a:effectRef idx="0">
+            <a:schemeClr val="accent1"/>
+          </a:effectRef>
+          <a:fontRef idx="minor">
+            <a:schemeClr val="lt1"/>
+          </a:fontRef>
+        </p:style>
+        <p:txBody>
+          <a:bodyPr rtlCol="0" anchor="ctr"/>
+          <a:lstStyle/>
+          <a:p>
+            <a:pPr algn="ctr"/>
+            <a:r>
+              <a:rPr lang="en-US" dirty="0"/>
+              <a:t>GY</a:t>
+            </a:r>
+          </a:p>
+        </p:txBody>
+      </p:sp>
+    </p:spTree>
+    <p:extLst>
+      <p:ext uri="{BB962C8B-B14F-4D97-AF65-F5344CB8AC3E}">
+        <p14:creationId xmlns:p14="http://schemas.microsoft.com/office/powerpoint/2010/main" val="4113516181"/>
+      </p:ext>
+    </p:extLst>
+  </p:cSld>
+  <p:clrMapOvr>
+    <a:masterClrMapping/>
+  </p:clrMapOvr>
+</p:sld>
+</file>
+
+<file path=ppt/slides/slide7.xml><?xml version="1.0" encoding="utf-8"?>
+<p:sld xmlns:a="http://schemas.openxmlformats.org/drawingml/2006/main" xmlns:r="http://schemas.openxmlformats.org/officeDocument/2006/relationships" xmlns:p="http://schemas.openxmlformats.org/presentationml/2006/main">
+  <p:cSld>
+    <p:bg>
+      <p:bgPr>
+        <a:solidFill>
+          <a:schemeClr val="bg1"/>
+        </a:solidFill>
+        <a:effectLst/>
+      </p:bgPr>
+    </p:bg>
+    <p:spTree>
+      <p:nvGrpSpPr>
+        <p:cNvPr id="1" name="">
+          <a:extLst>
+            <a:ext uri="{FF2B5EF4-FFF2-40B4-BE49-F238E27FC236}">
+              <a16:creationId xmlns:a16="http://schemas.microsoft.com/office/drawing/2014/main" id="{886B2E58-47B6-4997-FCF2-1A6E19D0D776}"/>
+            </a:ext>
+          </a:extLst>
+        </p:cNvPr>
+        <p:cNvGrpSpPr/>
+        <p:nvPr/>
+      </p:nvGrpSpPr>
+      <p:grpSpPr>
+        <a:xfrm>
+          <a:off x="0" y="0"/>
+          <a:ext cx="0" cy="0"/>
+          <a:chOff x="0" y="0"/>
+          <a:chExt cx="0" cy="0"/>
+        </a:xfrm>
+      </p:grpSpPr>
+      <p:sp useBgFill="1">
+        <p:nvSpPr>
+          <p:cNvPr id="8" name="Rectangle 7">
+            <a:extLst>
+              <a:ext uri="{FF2B5EF4-FFF2-40B4-BE49-F238E27FC236}">
+                <a16:creationId xmlns:a16="http://schemas.microsoft.com/office/drawing/2014/main" id="{3B767E59-7EA2-A1A7-BEA3-9545F0FC1684}"/>
+              </a:ext>
+              <a:ext uri="{C183D7F6-B498-43B3-948B-1728B52AA6E4}">
+                <adec:decorative xmlns:adec="http://schemas.microsoft.com/office/drawing/2017/decorative" val="1"/>
+              </a:ext>
+            </a:extLst>
+          </p:cNvPr>
+          <p:cNvSpPr>
+            <a:spLocks noGrp="1" noRot="1" noChangeAspect="1" noMove="1" noResize="1" noEditPoints="1" noAdjustHandles="1" noChangeArrowheads="1" noChangeShapeType="1" noTextEdit="1"/>
+          </p:cNvSpPr>
+          <p:nvPr>
+            <p:extLst>
+              <p:ext uri="{386F3935-93C4-4BCD-93E2-E3B085C9AB24}">
+                <p16:designElem xmlns:p16="http://schemas.microsoft.com/office/powerpoint/2015/main" val="1"/>
+              </p:ext>
+            </p:extLst>
+          </p:nvPr>
+        </p:nvSpPr>
+        <p:spPr>
+          <a:xfrm>
+            <a:off x="0" y="0"/>
+            <a:ext cx="12192000" cy="6858000"/>
+          </a:xfrm>
+          <a:prstGeom prst="rect">
+            <a:avLst/>
+          </a:prstGeom>
+          <a:ln w="12700" cap="flat" cmpd="sng" algn="ctr">
+            <a:noFill/>
+            <a:prstDash val="solid"/>
+            <a:miter lim="800000"/>
+          </a:ln>
+          <a:effectLst/>
+          <a:extLst>
+            <a:ext uri="{91240B29-F687-4F45-9708-019B960494DF}">
+              <a14:hiddenLine xmlns:a14="http://schemas.microsoft.com/office/drawing/2010/main" w="12700" cap="flat" cmpd="sng" algn="ctr">
+                <a:solidFill>
+                  <a:schemeClr val="accent1">
+                    <a:shade val="50000"/>
+                  </a:schemeClr>
+                </a:solidFill>
+                <a:prstDash val="solid"/>
+                <a:miter lim="800000"/>
+              </a14:hiddenLine>
+            </a:ext>
+          </a:extLst>
+        </p:spPr>
+        <p:style>
+          <a:lnRef idx="2">
+            <a:schemeClr val="accent1">
+              <a:shade val="50000"/>
+            </a:schemeClr>
+          </a:lnRef>
+          <a:fillRef idx="1">
+            <a:schemeClr val="accent1"/>
+          </a:fillRef>
+          <a:effectRef idx="0">
+            <a:schemeClr val="accent1"/>
+          </a:effectRef>
+          <a:fontRef idx="minor">
+            <a:schemeClr val="lt1"/>
+          </a:fontRef>
+        </p:style>
+        <p:txBody>
+          <a:bodyPr rtlCol="0" anchor="ctr"/>
+          <a:lstStyle/>
+          <a:p>
+            <a:pPr algn="ctr"/>
+            <a:endParaRPr lang="en-US"/>
+          </a:p>
+        </p:txBody>
+      </p:sp>
+      <p:sp useBgFill="1">
+        <p:nvSpPr>
+          <p:cNvPr id="10" name="Rectangle 9">
+            <a:extLst>
+              <a:ext uri="{FF2B5EF4-FFF2-40B4-BE49-F238E27FC236}">
+                <a16:creationId xmlns:a16="http://schemas.microsoft.com/office/drawing/2014/main" id="{8D754211-D443-9CD4-93E3-3E554F1C3E44}"/>
+              </a:ext>
+              <a:ext uri="{C183D7F6-B498-43B3-948B-1728B52AA6E4}">
+                <adec:decorative xmlns:adec="http://schemas.microsoft.com/office/drawing/2017/decorative" val="1"/>
+              </a:ext>
+            </a:extLst>
+          </p:cNvPr>
+          <p:cNvSpPr>
+            <a:spLocks noGrp="1" noRot="1" noChangeAspect="1" noMove="1" noResize="1" noEditPoints="1" noAdjustHandles="1" noChangeArrowheads="1" noChangeShapeType="1" noTextEdit="1"/>
+          </p:cNvSpPr>
+          <p:nvPr>
+            <p:extLst>
+              <p:ext uri="{386F3935-93C4-4BCD-93E2-E3B085C9AB24}">
+                <p16:designElem xmlns:p16="http://schemas.microsoft.com/office/powerpoint/2015/main" val="1"/>
+              </p:ext>
+            </p:extLst>
+          </p:nvPr>
+        </p:nvSpPr>
+        <p:spPr>
+          <a:xfrm>
+            <a:off x="0" y="0"/>
+            <a:ext cx="12188952" cy="6858000"/>
+          </a:xfrm>
+          <a:prstGeom prst="rect">
+            <a:avLst/>
+          </a:prstGeom>
+          <a:ln w="12700" cap="flat" cmpd="sng" algn="ctr">
+            <a:noFill/>
+            <a:prstDash val="solid"/>
+            <a:miter lim="800000"/>
+          </a:ln>
+          <a:effectLst/>
+          <a:extLst>
+            <a:ext uri="{91240B29-F687-4F45-9708-019B960494DF}">
+              <a14:hiddenLine xmlns:a14="http://schemas.microsoft.com/office/drawing/2010/main" w="12700" cap="flat" cmpd="sng" algn="ctr">
+                <a:solidFill>
+                  <a:schemeClr val="accent1">
+                    <a:shade val="50000"/>
+                  </a:schemeClr>
+                </a:solidFill>
+                <a:prstDash val="solid"/>
+                <a:miter lim="800000"/>
+              </a14:hiddenLine>
+            </a:ext>
+          </a:extLst>
+        </p:spPr>
+        <p:style>
+          <a:lnRef idx="2">
+            <a:schemeClr val="accent1">
+              <a:shade val="50000"/>
+            </a:schemeClr>
+          </a:lnRef>
+          <a:fillRef idx="1">
+            <a:schemeClr val="accent1"/>
+          </a:fillRef>
+          <a:effectRef idx="0">
+            <a:schemeClr val="accent1"/>
+          </a:effectRef>
+          <a:fontRef idx="minor">
+            <a:schemeClr val="lt1"/>
+          </a:fontRef>
+        </p:style>
+        <p:txBody>
+          <a:bodyPr rtlCol="0" anchor="ctr"/>
+          <a:lstStyle/>
+          <a:p>
+            <a:pPr algn="ctr"/>
+            <a:endParaRPr lang="en-US"/>
+          </a:p>
+        </p:txBody>
+      </p:sp>
+      <p:sp>
+        <p:nvSpPr>
+          <p:cNvPr id="12" name="Rectangle 11">
+            <a:extLst>
+              <a:ext uri="{FF2B5EF4-FFF2-40B4-BE49-F238E27FC236}">
+                <a16:creationId xmlns:a16="http://schemas.microsoft.com/office/drawing/2014/main" id="{0A57257C-2734-E0E8-036B-3E3862A4DB32}"/>
+              </a:ext>
+              <a:ext uri="{C183D7F6-B498-43B3-948B-1728B52AA6E4}">
+                <adec:decorative xmlns:adec="http://schemas.microsoft.com/office/drawing/2017/decorative" val="1"/>
+              </a:ext>
+            </a:extLst>
+          </p:cNvPr>
+          <p:cNvSpPr>
+            <a:spLocks noGrp="1" noRot="1" noChangeAspect="1" noMove="1" noResize="1" noEditPoints="1" noAdjustHandles="1" noChangeArrowheads="1" noChangeShapeType="1" noTextEdit="1"/>
+          </p:cNvSpPr>
+          <p:nvPr>
+            <p:extLst>
+              <p:ext uri="{386F3935-93C4-4BCD-93E2-E3B085C9AB24}">
+                <p16:designElem xmlns:p16="http://schemas.microsoft.com/office/powerpoint/2015/main" val="1"/>
+              </p:ext>
+            </p:extLst>
+          </p:nvPr>
+        </p:nvSpPr>
+        <p:spPr>
+          <a:xfrm rot="5400000" flipH="1">
+            <a:off x="-1410084" y="1410082"/>
+            <a:ext cx="6858000" cy="4037836"/>
+          </a:xfrm>
+          <a:prstGeom prst="rect">
+            <a:avLst/>
+          </a:prstGeom>
+          <a:gradFill>
+            <a:gsLst>
+              <a:gs pos="8000">
+                <a:srgbClr val="000000"/>
+              </a:gs>
+              <a:gs pos="100000">
+                <a:schemeClr val="accent1">
+                  <a:lumMod val="75000"/>
+                </a:schemeClr>
+              </a:gs>
+            </a:gsLst>
+            <a:lin ang="3000000" scaled="0"/>
+          </a:gradFill>
+          <a:ln>
+            <a:noFill/>
+          </a:ln>
+        </p:spPr>
+        <p:style>
+          <a:lnRef idx="2">
+            <a:schemeClr val="accent1">
+              <a:shade val="50000"/>
+            </a:schemeClr>
+          </a:lnRef>
+          <a:fillRef idx="1">
+            <a:schemeClr val="accent1"/>
+          </a:fillRef>
+          <a:effectRef idx="0">
+            <a:schemeClr val="accent1"/>
+          </a:effectRef>
+          <a:fontRef idx="minor">
+            <a:schemeClr val="lt1"/>
+          </a:fontRef>
+        </p:style>
+        <p:txBody>
+          <a:bodyPr rtlCol="0" anchor="ctr"/>
+          <a:lstStyle/>
+          <a:p>
+            <a:pPr algn="ctr"/>
+            <a:endParaRPr lang="en-US"/>
+          </a:p>
+        </p:txBody>
+      </p:sp>
+      <p:sp>
+        <p:nvSpPr>
+          <p:cNvPr id="14" name="Rectangle 13">
+            <a:extLst>
+              <a:ext uri="{FF2B5EF4-FFF2-40B4-BE49-F238E27FC236}">
+                <a16:creationId xmlns:a16="http://schemas.microsoft.com/office/drawing/2014/main" id="{47577ACD-3048-5D2F-D840-AF1C2456ADF5}"/>
+              </a:ext>
+              <a:ext uri="{C183D7F6-B498-43B3-948B-1728B52AA6E4}">
+                <adec:decorative xmlns:adec="http://schemas.microsoft.com/office/drawing/2017/decorative" val="1"/>
+              </a:ext>
+            </a:extLst>
+          </p:cNvPr>
+          <p:cNvSpPr>
+            <a:spLocks noGrp="1" noRot="1" noChangeAspect="1" noMove="1" noResize="1" noEditPoints="1" noAdjustHandles="1" noChangeArrowheads="1" noChangeShapeType="1" noTextEdit="1"/>
+          </p:cNvSpPr>
+          <p:nvPr>
+            <p:extLst>
+              <p:ext uri="{386F3935-93C4-4BCD-93E2-E3B085C9AB24}">
+                <p16:designElem xmlns:p16="http://schemas.microsoft.com/office/powerpoint/2015/main" val="1"/>
+              </p:ext>
+            </p:extLst>
+          </p:nvPr>
+        </p:nvSpPr>
+        <p:spPr>
+          <a:xfrm rot="5400000" flipH="1">
+            <a:off x="-1410085" y="1420219"/>
+            <a:ext cx="6857999" cy="4037839"/>
+          </a:xfrm>
+          <a:prstGeom prst="rect">
+            <a:avLst/>
+          </a:prstGeom>
+          <a:gradFill>
+            <a:gsLst>
+              <a:gs pos="0">
+                <a:srgbClr val="000000">
+                  <a:alpha val="0"/>
+                </a:srgbClr>
+              </a:gs>
+              <a:gs pos="99000">
+                <a:schemeClr val="accent1">
+                  <a:alpha val="46000"/>
+                </a:schemeClr>
+              </a:gs>
+            </a:gsLst>
+            <a:lin ang="1800000" scaled="0"/>
+          </a:gradFill>
+          <a:ln>
+            <a:noFill/>
+          </a:ln>
+        </p:spPr>
+        <p:style>
+          <a:lnRef idx="2">
+            <a:schemeClr val="accent1">
+              <a:shade val="50000"/>
+            </a:schemeClr>
+          </a:lnRef>
+          <a:fillRef idx="1">
+            <a:schemeClr val="accent1"/>
+          </a:fillRef>
+          <a:effectRef idx="0">
+            <a:schemeClr val="accent1"/>
+          </a:effectRef>
+          <a:fontRef idx="minor">
+            <a:schemeClr val="lt1"/>
+          </a:fontRef>
+        </p:style>
+        <p:txBody>
+          <a:bodyPr rtlCol="0" anchor="ctr"/>
+          <a:lstStyle/>
+          <a:p>
+            <a:pPr algn="ctr"/>
+            <a:endParaRPr lang="en-US"/>
+          </a:p>
+        </p:txBody>
+      </p:sp>
+      <p:sp>
+        <p:nvSpPr>
+          <p:cNvPr id="16" name="Rectangle 15">
+            <a:extLst>
+              <a:ext uri="{FF2B5EF4-FFF2-40B4-BE49-F238E27FC236}">
+                <a16:creationId xmlns:a16="http://schemas.microsoft.com/office/drawing/2014/main" id="{BA6B5386-DD8D-BAA6-DDCD-0FB41016E7E3}"/>
+              </a:ext>
+              <a:ext uri="{C183D7F6-B498-43B3-948B-1728B52AA6E4}">
+                <adec:decorative xmlns:adec="http://schemas.microsoft.com/office/drawing/2017/decorative" val="1"/>
+              </a:ext>
+            </a:extLst>
+          </p:cNvPr>
+          <p:cNvSpPr>
+            <a:spLocks noGrp="1" noRot="1" noChangeAspect="1" noMove="1" noResize="1" noEditPoints="1" noAdjustHandles="1" noChangeArrowheads="1" noChangeShapeType="1" noTextEdit="1"/>
+          </p:cNvSpPr>
+          <p:nvPr>
+            <p:extLst>
+              <p:ext uri="{386F3935-93C4-4BCD-93E2-E3B085C9AB24}">
+                <p16:designElem xmlns:p16="http://schemas.microsoft.com/office/powerpoint/2015/main" val="1"/>
+              </p:ext>
+            </p:extLst>
+          </p:nvPr>
+        </p:nvSpPr>
+        <p:spPr>
+          <a:xfrm rot="5400000" flipH="1">
+            <a:off x="767923" y="3588085"/>
+            <a:ext cx="2501979" cy="4037841"/>
+          </a:xfrm>
+          <a:prstGeom prst="rect">
+            <a:avLst/>
+          </a:prstGeom>
+          <a:gradFill>
+            <a:gsLst>
+              <a:gs pos="2000">
+                <a:schemeClr val="accent1">
+                  <a:alpha val="29000"/>
+                </a:schemeClr>
+              </a:gs>
+              <a:gs pos="100000">
+                <a:srgbClr val="000000">
+                  <a:alpha val="30000"/>
+                </a:srgbClr>
+              </a:gs>
+            </a:gsLst>
+            <a:lin ang="7800000" scaled="0"/>
+          </a:gradFill>
+          <a:ln>
+            <a:noFill/>
+          </a:ln>
+        </p:spPr>
+        <p:style>
+          <a:lnRef idx="2">
+            <a:schemeClr val="accent1">
+              <a:shade val="50000"/>
+            </a:schemeClr>
+          </a:lnRef>
+          <a:fillRef idx="1">
+            <a:schemeClr val="accent1"/>
+          </a:fillRef>
+          <a:effectRef idx="0">
+            <a:schemeClr val="accent1"/>
+          </a:effectRef>
+          <a:fontRef idx="minor">
+            <a:schemeClr val="lt1"/>
+          </a:fontRef>
+        </p:style>
+        <p:txBody>
+          <a:bodyPr rtlCol="0" anchor="ctr"/>
+          <a:lstStyle/>
+          <a:p>
+            <a:pPr algn="ctr"/>
+            <a:endParaRPr lang="en-US" dirty="0"/>
+          </a:p>
+        </p:txBody>
+      </p:sp>
+      <p:sp>
+        <p:nvSpPr>
+          <p:cNvPr id="18" name="Freeform: Shape 17">
+            <a:extLst>
+              <a:ext uri="{FF2B5EF4-FFF2-40B4-BE49-F238E27FC236}">
+                <a16:creationId xmlns:a16="http://schemas.microsoft.com/office/drawing/2014/main" id="{E02CAA3A-9E6A-2520-88A5-D8C892831E40}"/>
+              </a:ext>
+              <a:ext uri="{C183D7F6-B498-43B3-948B-1728B52AA6E4}">
+                <adec:decorative xmlns:adec="http://schemas.microsoft.com/office/drawing/2017/decorative" val="1"/>
+              </a:ext>
+            </a:extLst>
+          </p:cNvPr>
+          <p:cNvSpPr>
+            <a:spLocks noGrp="1" noRot="1" noChangeAspect="1" noMove="1" noResize="1" noEditPoints="1" noAdjustHandles="1" noChangeArrowheads="1" noChangeShapeType="1" noTextEdit="1"/>
+          </p:cNvSpPr>
+          <p:nvPr>
+            <p:extLst>
+              <p:ext uri="{386F3935-93C4-4BCD-93E2-E3B085C9AB24}">
+                <p16:designElem xmlns:p16="http://schemas.microsoft.com/office/powerpoint/2015/main" val="1"/>
+              </p:ext>
+            </p:extLst>
+          </p:nvPr>
+        </p:nvSpPr>
+        <p:spPr>
+          <a:xfrm rot="20635413">
+            <a:off x="-501737" y="969718"/>
+            <a:ext cx="3900357" cy="4178958"/>
+          </a:xfrm>
+          <a:custGeom>
+            <a:avLst/>
+            <a:gdLst>
+              <a:gd name="connsiteX0" fmla="*/ 2432225 w 3900357"/>
+              <a:gd name="connsiteY0" fmla="*/ 93939 h 4178958"/>
+              <a:gd name="connsiteX1" fmla="*/ 3900357 w 3900357"/>
+              <a:gd name="connsiteY1" fmla="*/ 2089479 h 4178958"/>
+              <a:gd name="connsiteX2" fmla="*/ 1810878 w 3900357"/>
+              <a:gd name="connsiteY2" fmla="*/ 4178958 h 4178958"/>
+              <a:gd name="connsiteX3" fmla="*/ 78249 w 3900357"/>
+              <a:gd name="connsiteY3" fmla="*/ 3257727 h 4178958"/>
+              <a:gd name="connsiteX4" fmla="*/ 0 w 3900357"/>
+              <a:gd name="connsiteY4" fmla="*/ 3128923 h 4178958"/>
+              <a:gd name="connsiteX5" fmla="*/ 831324 w 3900357"/>
+              <a:gd name="connsiteY5" fmla="*/ 244281 h 4178958"/>
+              <a:gd name="connsiteX6" fmla="*/ 997559 w 3900357"/>
+              <a:gd name="connsiteY6" fmla="*/ 164202 h 4178958"/>
+              <a:gd name="connsiteX7" fmla="*/ 1810878 w 3900357"/>
+              <a:gd name="connsiteY7" fmla="*/ 0 h 4178958"/>
+              <a:gd name="connsiteX8" fmla="*/ 2432225 w 3900357"/>
+              <a:gd name="connsiteY8" fmla="*/ 93939 h 4178958"/>
+            </a:gdLst>
+            <a:ahLst/>
+            <a:cxnLst>
+              <a:cxn ang="0">
+                <a:pos x="connsiteX0" y="connsiteY0"/>
+              </a:cxn>
+              <a:cxn ang="0">
+                <a:pos x="connsiteX1" y="connsiteY1"/>
+              </a:cxn>
+              <a:cxn ang="0">
+                <a:pos x="connsiteX2" y="connsiteY2"/>
+              </a:cxn>
+              <a:cxn ang="0">
+                <a:pos x="connsiteX3" y="connsiteY3"/>
+              </a:cxn>
+              <a:cxn ang="0">
+                <a:pos x="connsiteX4" y="connsiteY4"/>
+              </a:cxn>
+              <a:cxn ang="0">
+                <a:pos x="connsiteX5" y="connsiteY5"/>
+              </a:cxn>
+              <a:cxn ang="0">
+                <a:pos x="connsiteX6" y="connsiteY6"/>
+              </a:cxn>
+              <a:cxn ang="0">
+                <a:pos x="connsiteX7" y="connsiteY7"/>
+              </a:cxn>
+              <a:cxn ang="0">
+                <a:pos x="connsiteX8" y="connsiteY8"/>
+              </a:cxn>
+            </a:cxnLst>
+            <a:rect l="l" t="t" r="r" b="b"/>
+            <a:pathLst>
+              <a:path w="3900357" h="4178958">
+                <a:moveTo>
+                  <a:pt x="2432225" y="93939"/>
+                </a:moveTo>
+                <a:cubicBezTo>
+                  <a:pt x="3282786" y="358491"/>
+                  <a:pt x="3900357" y="1151865"/>
+                  <a:pt x="3900357" y="2089479"/>
+                </a:cubicBezTo>
+                <a:cubicBezTo>
+                  <a:pt x="3900357" y="3243466"/>
+                  <a:pt x="2964865" y="4178958"/>
+                  <a:pt x="1810878" y="4178958"/>
+                </a:cubicBezTo>
+                <a:cubicBezTo>
+                  <a:pt x="1089636" y="4178958"/>
+                  <a:pt x="453744" y="3813531"/>
+                  <a:pt x="78249" y="3257727"/>
+                </a:cubicBezTo>
+                <a:lnTo>
+                  <a:pt x="0" y="3128923"/>
+                </a:lnTo>
+                <a:lnTo>
+                  <a:pt x="831324" y="244281"/>
+                </a:lnTo>
+                <a:lnTo>
+                  <a:pt x="997559" y="164202"/>
+                </a:lnTo>
+                <a:cubicBezTo>
+                  <a:pt x="1247540" y="58468"/>
+                  <a:pt x="1522381" y="0"/>
+                  <a:pt x="1810878" y="0"/>
+                </a:cubicBezTo>
+                <a:cubicBezTo>
+                  <a:pt x="2027251" y="0"/>
+                  <a:pt x="2235942" y="32888"/>
+                  <a:pt x="2432225" y="93939"/>
+                </a:cubicBezTo>
+                <a:close/>
+              </a:path>
+            </a:pathLst>
+          </a:custGeom>
+          <a:gradFill>
+            <a:gsLst>
+              <a:gs pos="29000">
+                <a:srgbClr val="000000">
+                  <a:alpha val="0"/>
+                </a:srgbClr>
+              </a:gs>
+              <a:gs pos="100000">
+                <a:schemeClr val="accent1">
+                  <a:alpha val="43000"/>
+                </a:schemeClr>
+              </a:gs>
+            </a:gsLst>
+            <a:lin ang="1800000" scaled="0"/>
+          </a:gradFill>
+          <a:ln>
+            <a:noFill/>
+          </a:ln>
+        </p:spPr>
+        <p:style>
+          <a:lnRef idx="2">
+            <a:schemeClr val="accent1">
+              <a:shade val="50000"/>
+            </a:schemeClr>
+          </a:lnRef>
+          <a:fillRef idx="1">
+            <a:schemeClr val="accent1"/>
+          </a:fillRef>
+          <a:effectRef idx="0">
+            <a:schemeClr val="accent1"/>
+          </a:effectRef>
+          <a:fontRef idx="minor">
+            <a:schemeClr val="lt1"/>
+          </a:fontRef>
+        </p:style>
+        <p:txBody>
+          <a:bodyPr wrap="square" rtlCol="0" anchor="ctr">
+            <a:noAutofit/>
+          </a:bodyPr>
+          <a:lstStyle/>
+          <a:p>
+            <a:pPr algn="ctr"/>
+            <a:endParaRPr lang="en-US" dirty="0"/>
+          </a:p>
+        </p:txBody>
+      </p:sp>
+      <p:sp>
+        <p:nvSpPr>
+          <p:cNvPr id="20" name="Rectangle 19">
+            <a:extLst>
+              <a:ext uri="{FF2B5EF4-FFF2-40B4-BE49-F238E27FC236}">
+                <a16:creationId xmlns:a16="http://schemas.microsoft.com/office/drawing/2014/main" id="{06F1E9CB-6325-D24A-BBDA-57ADDEC971E7}"/>
+              </a:ext>
+              <a:ext uri="{C183D7F6-B498-43B3-948B-1728B52AA6E4}">
+                <adec:decorative xmlns:adec="http://schemas.microsoft.com/office/drawing/2017/decorative" val="1"/>
+              </a:ext>
+            </a:extLst>
+          </p:cNvPr>
+          <p:cNvSpPr>
+            <a:spLocks noGrp="1" noRot="1" noChangeAspect="1" noMove="1" noResize="1" noEditPoints="1" noAdjustHandles="1" noChangeArrowheads="1" noChangeShapeType="1" noTextEdit="1"/>
+          </p:cNvSpPr>
+          <p:nvPr>
+            <p:extLst>
+              <p:ext uri="{386F3935-93C4-4BCD-93E2-E3B085C9AB24}">
+                <p16:designElem xmlns:p16="http://schemas.microsoft.com/office/powerpoint/2015/main" val="1"/>
+              </p:ext>
+            </p:extLst>
+          </p:nvPr>
+        </p:nvSpPr>
+        <p:spPr>
+          <a:xfrm rot="5400000" flipH="1">
+            <a:off x="-1410093" y="1399943"/>
+            <a:ext cx="6858003" cy="4037835"/>
+          </a:xfrm>
+          <a:prstGeom prst="rect">
+            <a:avLst/>
+          </a:prstGeom>
+          <a:gradFill>
+            <a:gsLst>
+              <a:gs pos="0">
+                <a:srgbClr val="000000">
+                  <a:alpha val="0"/>
+                </a:srgbClr>
+              </a:gs>
+              <a:gs pos="99000">
+                <a:schemeClr val="accent1">
+                  <a:lumMod val="60000"/>
+                  <a:lumOff val="40000"/>
+                  <a:alpha val="11000"/>
+                </a:schemeClr>
+              </a:gs>
+            </a:gsLst>
+            <a:lin ang="7200000" scaled="0"/>
+          </a:gradFill>
+          <a:ln>
+            <a:noFill/>
+          </a:ln>
+        </p:spPr>
+        <p:style>
+          <a:lnRef idx="2">
+            <a:schemeClr val="accent1">
+              <a:shade val="50000"/>
+            </a:schemeClr>
+          </a:lnRef>
+          <a:fillRef idx="1">
+            <a:schemeClr val="accent1"/>
+          </a:fillRef>
+          <a:effectRef idx="0">
+            <a:schemeClr val="accent1"/>
+          </a:effectRef>
+          <a:fontRef idx="minor">
+            <a:schemeClr val="lt1"/>
+          </a:fontRef>
+        </p:style>
+        <p:txBody>
+          <a:bodyPr rtlCol="0" anchor="ctr"/>
+          <a:lstStyle/>
+          <a:p>
+            <a:pPr algn="ctr"/>
+            <a:endParaRPr lang="en-US"/>
+          </a:p>
+        </p:txBody>
+      </p:sp>
+      <p:sp>
+        <p:nvSpPr>
+          <p:cNvPr id="2" name="Title 1">
+            <a:extLst>
+              <a:ext uri="{FF2B5EF4-FFF2-40B4-BE49-F238E27FC236}">
+                <a16:creationId xmlns:a16="http://schemas.microsoft.com/office/drawing/2014/main" id="{E09DBAAD-4074-A0CE-8B5B-CD485FE9D85E}"/>
+              </a:ext>
+            </a:extLst>
+          </p:cNvPr>
+          <p:cNvSpPr>
+            <a:spLocks noGrp="1"/>
+          </p:cNvSpPr>
+          <p:nvPr>
+            <p:ph type="title"/>
+          </p:nvPr>
+        </p:nvSpPr>
+        <p:spPr>
+          <a:xfrm>
+            <a:off x="418225" y="3056019"/>
+            <a:ext cx="3201366" cy="745960"/>
+          </a:xfrm>
+        </p:spPr>
+        <p:txBody>
+          <a:bodyPr anchor="ctr">
+            <a:noAutofit/>
+          </a:bodyPr>
+          <a:lstStyle/>
+          <a:p>
+            <a:r>
+              <a:rPr lang="en-US" sz="3600" dirty="0">
+                <a:solidFill>
+                  <a:srgbClr val="FFFFFF"/>
+                </a:solidFill>
+                <a:latin typeface="+mn-lt"/>
+              </a:rPr>
+              <a:t>Formation of Fibrin from Fibrinogen</a:t>
+            </a:r>
+            <a:endParaRPr lang="en-IN" sz="3600" dirty="0">
+              <a:solidFill>
+                <a:srgbClr val="FFFFFF"/>
+              </a:solidFill>
+              <a:latin typeface="+mn-lt"/>
+            </a:endParaRPr>
+          </a:p>
+        </p:txBody>
+      </p:sp>
+      <p:sp>
+        <p:nvSpPr>
+          <p:cNvPr id="3" name="Content Placeholder 2">
+            <a:extLst>
+              <a:ext uri="{FF2B5EF4-FFF2-40B4-BE49-F238E27FC236}">
+                <a16:creationId xmlns:a16="http://schemas.microsoft.com/office/drawing/2014/main" id="{AE7032AD-C9CB-50BB-43E3-7F1823DE49FA}"/>
+              </a:ext>
+            </a:extLst>
+          </p:cNvPr>
+          <p:cNvSpPr>
+            <a:spLocks noGrp="1"/>
+          </p:cNvSpPr>
+          <p:nvPr>
+            <p:ph idx="1"/>
+          </p:nvPr>
+        </p:nvSpPr>
+        <p:spPr>
+          <a:xfrm>
+            <a:off x="4810259" y="649480"/>
+            <a:ext cx="6555347" cy="5546047"/>
+          </a:xfrm>
+        </p:spPr>
+        <p:txBody>
+          <a:bodyPr anchor="ctr">
+            <a:normAutofit/>
+          </a:bodyPr>
+          <a:lstStyle/>
+          <a:p>
+            <a:pPr marL="0" indent="0">
+              <a:buNone/>
+            </a:pPr>
+            <a:r>
+              <a:rPr lang="en-US" sz="2400" dirty="0"/>
+              <a:t>Formation of Fibrin from Fibrinogen </a:t>
+            </a:r>
+          </a:p>
+          <a:p>
+            <a:pPr marL="0" indent="0">
+              <a:buNone/>
+            </a:pPr>
+            <a:r>
+              <a:rPr lang="en-US" sz="2400" dirty="0"/>
+              <a:t>This is the final stage of blood coagulation in which thrombin acts as an enzyme to convert fibrinogen to fibrin. In this process, first, the fibrin monomers are formed and afterward, they are polymerized to fibrin thread (blood clot). </a:t>
+            </a:r>
+          </a:p>
+          <a:p>
+            <a:pPr marL="0" indent="0">
+              <a:buNone/>
+            </a:pPr>
+            <a:r>
+              <a:rPr lang="en-US" sz="2400" dirty="0"/>
+              <a:t>This occurs in three steps: </a:t>
+            </a:r>
+          </a:p>
+          <a:p>
+            <a:pPr marL="342900" indent="-342900">
+              <a:buAutoNum type="arabicPeriod"/>
+            </a:pPr>
+            <a:r>
+              <a:rPr lang="en-US" sz="2400" dirty="0"/>
+              <a:t>Proteolysis of soluble fibrinogen </a:t>
+            </a:r>
+          </a:p>
+          <a:p>
+            <a:pPr marL="342900" indent="-342900">
+              <a:buAutoNum type="arabicPeriod"/>
+            </a:pPr>
+            <a:r>
+              <a:rPr lang="en-US" sz="2400" dirty="0"/>
+              <a:t>Polymerization of fibrin monomers </a:t>
+            </a:r>
+          </a:p>
+          <a:p>
+            <a:pPr marL="342900" indent="-342900">
+              <a:buAutoNum type="arabicPeriod"/>
+            </a:pPr>
+            <a:r>
+              <a:rPr lang="en-US" sz="2400" dirty="0"/>
+              <a:t>Stabilization of fibrin polymer</a:t>
+            </a:r>
+            <a:endParaRPr lang="en-IN" sz="3600" dirty="0"/>
+          </a:p>
+        </p:txBody>
+      </p:sp>
+      <p:sp>
+        <p:nvSpPr>
+          <p:cNvPr id="4" name="Rectangle 3">
+            <a:extLst>
+              <a:ext uri="{FF2B5EF4-FFF2-40B4-BE49-F238E27FC236}">
+                <a16:creationId xmlns:a16="http://schemas.microsoft.com/office/drawing/2014/main" id="{2770D40F-42CC-3A36-BC69-3952AB004BA5}"/>
+              </a:ext>
+            </a:extLst>
+          </p:cNvPr>
+          <p:cNvSpPr/>
+          <p:nvPr/>
+        </p:nvSpPr>
+        <p:spPr>
+          <a:xfrm>
+            <a:off x="11641394" y="-19864"/>
+            <a:ext cx="550606" cy="353851"/>
+          </a:xfrm>
+          <a:prstGeom prst="rect">
+            <a:avLst/>
+          </a:prstGeom>
+          <a:solidFill>
+            <a:schemeClr val="accent5"/>
+          </a:solidFill>
+        </p:spPr>
+        <p:style>
+          <a:lnRef idx="2">
+            <a:schemeClr val="accent1">
+              <a:shade val="15000"/>
+            </a:schemeClr>
+          </a:lnRef>
+          <a:fillRef idx="1">
+            <a:schemeClr val="accent1"/>
+          </a:fillRef>
+          <a:effectRef idx="0">
+            <a:schemeClr val="accent1"/>
+          </a:effectRef>
+          <a:fontRef idx="minor">
+            <a:schemeClr val="lt1"/>
+          </a:fontRef>
+        </p:style>
+        <p:txBody>
+          <a:bodyPr rtlCol="0" anchor="ctr"/>
+          <a:lstStyle/>
+          <a:p>
+            <a:pPr algn="ctr"/>
+            <a:r>
+              <a:rPr lang="en-US" dirty="0"/>
+              <a:t>GK</a:t>
+            </a:r>
+          </a:p>
+        </p:txBody>
+      </p:sp>
+    </p:spTree>
+    <p:extLst>
+      <p:ext uri="{BB962C8B-B14F-4D97-AF65-F5344CB8AC3E}">
+        <p14:creationId xmlns:p14="http://schemas.microsoft.com/office/powerpoint/2010/main" val="507918233"/>
+      </p:ext>
+    </p:extLst>
+  </p:cSld>
+  <p:clrMapOvr>
+    <a:masterClrMapping/>
+  </p:clrMapOvr>
+</p:sld>
+</file>
+
+<file path=ppt/slides/slide8.xml><?xml version="1.0" encoding="utf-8"?>
+<p:sld xmlns:a="http://schemas.openxmlformats.org/drawingml/2006/main" xmlns:r="http://schemas.openxmlformats.org/officeDocument/2006/relationships" xmlns:p="http://schemas.openxmlformats.org/presentationml/2006/main">
+  <p:cSld>
+    <p:bg>
+      <p:bgPr>
+        <a:solidFill>
+          <a:schemeClr val="bg1"/>
+        </a:solidFill>
+        <a:effectLst/>
+      </p:bgPr>
+    </p:bg>
+    <p:spTree>
+      <p:nvGrpSpPr>
+        <p:cNvPr id="1" name="">
+          <a:extLst>
+            <a:ext uri="{FF2B5EF4-FFF2-40B4-BE49-F238E27FC236}">
+              <a16:creationId xmlns:a16="http://schemas.microsoft.com/office/drawing/2014/main" id="{21A14234-470F-94C5-76D3-984C4830977B}"/>
+            </a:ext>
+          </a:extLst>
+        </p:cNvPr>
+        <p:cNvGrpSpPr/>
+        <p:nvPr/>
+      </p:nvGrpSpPr>
+      <p:grpSpPr>
+        <a:xfrm>
+          <a:off x="0" y="0"/>
+          <a:ext cx="0" cy="0"/>
+          <a:chOff x="0" y="0"/>
+          <a:chExt cx="0" cy="0"/>
+        </a:xfrm>
+      </p:grpSpPr>
+      <p:pic>
+        <p:nvPicPr>
+          <p:cNvPr id="5" name="Picture 4">
+            <a:extLst>
+              <a:ext uri="{FF2B5EF4-FFF2-40B4-BE49-F238E27FC236}">
+                <a16:creationId xmlns:a16="http://schemas.microsoft.com/office/drawing/2014/main" id="{B366AFEA-B0FE-D40D-5539-A14A480A0A40}"/>
+              </a:ext>
+            </a:extLst>
+          </p:cNvPr>
+          <p:cNvPicPr>
+            <a:picLocks noChangeAspect="1"/>
+          </p:cNvPicPr>
+          <p:nvPr/>
+        </p:nvPicPr>
+        <p:blipFill>
+          <a:blip r:embed="rId2"/>
+          <a:stretch>
+            <a:fillRect/>
+          </a:stretch>
+        </p:blipFill>
+        <p:spPr>
+          <a:xfrm>
+            <a:off x="1819523" y="210620"/>
+            <a:ext cx="8552953" cy="6436759"/>
+          </a:xfrm>
+          <a:prstGeom prst="rect">
+            <a:avLst/>
+          </a:prstGeom>
+        </p:spPr>
+      </p:pic>
+      <p:sp>
+        <p:nvSpPr>
+          <p:cNvPr id="6" name="TextBox 5">
+            <a:extLst>
+              <a:ext uri="{FF2B5EF4-FFF2-40B4-BE49-F238E27FC236}">
+                <a16:creationId xmlns:a16="http://schemas.microsoft.com/office/drawing/2014/main" id="{1B8D3C60-80FA-0B55-3030-495A76F4DF62}"/>
+              </a:ext>
+            </a:extLst>
+          </p:cNvPr>
+          <p:cNvSpPr txBox="1"/>
+          <p:nvPr/>
+        </p:nvSpPr>
+        <p:spPr>
+          <a:xfrm>
+            <a:off x="4174650" y="5294852"/>
+            <a:ext cx="1331070" cy="400110"/>
+          </a:xfrm>
+          <a:prstGeom prst="rect">
+            <a:avLst/>
+          </a:prstGeom>
+          <a:noFill/>
+        </p:spPr>
+        <p:txBody>
+          <a:bodyPr wrap="none" rtlCol="0">
+            <a:spAutoFit/>
+          </a:bodyPr>
+          <a:lstStyle/>
+          <a:p>
+            <a:pPr algn="ctr"/>
+            <a:r>
+              <a:rPr lang="en-US" sz="2000" dirty="0"/>
+              <a:t>XIIIa , Ca++</a:t>
+            </a:r>
+          </a:p>
+        </p:txBody>
+      </p:sp>
+      <p:sp>
+        <p:nvSpPr>
+          <p:cNvPr id="2" name="Rectangle 1">
+            <a:extLst>
+              <a:ext uri="{FF2B5EF4-FFF2-40B4-BE49-F238E27FC236}">
+                <a16:creationId xmlns:a16="http://schemas.microsoft.com/office/drawing/2014/main" id="{D9067B46-6CFF-6FA2-A5F9-5C4B50FF8E25}"/>
+              </a:ext>
+            </a:extLst>
+          </p:cNvPr>
+          <p:cNvSpPr/>
+          <p:nvPr/>
+        </p:nvSpPr>
+        <p:spPr>
+          <a:xfrm>
+            <a:off x="11641394" y="-19864"/>
+            <a:ext cx="550606" cy="353851"/>
+          </a:xfrm>
+          <a:prstGeom prst="rect">
+            <a:avLst/>
+          </a:prstGeom>
+          <a:solidFill>
+            <a:schemeClr val="accent5"/>
+          </a:solidFill>
+        </p:spPr>
+        <p:style>
+          <a:lnRef idx="2">
+            <a:schemeClr val="accent1">
+              <a:shade val="15000"/>
+            </a:schemeClr>
+          </a:lnRef>
+          <a:fillRef idx="1">
+            <a:schemeClr val="accent1"/>
+          </a:fillRef>
+          <a:effectRef idx="0">
+            <a:schemeClr val="accent1"/>
+          </a:effectRef>
+          <a:fontRef idx="minor">
+            <a:schemeClr val="lt1"/>
+          </a:fontRef>
+        </p:style>
+        <p:txBody>
+          <a:bodyPr rtlCol="0" anchor="ctr"/>
+          <a:lstStyle/>
+          <a:p>
+            <a:pPr algn="ctr"/>
+            <a:r>
+              <a:rPr lang="en-US" dirty="0"/>
+              <a:t>GK</a:t>
+            </a:r>
+          </a:p>
+        </p:txBody>
+      </p:sp>
+    </p:spTree>
+    <p:extLst>
+      <p:ext uri="{BB962C8B-B14F-4D97-AF65-F5344CB8AC3E}">
+        <p14:creationId xmlns:p14="http://schemas.microsoft.com/office/powerpoint/2010/main" val="3155841102"/>
+      </p:ext>
+    </p:extLst>
+  </p:cSld>
+  <p:clrMapOvr>
+    <a:masterClrMapping/>
+  </p:clrMapOvr>
+</p:sld>
+</file>
+
+<file path=ppt/slides/slide9.xml><?xml version="1.0" encoding="utf-8"?>
+<p:sld xmlns:a="http://schemas.openxmlformats.org/drawingml/2006/main" xmlns:r="http://schemas.openxmlformats.org/officeDocument/2006/relationships" xmlns:p="http://schemas.openxmlformats.org/presentationml/2006/main">
+  <p:cSld>
+    <p:bg>
+      <p:bgPr>
+        <a:solidFill>
+          <a:schemeClr val="bg1"/>
+        </a:solidFill>
+        <a:effectLst/>
+      </p:bgPr>
+    </p:bg>
+    <p:spTree>
+      <p:nvGrpSpPr>
+        <p:cNvPr id="1" name="">
+          <a:extLst>
+            <a:ext uri="{FF2B5EF4-FFF2-40B4-BE49-F238E27FC236}">
+              <a16:creationId xmlns:a16="http://schemas.microsoft.com/office/drawing/2014/main" id="{2ADE26CB-A7EF-0A13-97D1-C49646028C53}"/>
+            </a:ext>
+          </a:extLst>
+        </p:cNvPr>
+        <p:cNvGrpSpPr/>
+        <p:nvPr/>
+      </p:nvGrpSpPr>
+      <p:grpSpPr>
+        <a:xfrm>
+          <a:off x="0" y="0"/>
+          <a:ext cx="0" cy="0"/>
+          <a:chOff x="0" y="0"/>
+          <a:chExt cx="0" cy="0"/>
+        </a:xfrm>
+      </p:grpSpPr>
+      <p:sp useBgFill="1">
+        <p:nvSpPr>
+          <p:cNvPr id="8" name="Rectangle 7">
+            <a:extLst>
+              <a:ext uri="{FF2B5EF4-FFF2-40B4-BE49-F238E27FC236}">
+                <a16:creationId xmlns:a16="http://schemas.microsoft.com/office/drawing/2014/main" id="{7003FCE6-5B28-F7B4-6669-BA7B38A6F8E0}"/>
+              </a:ext>
+              <a:ext uri="{C183D7F6-B498-43B3-948B-1728B52AA6E4}">
+                <adec:decorative xmlns:adec="http://schemas.microsoft.com/office/drawing/2017/decorative" val="1"/>
+              </a:ext>
+            </a:extLst>
+          </p:cNvPr>
+          <p:cNvSpPr>
+            <a:spLocks noGrp="1" noRot="1" noChangeAspect="1" noMove="1" noResize="1" noEditPoints="1" noAdjustHandles="1" noChangeArrowheads="1" noChangeShapeType="1" noTextEdit="1"/>
+          </p:cNvSpPr>
+          <p:nvPr>
+            <p:extLst>
+              <p:ext uri="{386F3935-93C4-4BCD-93E2-E3B085C9AB24}">
+                <p16:designElem xmlns:p16="http://schemas.microsoft.com/office/powerpoint/2015/main" val="1"/>
+              </p:ext>
+            </p:extLst>
+          </p:nvPr>
+        </p:nvSpPr>
+        <p:spPr>
+          <a:xfrm>
+            <a:off x="0" y="0"/>
+            <a:ext cx="12192000" cy="6858000"/>
+          </a:xfrm>
+          <a:prstGeom prst="rect">
+            <a:avLst/>
+          </a:prstGeom>
+          <a:ln w="12700" cap="flat" cmpd="sng" algn="ctr">
+            <a:noFill/>
+            <a:prstDash val="solid"/>
+            <a:miter lim="800000"/>
+          </a:ln>
+          <a:effectLst/>
+          <a:extLst>
+            <a:ext uri="{91240B29-F687-4F45-9708-019B960494DF}">
+              <a14:hiddenLine xmlns:a14="http://schemas.microsoft.com/office/drawing/2010/main" w="12700" cap="flat" cmpd="sng" algn="ctr">
+                <a:solidFill>
+                  <a:schemeClr val="accent1">
+                    <a:shade val="50000"/>
+                  </a:schemeClr>
+                </a:solidFill>
+                <a:prstDash val="solid"/>
+                <a:miter lim="800000"/>
+              </a14:hiddenLine>
+            </a:ext>
+          </a:extLst>
+        </p:spPr>
+        <p:style>
+          <a:lnRef idx="2">
+            <a:schemeClr val="accent1">
+              <a:shade val="50000"/>
+            </a:schemeClr>
+          </a:lnRef>
+          <a:fillRef idx="1">
+            <a:schemeClr val="accent1"/>
+          </a:fillRef>
+          <a:effectRef idx="0">
+            <a:schemeClr val="accent1"/>
+          </a:effectRef>
+          <a:fontRef idx="minor">
+            <a:schemeClr val="lt1"/>
+          </a:fontRef>
+        </p:style>
+        <p:txBody>
+          <a:bodyPr rtlCol="0" anchor="ctr"/>
+          <a:lstStyle/>
+          <a:p>
+            <a:pPr algn="ctr"/>
+            <a:endParaRPr lang="en-US"/>
+          </a:p>
+        </p:txBody>
+      </p:sp>
+      <p:sp useBgFill="1">
+        <p:nvSpPr>
+          <p:cNvPr id="10" name="Rectangle 9">
+            <a:extLst>
+              <a:ext uri="{FF2B5EF4-FFF2-40B4-BE49-F238E27FC236}">
+                <a16:creationId xmlns:a16="http://schemas.microsoft.com/office/drawing/2014/main" id="{B193E5A9-413C-BC06-4C00-B4A2DBC8EADC}"/>
+              </a:ext>
+              <a:ext uri="{C183D7F6-B498-43B3-948B-1728B52AA6E4}">
+                <adec:decorative xmlns:adec="http://schemas.microsoft.com/office/drawing/2017/decorative" val="1"/>
+              </a:ext>
+            </a:extLst>
+          </p:cNvPr>
+          <p:cNvSpPr>
+            <a:spLocks noGrp="1" noRot="1" noChangeAspect="1" noMove="1" noResize="1" noEditPoints="1" noAdjustHandles="1" noChangeArrowheads="1" noChangeShapeType="1" noTextEdit="1"/>
+          </p:cNvSpPr>
+          <p:nvPr>
+            <p:extLst>
+              <p:ext uri="{386F3935-93C4-4BCD-93E2-E3B085C9AB24}">
+                <p16:designElem xmlns:p16="http://schemas.microsoft.com/office/powerpoint/2015/main" val="1"/>
+              </p:ext>
+            </p:extLst>
+          </p:nvPr>
+        </p:nvSpPr>
+        <p:spPr>
+          <a:xfrm>
+            <a:off x="0" y="0"/>
+            <a:ext cx="12188952" cy="6858000"/>
+          </a:xfrm>
+          <a:prstGeom prst="rect">
+            <a:avLst/>
+          </a:prstGeom>
+          <a:ln w="12700" cap="flat" cmpd="sng" algn="ctr">
+            <a:noFill/>
+            <a:prstDash val="solid"/>
+            <a:miter lim="800000"/>
+          </a:ln>
+          <a:effectLst/>
+          <a:extLst>
+            <a:ext uri="{91240B29-F687-4F45-9708-019B960494DF}">
+              <a14:hiddenLine xmlns:a14="http://schemas.microsoft.com/office/drawing/2010/main" w="12700" cap="flat" cmpd="sng" algn="ctr">
+                <a:solidFill>
+                  <a:schemeClr val="accent1">
+                    <a:shade val="50000"/>
+                  </a:schemeClr>
+                </a:solidFill>
+                <a:prstDash val="solid"/>
+                <a:miter lim="800000"/>
+              </a14:hiddenLine>
+            </a:ext>
+          </a:extLst>
+        </p:spPr>
+        <p:style>
+          <a:lnRef idx="2">
+            <a:schemeClr val="accent1">
+              <a:shade val="50000"/>
+            </a:schemeClr>
+          </a:lnRef>
+          <a:fillRef idx="1">
+            <a:schemeClr val="accent1"/>
+          </a:fillRef>
+          <a:effectRef idx="0">
+            <a:schemeClr val="accent1"/>
+          </a:effectRef>
+          <a:fontRef idx="minor">
+            <a:schemeClr val="lt1"/>
+          </a:fontRef>
+        </p:style>
+        <p:txBody>
+          <a:bodyPr rtlCol="0" anchor="ctr"/>
+          <a:lstStyle/>
+          <a:p>
+            <a:pPr algn="ctr"/>
+            <a:endParaRPr lang="en-US"/>
+          </a:p>
+        </p:txBody>
+      </p:sp>
+      <p:sp>
+        <p:nvSpPr>
+          <p:cNvPr id="12" name="Rectangle 11">
+            <a:extLst>
+              <a:ext uri="{FF2B5EF4-FFF2-40B4-BE49-F238E27FC236}">
+                <a16:creationId xmlns:a16="http://schemas.microsoft.com/office/drawing/2014/main" id="{39E286DC-F4E3-07B9-1F69-414DA098F075}"/>
+              </a:ext>
+              <a:ext uri="{C183D7F6-B498-43B3-948B-1728B52AA6E4}">
+                <adec:decorative xmlns:adec="http://schemas.microsoft.com/office/drawing/2017/decorative" val="1"/>
+              </a:ext>
+            </a:extLst>
+          </p:cNvPr>
+          <p:cNvSpPr>
+            <a:spLocks noGrp="1" noRot="1" noChangeAspect="1" noMove="1" noResize="1" noEditPoints="1" noAdjustHandles="1" noChangeArrowheads="1" noChangeShapeType="1" noTextEdit="1"/>
+          </p:cNvSpPr>
+          <p:nvPr>
+            <p:extLst>
+              <p:ext uri="{386F3935-93C4-4BCD-93E2-E3B085C9AB24}">
+                <p16:designElem xmlns:p16="http://schemas.microsoft.com/office/powerpoint/2015/main" val="1"/>
+              </p:ext>
+            </p:extLst>
+          </p:nvPr>
+        </p:nvSpPr>
+        <p:spPr>
+          <a:xfrm rot="5400000" flipH="1">
+            <a:off x="-1410084" y="1410082"/>
+            <a:ext cx="6858000" cy="4037836"/>
+          </a:xfrm>
+          <a:prstGeom prst="rect">
+            <a:avLst/>
+          </a:prstGeom>
+          <a:gradFill>
+            <a:gsLst>
+              <a:gs pos="8000">
+                <a:srgbClr val="000000"/>
+              </a:gs>
+              <a:gs pos="100000">
+                <a:schemeClr val="accent1">
+                  <a:lumMod val="75000"/>
+                </a:schemeClr>
+              </a:gs>
+            </a:gsLst>
+            <a:lin ang="3000000" scaled="0"/>
+          </a:gradFill>
+          <a:ln>
+            <a:noFill/>
+          </a:ln>
+        </p:spPr>
+        <p:style>
+          <a:lnRef idx="2">
+            <a:schemeClr val="accent1">
+              <a:shade val="50000"/>
+            </a:schemeClr>
+          </a:lnRef>
+          <a:fillRef idx="1">
+            <a:schemeClr val="accent1"/>
+          </a:fillRef>
+          <a:effectRef idx="0">
+            <a:schemeClr val="accent1"/>
+          </a:effectRef>
+          <a:fontRef idx="minor">
+            <a:schemeClr val="lt1"/>
+          </a:fontRef>
+        </p:style>
+        <p:txBody>
+          <a:bodyPr rtlCol="0" anchor="ctr"/>
+          <a:lstStyle/>
+          <a:p>
+            <a:pPr algn="ctr"/>
+            <a:endParaRPr lang="en-US"/>
+          </a:p>
+        </p:txBody>
+      </p:sp>
+      <p:sp>
+        <p:nvSpPr>
+          <p:cNvPr id="14" name="Rectangle 13">
+            <a:extLst>
+              <a:ext uri="{FF2B5EF4-FFF2-40B4-BE49-F238E27FC236}">
+                <a16:creationId xmlns:a16="http://schemas.microsoft.com/office/drawing/2014/main" id="{402E6504-F343-AAA7-C995-927D4505D0E1}"/>
+              </a:ext>
+              <a:ext uri="{C183D7F6-B498-43B3-948B-1728B52AA6E4}">
+                <adec:decorative xmlns:adec="http://schemas.microsoft.com/office/drawing/2017/decorative" val="1"/>
+              </a:ext>
+            </a:extLst>
+          </p:cNvPr>
+          <p:cNvSpPr>
+            <a:spLocks noGrp="1" noRot="1" noChangeAspect="1" noMove="1" noResize="1" noEditPoints="1" noAdjustHandles="1" noChangeArrowheads="1" noChangeShapeType="1" noTextEdit="1"/>
+          </p:cNvSpPr>
+          <p:nvPr>
+            <p:extLst>
+              <p:ext uri="{386F3935-93C4-4BCD-93E2-E3B085C9AB24}">
+                <p16:designElem xmlns:p16="http://schemas.microsoft.com/office/powerpoint/2015/main" val="1"/>
+              </p:ext>
+            </p:extLst>
+          </p:nvPr>
+        </p:nvSpPr>
+        <p:spPr>
+          <a:xfrm rot="5400000" flipH="1">
+            <a:off x="-1410085" y="1420219"/>
+            <a:ext cx="6857999" cy="4037839"/>
+          </a:xfrm>
+          <a:prstGeom prst="rect">
+            <a:avLst/>
+          </a:prstGeom>
+          <a:gradFill>
+            <a:gsLst>
+              <a:gs pos="0">
+                <a:srgbClr val="000000">
+                  <a:alpha val="0"/>
+                </a:srgbClr>
+              </a:gs>
+              <a:gs pos="99000">
+                <a:schemeClr val="accent1">
+                  <a:alpha val="46000"/>
+                </a:schemeClr>
+              </a:gs>
+            </a:gsLst>
+            <a:lin ang="1800000" scaled="0"/>
+          </a:gradFill>
+          <a:ln>
+            <a:noFill/>
+          </a:ln>
+        </p:spPr>
+        <p:style>
+          <a:lnRef idx="2">
+            <a:schemeClr val="accent1">
+              <a:shade val="50000"/>
+            </a:schemeClr>
+          </a:lnRef>
+          <a:fillRef idx="1">
+            <a:schemeClr val="accent1"/>
+          </a:fillRef>
+          <a:effectRef idx="0">
+            <a:schemeClr val="accent1"/>
+          </a:effectRef>
+          <a:fontRef idx="minor">
+            <a:schemeClr val="lt1"/>
+          </a:fontRef>
+        </p:style>
+        <p:txBody>
+          <a:bodyPr rtlCol="0" anchor="ctr"/>
+          <a:lstStyle/>
+          <a:p>
+            <a:pPr algn="ctr"/>
+            <a:endParaRPr lang="en-US"/>
+          </a:p>
+        </p:txBody>
+      </p:sp>
+      <p:sp>
+        <p:nvSpPr>
+          <p:cNvPr id="16" name="Rectangle 15">
+            <a:extLst>
+              <a:ext uri="{FF2B5EF4-FFF2-40B4-BE49-F238E27FC236}">
+                <a16:creationId xmlns:a16="http://schemas.microsoft.com/office/drawing/2014/main" id="{9801B482-A746-3C3A-F8AF-E26EA91CC401}"/>
+              </a:ext>
+              <a:ext uri="{C183D7F6-B498-43B3-948B-1728B52AA6E4}">
+                <adec:decorative xmlns:adec="http://schemas.microsoft.com/office/drawing/2017/decorative" val="1"/>
+              </a:ext>
+            </a:extLst>
+          </p:cNvPr>
+          <p:cNvSpPr>
+            <a:spLocks noGrp="1" noRot="1" noChangeAspect="1" noMove="1" noResize="1" noEditPoints="1" noAdjustHandles="1" noChangeArrowheads="1" noChangeShapeType="1" noTextEdit="1"/>
+          </p:cNvSpPr>
+          <p:nvPr>
+            <p:extLst>
+              <p:ext uri="{386F3935-93C4-4BCD-93E2-E3B085C9AB24}">
+                <p16:designElem xmlns:p16="http://schemas.microsoft.com/office/powerpoint/2015/main" val="1"/>
+              </p:ext>
+            </p:extLst>
+          </p:nvPr>
+        </p:nvSpPr>
+        <p:spPr>
+          <a:xfrm rot="5400000" flipH="1">
+            <a:off x="767923" y="3588085"/>
+            <a:ext cx="2501979" cy="4037841"/>
+          </a:xfrm>
+          <a:prstGeom prst="rect">
+            <a:avLst/>
+          </a:prstGeom>
+          <a:gradFill>
+            <a:gsLst>
+              <a:gs pos="2000">
+                <a:schemeClr val="accent1">
+                  <a:alpha val="29000"/>
+                </a:schemeClr>
+              </a:gs>
+              <a:gs pos="100000">
+                <a:srgbClr val="000000">
+                  <a:alpha val="30000"/>
+                </a:srgbClr>
+              </a:gs>
+            </a:gsLst>
+            <a:lin ang="7800000" scaled="0"/>
+          </a:gradFill>
+          <a:ln>
+            <a:noFill/>
+          </a:ln>
+        </p:spPr>
+        <p:style>
+          <a:lnRef idx="2">
+            <a:schemeClr val="accent1">
+              <a:shade val="50000"/>
+            </a:schemeClr>
+          </a:lnRef>
+          <a:fillRef idx="1">
+            <a:schemeClr val="accent1"/>
+          </a:fillRef>
+          <a:effectRef idx="0">
+            <a:schemeClr val="accent1"/>
+          </a:effectRef>
+          <a:fontRef idx="minor">
+            <a:schemeClr val="lt1"/>
+          </a:fontRef>
+        </p:style>
+        <p:txBody>
+          <a:bodyPr rtlCol="0" anchor="ctr"/>
+          <a:lstStyle/>
+          <a:p>
+            <a:pPr algn="ctr"/>
+            <a:endParaRPr lang="en-US" dirty="0"/>
+          </a:p>
+        </p:txBody>
+      </p:sp>
+      <p:sp>
+        <p:nvSpPr>
+          <p:cNvPr id="18" name="Freeform: Shape 17">
+            <a:extLst>
+              <a:ext uri="{FF2B5EF4-FFF2-40B4-BE49-F238E27FC236}">
+                <a16:creationId xmlns:a16="http://schemas.microsoft.com/office/drawing/2014/main" id="{7B1DB9EA-0FBC-F0AC-D25F-DC8E619E9ED9}"/>
+              </a:ext>
+              <a:ext uri="{C183D7F6-B498-43B3-948B-1728B52AA6E4}">
+                <adec:decorative xmlns:adec="http://schemas.microsoft.com/office/drawing/2017/decorative" val="1"/>
+              </a:ext>
+            </a:extLst>
+          </p:cNvPr>
+          <p:cNvSpPr>
+            <a:spLocks noGrp="1" noRot="1" noChangeAspect="1" noMove="1" noResize="1" noEditPoints="1" noAdjustHandles="1" noChangeArrowheads="1" noChangeShapeType="1" noTextEdit="1"/>
+          </p:cNvSpPr>
+          <p:nvPr>
+            <p:extLst>
+              <p:ext uri="{386F3935-93C4-4BCD-93E2-E3B085C9AB24}">
+                <p16:designElem xmlns:p16="http://schemas.microsoft.com/office/powerpoint/2015/main" val="1"/>
+              </p:ext>
+            </p:extLst>
+          </p:nvPr>
+        </p:nvSpPr>
+        <p:spPr>
+          <a:xfrm rot="20635413">
+            <a:off x="-501737" y="969718"/>
+            <a:ext cx="3900357" cy="4178958"/>
+          </a:xfrm>
+          <a:custGeom>
+            <a:avLst/>
+            <a:gdLst>
+              <a:gd name="connsiteX0" fmla="*/ 2432225 w 3900357"/>
+              <a:gd name="connsiteY0" fmla="*/ 93939 h 4178958"/>
+              <a:gd name="connsiteX1" fmla="*/ 3900357 w 3900357"/>
+              <a:gd name="connsiteY1" fmla="*/ 2089479 h 4178958"/>
+              <a:gd name="connsiteX2" fmla="*/ 1810878 w 3900357"/>
+              <a:gd name="connsiteY2" fmla="*/ 4178958 h 4178958"/>
+              <a:gd name="connsiteX3" fmla="*/ 78249 w 3900357"/>
+              <a:gd name="connsiteY3" fmla="*/ 3257727 h 4178958"/>
+              <a:gd name="connsiteX4" fmla="*/ 0 w 3900357"/>
+              <a:gd name="connsiteY4" fmla="*/ 3128923 h 4178958"/>
+              <a:gd name="connsiteX5" fmla="*/ 831324 w 3900357"/>
+              <a:gd name="connsiteY5" fmla="*/ 244281 h 4178958"/>
+              <a:gd name="connsiteX6" fmla="*/ 997559 w 3900357"/>
+              <a:gd name="connsiteY6" fmla="*/ 164202 h 4178958"/>
+              <a:gd name="connsiteX7" fmla="*/ 1810878 w 3900357"/>
+              <a:gd name="connsiteY7" fmla="*/ 0 h 4178958"/>
+              <a:gd name="connsiteX8" fmla="*/ 2432225 w 3900357"/>
+              <a:gd name="connsiteY8" fmla="*/ 93939 h 4178958"/>
+            </a:gdLst>
+            <a:ahLst/>
+            <a:cxnLst>
+              <a:cxn ang="0">
+                <a:pos x="connsiteX0" y="connsiteY0"/>
+              </a:cxn>
+              <a:cxn ang="0">
+                <a:pos x="connsiteX1" y="connsiteY1"/>
+              </a:cxn>
+              <a:cxn ang="0">
+                <a:pos x="connsiteX2" y="connsiteY2"/>
+              </a:cxn>
+              <a:cxn ang="0">
+                <a:pos x="connsiteX3" y="connsiteY3"/>
+              </a:cxn>
+              <a:cxn ang="0">
+                <a:pos x="connsiteX4" y="connsiteY4"/>
+              </a:cxn>
+              <a:cxn ang="0">
+                <a:pos x="connsiteX5" y="connsiteY5"/>
+              </a:cxn>
+              <a:cxn ang="0">
+                <a:pos x="connsiteX6" y="connsiteY6"/>
+              </a:cxn>
+              <a:cxn ang="0">
+                <a:pos x="connsiteX7" y="connsiteY7"/>
+              </a:cxn>
+              <a:cxn ang="0">
+                <a:pos x="connsiteX8" y="connsiteY8"/>
+              </a:cxn>
+            </a:cxnLst>
+            <a:rect l="l" t="t" r="r" b="b"/>
+            <a:pathLst>
+              <a:path w="3900357" h="4178958">
+                <a:moveTo>
+                  <a:pt x="2432225" y="93939"/>
+                </a:moveTo>
+                <a:cubicBezTo>
+                  <a:pt x="3282786" y="358491"/>
+                  <a:pt x="3900357" y="1151865"/>
+                  <a:pt x="3900357" y="2089479"/>
+                </a:cubicBezTo>
+                <a:cubicBezTo>
+                  <a:pt x="3900357" y="3243466"/>
+                  <a:pt x="2964865" y="4178958"/>
+                  <a:pt x="1810878" y="4178958"/>
+                </a:cubicBezTo>
+                <a:cubicBezTo>
+                  <a:pt x="1089636" y="4178958"/>
+                  <a:pt x="453744" y="3813531"/>
+                  <a:pt x="78249" y="3257727"/>
+                </a:cubicBezTo>
+                <a:lnTo>
+                  <a:pt x="0" y="3128923"/>
+                </a:lnTo>
+                <a:lnTo>
+                  <a:pt x="831324" y="244281"/>
+                </a:lnTo>
+                <a:lnTo>
+                  <a:pt x="997559" y="164202"/>
+                </a:lnTo>
+                <a:cubicBezTo>
+                  <a:pt x="1247540" y="58468"/>
+                  <a:pt x="1522381" y="0"/>
+                  <a:pt x="1810878" y="0"/>
+                </a:cubicBezTo>
+                <a:cubicBezTo>
+                  <a:pt x="2027251" y="0"/>
+                  <a:pt x="2235942" y="32888"/>
+                  <a:pt x="2432225" y="93939"/>
+                </a:cubicBezTo>
+                <a:close/>
+              </a:path>
+            </a:pathLst>
+          </a:custGeom>
+          <a:gradFill>
+            <a:gsLst>
+              <a:gs pos="29000">
+                <a:srgbClr val="000000">
+                  <a:alpha val="0"/>
+                </a:srgbClr>
+              </a:gs>
+              <a:gs pos="100000">
+                <a:schemeClr val="accent1">
+                  <a:alpha val="43000"/>
+                </a:schemeClr>
+              </a:gs>
+            </a:gsLst>
+            <a:lin ang="1800000" scaled="0"/>
+          </a:gradFill>
+          <a:ln>
+            <a:noFill/>
+          </a:ln>
+        </p:spPr>
+        <p:style>
+          <a:lnRef idx="2">
+            <a:schemeClr val="accent1">
+              <a:shade val="50000"/>
+            </a:schemeClr>
+          </a:lnRef>
+          <a:fillRef idx="1">
+            <a:schemeClr val="accent1"/>
+          </a:fillRef>
+          <a:effectRef idx="0">
+            <a:schemeClr val="accent1"/>
+          </a:effectRef>
+          <a:fontRef idx="minor">
+            <a:schemeClr val="lt1"/>
+          </a:fontRef>
+        </p:style>
+        <p:txBody>
+          <a:bodyPr wrap="square" rtlCol="0" anchor="ctr">
+            <a:noAutofit/>
+          </a:bodyPr>
+          <a:lstStyle/>
+          <a:p>
+            <a:pPr algn="ctr"/>
+            <a:endParaRPr lang="en-US" dirty="0"/>
+          </a:p>
+        </p:txBody>
+      </p:sp>
+      <p:sp>
+        <p:nvSpPr>
+          <p:cNvPr id="20" name="Rectangle 19">
+            <a:extLst>
+              <a:ext uri="{FF2B5EF4-FFF2-40B4-BE49-F238E27FC236}">
+                <a16:creationId xmlns:a16="http://schemas.microsoft.com/office/drawing/2014/main" id="{DC6B750E-9D85-9270-657B-4AB05D5416E4}"/>
+              </a:ext>
+              <a:ext uri="{C183D7F6-B498-43B3-948B-1728B52AA6E4}">
+                <adec:decorative xmlns:adec="http://schemas.microsoft.com/office/drawing/2017/decorative" val="1"/>
+              </a:ext>
+            </a:extLst>
+          </p:cNvPr>
+          <p:cNvSpPr>
+            <a:spLocks noGrp="1" noRot="1" noChangeAspect="1" noMove="1" noResize="1" noEditPoints="1" noAdjustHandles="1" noChangeArrowheads="1" noChangeShapeType="1" noTextEdit="1"/>
+          </p:cNvSpPr>
+          <p:nvPr>
+            <p:extLst>
+              <p:ext uri="{386F3935-93C4-4BCD-93E2-E3B085C9AB24}">
+                <p16:designElem xmlns:p16="http://schemas.microsoft.com/office/powerpoint/2015/main" val="1"/>
+              </p:ext>
+            </p:extLst>
+          </p:nvPr>
+        </p:nvSpPr>
+        <p:spPr>
+          <a:xfrm rot="5400000" flipH="1">
+            <a:off x="-1410093" y="1399943"/>
+            <a:ext cx="6858003" cy="4037835"/>
+          </a:xfrm>
+          <a:prstGeom prst="rect">
+            <a:avLst/>
+          </a:prstGeom>
+          <a:gradFill>
+            <a:gsLst>
+              <a:gs pos="0">
+                <a:srgbClr val="000000">
+                  <a:alpha val="0"/>
+                </a:srgbClr>
+              </a:gs>
+              <a:gs pos="99000">
+                <a:schemeClr val="accent1">
+                  <a:lumMod val="60000"/>
+                  <a:lumOff val="40000"/>
+                  <a:alpha val="11000"/>
+                </a:schemeClr>
+              </a:gs>
+            </a:gsLst>
+            <a:lin ang="7200000" scaled="0"/>
+          </a:gradFill>
+          <a:ln>
+            <a:noFill/>
+          </a:ln>
+        </p:spPr>
+        <p:style>
+          <a:lnRef idx="2">
+            <a:schemeClr val="accent1">
+              <a:shade val="50000"/>
+            </a:schemeClr>
+          </a:lnRef>
+          <a:fillRef idx="1">
+            <a:schemeClr val="accent1"/>
+          </a:fillRef>
+          <a:effectRef idx="0">
+            <a:schemeClr val="accent1"/>
+          </a:effectRef>
+          <a:fontRef idx="minor">
+            <a:schemeClr val="lt1"/>
+          </a:fontRef>
+        </p:style>
+        <p:txBody>
+          <a:bodyPr rtlCol="0" anchor="ctr"/>
+          <a:lstStyle/>
+          <a:p>
+            <a:pPr algn="ctr"/>
+            <a:endParaRPr lang="en-US"/>
+          </a:p>
+        </p:txBody>
+      </p:sp>
+      <p:sp>
+        <p:nvSpPr>
+          <p:cNvPr id="2" name="Title 1">
+            <a:extLst>
+              <a:ext uri="{FF2B5EF4-FFF2-40B4-BE49-F238E27FC236}">
                 <a16:creationId xmlns:a16="http://schemas.microsoft.com/office/drawing/2014/main" id="{4C2B19A1-0070-2D09-B049-D68EE88C1A8D}"/>
               </a:ext>
             </a:extLst>
@@ -21133,6 +25128,58 @@
           </a:extLst>
         </p:spPr>
       </p:pic>
+      <p:sp>
+        <p:nvSpPr>
+          <p:cNvPr id="3" name="Rectangle 2">
+            <a:extLst>
+              <a:ext uri="{FF2B5EF4-FFF2-40B4-BE49-F238E27FC236}">
+                <a16:creationId xmlns:a16="http://schemas.microsoft.com/office/drawing/2014/main" id="{EEE02970-3FB5-6183-E86F-E75672C9B753}"/>
+              </a:ext>
+            </a:extLst>
+          </p:cNvPr>
+          <p:cNvSpPr/>
+          <p:nvPr/>
+        </p:nvSpPr>
+        <p:spPr>
+          <a:xfrm>
+            <a:off x="11641394" y="-19864"/>
+            <a:ext cx="550606" cy="353851"/>
+          </a:xfrm>
+          <a:prstGeom prst="rect">
+            <a:avLst/>
+          </a:prstGeom>
+          <a:solidFill>
+            <a:schemeClr val="accent5"/>
+          </a:solidFill>
+        </p:spPr>
+        <p:style>
+          <a:lnRef idx="2">
+            <a:schemeClr val="accent1">
+              <a:shade val="15000"/>
+            </a:schemeClr>
+          </a:lnRef>
+          <a:fillRef idx="1">
+            <a:schemeClr val="accent1"/>
+          </a:fillRef>
+          <a:effectRef idx="0">
+            <a:schemeClr val="accent1"/>
+          </a:effectRef>
+          <a:fontRef idx="minor">
+            <a:schemeClr val="lt1"/>
+          </a:fontRef>
+        </p:style>
+        <p:txBody>
+          <a:bodyPr rtlCol="0" anchor="ctr"/>
+          <a:lstStyle/>
+          <a:p>
+            <a:pPr algn="ctr"/>
+            <a:r>
+              <a:rPr lang="en-US" dirty="0"/>
+              <a:t>GK</a:t>
+            </a:r>
+          </a:p>
+        </p:txBody>
+      </p:sp>
     </p:spTree>
     <p:extLst>
       <p:ext uri="{BB962C8B-B14F-4D97-AF65-F5344CB8AC3E}">
